--- a/Document/Small Business Web Site Project Proposal by Slidesgo .pptx
+++ b/Document/Small Business Web Site Project Proposal by Slidesgo .pptx
@@ -5,35 +5,39 @@
     <p:sldMasterId id="2147483648" r:id="rId1"/>
   </p:sldMasterIdLst>
   <p:notesMasterIdLst>
-    <p:notesMasterId r:id="rId17"/>
+    <p:notesMasterId r:id="rId4"/>
   </p:notesMasterIdLst>
   <p:sldIdLst>
-    <p:sldId id="256" r:id="rId2"/>
-    <p:sldId id="258" r:id="rId3"/>
-    <p:sldId id="309" r:id="rId4"/>
-    <p:sldId id="311" r:id="rId5"/>
-    <p:sldId id="312" r:id="rId6"/>
-    <p:sldId id="310" r:id="rId7"/>
-    <p:sldId id="313" r:id="rId8"/>
-    <p:sldId id="315" r:id="rId9"/>
-    <p:sldId id="316" r:id="rId10"/>
-    <p:sldId id="317" r:id="rId11"/>
-    <p:sldId id="318" r:id="rId12"/>
-    <p:sldId id="319" r:id="rId13"/>
-    <p:sldId id="320" r:id="rId14"/>
-    <p:sldId id="321" r:id="rId15"/>
-    <p:sldId id="322" r:id="rId16"/>
+    <p:sldId id="256" r:id="rId3"/>
+    <p:sldId id="258" r:id="rId5"/>
+    <p:sldId id="309" r:id="rId6"/>
+    <p:sldId id="311" r:id="rId7"/>
+    <p:sldId id="312" r:id="rId8"/>
+    <p:sldId id="310" r:id="rId9"/>
+    <p:sldId id="313" r:id="rId10"/>
+    <p:sldId id="315" r:id="rId11"/>
+    <p:sldId id="316" r:id="rId12"/>
+    <p:sldId id="317" r:id="rId13"/>
+    <p:sldId id="318" r:id="rId14"/>
+    <p:sldId id="319" r:id="rId15"/>
+    <p:sldId id="320" r:id="rId16"/>
+    <p:sldId id="321" r:id="rId17"/>
+    <p:sldId id="322" r:id="rId18"/>
   </p:sldIdLst>
   <p:sldSz cx="9144000" cy="5143500" type="screen16x9"/>
   <p:notesSz cx="6858000" cy="9144000"/>
   <p:embeddedFontLst>
     <p:embeddedFont>
-      <p:font typeface="Roboto" panose="020B0604020202020204" charset="0"/>
-      <p:regular r:id="rId18"/>
+      <p:font typeface="Roboto Condensed" panose="02000000000000000000"/>
+      <p:regular r:id="rId22"/>
     </p:embeddedFont>
     <p:embeddedFont>
-      <p:font typeface="Roboto Condensed" panose="020B0604020202020204" charset="0"/>
-      <p:regular r:id="rId19"/>
+      <p:font typeface="Roboto" panose="02000000000000000000"/>
+      <p:regular r:id="rId23"/>
+    </p:embeddedFont>
+    <p:embeddedFont>
+      <p:font typeface="Roboto" panose="02000000000000000000" charset="0"/>
+      <p:regular r:id="rId24"/>
     </p:embeddedFont>
   </p:embeddedFontLst>
   <p:defaultTextStyle>
@@ -265,11 +269,6 @@
       </a:defRPr>
     </a:lvl9pPr>
   </p:defaultTextStyle>
-  <p:extLst>
-    <p:ext uri="{EFAFB233-063F-42B5-8137-9DF3F51BA10A}">
-      <p15:sldGuideLst xmlns:p15="http://schemas.microsoft.com/office/powerpoint/2012/main"/>
-    </p:ext>
-  </p:extLst>
 </p:presentation>
 </file>
 
@@ -474,9 +473,7 @@
               <a:defRPr sz="1100"/>
             </a:lvl9pPr>
           </a:lstStyle>
-          <a:p>
-            <a:endParaRPr/>
-          </a:p>
+          <a:p/>
         </p:txBody>
       </p:sp>
     </p:spTree>
@@ -715,7 +712,7 @@
 </file>
 
 <file path=ppt/notesSlides/notesSlide1.xml><?xml version="1.0" encoding="utf-8"?>
-<p:notes xmlns:a="http://schemas.openxmlformats.org/drawingml/2006/main" xmlns:r="http://schemas.openxmlformats.org/officeDocument/2006/relationships" xmlns:p="http://schemas.openxmlformats.org/presentationml/2006/main" showMasterSp="0" showMasterPhAnim="0">
+<p:notes xmlns:a="http://schemas.openxmlformats.org/drawingml/2006/main" xmlns:r="http://schemas.openxmlformats.org/officeDocument/2006/relationships" xmlns:p="http://schemas.openxmlformats.org/presentationml/2006/main" showMasterPhAnim="0" showMasterSp="0">
   <p:cSld>
     <p:spTree>
       <p:nvGrpSpPr>
@@ -806,7 +803,6 @@
               </a:spcAft>
               <a:buNone/>
             </a:pPr>
-            <a:endParaRPr/>
           </a:p>
         </p:txBody>
       </p:sp>
@@ -819,7 +815,7 @@
 </file>
 
 <file path=ppt/notesSlides/notesSlide10.xml><?xml version="1.0" encoding="utf-8"?>
-<p:notes xmlns:a="http://schemas.openxmlformats.org/drawingml/2006/main" xmlns:r="http://schemas.openxmlformats.org/officeDocument/2006/relationships" xmlns:p="http://schemas.openxmlformats.org/presentationml/2006/main" showMasterSp="0" showMasterPhAnim="0">
+<p:notes xmlns:a="http://schemas.openxmlformats.org/drawingml/2006/main" xmlns:r="http://schemas.openxmlformats.org/officeDocument/2006/relationships" xmlns:p="http://schemas.openxmlformats.org/presentationml/2006/main" showMasterPhAnim="0" showMasterSp="0">
   <p:cSld>
     <p:spTree>
       <p:nvGrpSpPr>
@@ -910,16 +906,10 @@
               </a:spcAft>
               <a:buNone/>
             </a:pPr>
-            <a:endParaRPr/>
           </a:p>
         </p:txBody>
       </p:sp>
     </p:spTree>
-    <p:extLst>
-      <p:ext uri="{BB962C8B-B14F-4D97-AF65-F5344CB8AC3E}">
-        <p14:creationId xmlns:p14="http://schemas.microsoft.com/office/powerpoint/2010/main" val="1129992175"/>
-      </p:ext>
-    </p:extLst>
   </p:cSld>
   <p:clrMapOvr>
     <a:masterClrMapping/>
@@ -928,7 +918,7 @@
 </file>
 
 <file path=ppt/notesSlides/notesSlide11.xml><?xml version="1.0" encoding="utf-8"?>
-<p:notes xmlns:a="http://schemas.openxmlformats.org/drawingml/2006/main" xmlns:r="http://schemas.openxmlformats.org/officeDocument/2006/relationships" xmlns:p="http://schemas.openxmlformats.org/presentationml/2006/main" showMasterSp="0" showMasterPhAnim="0">
+<p:notes xmlns:a="http://schemas.openxmlformats.org/drawingml/2006/main" xmlns:r="http://schemas.openxmlformats.org/officeDocument/2006/relationships" xmlns:p="http://schemas.openxmlformats.org/presentationml/2006/main" showMasterPhAnim="0" showMasterSp="0">
   <p:cSld>
     <p:spTree>
       <p:nvGrpSpPr>
@@ -1019,16 +1009,10 @@
               </a:spcAft>
               <a:buNone/>
             </a:pPr>
-            <a:endParaRPr/>
           </a:p>
         </p:txBody>
       </p:sp>
     </p:spTree>
-    <p:extLst>
-      <p:ext uri="{BB962C8B-B14F-4D97-AF65-F5344CB8AC3E}">
-        <p14:creationId xmlns:p14="http://schemas.microsoft.com/office/powerpoint/2010/main" val="1930228602"/>
-      </p:ext>
-    </p:extLst>
   </p:cSld>
   <p:clrMapOvr>
     <a:masterClrMapping/>
@@ -1037,7 +1021,7 @@
 </file>
 
 <file path=ppt/notesSlides/notesSlide12.xml><?xml version="1.0" encoding="utf-8"?>
-<p:notes xmlns:a="http://schemas.openxmlformats.org/drawingml/2006/main" xmlns:r="http://schemas.openxmlformats.org/officeDocument/2006/relationships" xmlns:p="http://schemas.openxmlformats.org/presentationml/2006/main" showMasterSp="0" showMasterPhAnim="0">
+<p:notes xmlns:a="http://schemas.openxmlformats.org/drawingml/2006/main" xmlns:r="http://schemas.openxmlformats.org/officeDocument/2006/relationships" xmlns:p="http://schemas.openxmlformats.org/presentationml/2006/main" showMasterPhAnim="0" showMasterSp="0">
   <p:cSld>
     <p:spTree>
       <p:nvGrpSpPr>
@@ -1128,16 +1112,10 @@
               </a:spcAft>
               <a:buNone/>
             </a:pPr>
-            <a:endParaRPr/>
           </a:p>
         </p:txBody>
       </p:sp>
     </p:spTree>
-    <p:extLst>
-      <p:ext uri="{BB962C8B-B14F-4D97-AF65-F5344CB8AC3E}">
-        <p14:creationId xmlns:p14="http://schemas.microsoft.com/office/powerpoint/2010/main" val="1944823944"/>
-      </p:ext>
-    </p:extLst>
   </p:cSld>
   <p:clrMapOvr>
     <a:masterClrMapping/>
@@ -1146,7 +1124,7 @@
 </file>
 
 <file path=ppt/notesSlides/notesSlide13.xml><?xml version="1.0" encoding="utf-8"?>
-<p:notes xmlns:a="http://schemas.openxmlformats.org/drawingml/2006/main" xmlns:r="http://schemas.openxmlformats.org/officeDocument/2006/relationships" xmlns:p="http://schemas.openxmlformats.org/presentationml/2006/main" showMasterSp="0" showMasterPhAnim="0">
+<p:notes xmlns:a="http://schemas.openxmlformats.org/drawingml/2006/main" xmlns:r="http://schemas.openxmlformats.org/officeDocument/2006/relationships" xmlns:p="http://schemas.openxmlformats.org/presentationml/2006/main" showMasterPhAnim="0" showMasterSp="0">
   <p:cSld>
     <p:spTree>
       <p:nvGrpSpPr>
@@ -1237,16 +1215,10 @@
               </a:spcAft>
               <a:buNone/>
             </a:pPr>
-            <a:endParaRPr/>
           </a:p>
         </p:txBody>
       </p:sp>
     </p:spTree>
-    <p:extLst>
-      <p:ext uri="{BB962C8B-B14F-4D97-AF65-F5344CB8AC3E}">
-        <p14:creationId xmlns:p14="http://schemas.microsoft.com/office/powerpoint/2010/main" val="1775898435"/>
-      </p:ext>
-    </p:extLst>
   </p:cSld>
   <p:clrMapOvr>
     <a:masterClrMapping/>
@@ -1255,7 +1227,7 @@
 </file>
 
 <file path=ppt/notesSlides/notesSlide2.xml><?xml version="1.0" encoding="utf-8"?>
-<p:notes xmlns:a="http://schemas.openxmlformats.org/drawingml/2006/main" xmlns:r="http://schemas.openxmlformats.org/officeDocument/2006/relationships" xmlns:p="http://schemas.openxmlformats.org/presentationml/2006/main" showMasterSp="0" showMasterPhAnim="0">
+<p:notes xmlns:a="http://schemas.openxmlformats.org/drawingml/2006/main" xmlns:r="http://schemas.openxmlformats.org/officeDocument/2006/relationships" xmlns:p="http://schemas.openxmlformats.org/presentationml/2006/main" showMasterPhAnim="0" showMasterSp="0">
   <p:cSld>
     <p:spTree>
       <p:nvGrpSpPr>
@@ -1346,7 +1318,6 @@
               </a:spcAft>
               <a:buNone/>
             </a:pPr>
-            <a:endParaRPr/>
           </a:p>
         </p:txBody>
       </p:sp>
@@ -1359,7 +1330,7 @@
 </file>
 
 <file path=ppt/notesSlides/notesSlide3.xml><?xml version="1.0" encoding="utf-8"?>
-<p:notes xmlns:a="http://schemas.openxmlformats.org/drawingml/2006/main" xmlns:r="http://schemas.openxmlformats.org/officeDocument/2006/relationships" xmlns:p="http://schemas.openxmlformats.org/presentationml/2006/main" showMasterSp="0" showMasterPhAnim="0">
+<p:notes xmlns:a="http://schemas.openxmlformats.org/drawingml/2006/main" xmlns:r="http://schemas.openxmlformats.org/officeDocument/2006/relationships" xmlns:p="http://schemas.openxmlformats.org/presentationml/2006/main" showMasterPhAnim="0" showMasterSp="0">
   <p:cSld>
     <p:spTree>
       <p:nvGrpSpPr>
@@ -1450,16 +1421,10 @@
               </a:spcAft>
               <a:buNone/>
             </a:pPr>
-            <a:endParaRPr/>
           </a:p>
         </p:txBody>
       </p:sp>
     </p:spTree>
-    <p:extLst>
-      <p:ext uri="{BB962C8B-B14F-4D97-AF65-F5344CB8AC3E}">
-        <p14:creationId xmlns:p14="http://schemas.microsoft.com/office/powerpoint/2010/main" val="1001912883"/>
-      </p:ext>
-    </p:extLst>
   </p:cSld>
   <p:clrMapOvr>
     <a:masterClrMapping/>
@@ -1468,7 +1433,7 @@
 </file>
 
 <file path=ppt/notesSlides/notesSlide4.xml><?xml version="1.0" encoding="utf-8"?>
-<p:notes xmlns:a="http://schemas.openxmlformats.org/drawingml/2006/main" xmlns:r="http://schemas.openxmlformats.org/officeDocument/2006/relationships" xmlns:p="http://schemas.openxmlformats.org/presentationml/2006/main" showMasterSp="0" showMasterPhAnim="0">
+<p:notes xmlns:a="http://schemas.openxmlformats.org/drawingml/2006/main" xmlns:r="http://schemas.openxmlformats.org/officeDocument/2006/relationships" xmlns:p="http://schemas.openxmlformats.org/presentationml/2006/main" showMasterPhAnim="0" showMasterSp="0">
   <p:cSld>
     <p:spTree>
       <p:nvGrpSpPr>
@@ -1559,16 +1524,10 @@
               </a:spcAft>
               <a:buNone/>
             </a:pPr>
-            <a:endParaRPr/>
           </a:p>
         </p:txBody>
       </p:sp>
     </p:spTree>
-    <p:extLst>
-      <p:ext uri="{BB962C8B-B14F-4D97-AF65-F5344CB8AC3E}">
-        <p14:creationId xmlns:p14="http://schemas.microsoft.com/office/powerpoint/2010/main" val="3807930352"/>
-      </p:ext>
-    </p:extLst>
   </p:cSld>
   <p:clrMapOvr>
     <a:masterClrMapping/>
@@ -1577,7 +1536,7 @@
 </file>
 
 <file path=ppt/notesSlides/notesSlide5.xml><?xml version="1.0" encoding="utf-8"?>
-<p:notes xmlns:a="http://schemas.openxmlformats.org/drawingml/2006/main" xmlns:r="http://schemas.openxmlformats.org/officeDocument/2006/relationships" xmlns:p="http://schemas.openxmlformats.org/presentationml/2006/main" showMasterSp="0" showMasterPhAnim="0">
+<p:notes xmlns:a="http://schemas.openxmlformats.org/drawingml/2006/main" xmlns:r="http://schemas.openxmlformats.org/officeDocument/2006/relationships" xmlns:p="http://schemas.openxmlformats.org/presentationml/2006/main" showMasterPhAnim="0" showMasterSp="0">
   <p:cSld>
     <p:spTree>
       <p:nvGrpSpPr>
@@ -1668,16 +1627,10 @@
               </a:spcAft>
               <a:buNone/>
             </a:pPr>
-            <a:endParaRPr/>
           </a:p>
         </p:txBody>
       </p:sp>
     </p:spTree>
-    <p:extLst>
-      <p:ext uri="{BB962C8B-B14F-4D97-AF65-F5344CB8AC3E}">
-        <p14:creationId xmlns:p14="http://schemas.microsoft.com/office/powerpoint/2010/main" val="1793019287"/>
-      </p:ext>
-    </p:extLst>
   </p:cSld>
   <p:clrMapOvr>
     <a:masterClrMapping/>
@@ -1686,7 +1639,7 @@
 </file>
 
 <file path=ppt/notesSlides/notesSlide6.xml><?xml version="1.0" encoding="utf-8"?>
-<p:notes xmlns:a="http://schemas.openxmlformats.org/drawingml/2006/main" xmlns:r="http://schemas.openxmlformats.org/officeDocument/2006/relationships" xmlns:p="http://schemas.openxmlformats.org/presentationml/2006/main" showMasterSp="0" showMasterPhAnim="0">
+<p:notes xmlns:a="http://schemas.openxmlformats.org/drawingml/2006/main" xmlns:r="http://schemas.openxmlformats.org/officeDocument/2006/relationships" xmlns:p="http://schemas.openxmlformats.org/presentationml/2006/main" showMasterPhAnim="0" showMasterSp="0">
   <p:cSld>
     <p:spTree>
       <p:nvGrpSpPr>
@@ -1777,16 +1730,10 @@
               </a:spcAft>
               <a:buNone/>
             </a:pPr>
-            <a:endParaRPr/>
           </a:p>
         </p:txBody>
       </p:sp>
     </p:spTree>
-    <p:extLst>
-      <p:ext uri="{BB962C8B-B14F-4D97-AF65-F5344CB8AC3E}">
-        <p14:creationId xmlns:p14="http://schemas.microsoft.com/office/powerpoint/2010/main" val="4206882187"/>
-      </p:ext>
-    </p:extLst>
   </p:cSld>
   <p:clrMapOvr>
     <a:masterClrMapping/>
@@ -1795,7 +1742,7 @@
 </file>
 
 <file path=ppt/notesSlides/notesSlide7.xml><?xml version="1.0" encoding="utf-8"?>
-<p:notes xmlns:a="http://schemas.openxmlformats.org/drawingml/2006/main" xmlns:r="http://schemas.openxmlformats.org/officeDocument/2006/relationships" xmlns:p="http://schemas.openxmlformats.org/presentationml/2006/main" showMasterSp="0" showMasterPhAnim="0">
+<p:notes xmlns:a="http://schemas.openxmlformats.org/drawingml/2006/main" xmlns:r="http://schemas.openxmlformats.org/officeDocument/2006/relationships" xmlns:p="http://schemas.openxmlformats.org/presentationml/2006/main" showMasterPhAnim="0" showMasterSp="0">
   <p:cSld>
     <p:spTree>
       <p:nvGrpSpPr>
@@ -1886,16 +1833,10 @@
               </a:spcAft>
               <a:buNone/>
             </a:pPr>
-            <a:endParaRPr/>
           </a:p>
         </p:txBody>
       </p:sp>
     </p:spTree>
-    <p:extLst>
-      <p:ext uri="{BB962C8B-B14F-4D97-AF65-F5344CB8AC3E}">
-        <p14:creationId xmlns:p14="http://schemas.microsoft.com/office/powerpoint/2010/main" val="175148280"/>
-      </p:ext>
-    </p:extLst>
   </p:cSld>
   <p:clrMapOvr>
     <a:masterClrMapping/>
@@ -1904,7 +1845,7 @@
 </file>
 
 <file path=ppt/notesSlides/notesSlide8.xml><?xml version="1.0" encoding="utf-8"?>
-<p:notes xmlns:a="http://schemas.openxmlformats.org/drawingml/2006/main" xmlns:r="http://schemas.openxmlformats.org/officeDocument/2006/relationships" xmlns:p="http://schemas.openxmlformats.org/presentationml/2006/main" showMasterSp="0" showMasterPhAnim="0">
+<p:notes xmlns:a="http://schemas.openxmlformats.org/drawingml/2006/main" xmlns:r="http://schemas.openxmlformats.org/officeDocument/2006/relationships" xmlns:p="http://schemas.openxmlformats.org/presentationml/2006/main" showMasterPhAnim="0" showMasterSp="0">
   <p:cSld>
     <p:spTree>
       <p:nvGrpSpPr>
@@ -1995,16 +1936,10 @@
               </a:spcAft>
               <a:buNone/>
             </a:pPr>
-            <a:endParaRPr/>
           </a:p>
         </p:txBody>
       </p:sp>
     </p:spTree>
-    <p:extLst>
-      <p:ext uri="{BB962C8B-B14F-4D97-AF65-F5344CB8AC3E}">
-        <p14:creationId xmlns:p14="http://schemas.microsoft.com/office/powerpoint/2010/main" val="2083758002"/>
-      </p:ext>
-    </p:extLst>
   </p:cSld>
   <p:clrMapOvr>
     <a:masterClrMapping/>
@@ -2013,7 +1948,7 @@
 </file>
 
 <file path=ppt/notesSlides/notesSlide9.xml><?xml version="1.0" encoding="utf-8"?>
-<p:notes xmlns:a="http://schemas.openxmlformats.org/drawingml/2006/main" xmlns:r="http://schemas.openxmlformats.org/officeDocument/2006/relationships" xmlns:p="http://schemas.openxmlformats.org/presentationml/2006/main" showMasterSp="0" showMasterPhAnim="0">
+<p:notes xmlns:a="http://schemas.openxmlformats.org/drawingml/2006/main" xmlns:r="http://schemas.openxmlformats.org/officeDocument/2006/relationships" xmlns:p="http://schemas.openxmlformats.org/presentationml/2006/main" showMasterPhAnim="0" showMasterSp="0">
   <p:cSld>
     <p:spTree>
       <p:nvGrpSpPr>
@@ -2104,16 +2039,10 @@
               </a:spcAft>
               <a:buNone/>
             </a:pPr>
-            <a:endParaRPr/>
           </a:p>
         </p:txBody>
       </p:sp>
     </p:spTree>
-    <p:extLst>
-      <p:ext uri="{BB962C8B-B14F-4D97-AF65-F5344CB8AC3E}">
-        <p14:creationId xmlns:p14="http://schemas.microsoft.com/office/powerpoint/2010/main" val="1327864497"/>
-      </p:ext>
-    </p:extLst>
   </p:cSld>
   <p:clrMapOvr>
     <a:masterClrMapping/>
@@ -2122,7 +2051,7 @@
 </file>
 
 <file path=ppt/slideLayouts/slideLayout1.xml><?xml version="1.0" encoding="utf-8"?>
-<p:sldLayout xmlns:a="http://schemas.openxmlformats.org/drawingml/2006/main" xmlns:r="http://schemas.openxmlformats.org/officeDocument/2006/relationships" xmlns:p="http://schemas.openxmlformats.org/presentationml/2006/main" matchingName="Title slide" type="title">
+<p:sldLayout xmlns:a="http://schemas.openxmlformats.org/drawingml/2006/main" xmlns:r="http://schemas.openxmlformats.org/officeDocument/2006/relationships" xmlns:p="http://schemas.openxmlformats.org/presentationml/2006/main" type="title" matchingName="Title slide">
   <p:cSld name="TITLE">
     <p:spTree>
       <p:nvGrpSpPr>
@@ -2335,9 +2264,7 @@
               <a:defRPr sz="5200"/>
             </a:lvl9pPr>
           </a:lstStyle>
-          <a:p>
-            <a:endParaRPr/>
-          </a:p>
+          <a:p/>
         </p:txBody>
       </p:sp>
       <p:sp>
@@ -2497,9 +2424,7 @@
               <a:defRPr sz="1600"/>
             </a:lvl9pPr>
           </a:lstStyle>
-          <a:p>
-            <a:endParaRPr/>
-          </a:p>
+          <a:p/>
         </p:txBody>
       </p:sp>
     </p:spTree>
@@ -2536,7 +2461,7 @@
 </file>
 
 <file path=ppt/slideLayouts/slideLayout2.xml><?xml version="1.0" encoding="utf-8"?>
-<p:sldLayout xmlns:a="http://schemas.openxmlformats.org/drawingml/2006/main" xmlns:r="http://schemas.openxmlformats.org/officeDocument/2006/relationships" xmlns:p="http://schemas.openxmlformats.org/presentationml/2006/main" matchingName="Title and body" type="tx">
+<p:sldLayout xmlns:a="http://schemas.openxmlformats.org/drawingml/2006/main" xmlns:r="http://schemas.openxmlformats.org/officeDocument/2006/relationships" xmlns:p="http://schemas.openxmlformats.org/presentationml/2006/main" type="tx" matchingName="Title and body">
   <p:cSld name="TITLE_AND_BODY">
     <p:spTree>
       <p:nvGrpSpPr>
@@ -2739,9 +2664,7 @@
               </a:defRPr>
             </a:lvl9pPr>
           </a:lstStyle>
-          <a:p>
-            <a:endParaRPr/>
-          </a:p>
+          <a:p/>
         </p:txBody>
       </p:sp>
       <p:sp>
@@ -2868,9 +2791,7 @@
               <a:defRPr/>
             </a:lvl9pPr>
           </a:lstStyle>
-          <a:p>
-            <a:endParaRPr/>
-          </a:p>
+          <a:p/>
         </p:txBody>
       </p:sp>
       <p:cxnSp>
@@ -3074,9 +2995,7 @@
               <a:defRPr/>
             </a:lvl9pPr>
           </a:lstStyle>
-          <a:p>
-            <a:endParaRPr/>
-          </a:p>
+          <a:p/>
         </p:txBody>
       </p:sp>
       <p:sp>
@@ -3293,9 +3212,7 @@
               </a:defRPr>
             </a:lvl9pPr>
           </a:lstStyle>
-          <a:p>
-            <a:endParaRPr/>
-          </a:p>
+          <a:p/>
         </p:txBody>
       </p:sp>
       <p:cxnSp>
@@ -3525,9 +3442,7 @@
               <a:defRPr sz="6000"/>
             </a:lvl9pPr>
           </a:lstStyle>
-          <a:p>
-            <a:endParaRPr/>
-          </a:p>
+          <a:p/>
         </p:txBody>
       </p:sp>
       <p:cxnSp>
@@ -3591,7 +3506,7 @@
 </file>
 
 <file path=ppt/slideLayouts/slideLayout5.xml><?xml version="1.0" encoding="utf-8"?>
-<p:sldLayout xmlns:a="http://schemas.openxmlformats.org/drawingml/2006/main" xmlns:r="http://schemas.openxmlformats.org/officeDocument/2006/relationships" xmlns:p="http://schemas.openxmlformats.org/presentationml/2006/main" matchingName="Blank" type="blank">
+<p:sldLayout xmlns:a="http://schemas.openxmlformats.org/drawingml/2006/main" xmlns:r="http://schemas.openxmlformats.org/officeDocument/2006/relationships" xmlns:p="http://schemas.openxmlformats.org/presentationml/2006/main" type="blank" matchingName="Blank">
   <p:cSld name="BLANK">
     <p:bg>
       <p:bgPr>
@@ -3768,9 +3683,7 @@
               <a:defRPr sz="2400"/>
             </a:lvl9pPr>
           </a:lstStyle>
-          <a:p>
-            <a:endParaRPr/>
-          </a:p>
+          <a:p/>
         </p:txBody>
       </p:sp>
       <p:sp>
@@ -3924,9 +3837,7 @@
               <a:defRPr/>
             </a:lvl9pPr>
           </a:lstStyle>
-          <a:p>
-            <a:endParaRPr/>
-          </a:p>
+          <a:p/>
         </p:txBody>
       </p:sp>
       <p:sp>
@@ -4057,9 +3968,7 @@
               <a:defRPr sz="2400"/>
             </a:lvl9pPr>
           </a:lstStyle>
-          <a:p>
-            <a:endParaRPr/>
-          </a:p>
+          <a:p/>
         </p:txBody>
       </p:sp>
       <p:sp>
@@ -4213,9 +4122,7 @@
               <a:defRPr/>
             </a:lvl9pPr>
           </a:lstStyle>
-          <a:p>
-            <a:endParaRPr/>
-          </a:p>
+          <a:p/>
         </p:txBody>
       </p:sp>
       <p:sp>
@@ -4346,9 +4253,7 @@
               <a:defRPr sz="2400"/>
             </a:lvl9pPr>
           </a:lstStyle>
-          <a:p>
-            <a:endParaRPr/>
-          </a:p>
+          <a:p/>
         </p:txBody>
       </p:sp>
       <p:sp>
@@ -4502,9 +4407,7 @@
               <a:defRPr/>
             </a:lvl9pPr>
           </a:lstStyle>
-          <a:p>
-            <a:endParaRPr/>
-          </a:p>
+          <a:p/>
         </p:txBody>
       </p:sp>
       <p:sp>
@@ -4635,9 +4538,7 @@
               <a:defRPr sz="2400"/>
             </a:lvl9pPr>
           </a:lstStyle>
-          <a:p>
-            <a:endParaRPr/>
-          </a:p>
+          <a:p/>
         </p:txBody>
       </p:sp>
       <p:sp>
@@ -4791,9 +4692,7 @@
               <a:defRPr/>
             </a:lvl9pPr>
           </a:lstStyle>
-          <a:p>
-            <a:endParaRPr/>
-          </a:p>
+          <a:p/>
         </p:txBody>
       </p:sp>
       <p:sp>
@@ -4920,9 +4819,7 @@
               <a:defRPr/>
             </a:lvl9pPr>
           </a:lstStyle>
-          <a:p>
-            <a:endParaRPr/>
-          </a:p>
+          <a:p/>
         </p:txBody>
       </p:sp>
       <p:sp>
@@ -5654,9 +5551,7 @@
               <a:defRPr sz="2500"/>
             </a:lvl9pPr>
           </a:lstStyle>
-          <a:p>
-            <a:endParaRPr/>
-          </a:p>
+          <a:p/>
         </p:txBody>
       </p:sp>
       <p:sp>
@@ -5810,9 +5705,7 @@
               <a:defRPr/>
             </a:lvl9pPr>
           </a:lstStyle>
-          <a:p>
-            <a:endParaRPr/>
-          </a:p>
+          <a:p/>
         </p:txBody>
       </p:sp>
       <p:sp>
@@ -5943,9 +5836,7 @@
               <a:defRPr sz="2500"/>
             </a:lvl9pPr>
           </a:lstStyle>
-          <a:p>
-            <a:endParaRPr/>
-          </a:p>
+          <a:p/>
         </p:txBody>
       </p:sp>
       <p:sp>
@@ -6099,9 +5990,7 @@
               <a:defRPr/>
             </a:lvl9pPr>
           </a:lstStyle>
-          <a:p>
-            <a:endParaRPr/>
-          </a:p>
+          <a:p/>
         </p:txBody>
       </p:sp>
       <p:sp>
@@ -6232,9 +6121,7 @@
               <a:defRPr sz="2500"/>
             </a:lvl9pPr>
           </a:lstStyle>
-          <a:p>
-            <a:endParaRPr/>
-          </a:p>
+          <a:p/>
         </p:txBody>
       </p:sp>
       <p:sp>
@@ -6388,9 +6275,7 @@
               <a:defRPr/>
             </a:lvl9pPr>
           </a:lstStyle>
-          <a:p>
-            <a:endParaRPr/>
-          </a:p>
+          <a:p/>
         </p:txBody>
       </p:sp>
       <p:sp>
@@ -6521,9 +6406,7 @@
               <a:defRPr sz="2500"/>
             </a:lvl9pPr>
           </a:lstStyle>
-          <a:p>
-            <a:endParaRPr/>
-          </a:p>
+          <a:p/>
         </p:txBody>
       </p:sp>
       <p:sp>
@@ -6677,9 +6560,7 @@
               <a:defRPr/>
             </a:lvl9pPr>
           </a:lstStyle>
-          <a:p>
-            <a:endParaRPr/>
-          </a:p>
+          <a:p/>
         </p:txBody>
       </p:sp>
       <p:sp>
@@ -6806,9 +6687,7 @@
               <a:defRPr/>
             </a:lvl9pPr>
           </a:lstStyle>
-          <a:p>
-            <a:endParaRPr/>
-          </a:p>
+          <a:p/>
         </p:txBody>
       </p:sp>
       <p:cxnSp>
@@ -7016,9 +6895,7 @@
               <a:defRPr sz="2500"/>
             </a:lvl9pPr>
           </a:lstStyle>
-          <a:p>
-            <a:endParaRPr/>
-          </a:p>
+          <a:p/>
         </p:txBody>
       </p:sp>
       <p:sp>
@@ -7172,9 +7049,7 @@
               <a:defRPr/>
             </a:lvl9pPr>
           </a:lstStyle>
-          <a:p>
-            <a:endParaRPr/>
-          </a:p>
+          <a:p/>
         </p:txBody>
       </p:sp>
       <p:sp>
@@ -7305,9 +7180,7 @@
               <a:defRPr sz="2500"/>
             </a:lvl9pPr>
           </a:lstStyle>
-          <a:p>
-            <a:endParaRPr/>
-          </a:p>
+          <a:p/>
         </p:txBody>
       </p:sp>
       <p:sp>
@@ -7461,9 +7334,7 @@
               <a:defRPr/>
             </a:lvl9pPr>
           </a:lstStyle>
-          <a:p>
-            <a:endParaRPr/>
-          </a:p>
+          <a:p/>
         </p:txBody>
       </p:sp>
       <p:sp>
@@ -7594,9 +7465,7 @@
               <a:defRPr sz="2500"/>
             </a:lvl9pPr>
           </a:lstStyle>
-          <a:p>
-            <a:endParaRPr/>
-          </a:p>
+          <a:p/>
         </p:txBody>
       </p:sp>
       <p:sp>
@@ -7750,9 +7619,7 @@
               <a:defRPr/>
             </a:lvl9pPr>
           </a:lstStyle>
-          <a:p>
-            <a:endParaRPr/>
-          </a:p>
+          <a:p/>
         </p:txBody>
       </p:sp>
       <p:sp>
@@ -7883,9 +7750,7 @@
               <a:defRPr sz="2500"/>
             </a:lvl9pPr>
           </a:lstStyle>
-          <a:p>
-            <a:endParaRPr/>
-          </a:p>
+          <a:p/>
         </p:txBody>
       </p:sp>
       <p:sp>
@@ -8039,9 +7904,7 @@
               <a:defRPr/>
             </a:lvl9pPr>
           </a:lstStyle>
-          <a:p>
-            <a:endParaRPr/>
-          </a:p>
+          <a:p/>
         </p:txBody>
       </p:sp>
       <p:sp>
@@ -8172,9 +8035,7 @@
               <a:defRPr sz="2500"/>
             </a:lvl9pPr>
           </a:lstStyle>
-          <a:p>
-            <a:endParaRPr/>
-          </a:p>
+          <a:p/>
         </p:txBody>
       </p:sp>
       <p:sp>
@@ -8328,9 +8189,7 @@
               <a:defRPr/>
             </a:lvl9pPr>
           </a:lstStyle>
-          <a:p>
-            <a:endParaRPr/>
-          </a:p>
+          <a:p/>
         </p:txBody>
       </p:sp>
       <p:sp>
@@ -8461,9 +8320,7 @@
               <a:defRPr sz="2500"/>
             </a:lvl9pPr>
           </a:lstStyle>
-          <a:p>
-            <a:endParaRPr/>
-          </a:p>
+          <a:p/>
         </p:txBody>
       </p:sp>
       <p:sp>
@@ -8617,9 +8474,7 @@
               <a:defRPr/>
             </a:lvl9pPr>
           </a:lstStyle>
-          <a:p>
-            <a:endParaRPr/>
-          </a:p>
+          <a:p/>
         </p:txBody>
       </p:sp>
       <p:sp>
@@ -8746,9 +8601,7 @@
               <a:defRPr/>
             </a:lvl9pPr>
           </a:lstStyle>
-          <a:p>
-            <a:endParaRPr/>
-          </a:p>
+          <a:p/>
         </p:txBody>
       </p:sp>
       <p:cxnSp>
@@ -8855,7 +8708,6 @@
                 </a:spcAft>
                 <a:buNone/>
               </a:pPr>
-              <a:endParaRPr/>
             </a:p>
           </p:txBody>
         </p:sp>
@@ -8897,7 +8749,6 @@
                 </a:spcAft>
                 <a:buNone/>
               </a:pPr>
-              <a:endParaRPr/>
             </a:p>
           </p:txBody>
         </p:sp>
@@ -9216,9 +9067,7 @@
               </a:defRPr>
             </a:lvl9pPr>
           </a:lstStyle>
-          <a:p>
-            <a:endParaRPr/>
-          </a:p>
+          <a:p/>
         </p:txBody>
       </p:sp>
       <p:sp>
@@ -9484,9 +9333,7 @@
               </a:defRPr>
             </a:lvl9pPr>
           </a:lstStyle>
-          <a:p>
-            <a:endParaRPr/>
-          </a:p>
+          <a:p/>
         </p:txBody>
       </p:sp>
     </p:spTree>
@@ -9494,15 +9341,15 @@
   <p:clrMap bg1="lt1" tx1="dk1" bg2="dk2" tx2="lt2" accent1="accent1" accent2="accent2" accent3="accent3" accent4="accent4" accent5="accent5" accent6="accent6" hlink="hlink" folHlink="folHlink"/>
   <p:sldLayoutIdLst>
     <p:sldLayoutId id="2147483649" r:id="rId1"/>
-    <p:sldLayoutId id="2147483651" r:id="rId2"/>
-    <p:sldLayoutId id="2147483654" r:id="rId3"/>
-    <p:sldLayoutId id="2147483655" r:id="rId4"/>
-    <p:sldLayoutId id="2147483659" r:id="rId5"/>
-    <p:sldLayoutId id="2147483660" r:id="rId6"/>
-    <p:sldLayoutId id="2147483669" r:id="rId7"/>
-    <p:sldLayoutId id="2147483670" r:id="rId8"/>
-    <p:sldLayoutId id="2147483673" r:id="rId9"/>
-    <p:sldLayoutId id="2147483674" r:id="rId10"/>
+    <p:sldLayoutId id="2147483650" r:id="rId2"/>
+    <p:sldLayoutId id="2147483651" r:id="rId3"/>
+    <p:sldLayoutId id="2147483652" r:id="rId4"/>
+    <p:sldLayoutId id="2147483653" r:id="rId5"/>
+    <p:sldLayoutId id="2147483654" r:id="rId6"/>
+    <p:sldLayoutId id="2147483655" r:id="rId7"/>
+    <p:sldLayoutId id="2147483656" r:id="rId8"/>
+    <p:sldLayoutId id="2147483657" r:id="rId9"/>
+    <p:sldLayoutId id="2147483658" r:id="rId10"/>
   </p:sldLayoutIdLst>
   <p:hf sldNum="0" hdr="0" ftr="0" dt="0"/>
   <p:txStyles>
@@ -10266,7 +10113,15 @@
             </a:pPr>
             <a:r>
               <a:rPr lang="en-GB" sz="4500" dirty="0" smtClean="0"/>
-              <a:t>MY OKR</a:t>
+              <a:t>M</a:t>
+            </a:r>
+            <a:r>
+              <a:rPr lang="en-US" altLang="en-GB" sz="4500" dirty="0" smtClean="0"/>
+              <a:t>inh’s</a:t>
+            </a:r>
+            <a:r>
+              <a:rPr lang="en-GB" sz="4500" dirty="0" smtClean="0"/>
+              <a:t> OKR</a:t>
             </a:r>
             <a:endParaRPr sz="4500" dirty="0"/>
           </a:p>
@@ -10280,10 +10135,6 @@
               </a:spcAft>
               <a:buNone/>
             </a:pPr>
-            <a:r>
-              <a:rPr lang="en-GB" sz="3800" dirty="0"/>
-              <a:t>PROJECT </a:t>
-            </a:r>
             <a:r>
               <a:rPr lang="en-GB" sz="3800" dirty="0" smtClean="0"/>
               <a:t>REACTJS</a:t>
@@ -10326,6 +10177,7 @@
               <a:rPr lang="en-GB" sz="1400" dirty="0"/>
               <a:t>COMMUNICATIONS JSC</a:t>
             </a:r>
+            <a:endParaRPr lang="en-GB" sz="1400" dirty="0"/>
           </a:p>
           <a:p>
             <a:pPr marL="0" lvl="0" indent="0"/>
@@ -10341,6 +10193,7 @@
               <a:rPr lang="en-GB" sz="1400" dirty="0"/>
               <a:t>Van Minh</a:t>
             </a:r>
+            <a:endParaRPr lang="en-GB" sz="1400" dirty="0"/>
           </a:p>
           <a:p>
             <a:pPr marL="0" lvl="0" indent="0"/>
@@ -10455,7 +10308,6 @@
                 </a:spcAft>
                 <a:buNone/>
               </a:pPr>
-              <a:endParaRPr/>
             </a:p>
           </p:txBody>
         </p:sp>
@@ -10559,7 +10411,6 @@
                 </a:spcAft>
                 <a:buNone/>
               </a:pPr>
-              <a:endParaRPr/>
             </a:p>
           </p:txBody>
         </p:sp>
@@ -10654,7 +10505,6 @@
                 </a:spcAft>
                 <a:buNone/>
               </a:pPr>
-              <a:endParaRPr/>
             </a:p>
           </p:txBody>
         </p:sp>
@@ -10742,7 +10592,6 @@
                 </a:spcAft>
                 <a:buNone/>
               </a:pPr>
-              <a:endParaRPr/>
             </a:p>
           </p:txBody>
         </p:sp>
@@ -10823,7 +10672,6 @@
                 </a:spcAft>
                 <a:buNone/>
               </a:pPr>
-              <a:endParaRPr/>
             </a:p>
           </p:txBody>
         </p:sp>
@@ -10904,7 +10752,6 @@
                 </a:spcAft>
                 <a:buNone/>
               </a:pPr>
-              <a:endParaRPr/>
             </a:p>
           </p:txBody>
         </p:sp>
@@ -10979,7 +10826,6 @@
                 </a:spcAft>
                 <a:buNone/>
               </a:pPr>
-              <a:endParaRPr/>
             </a:p>
           </p:txBody>
         </p:sp>
@@ -11037,7 +10883,6 @@
                 </a:spcAft>
                 <a:buNone/>
               </a:pPr>
-              <a:endParaRPr/>
             </a:p>
           </p:txBody>
         </p:sp>
@@ -11097,7 +10942,6 @@
                 </a:spcAft>
                 <a:buNone/>
               </a:pPr>
-              <a:endParaRPr/>
             </a:p>
           </p:txBody>
         </p:sp>
@@ -11157,7 +11001,6 @@
                 </a:spcAft>
                 <a:buNone/>
               </a:pPr>
-              <a:endParaRPr/>
             </a:p>
           </p:txBody>
         </p:sp>
@@ -11711,7 +11554,6 @@
                   </a:spcAft>
                   <a:buNone/>
                 </a:pPr>
-                <a:endParaRPr/>
               </a:p>
             </p:txBody>
           </p:sp>
@@ -11823,7 +11665,6 @@
                   </a:spcAft>
                   <a:buNone/>
                 </a:pPr>
-                <a:endParaRPr/>
               </a:p>
             </p:txBody>
           </p:sp>
@@ -11935,7 +11776,6 @@
                   </a:spcAft>
                   <a:buNone/>
                 </a:pPr>
-                <a:endParaRPr/>
               </a:p>
             </p:txBody>
           </p:sp>
@@ -12533,7 +12373,6 @@
                   </a:spcAft>
                   <a:buNone/>
                 </a:pPr>
-                <a:endParaRPr/>
               </a:p>
             </p:txBody>
           </p:sp>
@@ -12650,7 +12489,6 @@
                   </a:spcAft>
                   <a:buNone/>
                 </a:pPr>
-                <a:endParaRPr/>
               </a:p>
             </p:txBody>
           </p:sp>
@@ -12746,7 +12584,6 @@
                   </a:spcAft>
                   <a:buNone/>
                 </a:pPr>
-                <a:endParaRPr/>
               </a:p>
             </p:txBody>
           </p:sp>
@@ -12796,7 +12633,6 @@
                 </a:spcAft>
                 <a:buNone/>
               </a:pPr>
-              <a:endParaRPr/>
             </a:p>
           </p:txBody>
         </p:sp>
@@ -12927,7 +12763,6 @@
                   </a:spcAft>
                   <a:buNone/>
                 </a:pPr>
-                <a:endParaRPr/>
               </a:p>
             </p:txBody>
           </p:sp>
@@ -13010,7 +12845,6 @@
                   </a:spcAft>
                   <a:buNone/>
                 </a:pPr>
-                <a:endParaRPr/>
               </a:p>
             </p:txBody>
           </p:sp>
@@ -13085,7 +12919,6 @@
                   </a:spcAft>
                   <a:buNone/>
                 </a:pPr>
-                <a:endParaRPr/>
               </a:p>
             </p:txBody>
           </p:sp>
@@ -13416,7 +13249,6 @@
                   </a:spcAft>
                   <a:buNone/>
                 </a:pPr>
-                <a:endParaRPr/>
               </a:p>
             </p:txBody>
           </p:sp>
@@ -13474,7 +13306,6 @@
                 </a:spcAft>
                 <a:buNone/>
               </a:pPr>
-              <a:endParaRPr/>
             </a:p>
           </p:txBody>
         </p:sp>
@@ -13516,7 +13347,6 @@
                 </a:spcAft>
                 <a:buNone/>
               </a:pPr>
-              <a:endParaRPr/>
             </a:p>
           </p:txBody>
         </p:sp>
@@ -13558,7 +13388,6 @@
                 </a:spcAft>
                 <a:buNone/>
               </a:pPr>
-              <a:endParaRPr/>
             </a:p>
           </p:txBody>
         </p:sp>
@@ -13615,7 +13444,6 @@
                 </a:spcAft>
                 <a:buNone/>
               </a:pPr>
-              <a:endParaRPr/>
             </a:p>
           </p:txBody>
         </p:sp>
@@ -13657,7 +13485,6 @@
                 </a:spcAft>
                 <a:buNone/>
               </a:pPr>
-              <a:endParaRPr/>
             </a:p>
           </p:txBody>
         </p:sp>
@@ -13669,7 +13496,7 @@
           <p:nvPr/>
         </p:nvPicPr>
         <p:blipFill>
-          <a:blip r:embed="rId3"/>
+          <a:blip r:embed="rId1"/>
           <a:stretch>
             <a:fillRect/>
           </a:stretch>
@@ -13729,7 +13556,7 @@
           <p:nvPr/>
         </p:nvPicPr>
         <p:blipFill>
-          <a:blip r:embed="rId3"/>
+          <a:blip r:embed="rId1"/>
           <a:stretch>
             <a:fillRect/>
           </a:stretch>
@@ -14042,7 +13869,6 @@
                 </a:spcAft>
                 <a:buNone/>
               </a:pPr>
-              <a:endParaRPr/>
             </a:p>
           </p:txBody>
         </p:sp>
@@ -14304,7 +14130,6 @@
                 </a:spcAft>
                 <a:buNone/>
               </a:pPr>
-              <a:endParaRPr/>
             </a:p>
           </p:txBody>
         </p:sp>
@@ -14312,9 +14137,7 @@
       <p:sp>
         <p:nvSpPr>
           <p:cNvPr id="18" name="Google Shape;256;p33"/>
-          <p:cNvSpPr txBox="1">
-            <a:spLocks/>
-          </p:cNvSpPr>
+          <p:cNvSpPr txBox="1"/>
           <p:nvPr/>
         </p:nvSpPr>
         <p:spPr>
@@ -14584,14 +14407,14 @@
           <a:p>
             <a:r>
               <a:rPr lang="en-US" altLang="en-GB" sz="2000" dirty="0" smtClean="0">
-                <a:latin typeface="Roboto" panose="020B0604020202020204" charset="0"/>
-                <a:ea typeface="Roboto" panose="020B0604020202020204" charset="0"/>
+                <a:latin typeface="Roboto" panose="02000000000000000000" charset="0"/>
+                <a:ea typeface="Roboto" panose="02000000000000000000" charset="0"/>
               </a:rPr>
               <a:t>3. Project</a:t>
             </a:r>
             <a:endParaRPr lang="en-US" sz="2000" dirty="0">
-              <a:latin typeface="Roboto" panose="020B0604020202020204" charset="0"/>
-              <a:ea typeface="Roboto" panose="020B0604020202020204" charset="0"/>
+              <a:latin typeface="Roboto" panose="02000000000000000000" charset="0"/>
+              <a:ea typeface="Roboto" panose="02000000000000000000" charset="0"/>
             </a:endParaRPr>
           </a:p>
         </p:txBody>
@@ -14628,154 +14451,154 @@
             </a:pPr>
             <a:r>
               <a:rPr lang="en-GB" sz="1600" b="1" dirty="0" smtClean="0">
-                <a:latin typeface="Roboto" panose="020B0604020202020204" charset="0"/>
-                <a:ea typeface="Roboto" panose="020B0604020202020204" charset="0"/>
+                <a:latin typeface="Roboto" panose="02000000000000000000" charset="0"/>
+                <a:ea typeface="Roboto" panose="02000000000000000000" charset="0"/>
               </a:rPr>
               <a:t>Forder hooks</a:t>
             </a:r>
             <a:r>
               <a:rPr lang="vi-VN" sz="1600" b="1" dirty="0" smtClean="0">
-                <a:latin typeface="Roboto" panose="020B0604020202020204" charset="0"/>
-                <a:ea typeface="Roboto" panose="020B0604020202020204" charset="0"/>
+                <a:latin typeface="Roboto" panose="02000000000000000000" charset="0"/>
+                <a:ea typeface="Roboto" panose="02000000000000000000" charset="0"/>
               </a:rPr>
               <a:t>: </a:t>
             </a:r>
             <a:r>
               <a:rPr lang="vi-VN" sz="1200" dirty="0">
-                <a:latin typeface="Roboto" panose="020B0604020202020204" charset="0"/>
-                <a:ea typeface="Roboto" panose="020B0604020202020204" charset="0"/>
+                <a:latin typeface="Roboto" panose="02000000000000000000" charset="0"/>
+                <a:ea typeface="Roboto" panose="02000000000000000000" charset="0"/>
               </a:rPr>
               <a:t>Thư mục </a:t>
             </a:r>
             <a:r>
               <a:rPr lang="vi-VN" sz="1200" dirty="0" smtClean="0">
-                <a:latin typeface="Roboto" panose="020B0604020202020204" charset="0"/>
-                <a:ea typeface="Roboto" panose="020B0604020202020204" charset="0"/>
+                <a:latin typeface="Roboto" panose="02000000000000000000" charset="0"/>
+                <a:ea typeface="Roboto" panose="02000000000000000000" charset="0"/>
               </a:rPr>
               <a:t>này</a:t>
             </a:r>
             <a:r>
               <a:rPr lang="en-GB" sz="1200" dirty="0">
-                <a:latin typeface="Roboto" panose="020B0604020202020204" charset="0"/>
-                <a:ea typeface="Roboto" panose="020B0604020202020204" charset="0"/>
+                <a:latin typeface="Roboto" panose="02000000000000000000" charset="0"/>
+                <a:ea typeface="Roboto" panose="02000000000000000000" charset="0"/>
               </a:rPr>
               <a:t> </a:t>
             </a:r>
             <a:r>
               <a:rPr lang="en-GB" sz="1200" dirty="0" err="1" smtClean="0">
-                <a:latin typeface="Roboto" panose="020B0604020202020204" charset="0"/>
-                <a:ea typeface="Roboto" panose="020B0604020202020204" charset="0"/>
+                <a:latin typeface="Roboto" panose="02000000000000000000" charset="0"/>
+                <a:ea typeface="Roboto" panose="02000000000000000000" charset="0"/>
               </a:rPr>
               <a:t>chứa</a:t>
             </a:r>
             <a:r>
               <a:rPr lang="en-GB" sz="1200" dirty="0" smtClean="0">
-                <a:latin typeface="Roboto" panose="020B0604020202020204" charset="0"/>
-                <a:ea typeface="Roboto" panose="020B0604020202020204" charset="0"/>
+                <a:latin typeface="Roboto" panose="02000000000000000000" charset="0"/>
+                <a:ea typeface="Roboto" panose="02000000000000000000" charset="0"/>
               </a:rPr>
               <a:t> </a:t>
             </a:r>
             <a:r>
               <a:rPr lang="en-GB" sz="1200" dirty="0" err="1" smtClean="0">
-                <a:latin typeface="Roboto" panose="020B0604020202020204" charset="0"/>
-                <a:ea typeface="Roboto" panose="020B0604020202020204" charset="0"/>
+                <a:latin typeface="Roboto" panose="02000000000000000000" charset="0"/>
+                <a:ea typeface="Roboto" panose="02000000000000000000" charset="0"/>
               </a:rPr>
               <a:t>các</a:t>
             </a:r>
             <a:r>
               <a:rPr lang="en-GB" sz="1200" dirty="0" smtClean="0">
-                <a:latin typeface="Roboto" panose="020B0604020202020204" charset="0"/>
-                <a:ea typeface="Roboto" panose="020B0604020202020204" charset="0"/>
+                <a:latin typeface="Roboto" panose="02000000000000000000" charset="0"/>
+                <a:ea typeface="Roboto" panose="02000000000000000000" charset="0"/>
               </a:rPr>
               <a:t> hook do </a:t>
             </a:r>
             <a:r>
               <a:rPr lang="en-GB" sz="1200" dirty="0" err="1" smtClean="0">
-                <a:latin typeface="Roboto" panose="020B0604020202020204" charset="0"/>
-                <a:ea typeface="Roboto" panose="020B0604020202020204" charset="0"/>
+                <a:latin typeface="Roboto" panose="02000000000000000000" charset="0"/>
+                <a:ea typeface="Roboto" panose="02000000000000000000" charset="0"/>
               </a:rPr>
               <a:t>lập</a:t>
             </a:r>
             <a:r>
               <a:rPr lang="en-GB" sz="1200" dirty="0" smtClean="0">
-                <a:latin typeface="Roboto" panose="020B0604020202020204" charset="0"/>
-                <a:ea typeface="Roboto" panose="020B0604020202020204" charset="0"/>
+                <a:latin typeface="Roboto" panose="02000000000000000000" charset="0"/>
+                <a:ea typeface="Roboto" panose="02000000000000000000" charset="0"/>
               </a:rPr>
               <a:t> </a:t>
             </a:r>
             <a:r>
               <a:rPr lang="en-GB" sz="1200" dirty="0" err="1" smtClean="0">
-                <a:latin typeface="Roboto" panose="020B0604020202020204" charset="0"/>
-                <a:ea typeface="Roboto" panose="020B0604020202020204" charset="0"/>
+                <a:latin typeface="Roboto" panose="02000000000000000000" charset="0"/>
+                <a:ea typeface="Roboto" panose="02000000000000000000" charset="0"/>
               </a:rPr>
               <a:t>trình</a:t>
             </a:r>
             <a:r>
               <a:rPr lang="en-GB" sz="1200" dirty="0" smtClean="0">
-                <a:latin typeface="Roboto" panose="020B0604020202020204" charset="0"/>
-                <a:ea typeface="Roboto" panose="020B0604020202020204" charset="0"/>
+                <a:latin typeface="Roboto" panose="02000000000000000000" charset="0"/>
+                <a:ea typeface="Roboto" panose="02000000000000000000" charset="0"/>
               </a:rPr>
               <a:t> </a:t>
             </a:r>
             <a:r>
               <a:rPr lang="en-GB" sz="1200" dirty="0" err="1" smtClean="0">
-                <a:latin typeface="Roboto" panose="020B0604020202020204" charset="0"/>
-                <a:ea typeface="Roboto" panose="020B0604020202020204" charset="0"/>
+                <a:latin typeface="Roboto" panose="02000000000000000000" charset="0"/>
+                <a:ea typeface="Roboto" panose="02000000000000000000" charset="0"/>
               </a:rPr>
               <a:t>viên</a:t>
             </a:r>
             <a:r>
               <a:rPr lang="en-GB" sz="1200" dirty="0" smtClean="0">
-                <a:latin typeface="Roboto" panose="020B0604020202020204" charset="0"/>
-                <a:ea typeface="Roboto" panose="020B0604020202020204" charset="0"/>
+                <a:latin typeface="Roboto" panose="02000000000000000000" charset="0"/>
+                <a:ea typeface="Roboto" panose="02000000000000000000" charset="0"/>
               </a:rPr>
               <a:t> </a:t>
             </a:r>
             <a:r>
               <a:rPr lang="en-GB" sz="1200" dirty="0" err="1" smtClean="0">
-                <a:latin typeface="Roboto" panose="020B0604020202020204" charset="0"/>
-                <a:ea typeface="Roboto" panose="020B0604020202020204" charset="0"/>
+                <a:latin typeface="Roboto" panose="02000000000000000000" charset="0"/>
+                <a:ea typeface="Roboto" panose="02000000000000000000" charset="0"/>
               </a:rPr>
               <a:t>tự</a:t>
             </a:r>
             <a:r>
               <a:rPr lang="en-GB" sz="1200" dirty="0" smtClean="0">
-                <a:latin typeface="Roboto" panose="020B0604020202020204" charset="0"/>
-                <a:ea typeface="Roboto" panose="020B0604020202020204" charset="0"/>
+                <a:latin typeface="Roboto" panose="02000000000000000000" charset="0"/>
+                <a:ea typeface="Roboto" panose="02000000000000000000" charset="0"/>
               </a:rPr>
               <a:t> </a:t>
             </a:r>
             <a:r>
               <a:rPr lang="en-GB" sz="1200" dirty="0" err="1" smtClean="0">
-                <a:latin typeface="Roboto" panose="020B0604020202020204" charset="0"/>
-                <a:ea typeface="Roboto" panose="020B0604020202020204" charset="0"/>
+                <a:latin typeface="Roboto" panose="02000000000000000000" charset="0"/>
+                <a:ea typeface="Roboto" panose="02000000000000000000" charset="0"/>
               </a:rPr>
               <a:t>thiết</a:t>
             </a:r>
             <a:r>
               <a:rPr lang="en-GB" sz="1200" dirty="0" smtClean="0">
-                <a:latin typeface="Roboto" panose="020B0604020202020204" charset="0"/>
-                <a:ea typeface="Roboto" panose="020B0604020202020204" charset="0"/>
+                <a:latin typeface="Roboto" panose="02000000000000000000" charset="0"/>
+                <a:ea typeface="Roboto" panose="02000000000000000000" charset="0"/>
               </a:rPr>
               <a:t> </a:t>
             </a:r>
             <a:r>
               <a:rPr lang="en-GB" sz="1200" dirty="0" err="1" smtClean="0">
-                <a:latin typeface="Roboto" panose="020B0604020202020204" charset="0"/>
-                <a:ea typeface="Roboto" panose="020B0604020202020204" charset="0"/>
+                <a:latin typeface="Roboto" panose="02000000000000000000" charset="0"/>
+                <a:ea typeface="Roboto" panose="02000000000000000000" charset="0"/>
               </a:rPr>
               <a:t>kế</a:t>
             </a:r>
             <a:r>
               <a:rPr lang="vi-VN" sz="1200" dirty="0" smtClean="0">
-                <a:latin typeface="Roboto" panose="020B0604020202020204" charset="0"/>
-                <a:ea typeface="Roboto" panose="020B0604020202020204" charset="0"/>
+                <a:latin typeface="Roboto" panose="02000000000000000000" charset="0"/>
+                <a:ea typeface="Roboto" panose="02000000000000000000" charset="0"/>
               </a:rPr>
               <a:t>.</a:t>
             </a:r>
             <a:endParaRPr lang="vi-VN" sz="1200" dirty="0">
-              <a:latin typeface="Roboto" panose="020B0604020202020204" charset="0"/>
-              <a:ea typeface="Roboto" panose="020B0604020202020204" charset="0"/>
+              <a:latin typeface="Roboto" panose="02000000000000000000" charset="0"/>
+              <a:ea typeface="Roboto" panose="02000000000000000000" charset="0"/>
             </a:endParaRPr>
           </a:p>
         </p:txBody>
@@ -14812,154 +14635,154 @@
             </a:pPr>
             <a:r>
               <a:rPr lang="en-GB" sz="1600" b="1" dirty="0" smtClean="0">
-                <a:latin typeface="Roboto" panose="020B0604020202020204" charset="0"/>
-                <a:ea typeface="Roboto" panose="020B0604020202020204" charset="0"/>
+                <a:latin typeface="Roboto" panose="02000000000000000000" charset="0"/>
+                <a:ea typeface="Roboto" panose="02000000000000000000" charset="0"/>
               </a:rPr>
               <a:t>Folder </a:t>
             </a:r>
             <a:r>
               <a:rPr lang="en-GB" sz="1600" b="1" dirty="0" err="1" smtClean="0">
-                <a:latin typeface="Roboto" panose="020B0604020202020204" charset="0"/>
-                <a:ea typeface="Roboto" panose="020B0604020202020204" charset="0"/>
+                <a:latin typeface="Roboto" panose="02000000000000000000" charset="0"/>
+                <a:ea typeface="Roboto" panose="02000000000000000000" charset="0"/>
               </a:rPr>
               <a:t>config</a:t>
             </a:r>
             <a:r>
               <a:rPr lang="vi-VN" sz="1600" b="1" dirty="0" smtClean="0">
-                <a:latin typeface="Roboto" panose="020B0604020202020204" charset="0"/>
-                <a:ea typeface="Roboto" panose="020B0604020202020204" charset="0"/>
+                <a:latin typeface="Roboto" panose="02000000000000000000" charset="0"/>
+                <a:ea typeface="Roboto" panose="02000000000000000000" charset="0"/>
               </a:rPr>
               <a:t>: </a:t>
             </a:r>
             <a:r>
               <a:rPr lang="vi-VN" sz="1200" dirty="0">
-                <a:latin typeface="Roboto" panose="020B0604020202020204" charset="0"/>
-                <a:ea typeface="Roboto" panose="020B0604020202020204" charset="0"/>
+                <a:latin typeface="Roboto" panose="02000000000000000000" charset="0"/>
+                <a:ea typeface="Roboto" panose="02000000000000000000" charset="0"/>
               </a:rPr>
               <a:t>Thư mục </a:t>
             </a:r>
             <a:r>
               <a:rPr lang="vi-VN" sz="1200" dirty="0" smtClean="0">
-                <a:latin typeface="Roboto" panose="020B0604020202020204" charset="0"/>
-                <a:ea typeface="Roboto" panose="020B0604020202020204" charset="0"/>
+                <a:latin typeface="Roboto" panose="02000000000000000000" charset="0"/>
+                <a:ea typeface="Roboto" panose="02000000000000000000" charset="0"/>
               </a:rPr>
               <a:t>này</a:t>
             </a:r>
             <a:r>
               <a:rPr lang="en-GB" sz="1200" dirty="0">
-                <a:latin typeface="Roboto" panose="020B0604020202020204" charset="0"/>
-                <a:ea typeface="Roboto" panose="020B0604020202020204" charset="0"/>
+                <a:latin typeface="Roboto" panose="02000000000000000000" charset="0"/>
+                <a:ea typeface="Roboto" panose="02000000000000000000" charset="0"/>
               </a:rPr>
               <a:t> </a:t>
             </a:r>
             <a:r>
               <a:rPr lang="en-GB" sz="1200" dirty="0" err="1" smtClean="0">
-                <a:latin typeface="Roboto" panose="020B0604020202020204" charset="0"/>
-                <a:ea typeface="Roboto" panose="020B0604020202020204" charset="0"/>
+                <a:latin typeface="Roboto" panose="02000000000000000000" charset="0"/>
+                <a:ea typeface="Roboto" panose="02000000000000000000" charset="0"/>
               </a:rPr>
               <a:t>chứa</a:t>
             </a:r>
             <a:r>
               <a:rPr lang="en-GB" sz="1200" dirty="0" smtClean="0">
-                <a:latin typeface="Roboto" panose="020B0604020202020204" charset="0"/>
-                <a:ea typeface="Roboto" panose="020B0604020202020204" charset="0"/>
+                <a:latin typeface="Roboto" panose="02000000000000000000" charset="0"/>
+                <a:ea typeface="Roboto" panose="02000000000000000000" charset="0"/>
               </a:rPr>
               <a:t> </a:t>
             </a:r>
             <a:r>
               <a:rPr lang="en-GB" sz="1200" dirty="0" err="1" smtClean="0">
-                <a:latin typeface="Roboto" panose="020B0604020202020204" charset="0"/>
-                <a:ea typeface="Roboto" panose="020B0604020202020204" charset="0"/>
+                <a:latin typeface="Roboto" panose="02000000000000000000" charset="0"/>
+                <a:ea typeface="Roboto" panose="02000000000000000000" charset="0"/>
               </a:rPr>
               <a:t>dữ</a:t>
             </a:r>
             <a:r>
               <a:rPr lang="en-GB" sz="1200" dirty="0" smtClean="0">
-                <a:latin typeface="Roboto" panose="020B0604020202020204" charset="0"/>
-                <a:ea typeface="Roboto" panose="020B0604020202020204" charset="0"/>
+                <a:latin typeface="Roboto" panose="02000000000000000000" charset="0"/>
+                <a:ea typeface="Roboto" panose="02000000000000000000" charset="0"/>
               </a:rPr>
               <a:t> </a:t>
             </a:r>
             <a:r>
               <a:rPr lang="en-GB" sz="1200" dirty="0" err="1" smtClean="0">
-                <a:latin typeface="Roboto" panose="020B0604020202020204" charset="0"/>
-                <a:ea typeface="Roboto" panose="020B0604020202020204" charset="0"/>
+                <a:latin typeface="Roboto" panose="02000000000000000000" charset="0"/>
+                <a:ea typeface="Roboto" panose="02000000000000000000" charset="0"/>
               </a:rPr>
               <a:t>liệu</a:t>
             </a:r>
             <a:r>
               <a:rPr lang="en-GB" sz="1200" dirty="0" smtClean="0">
-                <a:latin typeface="Roboto" panose="020B0604020202020204" charset="0"/>
-                <a:ea typeface="Roboto" panose="020B0604020202020204" charset="0"/>
+                <a:latin typeface="Roboto" panose="02000000000000000000" charset="0"/>
+                <a:ea typeface="Roboto" panose="02000000000000000000" charset="0"/>
               </a:rPr>
               <a:t> </a:t>
             </a:r>
             <a:r>
               <a:rPr lang="en-GB" sz="1200" dirty="0" err="1" smtClean="0">
-                <a:latin typeface="Roboto" panose="020B0604020202020204" charset="0"/>
-                <a:ea typeface="Roboto" panose="020B0604020202020204" charset="0"/>
+                <a:latin typeface="Roboto" panose="02000000000000000000" charset="0"/>
+                <a:ea typeface="Roboto" panose="02000000000000000000" charset="0"/>
               </a:rPr>
               <a:t>định</a:t>
             </a:r>
             <a:r>
               <a:rPr lang="en-GB" sz="1200" dirty="0" smtClean="0">
-                <a:latin typeface="Roboto" panose="020B0604020202020204" charset="0"/>
-                <a:ea typeface="Roboto" panose="020B0604020202020204" charset="0"/>
+                <a:latin typeface="Roboto" panose="02000000000000000000" charset="0"/>
+                <a:ea typeface="Roboto" panose="02000000000000000000" charset="0"/>
               </a:rPr>
               <a:t> </a:t>
             </a:r>
             <a:r>
               <a:rPr lang="en-GB" sz="1200" dirty="0" err="1" smtClean="0">
-                <a:latin typeface="Roboto" panose="020B0604020202020204" charset="0"/>
-                <a:ea typeface="Roboto" panose="020B0604020202020204" charset="0"/>
+                <a:latin typeface="Roboto" panose="02000000000000000000" charset="0"/>
+                <a:ea typeface="Roboto" panose="02000000000000000000" charset="0"/>
               </a:rPr>
               <a:t>tuyến</a:t>
             </a:r>
             <a:r>
               <a:rPr lang="en-GB" sz="1200" dirty="0" smtClean="0">
-                <a:latin typeface="Roboto" panose="020B0604020202020204" charset="0"/>
-                <a:ea typeface="Roboto" panose="020B0604020202020204" charset="0"/>
+                <a:latin typeface="Roboto" panose="02000000000000000000" charset="0"/>
+                <a:ea typeface="Roboto" panose="02000000000000000000" charset="0"/>
               </a:rPr>
               <a:t> routes </a:t>
             </a:r>
             <a:r>
               <a:rPr lang="en-GB" sz="1200" dirty="0" err="1" smtClean="0">
-                <a:latin typeface="Roboto" panose="020B0604020202020204" charset="0"/>
-                <a:ea typeface="Roboto" panose="020B0604020202020204" charset="0"/>
+                <a:latin typeface="Roboto" panose="02000000000000000000" charset="0"/>
+                <a:ea typeface="Roboto" panose="02000000000000000000" charset="0"/>
               </a:rPr>
               <a:t>cho</a:t>
             </a:r>
             <a:r>
               <a:rPr lang="en-GB" sz="1200" dirty="0" smtClean="0">
-                <a:latin typeface="Roboto" panose="020B0604020202020204" charset="0"/>
-                <a:ea typeface="Roboto" panose="020B0604020202020204" charset="0"/>
+                <a:latin typeface="Roboto" panose="02000000000000000000" charset="0"/>
+                <a:ea typeface="Roboto" panose="02000000000000000000" charset="0"/>
               </a:rPr>
               <a:t> </a:t>
             </a:r>
             <a:r>
               <a:rPr lang="en-GB" sz="1200" dirty="0" err="1" smtClean="0">
-                <a:latin typeface="Roboto" panose="020B0604020202020204" charset="0"/>
-                <a:ea typeface="Roboto" panose="020B0604020202020204" charset="0"/>
+                <a:latin typeface="Roboto" panose="02000000000000000000" charset="0"/>
+                <a:ea typeface="Roboto" panose="02000000000000000000" charset="0"/>
               </a:rPr>
               <a:t>trang</a:t>
             </a:r>
             <a:r>
               <a:rPr lang="en-GB" sz="1200" dirty="0" smtClean="0">
-                <a:latin typeface="Roboto" panose="020B0604020202020204" charset="0"/>
-                <a:ea typeface="Roboto" panose="020B0604020202020204" charset="0"/>
+                <a:latin typeface="Roboto" panose="02000000000000000000" charset="0"/>
+                <a:ea typeface="Roboto" panose="02000000000000000000" charset="0"/>
               </a:rPr>
               <a:t> web</a:t>
             </a:r>
             <a:r>
               <a:rPr lang="vi-VN" sz="1200" dirty="0" smtClean="0">
-                <a:latin typeface="Roboto" panose="020B0604020202020204" charset="0"/>
-                <a:ea typeface="Roboto" panose="020B0604020202020204" charset="0"/>
+                <a:latin typeface="Roboto" panose="02000000000000000000" charset="0"/>
+                <a:ea typeface="Roboto" panose="02000000000000000000" charset="0"/>
               </a:rPr>
               <a:t>.</a:t>
             </a:r>
             <a:endParaRPr lang="vi-VN" sz="1200" dirty="0">
-              <a:latin typeface="Roboto" panose="020B0604020202020204" charset="0"/>
-              <a:ea typeface="Roboto" panose="020B0604020202020204" charset="0"/>
+              <a:latin typeface="Roboto" panose="02000000000000000000" charset="0"/>
+              <a:ea typeface="Roboto" panose="02000000000000000000" charset="0"/>
             </a:endParaRPr>
           </a:p>
         </p:txBody>
@@ -15127,7 +14950,7 @@
           <p:nvPr/>
         </p:nvPicPr>
         <p:blipFill>
-          <a:blip r:embed="rId4"/>
+          <a:blip r:embed="rId2"/>
           <a:stretch>
             <a:fillRect/>
           </a:stretch>
@@ -15151,7 +14974,7 @@
           <p:nvPr/>
         </p:nvPicPr>
         <p:blipFill>
-          <a:blip r:embed="rId5"/>
+          <a:blip r:embed="rId3"/>
           <a:stretch>
             <a:fillRect/>
           </a:stretch>
@@ -15167,11 +14990,6 @@
         </p:spPr>
       </p:pic>
     </p:spTree>
-    <p:extLst>
-      <p:ext uri="{BB962C8B-B14F-4D97-AF65-F5344CB8AC3E}">
-        <p14:creationId xmlns:p14="http://schemas.microsoft.com/office/powerpoint/2010/main" val="801946056"/>
-      </p:ext>
-    </p:extLst>
   </p:cSld>
   <p:clrMapOvr>
     <a:masterClrMapping/>
@@ -15212,7 +15030,7 @@
           <p:nvPr/>
         </p:nvPicPr>
         <p:blipFill>
-          <a:blip r:embed="rId3"/>
+          <a:blip r:embed="rId1"/>
           <a:stretch>
             <a:fillRect/>
           </a:stretch>
@@ -15525,7 +15343,6 @@
                 </a:spcAft>
                 <a:buNone/>
               </a:pPr>
-              <a:endParaRPr/>
             </a:p>
           </p:txBody>
         </p:sp>
@@ -15787,7 +15604,6 @@
                 </a:spcAft>
                 <a:buNone/>
               </a:pPr>
-              <a:endParaRPr/>
             </a:p>
           </p:txBody>
         </p:sp>
@@ -15795,9 +15611,7 @@
       <p:sp>
         <p:nvSpPr>
           <p:cNvPr id="18" name="Google Shape;256;p33"/>
-          <p:cNvSpPr txBox="1">
-            <a:spLocks/>
-          </p:cNvSpPr>
+          <p:cNvSpPr txBox="1"/>
           <p:nvPr/>
         </p:nvSpPr>
         <p:spPr>
@@ -16067,14 +15881,14 @@
           <a:p>
             <a:r>
               <a:rPr lang="en-US" altLang="en-GB" sz="2000" dirty="0" smtClean="0">
-                <a:latin typeface="Roboto" panose="020B0604020202020204" charset="0"/>
-                <a:ea typeface="Roboto" panose="020B0604020202020204" charset="0"/>
+                <a:latin typeface="Roboto" panose="02000000000000000000" charset="0"/>
+                <a:ea typeface="Roboto" panose="02000000000000000000" charset="0"/>
               </a:rPr>
               <a:t>3. Project</a:t>
             </a:r>
             <a:endParaRPr lang="en-US" sz="2000" dirty="0">
-              <a:latin typeface="Roboto" panose="020B0604020202020204" charset="0"/>
-              <a:ea typeface="Roboto" panose="020B0604020202020204" charset="0"/>
+              <a:latin typeface="Roboto" panose="02000000000000000000" charset="0"/>
+              <a:ea typeface="Roboto" panose="02000000000000000000" charset="0"/>
             </a:endParaRPr>
           </a:p>
         </p:txBody>
@@ -16111,28 +15925,28 @@
             </a:pPr>
             <a:r>
               <a:rPr lang="en-GB" sz="1600" b="1" dirty="0" smtClean="0">
-                <a:latin typeface="Roboto" panose="020B0604020202020204" charset="0"/>
-                <a:ea typeface="Roboto" panose="020B0604020202020204" charset="0"/>
+                <a:latin typeface="Roboto" panose="02000000000000000000" charset="0"/>
+                <a:ea typeface="Roboto" panose="02000000000000000000" charset="0"/>
               </a:rPr>
               <a:t>Forder pages</a:t>
             </a:r>
             <a:r>
               <a:rPr lang="vi-VN" sz="1600" b="1" dirty="0" smtClean="0">
-                <a:latin typeface="Roboto" panose="020B0604020202020204" charset="0"/>
-                <a:ea typeface="Roboto" panose="020B0604020202020204" charset="0"/>
+                <a:latin typeface="Roboto" panose="02000000000000000000" charset="0"/>
+                <a:ea typeface="Roboto" panose="02000000000000000000" charset="0"/>
               </a:rPr>
               <a:t>: </a:t>
             </a:r>
             <a:r>
               <a:rPr lang="vi-VN" sz="1200" dirty="0">
-                <a:latin typeface="Roboto" panose="020B0604020202020204" charset="0"/>
-                <a:ea typeface="Roboto" panose="020B0604020202020204" charset="0"/>
+                <a:latin typeface="Roboto" panose="02000000000000000000" charset="0"/>
+                <a:ea typeface="Roboto" panose="02000000000000000000" charset="0"/>
               </a:rPr>
               <a:t>Thư mục này chứa các trang hoặc giao diện của ứng dụng của bạn</a:t>
             </a:r>
             <a:endParaRPr lang="vi-VN" sz="1100" dirty="0">
-              <a:latin typeface="Roboto" panose="020B0604020202020204" charset="0"/>
-              <a:ea typeface="Roboto" panose="020B0604020202020204" charset="0"/>
+              <a:latin typeface="Roboto" panose="02000000000000000000" charset="0"/>
+              <a:ea typeface="Roboto" panose="02000000000000000000" charset="0"/>
             </a:endParaRPr>
           </a:p>
         </p:txBody>
@@ -16169,147 +15983,147 @@
             </a:pPr>
             <a:r>
               <a:rPr lang="en-GB" sz="1600" b="1" dirty="0" smtClean="0">
-                <a:latin typeface="Roboto" panose="020B0604020202020204" charset="0"/>
-                <a:ea typeface="Roboto" panose="020B0604020202020204" charset="0"/>
+                <a:latin typeface="Roboto" panose="02000000000000000000" charset="0"/>
+                <a:ea typeface="Roboto" panose="02000000000000000000" charset="0"/>
               </a:rPr>
               <a:t>Folder layouts</a:t>
             </a:r>
             <a:r>
               <a:rPr lang="vi-VN" sz="1600" b="1" dirty="0" smtClean="0">
-                <a:latin typeface="Roboto" panose="020B0604020202020204" charset="0"/>
-                <a:ea typeface="Roboto" panose="020B0604020202020204" charset="0"/>
+                <a:latin typeface="Roboto" panose="02000000000000000000" charset="0"/>
+                <a:ea typeface="Roboto" panose="02000000000000000000" charset="0"/>
               </a:rPr>
               <a:t>: </a:t>
             </a:r>
             <a:r>
               <a:rPr lang="vi-VN" sz="1200" dirty="0">
-                <a:latin typeface="Roboto" panose="020B0604020202020204" charset="0"/>
-                <a:ea typeface="Roboto" panose="020B0604020202020204" charset="0"/>
+                <a:latin typeface="Roboto" panose="02000000000000000000" charset="0"/>
+                <a:ea typeface="Roboto" panose="02000000000000000000" charset="0"/>
               </a:rPr>
               <a:t>Thư mục </a:t>
             </a:r>
             <a:r>
               <a:rPr lang="vi-VN" sz="1200" dirty="0" smtClean="0">
-                <a:latin typeface="Roboto" panose="020B0604020202020204" charset="0"/>
-                <a:ea typeface="Roboto" panose="020B0604020202020204" charset="0"/>
+                <a:latin typeface="Roboto" panose="02000000000000000000" charset="0"/>
+                <a:ea typeface="Roboto" panose="02000000000000000000" charset="0"/>
               </a:rPr>
               <a:t>này</a:t>
             </a:r>
             <a:r>
               <a:rPr lang="en-GB" sz="1200" dirty="0">
-                <a:latin typeface="Roboto" panose="020B0604020202020204" charset="0"/>
-                <a:ea typeface="Roboto" panose="020B0604020202020204" charset="0"/>
+                <a:latin typeface="Roboto" panose="02000000000000000000" charset="0"/>
+                <a:ea typeface="Roboto" panose="02000000000000000000" charset="0"/>
               </a:rPr>
               <a:t> </a:t>
             </a:r>
             <a:r>
               <a:rPr lang="en-GB" sz="1200" dirty="0" err="1" smtClean="0">
-                <a:latin typeface="Roboto" panose="020B0604020202020204" charset="0"/>
-                <a:ea typeface="Roboto" panose="020B0604020202020204" charset="0"/>
+                <a:latin typeface="Roboto" panose="02000000000000000000" charset="0"/>
+                <a:ea typeface="Roboto" panose="02000000000000000000" charset="0"/>
               </a:rPr>
               <a:t>chứa</a:t>
             </a:r>
             <a:r>
               <a:rPr lang="en-GB" sz="1200" dirty="0" smtClean="0">
-                <a:latin typeface="Roboto" panose="020B0604020202020204" charset="0"/>
-                <a:ea typeface="Roboto" panose="020B0604020202020204" charset="0"/>
+                <a:latin typeface="Roboto" panose="02000000000000000000" charset="0"/>
+                <a:ea typeface="Roboto" panose="02000000000000000000" charset="0"/>
               </a:rPr>
               <a:t> </a:t>
             </a:r>
             <a:r>
               <a:rPr lang="en-GB" sz="1200" dirty="0" err="1" smtClean="0">
-                <a:latin typeface="Roboto" panose="020B0604020202020204" charset="0"/>
-                <a:ea typeface="Roboto" panose="020B0604020202020204" charset="0"/>
+                <a:latin typeface="Roboto" panose="02000000000000000000" charset="0"/>
+                <a:ea typeface="Roboto" panose="02000000000000000000" charset="0"/>
               </a:rPr>
               <a:t>các</a:t>
             </a:r>
             <a:r>
               <a:rPr lang="en-GB" sz="1200" dirty="0" smtClean="0">
-                <a:latin typeface="Roboto" panose="020B0604020202020204" charset="0"/>
-                <a:ea typeface="Roboto" panose="020B0604020202020204" charset="0"/>
+                <a:latin typeface="Roboto" panose="02000000000000000000" charset="0"/>
+                <a:ea typeface="Roboto" panose="02000000000000000000" charset="0"/>
               </a:rPr>
               <a:t> </a:t>
             </a:r>
             <a:r>
               <a:rPr lang="en-GB" sz="1200" dirty="0" err="1" smtClean="0">
-                <a:latin typeface="Roboto" panose="020B0604020202020204" charset="0"/>
-                <a:ea typeface="Roboto" panose="020B0604020202020204" charset="0"/>
+                <a:latin typeface="Roboto" panose="02000000000000000000" charset="0"/>
+                <a:ea typeface="Roboto" panose="02000000000000000000" charset="0"/>
               </a:rPr>
               <a:t>thành</a:t>
             </a:r>
             <a:r>
               <a:rPr lang="en-GB" sz="1200" dirty="0" smtClean="0">
-                <a:latin typeface="Roboto" panose="020B0604020202020204" charset="0"/>
-                <a:ea typeface="Roboto" panose="020B0604020202020204" charset="0"/>
+                <a:latin typeface="Roboto" panose="02000000000000000000" charset="0"/>
+                <a:ea typeface="Roboto" panose="02000000000000000000" charset="0"/>
               </a:rPr>
               <a:t> </a:t>
             </a:r>
             <a:r>
               <a:rPr lang="en-GB" sz="1200" dirty="0" err="1" smtClean="0">
-                <a:latin typeface="Roboto" panose="020B0604020202020204" charset="0"/>
-                <a:ea typeface="Roboto" panose="020B0604020202020204" charset="0"/>
+                <a:latin typeface="Roboto" panose="02000000000000000000" charset="0"/>
+                <a:ea typeface="Roboto" panose="02000000000000000000" charset="0"/>
               </a:rPr>
               <a:t>phần</a:t>
             </a:r>
             <a:r>
               <a:rPr lang="en-GB" sz="1200" dirty="0" smtClean="0">
-                <a:latin typeface="Roboto" panose="020B0604020202020204" charset="0"/>
-                <a:ea typeface="Roboto" panose="020B0604020202020204" charset="0"/>
+                <a:latin typeface="Roboto" panose="02000000000000000000" charset="0"/>
+                <a:ea typeface="Roboto" panose="02000000000000000000" charset="0"/>
               </a:rPr>
               <a:t> </a:t>
             </a:r>
             <a:r>
               <a:rPr lang="en-GB" sz="1200" dirty="0" err="1" smtClean="0">
-                <a:latin typeface="Roboto" panose="020B0604020202020204" charset="0"/>
-                <a:ea typeface="Roboto" panose="020B0604020202020204" charset="0"/>
+                <a:latin typeface="Roboto" panose="02000000000000000000" charset="0"/>
+                <a:ea typeface="Roboto" panose="02000000000000000000" charset="0"/>
               </a:rPr>
               <a:t>chung</a:t>
             </a:r>
             <a:r>
               <a:rPr lang="en-GB" sz="1200" dirty="0" smtClean="0">
-                <a:latin typeface="Roboto" panose="020B0604020202020204" charset="0"/>
-                <a:ea typeface="Roboto" panose="020B0604020202020204" charset="0"/>
+                <a:latin typeface="Roboto" panose="02000000000000000000" charset="0"/>
+                <a:ea typeface="Roboto" panose="02000000000000000000" charset="0"/>
               </a:rPr>
               <a:t> </a:t>
             </a:r>
             <a:r>
               <a:rPr lang="en-GB" sz="1200" dirty="0" err="1" smtClean="0">
-                <a:latin typeface="Roboto" panose="020B0604020202020204" charset="0"/>
-                <a:ea typeface="Roboto" panose="020B0604020202020204" charset="0"/>
+                <a:latin typeface="Roboto" panose="02000000000000000000" charset="0"/>
+                <a:ea typeface="Roboto" panose="02000000000000000000" charset="0"/>
               </a:rPr>
               <a:t>trong</a:t>
             </a:r>
             <a:r>
               <a:rPr lang="en-GB" sz="1200" dirty="0" smtClean="0">
-                <a:latin typeface="Roboto" panose="020B0604020202020204" charset="0"/>
-                <a:ea typeface="Roboto" panose="020B0604020202020204" charset="0"/>
+                <a:latin typeface="Roboto" panose="02000000000000000000" charset="0"/>
+                <a:ea typeface="Roboto" panose="02000000000000000000" charset="0"/>
               </a:rPr>
               <a:t> </a:t>
             </a:r>
             <a:r>
               <a:rPr lang="en-GB" sz="1200" dirty="0" err="1" smtClean="0">
-                <a:latin typeface="Roboto" panose="020B0604020202020204" charset="0"/>
-                <a:ea typeface="Roboto" panose="020B0604020202020204" charset="0"/>
+                <a:latin typeface="Roboto" panose="02000000000000000000" charset="0"/>
+                <a:ea typeface="Roboto" panose="02000000000000000000" charset="0"/>
               </a:rPr>
               <a:t>trang</a:t>
             </a:r>
             <a:r>
               <a:rPr lang="en-GB" sz="1200" dirty="0" smtClean="0">
-                <a:latin typeface="Roboto" panose="020B0604020202020204" charset="0"/>
-                <a:ea typeface="Roboto" panose="020B0604020202020204" charset="0"/>
+                <a:latin typeface="Roboto" panose="02000000000000000000" charset="0"/>
+                <a:ea typeface="Roboto" panose="02000000000000000000" charset="0"/>
               </a:rPr>
               <a:t> web</a:t>
             </a:r>
             <a:r>
               <a:rPr lang="vi-VN" sz="1200" dirty="0" smtClean="0">
-                <a:latin typeface="Roboto" panose="020B0604020202020204" charset="0"/>
-                <a:ea typeface="Roboto" panose="020B0604020202020204" charset="0"/>
+                <a:latin typeface="Roboto" panose="02000000000000000000" charset="0"/>
+                <a:ea typeface="Roboto" panose="02000000000000000000" charset="0"/>
               </a:rPr>
               <a:t>.</a:t>
             </a:r>
             <a:endParaRPr lang="vi-VN" sz="1200" dirty="0">
-              <a:latin typeface="Roboto" panose="020B0604020202020204" charset="0"/>
-              <a:ea typeface="Roboto" panose="020B0604020202020204" charset="0"/>
+              <a:latin typeface="Roboto" panose="02000000000000000000" charset="0"/>
+              <a:ea typeface="Roboto" panose="02000000000000000000" charset="0"/>
             </a:endParaRPr>
           </a:p>
         </p:txBody>
@@ -16477,7 +16291,7 @@
           <p:nvPr/>
         </p:nvPicPr>
         <p:blipFill>
-          <a:blip r:embed="rId4"/>
+          <a:blip r:embed="rId2"/>
           <a:stretch>
             <a:fillRect/>
           </a:stretch>
@@ -16501,7 +16315,7 @@
           <p:nvPr/>
         </p:nvPicPr>
         <p:blipFill>
-          <a:blip r:embed="rId5"/>
+          <a:blip r:embed="rId3"/>
           <a:stretch>
             <a:fillRect/>
           </a:stretch>
@@ -16517,11 +16331,6 @@
         </p:spPr>
       </p:pic>
     </p:spTree>
-    <p:extLst>
-      <p:ext uri="{BB962C8B-B14F-4D97-AF65-F5344CB8AC3E}">
-        <p14:creationId xmlns:p14="http://schemas.microsoft.com/office/powerpoint/2010/main" val="3109565542"/>
-      </p:ext>
-    </p:extLst>
   </p:cSld>
   <p:clrMapOvr>
     <a:masterClrMapping/>
@@ -16562,7 +16371,7 @@
           <p:nvPr/>
         </p:nvPicPr>
         <p:blipFill>
-          <a:blip r:embed="rId3"/>
+          <a:blip r:embed="rId1"/>
           <a:stretch>
             <a:fillRect/>
           </a:stretch>
@@ -16875,7 +16684,6 @@
                 </a:spcAft>
                 <a:buNone/>
               </a:pPr>
-              <a:endParaRPr/>
             </a:p>
           </p:txBody>
         </p:sp>
@@ -17137,7 +16945,6 @@
                 </a:spcAft>
                 <a:buNone/>
               </a:pPr>
-              <a:endParaRPr/>
             </a:p>
           </p:txBody>
         </p:sp>
@@ -17145,9 +16952,7 @@
       <p:sp>
         <p:nvSpPr>
           <p:cNvPr id="18" name="Google Shape;256;p33"/>
-          <p:cNvSpPr txBox="1">
-            <a:spLocks/>
-          </p:cNvSpPr>
+          <p:cNvSpPr txBox="1"/>
           <p:nvPr/>
         </p:nvSpPr>
         <p:spPr>
@@ -17417,14 +17222,14 @@
           <a:p>
             <a:r>
               <a:rPr lang="en-US" altLang="en-GB" sz="2000" dirty="0" smtClean="0">
-                <a:latin typeface="Roboto" panose="020B0604020202020204" charset="0"/>
-                <a:ea typeface="Roboto" panose="020B0604020202020204" charset="0"/>
+                <a:latin typeface="Roboto" panose="02000000000000000000" charset="0"/>
+                <a:ea typeface="Roboto" panose="02000000000000000000" charset="0"/>
               </a:rPr>
               <a:t>3. Project</a:t>
             </a:r>
             <a:endParaRPr lang="en-US" sz="2000" dirty="0">
-              <a:latin typeface="Roboto" panose="020B0604020202020204" charset="0"/>
-              <a:ea typeface="Roboto" panose="020B0604020202020204" charset="0"/>
+              <a:latin typeface="Roboto" panose="02000000000000000000" charset="0"/>
+              <a:ea typeface="Roboto" panose="02000000000000000000" charset="0"/>
             </a:endParaRPr>
           </a:p>
         </p:txBody>
@@ -17461,28 +17266,28 @@
             </a:pPr>
             <a:r>
               <a:rPr lang="en-GB" sz="1600" b="1" dirty="0" smtClean="0">
-                <a:latin typeface="Roboto" panose="020B0604020202020204" charset="0"/>
-                <a:ea typeface="Roboto" panose="020B0604020202020204" charset="0"/>
+                <a:latin typeface="Roboto" panose="02000000000000000000" charset="0"/>
+                <a:ea typeface="Roboto" panose="02000000000000000000" charset="0"/>
               </a:rPr>
               <a:t>Forder </a:t>
             </a:r>
             <a:r>
               <a:rPr lang="vi-VN" sz="1600" b="1" dirty="0">
-                <a:latin typeface="Roboto" panose="020B0604020202020204" charset="0"/>
-                <a:ea typeface="Roboto" panose="020B0604020202020204" charset="0"/>
+                <a:latin typeface="Roboto" panose="02000000000000000000" charset="0"/>
+                <a:ea typeface="Roboto" panose="02000000000000000000" charset="0"/>
               </a:rPr>
               <a:t>services: </a:t>
             </a:r>
             <a:r>
               <a:rPr lang="vi-VN" sz="1200" dirty="0">
-                <a:latin typeface="Roboto" panose="020B0604020202020204" charset="0"/>
-                <a:ea typeface="Roboto" panose="020B0604020202020204" charset="0"/>
+                <a:latin typeface="Roboto" panose="02000000000000000000" charset="0"/>
+                <a:ea typeface="Roboto" panose="02000000000000000000" charset="0"/>
               </a:rPr>
               <a:t>Thư mục này chứa các module hoặc lớp xử lý việc gọi API hoặc xử lý dữ liệu.</a:t>
             </a:r>
             <a:endParaRPr lang="vi-VN" sz="1000" dirty="0">
-              <a:latin typeface="Roboto" panose="020B0604020202020204" charset="0"/>
-              <a:ea typeface="Roboto" panose="020B0604020202020204" charset="0"/>
+              <a:latin typeface="Roboto" panose="02000000000000000000" charset="0"/>
+              <a:ea typeface="Roboto" panose="02000000000000000000" charset="0"/>
             </a:endParaRPr>
           </a:p>
         </p:txBody>
@@ -17519,154 +17324,154 @@
             </a:pPr>
             <a:r>
               <a:rPr lang="en-GB" sz="1600" b="1" dirty="0" smtClean="0">
-                <a:latin typeface="Roboto" panose="020B0604020202020204" charset="0"/>
-                <a:ea typeface="Roboto" panose="020B0604020202020204" charset="0"/>
+                <a:latin typeface="Roboto" panose="02000000000000000000" charset="0"/>
+                <a:ea typeface="Roboto" panose="02000000000000000000" charset="0"/>
               </a:rPr>
               <a:t>Folder routes</a:t>
             </a:r>
             <a:r>
               <a:rPr lang="vi-VN" sz="1600" b="1" dirty="0" smtClean="0">
-                <a:latin typeface="Roboto" panose="020B0604020202020204" charset="0"/>
-                <a:ea typeface="Roboto" panose="020B0604020202020204" charset="0"/>
+                <a:latin typeface="Roboto" panose="02000000000000000000" charset="0"/>
+                <a:ea typeface="Roboto" panose="02000000000000000000" charset="0"/>
               </a:rPr>
               <a:t>: </a:t>
             </a:r>
             <a:r>
               <a:rPr lang="vi-VN" sz="1200" dirty="0">
-                <a:latin typeface="Roboto" panose="020B0604020202020204" charset="0"/>
-                <a:ea typeface="Roboto" panose="020B0604020202020204" charset="0"/>
+                <a:latin typeface="Roboto" panose="02000000000000000000" charset="0"/>
+                <a:ea typeface="Roboto" panose="02000000000000000000" charset="0"/>
               </a:rPr>
               <a:t>Thư mục này</a:t>
             </a:r>
             <a:r>
               <a:rPr lang="en-GB" sz="1200" dirty="0">
-                <a:latin typeface="Roboto" panose="020B0604020202020204" charset="0"/>
-                <a:ea typeface="Roboto" panose="020B0604020202020204" charset="0"/>
+                <a:latin typeface="Roboto" panose="02000000000000000000" charset="0"/>
+                <a:ea typeface="Roboto" panose="02000000000000000000" charset="0"/>
               </a:rPr>
               <a:t> </a:t>
             </a:r>
             <a:r>
               <a:rPr lang="en-GB" sz="1200" dirty="0" err="1">
-                <a:latin typeface="Roboto" panose="020B0604020202020204" charset="0"/>
-                <a:ea typeface="Roboto" panose="020B0604020202020204" charset="0"/>
+                <a:latin typeface="Roboto" panose="02000000000000000000" charset="0"/>
+                <a:ea typeface="Roboto" panose="02000000000000000000" charset="0"/>
               </a:rPr>
               <a:t>chứa</a:t>
             </a:r>
             <a:r>
               <a:rPr lang="en-GB" sz="1200" dirty="0">
-                <a:latin typeface="Roboto" panose="020B0604020202020204" charset="0"/>
-                <a:ea typeface="Roboto" panose="020B0604020202020204" charset="0"/>
+                <a:latin typeface="Roboto" panose="02000000000000000000" charset="0"/>
+                <a:ea typeface="Roboto" panose="02000000000000000000" charset="0"/>
               </a:rPr>
               <a:t> </a:t>
             </a:r>
             <a:r>
               <a:rPr lang="en-GB" sz="1200" dirty="0" err="1" smtClean="0">
-                <a:latin typeface="Roboto" panose="020B0604020202020204" charset="0"/>
-                <a:ea typeface="Roboto" panose="020B0604020202020204" charset="0"/>
+                <a:latin typeface="Roboto" panose="02000000000000000000" charset="0"/>
+                <a:ea typeface="Roboto" panose="02000000000000000000" charset="0"/>
               </a:rPr>
               <a:t>cấu</a:t>
             </a:r>
             <a:r>
               <a:rPr lang="en-GB" sz="1200" dirty="0" smtClean="0">
-                <a:latin typeface="Roboto" panose="020B0604020202020204" charset="0"/>
-                <a:ea typeface="Roboto" panose="020B0604020202020204" charset="0"/>
+                <a:latin typeface="Roboto" panose="02000000000000000000" charset="0"/>
+                <a:ea typeface="Roboto" panose="02000000000000000000" charset="0"/>
               </a:rPr>
               <a:t> </a:t>
             </a:r>
             <a:r>
               <a:rPr lang="en-GB" sz="1200" dirty="0" err="1" smtClean="0">
-                <a:latin typeface="Roboto" panose="020B0604020202020204" charset="0"/>
-                <a:ea typeface="Roboto" panose="020B0604020202020204" charset="0"/>
+                <a:latin typeface="Roboto" panose="02000000000000000000" charset="0"/>
+                <a:ea typeface="Roboto" panose="02000000000000000000" charset="0"/>
               </a:rPr>
               <a:t>hình</a:t>
             </a:r>
             <a:r>
               <a:rPr lang="en-GB" sz="1200" dirty="0" smtClean="0">
-                <a:latin typeface="Roboto" panose="020B0604020202020204" charset="0"/>
-                <a:ea typeface="Roboto" panose="020B0604020202020204" charset="0"/>
+                <a:latin typeface="Roboto" panose="02000000000000000000" charset="0"/>
+                <a:ea typeface="Roboto" panose="02000000000000000000" charset="0"/>
               </a:rPr>
               <a:t> </a:t>
             </a:r>
             <a:r>
               <a:rPr lang="en-GB" sz="1200" dirty="0" err="1" smtClean="0">
-                <a:latin typeface="Roboto" panose="020B0604020202020204" charset="0"/>
-                <a:ea typeface="Roboto" panose="020B0604020202020204" charset="0"/>
+                <a:latin typeface="Roboto" panose="02000000000000000000" charset="0"/>
+                <a:ea typeface="Roboto" panose="02000000000000000000" charset="0"/>
               </a:rPr>
               <a:t>bộ</a:t>
             </a:r>
             <a:r>
               <a:rPr lang="en-GB" sz="1200" dirty="0" smtClean="0">
-                <a:latin typeface="Roboto" panose="020B0604020202020204" charset="0"/>
-                <a:ea typeface="Roboto" panose="020B0604020202020204" charset="0"/>
+                <a:latin typeface="Roboto" panose="02000000000000000000" charset="0"/>
+                <a:ea typeface="Roboto" panose="02000000000000000000" charset="0"/>
               </a:rPr>
               <a:t> </a:t>
             </a:r>
             <a:r>
               <a:rPr lang="en-GB" sz="1200" dirty="0" err="1">
-                <a:latin typeface="Roboto" panose="020B0604020202020204" charset="0"/>
-                <a:ea typeface="Roboto" panose="020B0604020202020204" charset="0"/>
+                <a:latin typeface="Roboto" panose="02000000000000000000" charset="0"/>
+                <a:ea typeface="Roboto" panose="02000000000000000000" charset="0"/>
               </a:rPr>
               <a:t>định</a:t>
             </a:r>
             <a:r>
               <a:rPr lang="en-GB" sz="1200" dirty="0">
-                <a:latin typeface="Roboto" panose="020B0604020202020204" charset="0"/>
-                <a:ea typeface="Roboto" panose="020B0604020202020204" charset="0"/>
+                <a:latin typeface="Roboto" panose="02000000000000000000" charset="0"/>
+                <a:ea typeface="Roboto" panose="02000000000000000000" charset="0"/>
               </a:rPr>
               <a:t> </a:t>
             </a:r>
             <a:r>
               <a:rPr lang="en-GB" sz="1200" dirty="0" err="1">
-                <a:latin typeface="Roboto" panose="020B0604020202020204" charset="0"/>
-                <a:ea typeface="Roboto" panose="020B0604020202020204" charset="0"/>
+                <a:latin typeface="Roboto" panose="02000000000000000000" charset="0"/>
+                <a:ea typeface="Roboto" panose="02000000000000000000" charset="0"/>
               </a:rPr>
               <a:t>tuyến</a:t>
             </a:r>
             <a:r>
               <a:rPr lang="en-GB" sz="1200" dirty="0">
-                <a:latin typeface="Roboto" panose="020B0604020202020204" charset="0"/>
-                <a:ea typeface="Roboto" panose="020B0604020202020204" charset="0"/>
+                <a:latin typeface="Roboto" panose="02000000000000000000" charset="0"/>
+                <a:ea typeface="Roboto" panose="02000000000000000000" charset="0"/>
               </a:rPr>
               <a:t> routes </a:t>
             </a:r>
             <a:r>
               <a:rPr lang="en-GB" sz="1200" dirty="0" err="1">
-                <a:latin typeface="Roboto" panose="020B0604020202020204" charset="0"/>
-                <a:ea typeface="Roboto" panose="020B0604020202020204" charset="0"/>
+                <a:latin typeface="Roboto" panose="02000000000000000000" charset="0"/>
+                <a:ea typeface="Roboto" panose="02000000000000000000" charset="0"/>
               </a:rPr>
               <a:t>cho</a:t>
             </a:r>
             <a:r>
               <a:rPr lang="en-GB" sz="1200" dirty="0">
-                <a:latin typeface="Roboto" panose="020B0604020202020204" charset="0"/>
-                <a:ea typeface="Roboto" panose="020B0604020202020204" charset="0"/>
+                <a:latin typeface="Roboto" panose="02000000000000000000" charset="0"/>
+                <a:ea typeface="Roboto" panose="02000000000000000000" charset="0"/>
               </a:rPr>
               <a:t> </a:t>
             </a:r>
             <a:r>
               <a:rPr lang="en-GB" sz="1200" dirty="0" err="1">
-                <a:latin typeface="Roboto" panose="020B0604020202020204" charset="0"/>
-                <a:ea typeface="Roboto" panose="020B0604020202020204" charset="0"/>
+                <a:latin typeface="Roboto" panose="02000000000000000000" charset="0"/>
+                <a:ea typeface="Roboto" panose="02000000000000000000" charset="0"/>
               </a:rPr>
               <a:t>trang</a:t>
             </a:r>
             <a:r>
               <a:rPr lang="en-GB" sz="1200" dirty="0">
-                <a:latin typeface="Roboto" panose="020B0604020202020204" charset="0"/>
-                <a:ea typeface="Roboto" panose="020B0604020202020204" charset="0"/>
+                <a:latin typeface="Roboto" panose="02000000000000000000" charset="0"/>
+                <a:ea typeface="Roboto" panose="02000000000000000000" charset="0"/>
               </a:rPr>
               <a:t> web</a:t>
             </a:r>
             <a:r>
               <a:rPr lang="vi-VN" sz="1200" dirty="0" smtClean="0">
-                <a:latin typeface="Roboto" panose="020B0604020202020204" charset="0"/>
-                <a:ea typeface="Roboto" panose="020B0604020202020204" charset="0"/>
+                <a:latin typeface="Roboto" panose="02000000000000000000" charset="0"/>
+                <a:ea typeface="Roboto" panose="02000000000000000000" charset="0"/>
               </a:rPr>
               <a:t>.</a:t>
             </a:r>
             <a:endParaRPr lang="vi-VN" sz="1200" dirty="0">
-              <a:latin typeface="Roboto" panose="020B0604020202020204" charset="0"/>
-              <a:ea typeface="Roboto" panose="020B0604020202020204" charset="0"/>
+              <a:latin typeface="Roboto" panose="02000000000000000000" charset="0"/>
+              <a:ea typeface="Roboto" panose="02000000000000000000" charset="0"/>
             </a:endParaRPr>
           </a:p>
         </p:txBody>
@@ -17836,7 +17641,7 @@
           <p:nvPr/>
         </p:nvPicPr>
         <p:blipFill>
-          <a:blip r:embed="rId4"/>
+          <a:blip r:embed="rId2"/>
           <a:stretch>
             <a:fillRect/>
           </a:stretch>
@@ -17860,7 +17665,7 @@
           <p:nvPr/>
         </p:nvPicPr>
         <p:blipFill>
-          <a:blip r:embed="rId5"/>
+          <a:blip r:embed="rId3"/>
           <a:stretch>
             <a:fillRect/>
           </a:stretch>
@@ -17876,11 +17681,6 @@
         </p:spPr>
       </p:pic>
     </p:spTree>
-    <p:extLst>
-      <p:ext uri="{BB962C8B-B14F-4D97-AF65-F5344CB8AC3E}">
-        <p14:creationId xmlns:p14="http://schemas.microsoft.com/office/powerpoint/2010/main" val="1151914742"/>
-      </p:ext>
-    </p:extLst>
   </p:cSld>
   <p:clrMapOvr>
     <a:masterClrMapping/>
@@ -17921,7 +17721,7 @@
           <p:nvPr/>
         </p:nvPicPr>
         <p:blipFill>
-          <a:blip r:embed="rId3"/>
+          <a:blip r:embed="rId1"/>
           <a:stretch>
             <a:fillRect/>
           </a:stretch>
@@ -18234,7 +18034,6 @@
                 </a:spcAft>
                 <a:buNone/>
               </a:pPr>
-              <a:endParaRPr/>
             </a:p>
           </p:txBody>
         </p:sp>
@@ -18496,7 +18295,6 @@
                 </a:spcAft>
                 <a:buNone/>
               </a:pPr>
-              <a:endParaRPr/>
             </a:p>
           </p:txBody>
         </p:sp>
@@ -18504,9 +18302,7 @@
       <p:sp>
         <p:nvSpPr>
           <p:cNvPr id="18" name="Google Shape;256;p33"/>
-          <p:cNvSpPr txBox="1">
-            <a:spLocks/>
-          </p:cNvSpPr>
+          <p:cNvSpPr txBox="1"/>
           <p:nvPr/>
         </p:nvSpPr>
         <p:spPr>
@@ -18776,14 +18572,14 @@
           <a:p>
             <a:r>
               <a:rPr lang="en-US" altLang="en-GB" sz="2000" dirty="0" smtClean="0">
-                <a:latin typeface="Roboto" panose="020B0604020202020204" charset="0"/>
-                <a:ea typeface="Roboto" panose="020B0604020202020204" charset="0"/>
+                <a:latin typeface="Roboto" panose="02000000000000000000" charset="0"/>
+                <a:ea typeface="Roboto" panose="02000000000000000000" charset="0"/>
               </a:rPr>
               <a:t>3. Project</a:t>
             </a:r>
             <a:endParaRPr lang="en-US" sz="2000" dirty="0">
-              <a:latin typeface="Roboto" panose="020B0604020202020204" charset="0"/>
-              <a:ea typeface="Roboto" panose="020B0604020202020204" charset="0"/>
+              <a:latin typeface="Roboto" panose="02000000000000000000" charset="0"/>
+              <a:ea typeface="Roboto" panose="02000000000000000000" charset="0"/>
             </a:endParaRPr>
           </a:p>
         </p:txBody>
@@ -18820,42 +18616,42 @@
             </a:pPr>
             <a:r>
               <a:rPr lang="en-GB" sz="1600" b="1" dirty="0" smtClean="0">
-                <a:latin typeface="Roboto" panose="020B0604020202020204" charset="0"/>
-                <a:ea typeface="Roboto" panose="020B0604020202020204" charset="0"/>
+                <a:latin typeface="Roboto" panose="02000000000000000000" charset="0"/>
+                <a:ea typeface="Roboto" panose="02000000000000000000" charset="0"/>
               </a:rPr>
               <a:t>File App.js</a:t>
             </a:r>
             <a:r>
               <a:rPr lang="vi-VN" sz="1600" b="1" dirty="0" smtClean="0">
-                <a:latin typeface="Roboto" panose="020B0604020202020204" charset="0"/>
-                <a:ea typeface="Roboto" panose="020B0604020202020204" charset="0"/>
+                <a:latin typeface="Roboto" panose="02000000000000000000" charset="0"/>
+                <a:ea typeface="Roboto" panose="02000000000000000000" charset="0"/>
               </a:rPr>
               <a:t>: </a:t>
             </a:r>
             <a:r>
               <a:rPr lang="vi-VN" sz="1200" dirty="0">
-                <a:latin typeface="Roboto" panose="020B0604020202020204" charset="0"/>
-                <a:ea typeface="Roboto" panose="020B0604020202020204" charset="0"/>
+                <a:latin typeface="Roboto" panose="02000000000000000000" charset="0"/>
+                <a:ea typeface="Roboto" panose="02000000000000000000" charset="0"/>
               </a:rPr>
               <a:t>Tệp này là điểm vào chính của ứng </a:t>
             </a:r>
             <a:r>
               <a:rPr lang="vi-VN" sz="1200" dirty="0" smtClean="0">
-                <a:latin typeface="Roboto" panose="020B0604020202020204" charset="0"/>
-                <a:ea typeface="Roboto" panose="020B0604020202020204" charset="0"/>
+                <a:latin typeface="Roboto" panose="02000000000000000000" charset="0"/>
+                <a:ea typeface="Roboto" panose="02000000000000000000" charset="0"/>
               </a:rPr>
               <a:t>dụng </a:t>
             </a:r>
             <a:r>
               <a:rPr lang="vi-VN" sz="1200" dirty="0">
-                <a:latin typeface="Roboto" panose="020B0604020202020204" charset="0"/>
-                <a:ea typeface="Roboto" panose="020B0604020202020204" charset="0"/>
+                <a:latin typeface="Roboto" panose="02000000000000000000" charset="0"/>
+                <a:ea typeface="Roboto" panose="02000000000000000000" charset="0"/>
               </a:rPr>
               <a:t>và chứa tất cả các thành phần</a:t>
             </a:r>
             <a:endParaRPr lang="vi-VN" sz="1000" dirty="0">
-              <a:latin typeface="Roboto" panose="020B0604020202020204" charset="0"/>
-              <a:ea typeface="Roboto" panose="020B0604020202020204" charset="0"/>
+              <a:latin typeface="Roboto" panose="02000000000000000000" charset="0"/>
+              <a:ea typeface="Roboto" panose="02000000000000000000" charset="0"/>
             </a:endParaRPr>
           </a:p>
         </p:txBody>
@@ -18888,35 +18684,35 @@
           <a:p>
             <a:r>
               <a:rPr lang="en-GB" sz="1600" b="1" dirty="0" smtClean="0">
-                <a:latin typeface="Roboto" panose="020B0604020202020204" charset="0"/>
-                <a:ea typeface="Roboto" panose="020B0604020202020204" charset="0"/>
+                <a:latin typeface="Roboto" panose="02000000000000000000" charset="0"/>
+                <a:ea typeface="Roboto" panose="02000000000000000000" charset="0"/>
               </a:rPr>
               <a:t>Folder </a:t>
             </a:r>
             <a:r>
               <a:rPr lang="vi-VN" sz="1600" b="1" dirty="0">
-                <a:latin typeface="Roboto" panose="020B0604020202020204" charset="0"/>
-                <a:ea typeface="Roboto" panose="020B0604020202020204" charset="0"/>
+                <a:latin typeface="Roboto" panose="02000000000000000000" charset="0"/>
+                <a:ea typeface="Roboto" panose="02000000000000000000" charset="0"/>
               </a:rPr>
               <a:t>utils</a:t>
             </a:r>
             <a:r>
               <a:rPr lang="vi-VN" sz="1200" dirty="0">
-                <a:latin typeface="Roboto" panose="020B0604020202020204" charset="0"/>
-                <a:ea typeface="Roboto" panose="020B0604020202020204" charset="0"/>
+                <a:latin typeface="Roboto" panose="02000000000000000000" charset="0"/>
+                <a:ea typeface="Roboto" panose="02000000000000000000" charset="0"/>
               </a:rPr>
               <a:t>: Thư mục này chứa các hàm tiện ích hoặc lớp trợ giúp được sử dụng trong toàn dự </a:t>
             </a:r>
             <a:r>
               <a:rPr lang="vi-VN" sz="1200" dirty="0" smtClean="0">
-                <a:latin typeface="Roboto" panose="020B0604020202020204" charset="0"/>
-                <a:ea typeface="Roboto" panose="020B0604020202020204" charset="0"/>
+                <a:latin typeface="Roboto" panose="02000000000000000000" charset="0"/>
+                <a:ea typeface="Roboto" panose="02000000000000000000" charset="0"/>
               </a:rPr>
               <a:t>án.</a:t>
             </a:r>
             <a:endParaRPr lang="vi-VN" sz="1200" dirty="0">
-              <a:latin typeface="Roboto" panose="020B0604020202020204" charset="0"/>
-              <a:ea typeface="Roboto" panose="020B0604020202020204" charset="0"/>
+              <a:latin typeface="Roboto" panose="02000000000000000000" charset="0"/>
+              <a:ea typeface="Roboto" panose="02000000000000000000" charset="0"/>
             </a:endParaRPr>
           </a:p>
         </p:txBody>
@@ -19086,7 +18882,7 @@
           <p:nvPr/>
         </p:nvPicPr>
         <p:blipFill>
-          <a:blip r:embed="rId4"/>
+          <a:blip r:embed="rId2"/>
           <a:stretch>
             <a:fillRect/>
           </a:stretch>
@@ -19110,7 +18906,7 @@
           <p:nvPr/>
         </p:nvPicPr>
         <p:blipFill>
-          <a:blip r:embed="rId5"/>
+          <a:blip r:embed="rId3"/>
           <a:stretch>
             <a:fillRect/>
           </a:stretch>
@@ -19126,11 +18922,6 @@
         </p:spPr>
       </p:pic>
     </p:spTree>
-    <p:extLst>
-      <p:ext uri="{BB962C8B-B14F-4D97-AF65-F5344CB8AC3E}">
-        <p14:creationId xmlns:p14="http://schemas.microsoft.com/office/powerpoint/2010/main" val="1632288166"/>
-      </p:ext>
-    </p:extLst>
   </p:cSld>
   <p:clrMapOvr>
     <a:masterClrMapping/>
@@ -19268,7 +19059,6 @@
               </a:spcAft>
               <a:buNone/>
             </a:pPr>
-            <a:endParaRPr/>
           </a:p>
         </p:txBody>
       </p:sp>
@@ -19328,7 +19118,6 @@
               </a:spcAft>
               <a:buNone/>
             </a:pPr>
-            <a:endParaRPr/>
           </a:p>
         </p:txBody>
       </p:sp>
@@ -19723,7 +19512,6 @@
                 </a:spcAft>
                 <a:buNone/>
               </a:pPr>
-              <a:endParaRPr/>
             </a:p>
           </p:txBody>
         </p:sp>
@@ -20355,7 +20143,6 @@
                 </a:spcAft>
                 <a:buNone/>
               </a:pPr>
-              <a:endParaRPr/>
             </a:p>
           </p:txBody>
         </p:sp>
@@ -20736,7 +20523,6 @@
                 </a:spcAft>
                 <a:buNone/>
               </a:pPr>
-              <a:endParaRPr/>
             </a:p>
           </p:txBody>
         </p:sp>
@@ -21450,7 +21236,6 @@
                 </a:spcAft>
                 <a:buNone/>
               </a:pPr>
-              <a:endParaRPr/>
             </a:p>
           </p:txBody>
         </p:sp>
@@ -21634,7 +21419,6 @@
                 </a:spcAft>
                 <a:buNone/>
               </a:pPr>
-              <a:endParaRPr/>
             </a:p>
           </p:txBody>
         </p:sp>
@@ -21749,7 +21533,6 @@
                 </a:spcAft>
                 <a:buNone/>
               </a:pPr>
-              <a:endParaRPr/>
             </a:p>
           </p:txBody>
         </p:sp>
@@ -21791,7 +21574,6 @@
                 </a:spcAft>
                 <a:buNone/>
               </a:pPr>
-              <a:endParaRPr/>
             </a:p>
           </p:txBody>
         </p:sp>
@@ -21799,9 +21581,7 @@
       <p:sp>
         <p:nvSpPr>
           <p:cNvPr id="18" name="Google Shape;390;p41"/>
-          <p:cNvSpPr txBox="1">
-            <a:spLocks/>
-          </p:cNvSpPr>
+          <p:cNvSpPr txBox="1"/>
           <p:nvPr/>
         </p:nvSpPr>
         <p:spPr>
@@ -22139,6 +21919,7 @@
               <a:rPr lang="en-GB" sz="2400" dirty="0" smtClean="0"/>
               <a:t>.</a:t>
             </a:r>
+            <a:endParaRPr lang="en-GB" sz="2400" dirty="0" smtClean="0"/>
           </a:p>
           <a:p>
             <a:endParaRPr lang="en-GB" sz="2400" dirty="0" smtClean="0"/>
@@ -22197,11 +21978,6 @@
         </p:txBody>
       </p:sp>
     </p:spTree>
-    <p:extLst>
-      <p:ext uri="{BB962C8B-B14F-4D97-AF65-F5344CB8AC3E}">
-        <p14:creationId xmlns:p14="http://schemas.microsoft.com/office/powerpoint/2010/main" val="3451554142"/>
-      </p:ext>
-    </p:extLst>
   </p:cSld>
   <p:clrMapOvr>
     <a:masterClrMapping/>
@@ -22323,7 +22099,6 @@
               </a:spcAft>
               <a:buNone/>
             </a:pPr>
-            <a:endParaRPr/>
           </a:p>
         </p:txBody>
       </p:sp>
@@ -22383,7 +22158,6 @@
               </a:spcAft>
               <a:buNone/>
             </a:pPr>
-            <a:endParaRPr/>
           </a:p>
         </p:txBody>
       </p:sp>
@@ -22778,7 +22552,6 @@
                 </a:spcAft>
                 <a:buNone/>
               </a:pPr>
-              <a:endParaRPr/>
             </a:p>
           </p:txBody>
         </p:sp>
@@ -23410,7 +23183,6 @@
                 </a:spcAft>
                 <a:buNone/>
               </a:pPr>
-              <a:endParaRPr/>
             </a:p>
           </p:txBody>
         </p:sp>
@@ -23791,7 +23563,6 @@
                 </a:spcAft>
                 <a:buNone/>
               </a:pPr>
-              <a:endParaRPr/>
             </a:p>
           </p:txBody>
         </p:sp>
@@ -24505,7 +24276,6 @@
                 </a:spcAft>
                 <a:buNone/>
               </a:pPr>
-              <a:endParaRPr/>
             </a:p>
           </p:txBody>
         </p:sp>
@@ -24689,7 +24459,6 @@
                 </a:spcAft>
                 <a:buNone/>
               </a:pPr>
-              <a:endParaRPr/>
             </a:p>
           </p:txBody>
         </p:sp>
@@ -24804,7 +24573,6 @@
                 </a:spcAft>
                 <a:buNone/>
               </a:pPr>
-              <a:endParaRPr/>
             </a:p>
           </p:txBody>
         </p:sp>
@@ -24846,17 +24614,11 @@
                 </a:spcAft>
                 <a:buNone/>
               </a:pPr>
-              <a:endParaRPr/>
             </a:p>
           </p:txBody>
         </p:sp>
       </p:grpSp>
     </p:spTree>
-    <p:extLst>
-      <p:ext uri="{BB962C8B-B14F-4D97-AF65-F5344CB8AC3E}">
-        <p14:creationId xmlns:p14="http://schemas.microsoft.com/office/powerpoint/2010/main" val="1604720010"/>
-      </p:ext>
-    </p:extLst>
   </p:cSld>
   <p:clrMapOvr>
     <a:masterClrMapping/>
@@ -24972,6 +24734,7 @@
               <a:rPr lang="en-GB" dirty="0" smtClean="0"/>
               <a:t>Tiến độ học tập.</a:t>
             </a:r>
+            <a:endParaRPr lang="en-GB" dirty="0" smtClean="0"/>
           </a:p>
           <a:p>
             <a:pPr marL="0" lvl="0" indent="0" algn="l" rtl="0">
@@ -25079,6 +24842,7 @@
               <a:rPr lang="en-US" altLang="en-GB" smtClean="0"/>
               <a:t>Tổng quan. </a:t>
             </a:r>
+            <a:endParaRPr lang="en-US" altLang="en-GB" smtClean="0"/>
           </a:p>
           <a:p>
             <a:pPr marL="0" lvl="0" indent="0" algn="l" rtl="0">
@@ -25132,6 +24896,7 @@
               <a:rPr lang="en-GB" dirty="0"/>
               <a:t>PROJECT</a:t>
             </a:r>
+            <a:endParaRPr lang="en-GB" dirty="0"/>
           </a:p>
         </p:txBody>
       </p:sp>
@@ -25204,6 +24969,7 @@
               <a:rPr lang="en-US" altLang="en-GB" dirty="0" smtClean="0"/>
               <a:t>.</a:t>
             </a:r>
+            <a:endParaRPr lang="en-US" altLang="en-GB" dirty="0" smtClean="0"/>
           </a:p>
           <a:p>
             <a:pPr marL="0" lvl="0" indent="0" algn="l" rtl="0">
@@ -25288,6 +25054,7 @@
               <a:rPr lang="en-GB"/>
               <a:t>TABLE OF CONTENTS</a:t>
             </a:r>
+            <a:endParaRPr lang="en-GB"/>
           </a:p>
         </p:txBody>
       </p:sp>
@@ -25371,6 +25138,7 @@
               <a:rPr lang="en-GB"/>
               <a:t>02</a:t>
             </a:r>
+            <a:endParaRPr lang="en-GB"/>
           </a:p>
         </p:txBody>
       </p:sp>
@@ -25412,6 +25180,7 @@
               <a:rPr lang="en-GB"/>
               <a:t>03</a:t>
             </a:r>
+            <a:endParaRPr lang="en-GB"/>
           </a:p>
         </p:txBody>
       </p:sp>
@@ -25467,7 +25236,6 @@
                 </a:spcAft>
                 <a:buNone/>
               </a:pPr>
-              <a:endParaRPr/>
             </a:p>
           </p:txBody>
         </p:sp>
@@ -25509,7 +25277,6 @@
                 </a:spcAft>
                 <a:buNone/>
               </a:pPr>
-              <a:endParaRPr/>
             </a:p>
           </p:txBody>
         </p:sp>
@@ -25599,7 +25366,6 @@
               </a:spcAft>
               <a:buNone/>
             </a:pPr>
-            <a:endParaRPr/>
           </a:p>
         </p:txBody>
       </p:sp>
@@ -25715,7 +25481,6 @@
                 </a:spcAft>
                 <a:buNone/>
               </a:pPr>
-              <a:endParaRPr/>
             </a:p>
           </p:txBody>
         </p:sp>
@@ -25955,7 +25720,6 @@
                 </a:spcAft>
                 <a:buNone/>
               </a:pPr>
-              <a:endParaRPr/>
             </a:p>
           </p:txBody>
         </p:sp>
@@ -26065,7 +25829,6 @@
                 </a:spcAft>
                 <a:buNone/>
               </a:pPr>
-              <a:endParaRPr/>
             </a:p>
           </p:txBody>
         </p:sp>
@@ -26175,7 +25938,6 @@
                 </a:spcAft>
                 <a:buNone/>
               </a:pPr>
-              <a:endParaRPr/>
             </a:p>
           </p:txBody>
         </p:sp>
@@ -26248,21 +26010,21 @@
             </a:pPr>
             <a:r>
               <a:rPr lang="en-US" altLang="en-GB" sz="2000" dirty="0" smtClean="0">
-                <a:latin typeface="Roboto" panose="020B0604020202020204" charset="0"/>
-                <a:ea typeface="Roboto" panose="020B0604020202020204" charset="0"/>
+                <a:latin typeface="Roboto" panose="02000000000000000000" charset="0"/>
+                <a:ea typeface="Roboto" panose="02000000000000000000" charset="0"/>
               </a:rPr>
               <a:t>1. </a:t>
             </a:r>
             <a:r>
               <a:rPr lang="en-GB" sz="2000" dirty="0" smtClean="0">
-                <a:latin typeface="Roboto" panose="020B0604020202020204" charset="0"/>
-                <a:ea typeface="Roboto" panose="020B0604020202020204" charset="0"/>
+                <a:latin typeface="Roboto" panose="02000000000000000000" charset="0"/>
+                <a:ea typeface="Roboto" panose="02000000000000000000" charset="0"/>
               </a:rPr>
               <a:t>OKR </a:t>
             </a:r>
             <a:endParaRPr sz="2000" dirty="0">
-              <a:latin typeface="Roboto" panose="020B0604020202020204" charset="0"/>
-              <a:ea typeface="Roboto" panose="020B0604020202020204" charset="0"/>
+              <a:latin typeface="Roboto" panose="02000000000000000000" charset="0"/>
+              <a:ea typeface="Roboto" panose="02000000000000000000" charset="0"/>
             </a:endParaRPr>
           </a:p>
         </p:txBody>
@@ -26325,8 +26087,8 @@
                 <a:buNone/>
               </a:pPr>
               <a:endParaRPr>
-                <a:latin typeface="Roboto" panose="020B0604020202020204" charset="0"/>
-                <a:ea typeface="Roboto" panose="020B0604020202020204" charset="0"/>
+                <a:latin typeface="Roboto" panose="02000000000000000000" charset="0"/>
+                <a:ea typeface="Roboto" panose="02000000000000000000" charset="0"/>
               </a:endParaRPr>
             </a:p>
           </p:txBody>
@@ -26374,8 +26136,8 @@
                 <a:buNone/>
               </a:pPr>
               <a:endParaRPr>
-                <a:latin typeface="Roboto" panose="020B0604020202020204" charset="0"/>
-                <a:ea typeface="Roboto" panose="020B0604020202020204" charset="0"/>
+                <a:latin typeface="Roboto" panose="02000000000000000000" charset="0"/>
+                <a:ea typeface="Roboto" panose="02000000000000000000" charset="0"/>
               </a:endParaRPr>
             </a:p>
           </p:txBody>
@@ -26431,8 +26193,8 @@
                   <a:buNone/>
                 </a:pPr>
                 <a:endParaRPr>
-                  <a:latin typeface="Roboto" panose="020B0604020202020204" charset="0"/>
-                  <a:ea typeface="Roboto" panose="020B0604020202020204" charset="0"/>
+                  <a:latin typeface="Roboto" panose="02000000000000000000" charset="0"/>
+                  <a:ea typeface="Roboto" panose="02000000000000000000" charset="0"/>
                 </a:endParaRPr>
               </a:p>
             </p:txBody>
@@ -26477,8 +26239,8 @@
                   <a:buNone/>
                 </a:pPr>
                 <a:endParaRPr>
-                  <a:latin typeface="Roboto" panose="020B0604020202020204" charset="0"/>
-                  <a:ea typeface="Roboto" panose="020B0604020202020204" charset="0"/>
+                  <a:latin typeface="Roboto" panose="02000000000000000000" charset="0"/>
+                  <a:ea typeface="Roboto" panose="02000000000000000000" charset="0"/>
                 </a:endParaRPr>
               </a:p>
             </p:txBody>
@@ -26535,8 +26297,8 @@
                   <a:buNone/>
                 </a:pPr>
                 <a:endParaRPr>
-                  <a:latin typeface="Roboto" panose="020B0604020202020204" charset="0"/>
-                  <a:ea typeface="Roboto" panose="020B0604020202020204" charset="0"/>
+                  <a:latin typeface="Roboto" panose="02000000000000000000" charset="0"/>
+                  <a:ea typeface="Roboto" panose="02000000000000000000" charset="0"/>
                 </a:endParaRPr>
               </a:p>
             </p:txBody>
@@ -26581,8 +26343,8 @@
                   <a:buNone/>
                 </a:pPr>
                 <a:endParaRPr>
-                  <a:latin typeface="Roboto" panose="020B0604020202020204" charset="0"/>
-                  <a:ea typeface="Roboto" panose="020B0604020202020204" charset="0"/>
+                  <a:latin typeface="Roboto" panose="02000000000000000000" charset="0"/>
+                  <a:ea typeface="Roboto" panose="02000000000000000000" charset="0"/>
                 </a:endParaRPr>
               </a:p>
             </p:txBody>
@@ -26629,8 +26391,8 @@
                       <a:lumMod val="10000"/>
                     </a:schemeClr>
                   </a:solidFill>
-                  <a:latin typeface="Roboto" panose="020B0604020202020204" charset="0"/>
-                  <a:ea typeface="Roboto" panose="020B0604020202020204" charset="0"/>
+                  <a:latin typeface="Roboto" panose="02000000000000000000" charset="0"/>
+                  <a:ea typeface="Roboto" panose="02000000000000000000" charset="0"/>
                 </a:rPr>
                 <a:t>Khóa</a:t>
               </a:r>
@@ -26641,8 +26403,8 @@
                       <a:lumMod val="10000"/>
                     </a:schemeClr>
                   </a:solidFill>
-                  <a:latin typeface="Roboto" panose="020B0604020202020204" charset="0"/>
-                  <a:ea typeface="Roboto" panose="020B0604020202020204" charset="0"/>
+                  <a:latin typeface="Roboto" panose="02000000000000000000" charset="0"/>
+                  <a:ea typeface="Roboto" panose="02000000000000000000" charset="0"/>
                 </a:rPr>
                 <a:t> </a:t>
               </a:r>
@@ -26653,8 +26415,8 @@
                       <a:lumMod val="10000"/>
                     </a:schemeClr>
                   </a:solidFill>
-                  <a:latin typeface="Roboto" panose="020B0604020202020204" charset="0"/>
-                  <a:ea typeface="Roboto" panose="020B0604020202020204" charset="0"/>
+                  <a:latin typeface="Roboto" panose="02000000000000000000" charset="0"/>
+                  <a:ea typeface="Roboto" panose="02000000000000000000" charset="0"/>
                 </a:rPr>
                 <a:t>học</a:t>
               </a:r>
@@ -26665,8 +26427,8 @@
                       <a:lumMod val="10000"/>
                     </a:schemeClr>
                   </a:solidFill>
-                  <a:latin typeface="Roboto" panose="020B0604020202020204" charset="0"/>
-                  <a:ea typeface="Roboto" panose="020B0604020202020204" charset="0"/>
+                  <a:latin typeface="Roboto" panose="02000000000000000000" charset="0"/>
+                  <a:ea typeface="Roboto" panose="02000000000000000000" charset="0"/>
                 </a:rPr>
                 <a:t> </a:t>
               </a:r>
@@ -26677,8 +26439,8 @@
                       <a:lumMod val="10000"/>
                     </a:schemeClr>
                   </a:solidFill>
-                  <a:latin typeface="Roboto" panose="020B0604020202020204" charset="0"/>
-                  <a:ea typeface="Roboto" panose="020B0604020202020204" charset="0"/>
+                  <a:latin typeface="Roboto" panose="02000000000000000000" charset="0"/>
+                  <a:ea typeface="Roboto" panose="02000000000000000000" charset="0"/>
                 </a:rPr>
                 <a:t>ReactJS</a:t>
               </a:r>
@@ -26688,8 +26450,8 @@
                     <a:lumMod val="10000"/>
                   </a:schemeClr>
                 </a:solidFill>
-                <a:latin typeface="Roboto" panose="020B0604020202020204" charset="0"/>
-                <a:ea typeface="Roboto" panose="020B0604020202020204" charset="0"/>
+                <a:latin typeface="Roboto" panose="02000000000000000000" charset="0"/>
+                <a:ea typeface="Roboto" panose="02000000000000000000" charset="0"/>
               </a:endParaRPr>
             </a:p>
           </p:txBody>
@@ -26737,8 +26499,8 @@
                 <a:buNone/>
               </a:pPr>
               <a:endParaRPr>
-                <a:latin typeface="Roboto" panose="020B0604020202020204" charset="0"/>
-                <a:ea typeface="Roboto" panose="020B0604020202020204" charset="0"/>
+                <a:latin typeface="Roboto" panose="02000000000000000000" charset="0"/>
+                <a:ea typeface="Roboto" panose="02000000000000000000" charset="0"/>
               </a:endParaRPr>
             </a:p>
           </p:txBody>
@@ -26794,8 +26556,8 @@
                   <a:buNone/>
                 </a:pPr>
                 <a:endParaRPr>
-                  <a:latin typeface="Roboto" panose="020B0604020202020204" charset="0"/>
-                  <a:ea typeface="Roboto" panose="020B0604020202020204" charset="0"/>
+                  <a:latin typeface="Roboto" panose="02000000000000000000" charset="0"/>
+                  <a:ea typeface="Roboto" panose="02000000000000000000" charset="0"/>
                 </a:endParaRPr>
               </a:p>
             </p:txBody>
@@ -26840,8 +26602,8 @@
                   <a:buNone/>
                 </a:pPr>
                 <a:endParaRPr>
-                  <a:latin typeface="Roboto" panose="020B0604020202020204" charset="0"/>
-                  <a:ea typeface="Roboto" panose="020B0604020202020204" charset="0"/>
+                  <a:latin typeface="Roboto" panose="02000000000000000000" charset="0"/>
+                  <a:ea typeface="Roboto" panose="02000000000000000000" charset="0"/>
                 </a:endParaRPr>
               </a:p>
             </p:txBody>
@@ -26888,11 +26650,20 @@
                       <a:lumMod val="10000"/>
                     </a:schemeClr>
                   </a:solidFill>
-                  <a:latin typeface="Roboto" panose="020B0604020202020204" charset="0"/>
-                  <a:ea typeface="Roboto" panose="020B0604020202020204" charset="0"/>
+                  <a:latin typeface="Roboto" panose="02000000000000000000" charset="0"/>
+                  <a:ea typeface="Roboto" panose="02000000000000000000" charset="0"/>
                 </a:rPr>
                 <a:t>Link web F8:</a:t>
               </a:r>
+              <a:endParaRPr lang="en-US" sz="800" dirty="0">
+                <a:solidFill>
+                  <a:schemeClr val="accent6">
+                    <a:lumMod val="10000"/>
+                  </a:schemeClr>
+                </a:solidFill>
+                <a:latin typeface="Roboto" panose="02000000000000000000" charset="0"/>
+                <a:ea typeface="Roboto" panose="02000000000000000000" charset="0"/>
+              </a:endParaRPr>
             </a:p>
             <a:p>
               <a:pPr marL="0" lvl="0" indent="0" algn="l" rtl="0">
@@ -26911,8 +26682,8 @@
                       <a:lumMod val="75000"/>
                     </a:schemeClr>
                   </a:solidFill>
-                  <a:latin typeface="Roboto" panose="020B0604020202020204" charset="0"/>
-                  <a:ea typeface="Roboto" panose="020B0604020202020204" charset="0"/>
+                  <a:latin typeface="Roboto" panose="02000000000000000000" charset="0"/>
+                  <a:ea typeface="Roboto" panose="02000000000000000000" charset="0"/>
                 </a:rPr>
                 <a:t>https://fullstack.edu.vn</a:t>
               </a:r>
@@ -26923,11 +26694,20 @@
                       <a:lumMod val="75000"/>
                     </a:schemeClr>
                   </a:solidFill>
-                  <a:latin typeface="Roboto" panose="020B0604020202020204" charset="0"/>
-                  <a:ea typeface="Roboto" panose="020B0604020202020204" charset="0"/>
+                  <a:latin typeface="Roboto" panose="02000000000000000000" charset="0"/>
+                  <a:ea typeface="Roboto" panose="02000000000000000000" charset="0"/>
                 </a:rPr>
                 <a:t>/</a:t>
               </a:r>
+              <a:endParaRPr lang="en-US" sz="800" dirty="0">
+                <a:solidFill>
+                  <a:schemeClr val="bg1">
+                    <a:lumMod val="75000"/>
+                  </a:schemeClr>
+                </a:solidFill>
+                <a:latin typeface="Roboto" panose="02000000000000000000" charset="0"/>
+                <a:ea typeface="Roboto" panose="02000000000000000000" charset="0"/>
+              </a:endParaRPr>
             </a:p>
           </p:txBody>
         </p:sp>
@@ -26974,8 +26754,8 @@
                 <a:buNone/>
               </a:pPr>
               <a:endParaRPr>
-                <a:latin typeface="Roboto" panose="020B0604020202020204" charset="0"/>
-                <a:ea typeface="Roboto" panose="020B0604020202020204" charset="0"/>
+                <a:latin typeface="Roboto" panose="02000000000000000000" charset="0"/>
+                <a:ea typeface="Roboto" panose="02000000000000000000" charset="0"/>
               </a:endParaRPr>
             </a:p>
           </p:txBody>
@@ -27031,8 +26811,8 @@
                   <a:buNone/>
                 </a:pPr>
                 <a:endParaRPr>
-                  <a:latin typeface="Roboto" panose="020B0604020202020204" charset="0"/>
-                  <a:ea typeface="Roboto" panose="020B0604020202020204" charset="0"/>
+                  <a:latin typeface="Roboto" panose="02000000000000000000" charset="0"/>
+                  <a:ea typeface="Roboto" panose="02000000000000000000" charset="0"/>
                 </a:endParaRPr>
               </a:p>
             </p:txBody>
@@ -27077,8 +26857,8 @@
                   <a:buNone/>
                 </a:pPr>
                 <a:endParaRPr>
-                  <a:latin typeface="Roboto" panose="020B0604020202020204" charset="0"/>
-                  <a:ea typeface="Roboto" panose="020B0604020202020204" charset="0"/>
+                  <a:latin typeface="Roboto" panose="02000000000000000000" charset="0"/>
+                  <a:ea typeface="Roboto" panose="02000000000000000000" charset="0"/>
                 </a:endParaRPr>
               </a:p>
             </p:txBody>
@@ -27125,8 +26905,8 @@
                       <a:lumMod val="10000"/>
                     </a:schemeClr>
                   </a:solidFill>
-                  <a:latin typeface="Roboto" panose="020B0604020202020204" charset="0"/>
-                  <a:ea typeface="Roboto" panose="020B0604020202020204" charset="0"/>
+                  <a:latin typeface="Roboto" panose="02000000000000000000" charset="0"/>
+                  <a:ea typeface="Roboto" panose="02000000000000000000" charset="0"/>
                   <a:sym typeface="+mn-ea"/>
                 </a:rPr>
                 <a:t>Hoàn</a:t>
@@ -27138,8 +26918,8 @@
                       <a:lumMod val="10000"/>
                     </a:schemeClr>
                   </a:solidFill>
-                  <a:latin typeface="Roboto" panose="020B0604020202020204" charset="0"/>
-                  <a:ea typeface="Roboto" panose="020B0604020202020204" charset="0"/>
+                  <a:latin typeface="Roboto" panose="02000000000000000000" charset="0"/>
+                  <a:ea typeface="Roboto" panose="02000000000000000000" charset="0"/>
                   <a:sym typeface="+mn-ea"/>
                 </a:rPr>
                 <a:t> </a:t>
@@ -27151,8 +26931,8 @@
                       <a:lumMod val="10000"/>
                     </a:schemeClr>
                   </a:solidFill>
-                  <a:latin typeface="Roboto" panose="020B0604020202020204" charset="0"/>
-                  <a:ea typeface="Roboto" panose="020B0604020202020204" charset="0"/>
+                  <a:latin typeface="Roboto" panose="02000000000000000000" charset="0"/>
+                  <a:ea typeface="Roboto" panose="02000000000000000000" charset="0"/>
                   <a:sym typeface="+mn-ea"/>
                 </a:rPr>
                 <a:t>thành</a:t>
@@ -27164,8 +26944,8 @@
                       <a:lumMod val="10000"/>
                     </a:schemeClr>
                   </a:solidFill>
-                  <a:latin typeface="Roboto" panose="020B0604020202020204" charset="0"/>
-                  <a:ea typeface="Roboto" panose="020B0604020202020204" charset="0"/>
+                  <a:latin typeface="Roboto" panose="02000000000000000000" charset="0"/>
+                  <a:ea typeface="Roboto" panose="02000000000000000000" charset="0"/>
                   <a:sym typeface="+mn-ea"/>
                 </a:rPr>
                 <a:t> 108/118 </a:t>
@@ -27177,8 +26957,8 @@
                       <a:lumMod val="10000"/>
                     </a:schemeClr>
                   </a:solidFill>
-                  <a:latin typeface="Roboto" panose="020B0604020202020204" charset="0"/>
-                  <a:ea typeface="Roboto" panose="020B0604020202020204" charset="0"/>
+                  <a:latin typeface="Roboto" panose="02000000000000000000" charset="0"/>
+                  <a:ea typeface="Roboto" panose="02000000000000000000" charset="0"/>
                   <a:sym typeface="+mn-ea"/>
                 </a:rPr>
                 <a:t>nội</a:t>
@@ -27190,8 +26970,8 @@
                       <a:lumMod val="10000"/>
                     </a:schemeClr>
                   </a:solidFill>
-                  <a:latin typeface="Roboto" panose="020B0604020202020204" charset="0"/>
-                  <a:ea typeface="Roboto" panose="020B0604020202020204" charset="0"/>
+                  <a:latin typeface="Roboto" panose="02000000000000000000" charset="0"/>
+                  <a:ea typeface="Roboto" panose="02000000000000000000" charset="0"/>
                   <a:sym typeface="+mn-ea"/>
                 </a:rPr>
                 <a:t> dung </a:t>
@@ -27203,8 +26983,8 @@
                       <a:lumMod val="10000"/>
                     </a:schemeClr>
                   </a:solidFill>
-                  <a:latin typeface="Roboto" panose="020B0604020202020204" charset="0"/>
-                  <a:ea typeface="Roboto" panose="020B0604020202020204" charset="0"/>
+                  <a:latin typeface="Roboto" panose="02000000000000000000" charset="0"/>
+                  <a:ea typeface="Roboto" panose="02000000000000000000" charset="0"/>
                   <a:sym typeface="+mn-ea"/>
                 </a:rPr>
                 <a:t>khóa</a:t>
@@ -27216,8 +26996,8 @@
                       <a:lumMod val="10000"/>
                     </a:schemeClr>
                   </a:solidFill>
-                  <a:latin typeface="Roboto" panose="020B0604020202020204" charset="0"/>
-                  <a:ea typeface="Roboto" panose="020B0604020202020204" charset="0"/>
+                  <a:latin typeface="Roboto" panose="02000000000000000000" charset="0"/>
+                  <a:ea typeface="Roboto" panose="02000000000000000000" charset="0"/>
                   <a:sym typeface="+mn-ea"/>
                 </a:rPr>
                 <a:t> </a:t>
@@ -27229,8 +27009,8 @@
                       <a:lumMod val="10000"/>
                     </a:schemeClr>
                   </a:solidFill>
-                  <a:latin typeface="Roboto" panose="020B0604020202020204" charset="0"/>
-                  <a:ea typeface="Roboto" panose="020B0604020202020204" charset="0"/>
+                  <a:latin typeface="Roboto" panose="02000000000000000000" charset="0"/>
+                  <a:ea typeface="Roboto" panose="02000000000000000000" charset="0"/>
                   <a:sym typeface="+mn-ea"/>
                 </a:rPr>
                 <a:t>học</a:t>
@@ -27241,8 +27021,8 @@
                     <a:lumMod val="10000"/>
                   </a:schemeClr>
                 </a:solidFill>
-                <a:latin typeface="Roboto" panose="020B0604020202020204" charset="0"/>
-                <a:ea typeface="Roboto" panose="020B0604020202020204" charset="0"/>
+                <a:latin typeface="Roboto" panose="02000000000000000000" charset="0"/>
+                <a:ea typeface="Roboto" panose="02000000000000000000" charset="0"/>
               </a:endParaRPr>
             </a:p>
           </p:txBody>
@@ -27284,8 +27064,8 @@
                 <a:buNone/>
               </a:pPr>
               <a:endParaRPr>
-                <a:latin typeface="Roboto" panose="020B0604020202020204" charset="0"/>
-                <a:ea typeface="Roboto" panose="020B0604020202020204" charset="0"/>
+                <a:latin typeface="Roboto" panose="02000000000000000000" charset="0"/>
+                <a:ea typeface="Roboto" panose="02000000000000000000" charset="0"/>
               </a:endParaRPr>
             </a:p>
           </p:txBody>
@@ -27327,8 +27107,8 @@
                 <a:buNone/>
               </a:pPr>
               <a:endParaRPr>
-                <a:latin typeface="Roboto" panose="020B0604020202020204" charset="0"/>
-                <a:ea typeface="Roboto" panose="020B0604020202020204" charset="0"/>
+                <a:latin typeface="Roboto" panose="02000000000000000000" charset="0"/>
+                <a:ea typeface="Roboto" panose="02000000000000000000" charset="0"/>
               </a:endParaRPr>
             </a:p>
           </p:txBody>
@@ -27370,8 +27150,8 @@
                 <a:buNone/>
               </a:pPr>
               <a:endParaRPr>
-                <a:latin typeface="Roboto" panose="020B0604020202020204" charset="0"/>
-                <a:ea typeface="Roboto" panose="020B0604020202020204" charset="0"/>
+                <a:latin typeface="Roboto" panose="02000000000000000000" charset="0"/>
+                <a:ea typeface="Roboto" panose="02000000000000000000" charset="0"/>
               </a:endParaRPr>
             </a:p>
           </p:txBody>
@@ -27510,8 +27290,8 @@
                       <a:lumMod val="10000"/>
                     </a:schemeClr>
                   </a:solidFill>
-                  <a:latin typeface="Roboto" panose="020B0604020202020204" charset="0"/>
-                  <a:ea typeface="Roboto" panose="020B0604020202020204" charset="0"/>
+                  <a:latin typeface="Roboto" panose="02000000000000000000" charset="0"/>
+                  <a:ea typeface="Roboto" panose="02000000000000000000" charset="0"/>
                 </a:rPr>
                 <a:t>91</a:t>
               </a:r>
@@ -27522,8 +27302,8 @@
                       <a:lumMod val="10000"/>
                     </a:schemeClr>
                   </a:solidFill>
-                  <a:latin typeface="Roboto" panose="020B0604020202020204" charset="0"/>
-                  <a:ea typeface="Roboto" panose="020B0604020202020204" charset="0"/>
+                  <a:latin typeface="Roboto" panose="02000000000000000000" charset="0"/>
+                  <a:ea typeface="Roboto" panose="02000000000000000000" charset="0"/>
                 </a:rPr>
                 <a:t>%</a:t>
               </a:r>
@@ -27533,8 +27313,8 @@
                     <a:lumMod val="10000"/>
                   </a:schemeClr>
                 </a:solidFill>
-                <a:latin typeface="Roboto" panose="020B0604020202020204" charset="0"/>
-                <a:ea typeface="Roboto" panose="020B0604020202020204" charset="0"/>
+                <a:latin typeface="Roboto" panose="02000000000000000000" charset="0"/>
+                <a:ea typeface="Roboto" panose="02000000000000000000" charset="0"/>
               </a:endParaRPr>
             </a:p>
           </p:txBody>
@@ -27698,77 +27478,77 @@
             <a:pPr algn="ctr"/>
             <a:r>
               <a:rPr lang="en-GB" sz="1200" dirty="0" err="1" smtClean="0">
-                <a:latin typeface="Roboto" panose="020B0604020202020204" charset="0"/>
-                <a:ea typeface="Roboto" panose="020B0604020202020204" charset="0"/>
+                <a:latin typeface="Roboto" panose="02000000000000000000" charset="0"/>
+                <a:ea typeface="Roboto" panose="02000000000000000000" charset="0"/>
               </a:rPr>
               <a:t>Số</a:t>
             </a:r>
             <a:r>
               <a:rPr lang="en-GB" sz="1200" dirty="0" smtClean="0">
-                <a:latin typeface="Roboto" panose="020B0604020202020204" charset="0"/>
-                <a:ea typeface="Roboto" panose="020B0604020202020204" charset="0"/>
+                <a:latin typeface="Roboto" panose="02000000000000000000" charset="0"/>
+                <a:ea typeface="Roboto" panose="02000000000000000000" charset="0"/>
               </a:rPr>
               <a:t> </a:t>
             </a:r>
             <a:r>
               <a:rPr lang="en-GB" sz="1200" dirty="0" err="1" smtClean="0">
-                <a:latin typeface="Roboto" panose="020B0604020202020204" charset="0"/>
-                <a:ea typeface="Roboto" panose="020B0604020202020204" charset="0"/>
+                <a:latin typeface="Roboto" panose="02000000000000000000" charset="0"/>
+                <a:ea typeface="Roboto" panose="02000000000000000000" charset="0"/>
               </a:rPr>
               <a:t>liệu</a:t>
             </a:r>
             <a:r>
               <a:rPr lang="en-GB" sz="1200" dirty="0" smtClean="0">
-                <a:latin typeface="Roboto" panose="020B0604020202020204" charset="0"/>
-                <a:ea typeface="Roboto" panose="020B0604020202020204" charset="0"/>
+                <a:latin typeface="Roboto" panose="02000000000000000000" charset="0"/>
+                <a:ea typeface="Roboto" panose="02000000000000000000" charset="0"/>
               </a:rPr>
               <a:t> </a:t>
             </a:r>
             <a:r>
               <a:rPr lang="en-GB" sz="1200" dirty="0" err="1" smtClean="0">
-                <a:latin typeface="Roboto" panose="020B0604020202020204" charset="0"/>
-                <a:ea typeface="Roboto" panose="020B0604020202020204" charset="0"/>
+                <a:latin typeface="Roboto" panose="02000000000000000000" charset="0"/>
+                <a:ea typeface="Roboto" panose="02000000000000000000" charset="0"/>
               </a:rPr>
               <a:t>tính</a:t>
             </a:r>
             <a:r>
               <a:rPr lang="en-GB" sz="1200" dirty="0" smtClean="0">
-                <a:latin typeface="Roboto" panose="020B0604020202020204" charset="0"/>
-                <a:ea typeface="Roboto" panose="020B0604020202020204" charset="0"/>
+                <a:latin typeface="Roboto" panose="02000000000000000000" charset="0"/>
+                <a:ea typeface="Roboto" panose="02000000000000000000" charset="0"/>
               </a:rPr>
               <a:t> </a:t>
             </a:r>
             <a:r>
               <a:rPr lang="en-GB" sz="1200" dirty="0" err="1" smtClean="0">
-                <a:latin typeface="Roboto" panose="020B0604020202020204" charset="0"/>
-                <a:ea typeface="Roboto" panose="020B0604020202020204" charset="0"/>
+                <a:latin typeface="Roboto" panose="02000000000000000000" charset="0"/>
+                <a:ea typeface="Roboto" panose="02000000000000000000" charset="0"/>
               </a:rPr>
               <a:t>đến</a:t>
             </a:r>
             <a:r>
               <a:rPr lang="en-GB" sz="1200" dirty="0" smtClean="0">
-                <a:latin typeface="Roboto" panose="020B0604020202020204" charset="0"/>
-                <a:ea typeface="Roboto" panose="020B0604020202020204" charset="0"/>
+                <a:latin typeface="Roboto" panose="02000000000000000000" charset="0"/>
+                <a:ea typeface="Roboto" panose="02000000000000000000" charset="0"/>
               </a:rPr>
               <a:t> </a:t>
             </a:r>
             <a:r>
               <a:rPr lang="en-GB" sz="1200" dirty="0" err="1" smtClean="0">
-                <a:latin typeface="Roboto" panose="020B0604020202020204" charset="0"/>
-                <a:ea typeface="Roboto" panose="020B0604020202020204" charset="0"/>
+                <a:latin typeface="Roboto" panose="02000000000000000000" charset="0"/>
+                <a:ea typeface="Roboto" panose="02000000000000000000" charset="0"/>
               </a:rPr>
               <a:t>ngày</a:t>
             </a:r>
             <a:r>
               <a:rPr lang="en-GB" sz="1200" dirty="0" smtClean="0">
-                <a:latin typeface="Roboto" panose="020B0604020202020204" charset="0"/>
-                <a:ea typeface="Roboto" panose="020B0604020202020204" charset="0"/>
+                <a:latin typeface="Roboto" panose="02000000000000000000" charset="0"/>
+                <a:ea typeface="Roboto" panose="02000000000000000000" charset="0"/>
               </a:rPr>
               <a:t> 21/12/2023</a:t>
             </a:r>
             <a:endParaRPr lang="en-US" sz="1200" dirty="0">
-              <a:latin typeface="Roboto" panose="020B0604020202020204" charset="0"/>
-              <a:ea typeface="Roboto" panose="020B0604020202020204" charset="0"/>
+              <a:latin typeface="Roboto" panose="02000000000000000000" charset="0"/>
+              <a:ea typeface="Roboto" panose="02000000000000000000" charset="0"/>
             </a:endParaRPr>
           </a:p>
         </p:txBody>
@@ -27823,7 +27603,6 @@
                 </a:spcAft>
                 <a:buNone/>
               </a:pPr>
-              <a:endParaRPr/>
             </a:p>
           </p:txBody>
         </p:sp>
@@ -27869,7 +27648,6 @@
                 </a:spcAft>
                 <a:buNone/>
               </a:pPr>
-              <a:endParaRPr/>
             </a:p>
           </p:txBody>
         </p:sp>
@@ -27915,7 +27693,6 @@
                 </a:spcAft>
                 <a:buNone/>
               </a:pPr>
-              <a:endParaRPr/>
             </a:p>
           </p:txBody>
         </p:sp>
@@ -27988,6 +27765,13 @@
                 </a:rPr>
                 <a:t>1. Header</a:t>
               </a:r>
+              <a:endParaRPr lang="en-GB" sz="1000" dirty="0" smtClean="0">
+                <a:solidFill>
+                  <a:schemeClr val="accent6">
+                    <a:lumMod val="10000"/>
+                  </a:schemeClr>
+                </a:solidFill>
+              </a:endParaRPr>
             </a:p>
             <a:p>
               <a:pPr lvl="0" rtl="0">
@@ -28248,7 +28032,6 @@
                   </a:spcAft>
                   <a:buNone/>
                 </a:pPr>
-                <a:endParaRPr/>
               </a:p>
             </p:txBody>
           </p:sp>
@@ -28298,7 +28081,6 @@
                   </a:spcAft>
                   <a:buNone/>
                 </a:pPr>
-                <a:endParaRPr/>
               </a:p>
             </p:txBody>
           </p:sp>
@@ -29594,7 +29376,6 @@
               </a:spcAft>
               <a:buNone/>
             </a:pPr>
-            <a:endParaRPr/>
           </a:p>
         </p:txBody>
       </p:sp>
@@ -29640,7 +29421,6 @@
               </a:spcAft>
               <a:buNone/>
             </a:pPr>
-            <a:endParaRPr/>
           </a:p>
         </p:txBody>
       </p:sp>
@@ -29700,7 +29480,6 @@
               </a:spcAft>
               <a:buNone/>
             </a:pPr>
-            <a:endParaRPr/>
           </a:p>
         </p:txBody>
       </p:sp>
@@ -29746,7 +29525,6 @@
               </a:spcAft>
               <a:buNone/>
             </a:pPr>
-            <a:endParaRPr/>
           </a:p>
         </p:txBody>
       </p:sp>
@@ -29806,7 +29584,6 @@
               </a:spcAft>
               <a:buNone/>
             </a:pPr>
-            <a:endParaRPr/>
           </a:p>
         </p:txBody>
       </p:sp>
@@ -29852,7 +29629,6 @@
               </a:spcAft>
               <a:buNone/>
             </a:pPr>
-            <a:endParaRPr/>
           </a:p>
         </p:txBody>
       </p:sp>
@@ -29912,7 +29688,6 @@
               </a:spcAft>
               <a:buNone/>
             </a:pPr>
-            <a:endParaRPr/>
           </a:p>
         </p:txBody>
       </p:sp>
@@ -29958,7 +29733,6 @@
               </a:spcAft>
               <a:buNone/>
             </a:pPr>
-            <a:endParaRPr/>
           </a:p>
         </p:txBody>
       </p:sp>
@@ -30254,7 +30028,6 @@
               </a:spcAft>
               <a:buNone/>
             </a:pPr>
-            <a:endParaRPr/>
           </a:p>
         </p:txBody>
       </p:sp>
@@ -30576,7 +30349,6 @@
                 </a:spcAft>
                 <a:buNone/>
               </a:pPr>
-              <a:endParaRPr/>
             </a:p>
           </p:txBody>
         </p:sp>
@@ -30681,7 +30453,6 @@
                 </a:spcAft>
                 <a:buNone/>
               </a:pPr>
-              <a:endParaRPr/>
             </a:p>
           </p:txBody>
         </p:sp>
@@ -30753,7 +30524,6 @@
                 </a:spcAft>
                 <a:buNone/>
               </a:pPr>
-              <a:endParaRPr/>
             </a:p>
           </p:txBody>
         </p:sp>
@@ -30846,7 +30616,6 @@
                 </a:spcAft>
                 <a:buNone/>
               </a:pPr>
-              <a:endParaRPr/>
             </a:p>
           </p:txBody>
         </p:sp>
@@ -30924,7 +30693,6 @@
                 </a:spcAft>
                 <a:buNone/>
               </a:pPr>
-              <a:endParaRPr/>
             </a:p>
           </p:txBody>
         </p:sp>
@@ -31011,7 +30779,6 @@
                 </a:spcAft>
                 <a:buNone/>
               </a:pPr>
-              <a:endParaRPr/>
             </a:p>
           </p:txBody>
         </p:sp>
@@ -31089,7 +30856,6 @@
                 </a:spcAft>
                 <a:buNone/>
               </a:pPr>
-              <a:endParaRPr/>
             </a:p>
           </p:txBody>
         </p:sp>
@@ -32006,7 +31772,6 @@
                 </a:spcAft>
                 <a:buNone/>
               </a:pPr>
-              <a:endParaRPr/>
             </a:p>
           </p:txBody>
         </p:sp>
@@ -32084,7 +31849,6 @@
                 </a:spcAft>
                 <a:buNone/>
               </a:pPr>
-              <a:endParaRPr/>
             </a:p>
           </p:txBody>
         </p:sp>
@@ -32298,7 +32062,6 @@
                 </a:spcAft>
                 <a:buNone/>
               </a:pPr>
-              <a:endParaRPr/>
             </a:p>
           </p:txBody>
         </p:sp>
@@ -32376,7 +32139,6 @@
                 </a:spcAft>
                 <a:buNone/>
               </a:pPr>
-              <a:endParaRPr/>
             </a:p>
           </p:txBody>
         </p:sp>
@@ -32451,7 +32213,6 @@
                 </a:spcAft>
                 <a:buNone/>
               </a:pPr>
-              <a:endParaRPr/>
             </a:p>
           </p:txBody>
         </p:sp>
@@ -32526,7 +32287,6 @@
                 </a:spcAft>
                 <a:buNone/>
               </a:pPr>
-              <a:endParaRPr/>
             </a:p>
           </p:txBody>
         </p:sp>
@@ -32620,7 +32380,6 @@
                 </a:spcAft>
                 <a:buNone/>
               </a:pPr>
-              <a:endParaRPr/>
             </a:p>
           </p:txBody>
         </p:sp>
@@ -32695,7 +32454,6 @@
                 </a:spcAft>
                 <a:buNone/>
               </a:pPr>
-              <a:endParaRPr/>
             </a:p>
           </p:txBody>
         </p:sp>
@@ -32770,7 +32528,6 @@
                 </a:spcAft>
                 <a:buNone/>
               </a:pPr>
-              <a:endParaRPr/>
             </a:p>
           </p:txBody>
         </p:sp>
@@ -32864,7 +32621,6 @@
                 </a:spcAft>
                 <a:buNone/>
               </a:pPr>
-              <a:endParaRPr/>
             </a:p>
           </p:txBody>
         </p:sp>
@@ -32958,7 +32714,6 @@
                 </a:spcAft>
                 <a:buNone/>
               </a:pPr>
-              <a:endParaRPr/>
             </a:p>
           </p:txBody>
         </p:sp>
@@ -33224,7 +32979,6 @@
                 </a:spcAft>
                 <a:buNone/>
               </a:pPr>
-              <a:endParaRPr/>
             </a:p>
           </p:txBody>
         </p:sp>
@@ -33281,7 +33035,6 @@
                 </a:spcAft>
                 <a:buNone/>
               </a:pPr>
-              <a:endParaRPr/>
             </a:p>
           </p:txBody>
         </p:sp>
@@ -33323,7 +33076,6 @@
                 </a:spcAft>
                 <a:buNone/>
               </a:pPr>
-              <a:endParaRPr/>
             </a:p>
           </p:txBody>
         </p:sp>
@@ -33331,9 +33083,7 @@
       <p:sp>
         <p:nvSpPr>
           <p:cNvPr id="45" name="Google Shape;256;p33"/>
-          <p:cNvSpPr txBox="1">
-            <a:spLocks/>
-          </p:cNvSpPr>
+          <p:cNvSpPr txBox="1"/>
           <p:nvPr/>
         </p:nvSpPr>
         <p:spPr>
@@ -33603,38 +33353,33 @@
           <a:p>
             <a:r>
               <a:rPr lang="en-US" altLang="en-GB" sz="2000" dirty="0" smtClean="0">
-                <a:latin typeface="Roboto" panose="020B0604020202020204" charset="0"/>
-                <a:ea typeface="Roboto" panose="020B0604020202020204" charset="0"/>
+                <a:latin typeface="Roboto" panose="02000000000000000000" charset="0"/>
+                <a:ea typeface="Roboto" panose="02000000000000000000" charset="0"/>
               </a:rPr>
               <a:t>2. </a:t>
             </a:r>
             <a:r>
               <a:rPr lang="en-US" altLang="en-GB" sz="2000" dirty="0" err="1" smtClean="0">
-                <a:latin typeface="Roboto" panose="020B0604020202020204" charset="0"/>
-                <a:ea typeface="Roboto" panose="020B0604020202020204" charset="0"/>
+                <a:latin typeface="Roboto" panose="02000000000000000000" charset="0"/>
+                <a:ea typeface="Roboto" panose="02000000000000000000" charset="0"/>
               </a:rPr>
               <a:t>ReactJS</a:t>
             </a:r>
             <a:r>
               <a:rPr lang="en-US" sz="2000" dirty="0" smtClean="0">
-                <a:latin typeface="Roboto" panose="020B0604020202020204" charset="0"/>
-                <a:ea typeface="Roboto" panose="020B0604020202020204" charset="0"/>
+                <a:latin typeface="Roboto" panose="02000000000000000000" charset="0"/>
+                <a:ea typeface="Roboto" panose="02000000000000000000" charset="0"/>
               </a:rPr>
               <a:t> </a:t>
             </a:r>
             <a:endParaRPr lang="en-US" sz="2000" dirty="0">
-              <a:latin typeface="Roboto" panose="020B0604020202020204" charset="0"/>
-              <a:ea typeface="Roboto" panose="020B0604020202020204" charset="0"/>
+              <a:latin typeface="Roboto" panose="02000000000000000000" charset="0"/>
+              <a:ea typeface="Roboto" panose="02000000000000000000" charset="0"/>
             </a:endParaRPr>
           </a:p>
         </p:txBody>
       </p:sp>
     </p:spTree>
-    <p:extLst>
-      <p:ext uri="{BB962C8B-B14F-4D97-AF65-F5344CB8AC3E}">
-        <p14:creationId xmlns:p14="http://schemas.microsoft.com/office/powerpoint/2010/main" val="4012683655"/>
-      </p:ext>
-    </p:extLst>
   </p:cSld>
   <p:clrMapOvr>
     <a:masterClrMapping/>
@@ -33739,9 +33484,7 @@
       <p:sp>
         <p:nvSpPr>
           <p:cNvPr id="45" name="Google Shape;256;p33"/>
-          <p:cNvSpPr txBox="1">
-            <a:spLocks/>
-          </p:cNvSpPr>
+          <p:cNvSpPr txBox="1"/>
           <p:nvPr/>
         </p:nvSpPr>
         <p:spPr>
@@ -34011,28 +33754,28 @@
           <a:p>
             <a:r>
               <a:rPr lang="en-US" altLang="en-GB" sz="2000" dirty="0" smtClean="0">
-                <a:latin typeface="Roboto" panose="020B0604020202020204" charset="0"/>
-                <a:ea typeface="Roboto" panose="020B0604020202020204" charset="0"/>
+                <a:latin typeface="Roboto" panose="02000000000000000000" charset="0"/>
+                <a:ea typeface="Roboto" panose="02000000000000000000" charset="0"/>
               </a:rPr>
               <a:t>2. </a:t>
             </a:r>
             <a:r>
               <a:rPr lang="en-US" altLang="en-GB" sz="2000" dirty="0" err="1" smtClean="0">
-                <a:latin typeface="Roboto" panose="020B0604020202020204" charset="0"/>
-                <a:ea typeface="Roboto" panose="020B0604020202020204" charset="0"/>
+                <a:latin typeface="Roboto" panose="02000000000000000000" charset="0"/>
+                <a:ea typeface="Roboto" panose="02000000000000000000" charset="0"/>
               </a:rPr>
               <a:t>ReactJS</a:t>
             </a:r>
             <a:r>
               <a:rPr lang="en-US" sz="2000" dirty="0" smtClean="0">
-                <a:latin typeface="Roboto" panose="020B0604020202020204" charset="0"/>
-                <a:ea typeface="Roboto" panose="020B0604020202020204" charset="0"/>
+                <a:latin typeface="Roboto" panose="02000000000000000000" charset="0"/>
+                <a:ea typeface="Roboto" panose="02000000000000000000" charset="0"/>
               </a:rPr>
               <a:t> </a:t>
             </a:r>
             <a:endParaRPr lang="en-US" sz="2000" dirty="0">
-              <a:latin typeface="Roboto" panose="020B0604020202020204" charset="0"/>
-              <a:ea typeface="Roboto" panose="020B0604020202020204" charset="0"/>
+              <a:latin typeface="Roboto" panose="02000000000000000000" charset="0"/>
+              <a:ea typeface="Roboto" panose="02000000000000000000" charset="0"/>
             </a:endParaRPr>
           </a:p>
         </p:txBody>
@@ -34654,11 +34397,6 @@
         </p:txBody>
       </p:sp>
     </p:spTree>
-    <p:extLst>
-      <p:ext uri="{BB962C8B-B14F-4D97-AF65-F5344CB8AC3E}">
-        <p14:creationId xmlns:p14="http://schemas.microsoft.com/office/powerpoint/2010/main" val="1171180776"/>
-      </p:ext>
-    </p:extLst>
   </p:cSld>
   <p:clrMapOvr>
     <a:masterClrMapping/>
@@ -34693,9 +34431,7 @@
       <p:sp>
         <p:nvSpPr>
           <p:cNvPr id="7" name="Google Shape;256;p33"/>
-          <p:cNvSpPr txBox="1">
-            <a:spLocks/>
-          </p:cNvSpPr>
+          <p:cNvSpPr txBox="1"/>
           <p:nvPr/>
         </p:nvSpPr>
         <p:spPr>
@@ -34965,14 +34701,14 @@
           <a:p>
             <a:r>
               <a:rPr lang="en-US" altLang="en-GB" sz="2000" dirty="0" smtClean="0">
-                <a:latin typeface="Roboto" panose="020B0604020202020204" charset="0"/>
-                <a:ea typeface="Roboto" panose="020B0604020202020204" charset="0"/>
+                <a:latin typeface="Roboto" panose="02000000000000000000" charset="0"/>
+                <a:ea typeface="Roboto" panose="02000000000000000000" charset="0"/>
               </a:rPr>
               <a:t>3. Project</a:t>
             </a:r>
             <a:endParaRPr lang="en-US" sz="2000" dirty="0">
-              <a:latin typeface="Roboto" panose="020B0604020202020204" charset="0"/>
-              <a:ea typeface="Roboto" panose="020B0604020202020204" charset="0"/>
+              <a:latin typeface="Roboto" panose="02000000000000000000" charset="0"/>
+              <a:ea typeface="Roboto" panose="02000000000000000000" charset="0"/>
             </a:endParaRPr>
           </a:p>
         </p:txBody>
@@ -34986,7 +34722,7 @@
           <p:nvPr/>
         </p:nvPicPr>
         <p:blipFill>
-          <a:blip r:embed="rId2"/>
+          <a:blip r:embed="rId1"/>
           <a:stretch>
             <a:fillRect/>
           </a:stretch>
@@ -35009,9 +34745,7 @@
       <p:sp>
         <p:nvSpPr>
           <p:cNvPr id="14" name="Google Shape;256;p33"/>
-          <p:cNvSpPr txBox="1">
-            <a:spLocks/>
-          </p:cNvSpPr>
+          <p:cNvSpPr txBox="1"/>
           <p:nvPr/>
         </p:nvSpPr>
         <p:spPr>
@@ -35282,66 +35016,61 @@
             <a:pPr algn="ctr"/>
             <a:r>
               <a:rPr lang="en-GB" sz="1800" b="0" dirty="0" err="1" smtClean="0">
-                <a:latin typeface="Roboto" panose="020B0604020202020204" charset="0"/>
-                <a:ea typeface="Roboto" panose="020B0604020202020204" charset="0"/>
+                <a:latin typeface="Roboto" panose="02000000000000000000" charset="0"/>
+                <a:ea typeface="Roboto" panose="02000000000000000000" charset="0"/>
               </a:rPr>
               <a:t>Hình</a:t>
             </a:r>
             <a:r>
               <a:rPr lang="en-GB" sz="1800" b="0" dirty="0" smtClean="0">
-                <a:latin typeface="Roboto" panose="020B0604020202020204" charset="0"/>
-                <a:ea typeface="Roboto" panose="020B0604020202020204" charset="0"/>
+                <a:latin typeface="Roboto" panose="02000000000000000000" charset="0"/>
+                <a:ea typeface="Roboto" panose="02000000000000000000" charset="0"/>
               </a:rPr>
               <a:t> </a:t>
             </a:r>
             <a:r>
               <a:rPr lang="en-GB" sz="1800" b="0" dirty="0" err="1" smtClean="0">
-                <a:latin typeface="Roboto" panose="020B0604020202020204" charset="0"/>
-                <a:ea typeface="Roboto" panose="020B0604020202020204" charset="0"/>
+                <a:latin typeface="Roboto" panose="02000000000000000000" charset="0"/>
+                <a:ea typeface="Roboto" panose="02000000000000000000" charset="0"/>
               </a:rPr>
               <a:t>ảnh</a:t>
             </a:r>
             <a:r>
               <a:rPr lang="en-GB" sz="1800" b="0" dirty="0" smtClean="0">
-                <a:latin typeface="Roboto" panose="020B0604020202020204" charset="0"/>
-                <a:ea typeface="Roboto" panose="020B0604020202020204" charset="0"/>
+                <a:latin typeface="Roboto" panose="02000000000000000000" charset="0"/>
+                <a:ea typeface="Roboto" panose="02000000000000000000" charset="0"/>
               </a:rPr>
               <a:t> </a:t>
             </a:r>
             <a:r>
               <a:rPr lang="en-GB" sz="1800" b="0" dirty="0" err="1" smtClean="0">
-                <a:latin typeface="Roboto" panose="020B0604020202020204" charset="0"/>
-                <a:ea typeface="Roboto" panose="020B0604020202020204" charset="0"/>
+                <a:latin typeface="Roboto" panose="02000000000000000000" charset="0"/>
+                <a:ea typeface="Roboto" panose="02000000000000000000" charset="0"/>
               </a:rPr>
               <a:t>dự</a:t>
             </a:r>
             <a:r>
               <a:rPr lang="en-GB" sz="1800" b="0" dirty="0" smtClean="0">
-                <a:latin typeface="Roboto" panose="020B0604020202020204" charset="0"/>
-                <a:ea typeface="Roboto" panose="020B0604020202020204" charset="0"/>
+                <a:latin typeface="Roboto" panose="02000000000000000000" charset="0"/>
+                <a:ea typeface="Roboto" panose="02000000000000000000" charset="0"/>
               </a:rPr>
               <a:t> </a:t>
             </a:r>
             <a:r>
               <a:rPr lang="en-GB" sz="1800" b="0" dirty="0" err="1" smtClean="0">
-                <a:latin typeface="Roboto" panose="020B0604020202020204" charset="0"/>
-                <a:ea typeface="Roboto" panose="020B0604020202020204" charset="0"/>
+                <a:latin typeface="Roboto" panose="02000000000000000000" charset="0"/>
+                <a:ea typeface="Roboto" panose="02000000000000000000" charset="0"/>
               </a:rPr>
               <a:t>án</a:t>
             </a:r>
             <a:endParaRPr lang="en-US" sz="1800" b="0" dirty="0">
-              <a:latin typeface="Roboto" panose="020B0604020202020204" charset="0"/>
-              <a:ea typeface="Roboto" panose="020B0604020202020204" charset="0"/>
+              <a:latin typeface="Roboto" panose="02000000000000000000" charset="0"/>
+              <a:ea typeface="Roboto" panose="02000000000000000000" charset="0"/>
             </a:endParaRPr>
           </a:p>
         </p:txBody>
       </p:sp>
     </p:spTree>
-    <p:extLst>
-      <p:ext uri="{BB962C8B-B14F-4D97-AF65-F5344CB8AC3E}">
-        <p14:creationId xmlns:p14="http://schemas.microsoft.com/office/powerpoint/2010/main" val="2112292959"/>
-      </p:ext>
-    </p:extLst>
   </p:cSld>
   <p:clrMapOvr>
     <a:masterClrMapping/>
@@ -37075,7 +36804,6 @@
                 </a:spcAft>
                 <a:buNone/>
               </a:pPr>
-              <a:endParaRPr/>
             </a:p>
           </p:txBody>
         </p:sp>
@@ -37337,7 +37065,6 @@
                 </a:spcAft>
                 <a:buNone/>
               </a:pPr>
-              <a:endParaRPr/>
             </a:p>
           </p:txBody>
         </p:sp>
@@ -37345,9 +37072,7 @@
       <p:sp>
         <p:nvSpPr>
           <p:cNvPr id="18" name="Google Shape;256;p33"/>
-          <p:cNvSpPr txBox="1">
-            <a:spLocks/>
-          </p:cNvSpPr>
+          <p:cNvSpPr txBox="1"/>
           <p:nvPr/>
         </p:nvSpPr>
         <p:spPr>
@@ -37617,24 +37342,19 @@
           <a:p>
             <a:r>
               <a:rPr lang="en-US" altLang="en-GB" sz="2000" dirty="0" smtClean="0">
-                <a:latin typeface="Roboto" panose="020B0604020202020204" charset="0"/>
-                <a:ea typeface="Roboto" panose="020B0604020202020204" charset="0"/>
+                <a:latin typeface="Roboto" panose="02000000000000000000" charset="0"/>
+                <a:ea typeface="Roboto" panose="02000000000000000000" charset="0"/>
               </a:rPr>
               <a:t>3. Project</a:t>
             </a:r>
             <a:endParaRPr lang="en-US" sz="2000" dirty="0">
-              <a:latin typeface="Roboto" panose="020B0604020202020204" charset="0"/>
-              <a:ea typeface="Roboto" panose="020B0604020202020204" charset="0"/>
+              <a:latin typeface="Roboto" panose="02000000000000000000" charset="0"/>
+              <a:ea typeface="Roboto" panose="02000000000000000000" charset="0"/>
             </a:endParaRPr>
           </a:p>
         </p:txBody>
       </p:sp>
     </p:spTree>
-    <p:extLst>
-      <p:ext uri="{BB962C8B-B14F-4D97-AF65-F5344CB8AC3E}">
-        <p14:creationId xmlns:p14="http://schemas.microsoft.com/office/powerpoint/2010/main" val="3798164810"/>
-      </p:ext>
-    </p:extLst>
   </p:cSld>
   <p:clrMapOvr>
     <a:masterClrMapping/>
@@ -37988,7 +37708,6 @@
                 </a:spcAft>
                 <a:buNone/>
               </a:pPr>
-              <a:endParaRPr/>
             </a:p>
           </p:txBody>
         </p:sp>
@@ -38250,7 +37969,6 @@
                 </a:spcAft>
                 <a:buNone/>
               </a:pPr>
-              <a:endParaRPr/>
             </a:p>
           </p:txBody>
         </p:sp>
@@ -38258,9 +37976,7 @@
       <p:sp>
         <p:nvSpPr>
           <p:cNvPr id="18" name="Google Shape;256;p33"/>
-          <p:cNvSpPr txBox="1">
-            <a:spLocks/>
-          </p:cNvSpPr>
+          <p:cNvSpPr txBox="1"/>
           <p:nvPr/>
         </p:nvSpPr>
         <p:spPr>
@@ -38530,14 +38246,14 @@
           <a:p>
             <a:r>
               <a:rPr lang="en-US" altLang="en-GB" sz="2000" dirty="0" smtClean="0">
-                <a:latin typeface="Roboto" panose="020B0604020202020204" charset="0"/>
-                <a:ea typeface="Roboto" panose="020B0604020202020204" charset="0"/>
+                <a:latin typeface="Roboto" panose="02000000000000000000" charset="0"/>
+                <a:ea typeface="Roboto" panose="02000000000000000000" charset="0"/>
               </a:rPr>
               <a:t>3. Project</a:t>
             </a:r>
             <a:endParaRPr lang="en-US" sz="2000" dirty="0">
-              <a:latin typeface="Roboto" panose="020B0604020202020204" charset="0"/>
-              <a:ea typeface="Roboto" panose="020B0604020202020204" charset="0"/>
+              <a:latin typeface="Roboto" panose="02000000000000000000" charset="0"/>
+              <a:ea typeface="Roboto" panose="02000000000000000000" charset="0"/>
             </a:endParaRPr>
           </a:p>
         </p:txBody>
@@ -38551,7 +38267,7 @@
           <p:nvPr/>
         </p:nvPicPr>
         <p:blipFill>
-          <a:blip r:embed="rId3"/>
+          <a:blip r:embed="rId1"/>
           <a:stretch>
             <a:fillRect/>
           </a:stretch>
@@ -38598,25 +38314,29 @@
             </a:pPr>
             <a:r>
               <a:rPr lang="en-GB" sz="1600" b="1" dirty="0" smtClean="0">
-                <a:latin typeface="Roboto" panose="020B0604020202020204" charset="0"/>
-                <a:ea typeface="Roboto" panose="020B0604020202020204" charset="0"/>
+                <a:latin typeface="Roboto" panose="02000000000000000000" charset="0"/>
+                <a:ea typeface="Roboto" panose="02000000000000000000" charset="0"/>
               </a:rPr>
               <a:t>Forder </a:t>
             </a:r>
             <a:r>
               <a:rPr lang="vi-VN" sz="1600" b="1" dirty="0" smtClean="0">
-                <a:latin typeface="Roboto" panose="020B0604020202020204" charset="0"/>
-                <a:ea typeface="Roboto" panose="020B0604020202020204" charset="0"/>
+                <a:latin typeface="Roboto" panose="02000000000000000000" charset="0"/>
+                <a:ea typeface="Roboto" panose="02000000000000000000" charset="0"/>
               </a:rPr>
               <a:t>src</a:t>
             </a:r>
             <a:r>
               <a:rPr lang="vi-VN" sz="1200" dirty="0">
-                <a:latin typeface="Roboto" panose="020B0604020202020204" charset="0"/>
-                <a:ea typeface="Roboto" panose="020B0604020202020204" charset="0"/>
+                <a:latin typeface="Roboto" panose="02000000000000000000" charset="0"/>
+                <a:ea typeface="Roboto" panose="02000000000000000000" charset="0"/>
               </a:rPr>
               <a:t>: Thư mục này chứa mã nguồn chính của ứng dụng của bạn, bao gồm các thành phần React, các tệp stylesheet và các hàm tiện ích.</a:t>
             </a:r>
+            <a:endParaRPr lang="vi-VN" sz="1200" dirty="0">
+              <a:latin typeface="Roboto" panose="02000000000000000000" charset="0"/>
+              <a:ea typeface="Roboto" panose="02000000000000000000" charset="0"/>
+            </a:endParaRPr>
           </a:p>
         </p:txBody>
       </p:sp>
@@ -38652,49 +38372,49 @@
             </a:pPr>
             <a:r>
               <a:rPr lang="en-GB" sz="1600" b="1" dirty="0" smtClean="0">
-                <a:latin typeface="Roboto" panose="020B0604020202020204" charset="0"/>
-                <a:ea typeface="Roboto" panose="020B0604020202020204" charset="0"/>
+                <a:latin typeface="Roboto" panose="02000000000000000000" charset="0"/>
+                <a:ea typeface="Roboto" panose="02000000000000000000" charset="0"/>
               </a:rPr>
               <a:t>Folder </a:t>
             </a:r>
             <a:r>
               <a:rPr lang="vi-VN" sz="1600" b="1" dirty="0" smtClean="0">
-                <a:latin typeface="Roboto" panose="020B0604020202020204" charset="0"/>
-                <a:ea typeface="Roboto" panose="020B0604020202020204" charset="0"/>
+                <a:latin typeface="Roboto" panose="02000000000000000000" charset="0"/>
+                <a:ea typeface="Roboto" panose="02000000000000000000" charset="0"/>
               </a:rPr>
               <a:t>public</a:t>
             </a:r>
             <a:r>
               <a:rPr lang="vi-VN" sz="1200" dirty="0">
-                <a:latin typeface="Roboto" panose="020B0604020202020204" charset="0"/>
-                <a:ea typeface="Roboto" panose="020B0604020202020204" charset="0"/>
+                <a:latin typeface="Roboto" panose="02000000000000000000" charset="0"/>
+                <a:ea typeface="Roboto" panose="02000000000000000000" charset="0"/>
               </a:rPr>
               <a:t>: Thư mục này chứa các tệp HTML làm điểm vào cho ứng </a:t>
             </a:r>
             <a:r>
               <a:rPr lang="vi-VN" sz="1200" dirty="0" smtClean="0">
-                <a:latin typeface="Roboto" panose="020B0604020202020204" charset="0"/>
-                <a:ea typeface="Roboto" panose="020B0604020202020204" charset="0"/>
+                <a:latin typeface="Roboto" panose="02000000000000000000" charset="0"/>
+                <a:ea typeface="Roboto" panose="02000000000000000000" charset="0"/>
               </a:rPr>
               <a:t>dụ</a:t>
             </a:r>
             <a:r>
               <a:rPr lang="en-GB" sz="1200" dirty="0" smtClean="0">
-                <a:latin typeface="Roboto" panose="020B0604020202020204" charset="0"/>
-                <a:ea typeface="Roboto" panose="020B0604020202020204" charset="0"/>
+                <a:latin typeface="Roboto" panose="02000000000000000000" charset="0"/>
+                <a:ea typeface="Roboto" panose="02000000000000000000" charset="0"/>
               </a:rPr>
               <a:t>ng</a:t>
             </a:r>
             <a:r>
               <a:rPr lang="vi-VN" sz="1200" dirty="0" smtClean="0">
-                <a:latin typeface="Roboto" panose="020B0604020202020204" charset="0"/>
-                <a:ea typeface="Roboto" panose="020B0604020202020204" charset="0"/>
+                <a:latin typeface="Roboto" panose="02000000000000000000" charset="0"/>
+                <a:ea typeface="Roboto" panose="02000000000000000000" charset="0"/>
               </a:rPr>
               <a:t>.</a:t>
             </a:r>
             <a:endParaRPr lang="vi-VN" sz="1200" dirty="0">
-              <a:latin typeface="Roboto" panose="020B0604020202020204" charset="0"/>
-              <a:ea typeface="Roboto" panose="020B0604020202020204" charset="0"/>
+              <a:latin typeface="Roboto" panose="02000000000000000000" charset="0"/>
+              <a:ea typeface="Roboto" panose="02000000000000000000" charset="0"/>
             </a:endParaRPr>
           </a:p>
         </p:txBody>
@@ -38780,11 +38500,6 @@
         </p:style>
       </p:cxnSp>
     </p:spTree>
-    <p:extLst>
-      <p:ext uri="{BB962C8B-B14F-4D97-AF65-F5344CB8AC3E}">
-        <p14:creationId xmlns:p14="http://schemas.microsoft.com/office/powerpoint/2010/main" val="2394970638"/>
-      </p:ext>
-    </p:extLst>
   </p:cSld>
   <p:clrMapOvr>
     <a:masterClrMapping/>
@@ -38825,7 +38540,7 @@
           <p:nvPr/>
         </p:nvPicPr>
         <p:blipFill>
-          <a:blip r:embed="rId3"/>
+          <a:blip r:embed="rId1"/>
           <a:stretch>
             <a:fillRect/>
           </a:stretch>
@@ -39138,7 +38853,6 @@
                 </a:spcAft>
                 <a:buNone/>
               </a:pPr>
-              <a:endParaRPr/>
             </a:p>
           </p:txBody>
         </p:sp>
@@ -39400,7 +39114,6 @@
                 </a:spcAft>
                 <a:buNone/>
               </a:pPr>
-              <a:endParaRPr/>
             </a:p>
           </p:txBody>
         </p:sp>
@@ -39408,9 +39121,7 @@
       <p:sp>
         <p:nvSpPr>
           <p:cNvPr id="18" name="Google Shape;256;p33"/>
-          <p:cNvSpPr txBox="1">
-            <a:spLocks/>
-          </p:cNvSpPr>
+          <p:cNvSpPr txBox="1"/>
           <p:nvPr/>
         </p:nvSpPr>
         <p:spPr>
@@ -39680,14 +39391,14 @@
           <a:p>
             <a:r>
               <a:rPr lang="en-US" altLang="en-GB" sz="2000" dirty="0" smtClean="0">
-                <a:latin typeface="Roboto" panose="020B0604020202020204" charset="0"/>
-                <a:ea typeface="Roboto" panose="020B0604020202020204" charset="0"/>
+                <a:latin typeface="Roboto" panose="02000000000000000000" charset="0"/>
+                <a:ea typeface="Roboto" panose="02000000000000000000" charset="0"/>
               </a:rPr>
               <a:t>3. Project</a:t>
             </a:r>
             <a:endParaRPr lang="en-US" sz="2000" dirty="0">
-              <a:latin typeface="Roboto" panose="020B0604020202020204" charset="0"/>
-              <a:ea typeface="Roboto" panose="020B0604020202020204" charset="0"/>
+              <a:latin typeface="Roboto" panose="02000000000000000000" charset="0"/>
+              <a:ea typeface="Roboto" panose="02000000000000000000" charset="0"/>
             </a:endParaRPr>
           </a:p>
         </p:txBody>
@@ -39724,25 +39435,29 @@
             </a:pPr>
             <a:r>
               <a:rPr lang="en-GB" sz="1600" b="1" dirty="0" smtClean="0">
-                <a:latin typeface="Roboto" panose="020B0604020202020204" charset="0"/>
-                <a:ea typeface="Roboto" panose="020B0604020202020204" charset="0"/>
+                <a:latin typeface="Roboto" panose="02000000000000000000" charset="0"/>
+                <a:ea typeface="Roboto" panose="02000000000000000000" charset="0"/>
               </a:rPr>
               <a:t>Forder </a:t>
             </a:r>
             <a:r>
               <a:rPr lang="vi-VN" sz="1600" b="1" dirty="0">
-                <a:latin typeface="Roboto" panose="020B0604020202020204" charset="0"/>
-                <a:ea typeface="Roboto" panose="020B0604020202020204" charset="0"/>
+                <a:latin typeface="Roboto" panose="02000000000000000000" charset="0"/>
+                <a:ea typeface="Roboto" panose="02000000000000000000" charset="0"/>
               </a:rPr>
               <a:t>components: </a:t>
             </a:r>
             <a:r>
               <a:rPr lang="vi-VN" sz="1200" dirty="0">
-                <a:latin typeface="Roboto" panose="020B0604020202020204" charset="0"/>
-                <a:ea typeface="Roboto" panose="020B0604020202020204" charset="0"/>
+                <a:latin typeface="Roboto" panose="02000000000000000000" charset="0"/>
+                <a:ea typeface="Roboto" panose="02000000000000000000" charset="0"/>
               </a:rPr>
               <a:t>Thư mục này chứa các thành phần giao diện người dùng có thể tái sử dụng trong các trang khác nhau.</a:t>
             </a:r>
+            <a:endParaRPr lang="vi-VN" sz="1200" dirty="0">
+              <a:latin typeface="Roboto" panose="02000000000000000000" charset="0"/>
+              <a:ea typeface="Roboto" panose="02000000000000000000" charset="0"/>
+            </a:endParaRPr>
           </a:p>
         </p:txBody>
       </p:sp>
@@ -39778,25 +39493,29 @@
             </a:pPr>
             <a:r>
               <a:rPr lang="en-GB" sz="1600" b="1" dirty="0" smtClean="0">
-                <a:latin typeface="Roboto" panose="020B0604020202020204" charset="0"/>
-                <a:ea typeface="Roboto" panose="020B0604020202020204" charset="0"/>
+                <a:latin typeface="Roboto" panose="02000000000000000000" charset="0"/>
+                <a:ea typeface="Roboto" panose="02000000000000000000" charset="0"/>
               </a:rPr>
               <a:t>Folder </a:t>
             </a:r>
             <a:r>
               <a:rPr lang="vi-VN" sz="1600" b="1" dirty="0">
-                <a:latin typeface="Roboto" panose="020B0604020202020204" charset="0"/>
-                <a:ea typeface="Roboto" panose="020B0604020202020204" charset="0"/>
+                <a:latin typeface="Roboto" panose="02000000000000000000" charset="0"/>
+                <a:ea typeface="Roboto" panose="02000000000000000000" charset="0"/>
               </a:rPr>
               <a:t>assets: </a:t>
             </a:r>
             <a:r>
               <a:rPr lang="vi-VN" sz="1200" dirty="0">
-                <a:latin typeface="Roboto" panose="020B0604020202020204" charset="0"/>
-                <a:ea typeface="Roboto" panose="020B0604020202020204" charset="0"/>
+                <a:latin typeface="Roboto" panose="02000000000000000000" charset="0"/>
+                <a:ea typeface="Roboto" panose="02000000000000000000" charset="0"/>
               </a:rPr>
               <a:t>Thư mục này lưu trữ các tài nguyên tĩnh như hình ảnh, font chữ hoặc biểu tượng.</a:t>
             </a:r>
+            <a:endParaRPr lang="vi-VN" sz="1200" dirty="0">
+              <a:latin typeface="Roboto" panose="02000000000000000000" charset="0"/>
+              <a:ea typeface="Roboto" panose="02000000000000000000" charset="0"/>
+            </a:endParaRPr>
           </a:p>
         </p:txBody>
       </p:sp>
@@ -39887,7 +39606,7 @@
           <p:nvPr/>
         </p:nvPicPr>
         <p:blipFill>
-          <a:blip r:embed="rId4"/>
+          <a:blip r:embed="rId2"/>
           <a:stretch>
             <a:fillRect/>
           </a:stretch>
@@ -39911,7 +39630,7 @@
           <p:nvPr/>
         </p:nvPicPr>
         <p:blipFill>
-          <a:blip r:embed="rId5"/>
+          <a:blip r:embed="rId3"/>
           <a:stretch>
             <a:fillRect/>
           </a:stretch>
@@ -40003,11 +39722,6 @@
         </p:txBody>
       </p:sp>
     </p:spTree>
-    <p:extLst>
-      <p:ext uri="{BB962C8B-B14F-4D97-AF65-F5344CB8AC3E}">
-        <p14:creationId xmlns:p14="http://schemas.microsoft.com/office/powerpoint/2010/main" val="2342086618"/>
-      </p:ext>
-    </p:extLst>
   </p:cSld>
   <p:clrMapOvr>
     <a:masterClrMapping/>
@@ -40298,8 +40012,6 @@
       </a:bgFillStyleLst>
     </a:fmtScheme>
   </a:themeElements>
-  <a:objectDefaults/>
-  <a:extraClrSchemeLst/>
   <a:extLst>
     <a:ext uri="{05A4C25C-085E-4340-85A3-A5531E510DB2}">
       <thm15:themeFamily xmlns:thm15="http://schemas.microsoft.com/office/thememl/2012/main" name="Office Theme" id="{62F939B6-93AF-4DB8-9C6B-D6C7DFDC589F}" vid="{4A3C46E8-61CC-4603-A589-7422A47A8E4A}"/>
@@ -40584,8 +40296,6 @@
       </a:bgFillStyleLst>
     </a:fmtScheme>
   </a:themeElements>
-  <a:objectDefaults/>
-  <a:extraClrSchemeLst/>
   <a:extLst>
     <a:ext uri="{05A4C25C-085E-4340-85A3-A5531E510DB2}">
       <thm15:themeFamily xmlns:thm15="http://schemas.microsoft.com/office/thememl/2012/main" name="Office Theme" id="{62F939B6-93AF-4DB8-9C6B-D6C7DFDC589F}" vid="{4A3C46E8-61CC-4603-A589-7422A47A8E4A}"/>

--- a/Document/Small Business Web Site Project Proposal by Slidesgo .pptx
+++ b/Document/Small Business Web Site Project Proposal by Slidesgo .pptx
@@ -5,39 +5,35 @@
     <p:sldMasterId id="2147483648" r:id="rId1"/>
   </p:sldMasterIdLst>
   <p:notesMasterIdLst>
-    <p:notesMasterId r:id="rId4"/>
+    <p:notesMasterId r:id="rId17"/>
   </p:notesMasterIdLst>
   <p:sldIdLst>
-    <p:sldId id="256" r:id="rId3"/>
-    <p:sldId id="258" r:id="rId5"/>
-    <p:sldId id="309" r:id="rId6"/>
-    <p:sldId id="311" r:id="rId7"/>
-    <p:sldId id="312" r:id="rId8"/>
-    <p:sldId id="310" r:id="rId9"/>
-    <p:sldId id="313" r:id="rId10"/>
-    <p:sldId id="315" r:id="rId11"/>
-    <p:sldId id="316" r:id="rId12"/>
-    <p:sldId id="317" r:id="rId13"/>
-    <p:sldId id="318" r:id="rId14"/>
-    <p:sldId id="319" r:id="rId15"/>
-    <p:sldId id="320" r:id="rId16"/>
-    <p:sldId id="321" r:id="rId17"/>
-    <p:sldId id="322" r:id="rId18"/>
+    <p:sldId id="256" r:id="rId2"/>
+    <p:sldId id="258" r:id="rId3"/>
+    <p:sldId id="309" r:id="rId4"/>
+    <p:sldId id="311" r:id="rId5"/>
+    <p:sldId id="312" r:id="rId6"/>
+    <p:sldId id="310" r:id="rId7"/>
+    <p:sldId id="313" r:id="rId8"/>
+    <p:sldId id="315" r:id="rId9"/>
+    <p:sldId id="316" r:id="rId10"/>
+    <p:sldId id="317" r:id="rId11"/>
+    <p:sldId id="318" r:id="rId12"/>
+    <p:sldId id="319" r:id="rId13"/>
+    <p:sldId id="320" r:id="rId14"/>
+    <p:sldId id="321" r:id="rId15"/>
+    <p:sldId id="322" r:id="rId16"/>
   </p:sldIdLst>
   <p:sldSz cx="9144000" cy="5143500" type="screen16x9"/>
   <p:notesSz cx="6858000" cy="9144000"/>
   <p:embeddedFontLst>
     <p:embeddedFont>
-      <p:font typeface="Roboto Condensed" panose="02000000000000000000"/>
-      <p:regular r:id="rId22"/>
+      <p:font typeface="Roboto Condensed" panose="020B0604020202020204" charset="0"/>
+      <p:regular r:id="rId18"/>
     </p:embeddedFont>
     <p:embeddedFont>
-      <p:font typeface="Roboto" panose="02000000000000000000"/>
-      <p:regular r:id="rId23"/>
-    </p:embeddedFont>
-    <p:embeddedFont>
-      <p:font typeface="Roboto" panose="02000000000000000000" charset="0"/>
-      <p:regular r:id="rId24"/>
+      <p:font typeface="Roboto" panose="020B0604020202020204" charset="0"/>
+      <p:regular r:id="rId19"/>
     </p:embeddedFont>
   </p:embeddedFontLst>
   <p:defaultTextStyle>
@@ -269,6 +265,11 @@
       </a:defRPr>
     </a:lvl9pPr>
   </p:defaultTextStyle>
+  <p:extLst>
+    <p:ext uri="{EFAFB233-063F-42B5-8137-9DF3F51BA10A}">
+      <p15:sldGuideLst xmlns:p15="http://schemas.microsoft.com/office/powerpoint/2012/main"/>
+    </p:ext>
+  </p:extLst>
 </p:presentation>
 </file>
 
@@ -473,7 +474,9 @@
               <a:defRPr sz="1100"/>
             </a:lvl9pPr>
           </a:lstStyle>
-          <a:p/>
+          <a:p>
+            <a:endParaRPr/>
+          </a:p>
         </p:txBody>
       </p:sp>
     </p:spTree>
@@ -712,7 +715,7 @@
 </file>
 
 <file path=ppt/notesSlides/notesSlide1.xml><?xml version="1.0" encoding="utf-8"?>
-<p:notes xmlns:a="http://schemas.openxmlformats.org/drawingml/2006/main" xmlns:r="http://schemas.openxmlformats.org/officeDocument/2006/relationships" xmlns:p="http://schemas.openxmlformats.org/presentationml/2006/main" showMasterPhAnim="0" showMasterSp="0">
+<p:notes xmlns:a="http://schemas.openxmlformats.org/drawingml/2006/main" xmlns:r="http://schemas.openxmlformats.org/officeDocument/2006/relationships" xmlns:p="http://schemas.openxmlformats.org/presentationml/2006/main" showMasterSp="0" showMasterPhAnim="0">
   <p:cSld>
     <p:spTree>
       <p:nvGrpSpPr>
@@ -803,6 +806,7 @@
               </a:spcAft>
               <a:buNone/>
             </a:pPr>
+            <a:endParaRPr/>
           </a:p>
         </p:txBody>
       </p:sp>
@@ -815,7 +819,7 @@
 </file>
 
 <file path=ppt/notesSlides/notesSlide10.xml><?xml version="1.0" encoding="utf-8"?>
-<p:notes xmlns:a="http://schemas.openxmlformats.org/drawingml/2006/main" xmlns:r="http://schemas.openxmlformats.org/officeDocument/2006/relationships" xmlns:p="http://schemas.openxmlformats.org/presentationml/2006/main" showMasterPhAnim="0" showMasterSp="0">
+<p:notes xmlns:a="http://schemas.openxmlformats.org/drawingml/2006/main" xmlns:r="http://schemas.openxmlformats.org/officeDocument/2006/relationships" xmlns:p="http://schemas.openxmlformats.org/presentationml/2006/main" showMasterSp="0" showMasterPhAnim="0">
   <p:cSld>
     <p:spTree>
       <p:nvGrpSpPr>
@@ -906,6 +910,7 @@
               </a:spcAft>
               <a:buNone/>
             </a:pPr>
+            <a:endParaRPr/>
           </a:p>
         </p:txBody>
       </p:sp>
@@ -918,7 +923,7 @@
 </file>
 
 <file path=ppt/notesSlides/notesSlide11.xml><?xml version="1.0" encoding="utf-8"?>
-<p:notes xmlns:a="http://schemas.openxmlformats.org/drawingml/2006/main" xmlns:r="http://schemas.openxmlformats.org/officeDocument/2006/relationships" xmlns:p="http://schemas.openxmlformats.org/presentationml/2006/main" showMasterPhAnim="0" showMasterSp="0">
+<p:notes xmlns:a="http://schemas.openxmlformats.org/drawingml/2006/main" xmlns:r="http://schemas.openxmlformats.org/officeDocument/2006/relationships" xmlns:p="http://schemas.openxmlformats.org/presentationml/2006/main" showMasterSp="0" showMasterPhAnim="0">
   <p:cSld>
     <p:spTree>
       <p:nvGrpSpPr>
@@ -1009,6 +1014,7 @@
               </a:spcAft>
               <a:buNone/>
             </a:pPr>
+            <a:endParaRPr/>
           </a:p>
         </p:txBody>
       </p:sp>
@@ -1021,7 +1027,7 @@
 </file>
 
 <file path=ppt/notesSlides/notesSlide12.xml><?xml version="1.0" encoding="utf-8"?>
-<p:notes xmlns:a="http://schemas.openxmlformats.org/drawingml/2006/main" xmlns:r="http://schemas.openxmlformats.org/officeDocument/2006/relationships" xmlns:p="http://schemas.openxmlformats.org/presentationml/2006/main" showMasterPhAnim="0" showMasterSp="0">
+<p:notes xmlns:a="http://schemas.openxmlformats.org/drawingml/2006/main" xmlns:r="http://schemas.openxmlformats.org/officeDocument/2006/relationships" xmlns:p="http://schemas.openxmlformats.org/presentationml/2006/main" showMasterSp="0" showMasterPhAnim="0">
   <p:cSld>
     <p:spTree>
       <p:nvGrpSpPr>
@@ -1112,6 +1118,7 @@
               </a:spcAft>
               <a:buNone/>
             </a:pPr>
+            <a:endParaRPr/>
           </a:p>
         </p:txBody>
       </p:sp>
@@ -1124,7 +1131,7 @@
 </file>
 
 <file path=ppt/notesSlides/notesSlide13.xml><?xml version="1.0" encoding="utf-8"?>
-<p:notes xmlns:a="http://schemas.openxmlformats.org/drawingml/2006/main" xmlns:r="http://schemas.openxmlformats.org/officeDocument/2006/relationships" xmlns:p="http://schemas.openxmlformats.org/presentationml/2006/main" showMasterPhAnim="0" showMasterSp="0">
+<p:notes xmlns:a="http://schemas.openxmlformats.org/drawingml/2006/main" xmlns:r="http://schemas.openxmlformats.org/officeDocument/2006/relationships" xmlns:p="http://schemas.openxmlformats.org/presentationml/2006/main" showMasterSp="0" showMasterPhAnim="0">
   <p:cSld>
     <p:spTree>
       <p:nvGrpSpPr>
@@ -1215,6 +1222,7 @@
               </a:spcAft>
               <a:buNone/>
             </a:pPr>
+            <a:endParaRPr/>
           </a:p>
         </p:txBody>
       </p:sp>
@@ -1227,7 +1235,7 @@
 </file>
 
 <file path=ppt/notesSlides/notesSlide2.xml><?xml version="1.0" encoding="utf-8"?>
-<p:notes xmlns:a="http://schemas.openxmlformats.org/drawingml/2006/main" xmlns:r="http://schemas.openxmlformats.org/officeDocument/2006/relationships" xmlns:p="http://schemas.openxmlformats.org/presentationml/2006/main" showMasterPhAnim="0" showMasterSp="0">
+<p:notes xmlns:a="http://schemas.openxmlformats.org/drawingml/2006/main" xmlns:r="http://schemas.openxmlformats.org/officeDocument/2006/relationships" xmlns:p="http://schemas.openxmlformats.org/presentationml/2006/main" showMasterSp="0" showMasterPhAnim="0">
   <p:cSld>
     <p:spTree>
       <p:nvGrpSpPr>
@@ -1318,6 +1326,7 @@
               </a:spcAft>
               <a:buNone/>
             </a:pPr>
+            <a:endParaRPr/>
           </a:p>
         </p:txBody>
       </p:sp>
@@ -1330,7 +1339,7 @@
 </file>
 
 <file path=ppt/notesSlides/notesSlide3.xml><?xml version="1.0" encoding="utf-8"?>
-<p:notes xmlns:a="http://schemas.openxmlformats.org/drawingml/2006/main" xmlns:r="http://schemas.openxmlformats.org/officeDocument/2006/relationships" xmlns:p="http://schemas.openxmlformats.org/presentationml/2006/main" showMasterPhAnim="0" showMasterSp="0">
+<p:notes xmlns:a="http://schemas.openxmlformats.org/drawingml/2006/main" xmlns:r="http://schemas.openxmlformats.org/officeDocument/2006/relationships" xmlns:p="http://schemas.openxmlformats.org/presentationml/2006/main" showMasterSp="0" showMasterPhAnim="0">
   <p:cSld>
     <p:spTree>
       <p:nvGrpSpPr>
@@ -1421,6 +1430,7 @@
               </a:spcAft>
               <a:buNone/>
             </a:pPr>
+            <a:endParaRPr/>
           </a:p>
         </p:txBody>
       </p:sp>
@@ -1433,7 +1443,7 @@
 </file>
 
 <file path=ppt/notesSlides/notesSlide4.xml><?xml version="1.0" encoding="utf-8"?>
-<p:notes xmlns:a="http://schemas.openxmlformats.org/drawingml/2006/main" xmlns:r="http://schemas.openxmlformats.org/officeDocument/2006/relationships" xmlns:p="http://schemas.openxmlformats.org/presentationml/2006/main" showMasterPhAnim="0" showMasterSp="0">
+<p:notes xmlns:a="http://schemas.openxmlformats.org/drawingml/2006/main" xmlns:r="http://schemas.openxmlformats.org/officeDocument/2006/relationships" xmlns:p="http://schemas.openxmlformats.org/presentationml/2006/main" showMasterSp="0" showMasterPhAnim="0">
   <p:cSld>
     <p:spTree>
       <p:nvGrpSpPr>
@@ -1524,6 +1534,7 @@
               </a:spcAft>
               <a:buNone/>
             </a:pPr>
+            <a:endParaRPr/>
           </a:p>
         </p:txBody>
       </p:sp>
@@ -1536,7 +1547,7 @@
 </file>
 
 <file path=ppt/notesSlides/notesSlide5.xml><?xml version="1.0" encoding="utf-8"?>
-<p:notes xmlns:a="http://schemas.openxmlformats.org/drawingml/2006/main" xmlns:r="http://schemas.openxmlformats.org/officeDocument/2006/relationships" xmlns:p="http://schemas.openxmlformats.org/presentationml/2006/main" showMasterPhAnim="0" showMasterSp="0">
+<p:notes xmlns:a="http://schemas.openxmlformats.org/drawingml/2006/main" xmlns:r="http://schemas.openxmlformats.org/officeDocument/2006/relationships" xmlns:p="http://schemas.openxmlformats.org/presentationml/2006/main" showMasterSp="0" showMasterPhAnim="0">
   <p:cSld>
     <p:spTree>
       <p:nvGrpSpPr>
@@ -1627,6 +1638,7 @@
               </a:spcAft>
               <a:buNone/>
             </a:pPr>
+            <a:endParaRPr/>
           </a:p>
         </p:txBody>
       </p:sp>
@@ -1639,7 +1651,7 @@
 </file>
 
 <file path=ppt/notesSlides/notesSlide6.xml><?xml version="1.0" encoding="utf-8"?>
-<p:notes xmlns:a="http://schemas.openxmlformats.org/drawingml/2006/main" xmlns:r="http://schemas.openxmlformats.org/officeDocument/2006/relationships" xmlns:p="http://schemas.openxmlformats.org/presentationml/2006/main" showMasterPhAnim="0" showMasterSp="0">
+<p:notes xmlns:a="http://schemas.openxmlformats.org/drawingml/2006/main" xmlns:r="http://schemas.openxmlformats.org/officeDocument/2006/relationships" xmlns:p="http://schemas.openxmlformats.org/presentationml/2006/main" showMasterSp="0" showMasterPhAnim="0">
   <p:cSld>
     <p:spTree>
       <p:nvGrpSpPr>
@@ -1730,6 +1742,7 @@
               </a:spcAft>
               <a:buNone/>
             </a:pPr>
+            <a:endParaRPr/>
           </a:p>
         </p:txBody>
       </p:sp>
@@ -1742,7 +1755,7 @@
 </file>
 
 <file path=ppt/notesSlides/notesSlide7.xml><?xml version="1.0" encoding="utf-8"?>
-<p:notes xmlns:a="http://schemas.openxmlformats.org/drawingml/2006/main" xmlns:r="http://schemas.openxmlformats.org/officeDocument/2006/relationships" xmlns:p="http://schemas.openxmlformats.org/presentationml/2006/main" showMasterPhAnim="0" showMasterSp="0">
+<p:notes xmlns:a="http://schemas.openxmlformats.org/drawingml/2006/main" xmlns:r="http://schemas.openxmlformats.org/officeDocument/2006/relationships" xmlns:p="http://schemas.openxmlformats.org/presentationml/2006/main" showMasterSp="0" showMasterPhAnim="0">
   <p:cSld>
     <p:spTree>
       <p:nvGrpSpPr>
@@ -1833,6 +1846,7 @@
               </a:spcAft>
               <a:buNone/>
             </a:pPr>
+            <a:endParaRPr/>
           </a:p>
         </p:txBody>
       </p:sp>
@@ -1845,7 +1859,7 @@
 </file>
 
 <file path=ppt/notesSlides/notesSlide8.xml><?xml version="1.0" encoding="utf-8"?>
-<p:notes xmlns:a="http://schemas.openxmlformats.org/drawingml/2006/main" xmlns:r="http://schemas.openxmlformats.org/officeDocument/2006/relationships" xmlns:p="http://schemas.openxmlformats.org/presentationml/2006/main" showMasterPhAnim="0" showMasterSp="0">
+<p:notes xmlns:a="http://schemas.openxmlformats.org/drawingml/2006/main" xmlns:r="http://schemas.openxmlformats.org/officeDocument/2006/relationships" xmlns:p="http://schemas.openxmlformats.org/presentationml/2006/main" showMasterSp="0" showMasterPhAnim="0">
   <p:cSld>
     <p:spTree>
       <p:nvGrpSpPr>
@@ -1936,6 +1950,7 @@
               </a:spcAft>
               <a:buNone/>
             </a:pPr>
+            <a:endParaRPr/>
           </a:p>
         </p:txBody>
       </p:sp>
@@ -1948,7 +1963,7 @@
 </file>
 
 <file path=ppt/notesSlides/notesSlide9.xml><?xml version="1.0" encoding="utf-8"?>
-<p:notes xmlns:a="http://schemas.openxmlformats.org/drawingml/2006/main" xmlns:r="http://schemas.openxmlformats.org/officeDocument/2006/relationships" xmlns:p="http://schemas.openxmlformats.org/presentationml/2006/main" showMasterPhAnim="0" showMasterSp="0">
+<p:notes xmlns:a="http://schemas.openxmlformats.org/drawingml/2006/main" xmlns:r="http://schemas.openxmlformats.org/officeDocument/2006/relationships" xmlns:p="http://schemas.openxmlformats.org/presentationml/2006/main" showMasterSp="0" showMasterPhAnim="0">
   <p:cSld>
     <p:spTree>
       <p:nvGrpSpPr>
@@ -2039,6 +2054,7 @@
               </a:spcAft>
               <a:buNone/>
             </a:pPr>
+            <a:endParaRPr/>
           </a:p>
         </p:txBody>
       </p:sp>
@@ -2051,7 +2067,7 @@
 </file>
 
 <file path=ppt/slideLayouts/slideLayout1.xml><?xml version="1.0" encoding="utf-8"?>
-<p:sldLayout xmlns:a="http://schemas.openxmlformats.org/drawingml/2006/main" xmlns:r="http://schemas.openxmlformats.org/officeDocument/2006/relationships" xmlns:p="http://schemas.openxmlformats.org/presentationml/2006/main" type="title" matchingName="Title slide">
+<p:sldLayout xmlns:a="http://schemas.openxmlformats.org/drawingml/2006/main" xmlns:r="http://schemas.openxmlformats.org/officeDocument/2006/relationships" xmlns:p="http://schemas.openxmlformats.org/presentationml/2006/main" matchingName="Title slide" type="title">
   <p:cSld name="TITLE">
     <p:spTree>
       <p:nvGrpSpPr>
@@ -2264,7 +2280,9 @@
               <a:defRPr sz="5200"/>
             </a:lvl9pPr>
           </a:lstStyle>
-          <a:p/>
+          <a:p>
+            <a:endParaRPr/>
+          </a:p>
         </p:txBody>
       </p:sp>
       <p:sp>
@@ -2424,7 +2442,9 @@
               <a:defRPr sz="1600"/>
             </a:lvl9pPr>
           </a:lstStyle>
-          <a:p/>
+          <a:p>
+            <a:endParaRPr/>
+          </a:p>
         </p:txBody>
       </p:sp>
     </p:spTree>
@@ -2461,7 +2481,7 @@
 </file>
 
 <file path=ppt/slideLayouts/slideLayout2.xml><?xml version="1.0" encoding="utf-8"?>
-<p:sldLayout xmlns:a="http://schemas.openxmlformats.org/drawingml/2006/main" xmlns:r="http://schemas.openxmlformats.org/officeDocument/2006/relationships" xmlns:p="http://schemas.openxmlformats.org/presentationml/2006/main" type="tx" matchingName="Title and body">
+<p:sldLayout xmlns:a="http://schemas.openxmlformats.org/drawingml/2006/main" xmlns:r="http://schemas.openxmlformats.org/officeDocument/2006/relationships" xmlns:p="http://schemas.openxmlformats.org/presentationml/2006/main" matchingName="Title and body" type="tx">
   <p:cSld name="TITLE_AND_BODY">
     <p:spTree>
       <p:nvGrpSpPr>
@@ -2664,7 +2684,9 @@
               </a:defRPr>
             </a:lvl9pPr>
           </a:lstStyle>
-          <a:p/>
+          <a:p>
+            <a:endParaRPr/>
+          </a:p>
         </p:txBody>
       </p:sp>
       <p:sp>
@@ -2791,7 +2813,9 @@
               <a:defRPr/>
             </a:lvl9pPr>
           </a:lstStyle>
-          <a:p/>
+          <a:p>
+            <a:endParaRPr/>
+          </a:p>
         </p:txBody>
       </p:sp>
       <p:cxnSp>
@@ -2995,7 +3019,9 @@
               <a:defRPr/>
             </a:lvl9pPr>
           </a:lstStyle>
-          <a:p/>
+          <a:p>
+            <a:endParaRPr/>
+          </a:p>
         </p:txBody>
       </p:sp>
       <p:sp>
@@ -3212,7 +3238,9 @@
               </a:defRPr>
             </a:lvl9pPr>
           </a:lstStyle>
-          <a:p/>
+          <a:p>
+            <a:endParaRPr/>
+          </a:p>
         </p:txBody>
       </p:sp>
       <p:cxnSp>
@@ -3442,7 +3470,9 @@
               <a:defRPr sz="6000"/>
             </a:lvl9pPr>
           </a:lstStyle>
-          <a:p/>
+          <a:p>
+            <a:endParaRPr/>
+          </a:p>
         </p:txBody>
       </p:sp>
       <p:cxnSp>
@@ -3506,7 +3536,7 @@
 </file>
 
 <file path=ppt/slideLayouts/slideLayout5.xml><?xml version="1.0" encoding="utf-8"?>
-<p:sldLayout xmlns:a="http://schemas.openxmlformats.org/drawingml/2006/main" xmlns:r="http://schemas.openxmlformats.org/officeDocument/2006/relationships" xmlns:p="http://schemas.openxmlformats.org/presentationml/2006/main" type="blank" matchingName="Blank">
+<p:sldLayout xmlns:a="http://schemas.openxmlformats.org/drawingml/2006/main" xmlns:r="http://schemas.openxmlformats.org/officeDocument/2006/relationships" xmlns:p="http://schemas.openxmlformats.org/presentationml/2006/main" matchingName="Blank" type="blank">
   <p:cSld name="BLANK">
     <p:bg>
       <p:bgPr>
@@ -3683,7 +3713,9 @@
               <a:defRPr sz="2400"/>
             </a:lvl9pPr>
           </a:lstStyle>
-          <a:p/>
+          <a:p>
+            <a:endParaRPr/>
+          </a:p>
         </p:txBody>
       </p:sp>
       <p:sp>
@@ -3837,7 +3869,9 @@
               <a:defRPr/>
             </a:lvl9pPr>
           </a:lstStyle>
-          <a:p/>
+          <a:p>
+            <a:endParaRPr/>
+          </a:p>
         </p:txBody>
       </p:sp>
       <p:sp>
@@ -3968,7 +4002,9 @@
               <a:defRPr sz="2400"/>
             </a:lvl9pPr>
           </a:lstStyle>
-          <a:p/>
+          <a:p>
+            <a:endParaRPr/>
+          </a:p>
         </p:txBody>
       </p:sp>
       <p:sp>
@@ -4122,7 +4158,9 @@
               <a:defRPr/>
             </a:lvl9pPr>
           </a:lstStyle>
-          <a:p/>
+          <a:p>
+            <a:endParaRPr/>
+          </a:p>
         </p:txBody>
       </p:sp>
       <p:sp>
@@ -4253,7 +4291,9 @@
               <a:defRPr sz="2400"/>
             </a:lvl9pPr>
           </a:lstStyle>
-          <a:p/>
+          <a:p>
+            <a:endParaRPr/>
+          </a:p>
         </p:txBody>
       </p:sp>
       <p:sp>
@@ -4407,7 +4447,9 @@
               <a:defRPr/>
             </a:lvl9pPr>
           </a:lstStyle>
-          <a:p/>
+          <a:p>
+            <a:endParaRPr/>
+          </a:p>
         </p:txBody>
       </p:sp>
       <p:sp>
@@ -4538,7 +4580,9 @@
               <a:defRPr sz="2400"/>
             </a:lvl9pPr>
           </a:lstStyle>
-          <a:p/>
+          <a:p>
+            <a:endParaRPr/>
+          </a:p>
         </p:txBody>
       </p:sp>
       <p:sp>
@@ -4692,7 +4736,9 @@
               <a:defRPr/>
             </a:lvl9pPr>
           </a:lstStyle>
-          <a:p/>
+          <a:p>
+            <a:endParaRPr/>
+          </a:p>
         </p:txBody>
       </p:sp>
       <p:sp>
@@ -4819,7 +4865,9 @@
               <a:defRPr/>
             </a:lvl9pPr>
           </a:lstStyle>
-          <a:p/>
+          <a:p>
+            <a:endParaRPr/>
+          </a:p>
         </p:txBody>
       </p:sp>
       <p:sp>
@@ -5551,7 +5599,9 @@
               <a:defRPr sz="2500"/>
             </a:lvl9pPr>
           </a:lstStyle>
-          <a:p/>
+          <a:p>
+            <a:endParaRPr/>
+          </a:p>
         </p:txBody>
       </p:sp>
       <p:sp>
@@ -5705,7 +5755,9 @@
               <a:defRPr/>
             </a:lvl9pPr>
           </a:lstStyle>
-          <a:p/>
+          <a:p>
+            <a:endParaRPr/>
+          </a:p>
         </p:txBody>
       </p:sp>
       <p:sp>
@@ -5836,7 +5888,9 @@
               <a:defRPr sz="2500"/>
             </a:lvl9pPr>
           </a:lstStyle>
-          <a:p/>
+          <a:p>
+            <a:endParaRPr/>
+          </a:p>
         </p:txBody>
       </p:sp>
       <p:sp>
@@ -5990,7 +6044,9 @@
               <a:defRPr/>
             </a:lvl9pPr>
           </a:lstStyle>
-          <a:p/>
+          <a:p>
+            <a:endParaRPr/>
+          </a:p>
         </p:txBody>
       </p:sp>
       <p:sp>
@@ -6121,7 +6177,9 @@
               <a:defRPr sz="2500"/>
             </a:lvl9pPr>
           </a:lstStyle>
-          <a:p/>
+          <a:p>
+            <a:endParaRPr/>
+          </a:p>
         </p:txBody>
       </p:sp>
       <p:sp>
@@ -6275,7 +6333,9 @@
               <a:defRPr/>
             </a:lvl9pPr>
           </a:lstStyle>
-          <a:p/>
+          <a:p>
+            <a:endParaRPr/>
+          </a:p>
         </p:txBody>
       </p:sp>
       <p:sp>
@@ -6406,7 +6466,9 @@
               <a:defRPr sz="2500"/>
             </a:lvl9pPr>
           </a:lstStyle>
-          <a:p/>
+          <a:p>
+            <a:endParaRPr/>
+          </a:p>
         </p:txBody>
       </p:sp>
       <p:sp>
@@ -6560,7 +6622,9 @@
               <a:defRPr/>
             </a:lvl9pPr>
           </a:lstStyle>
-          <a:p/>
+          <a:p>
+            <a:endParaRPr/>
+          </a:p>
         </p:txBody>
       </p:sp>
       <p:sp>
@@ -6687,7 +6751,9 @@
               <a:defRPr/>
             </a:lvl9pPr>
           </a:lstStyle>
-          <a:p/>
+          <a:p>
+            <a:endParaRPr/>
+          </a:p>
         </p:txBody>
       </p:sp>
       <p:cxnSp>
@@ -6895,7 +6961,9 @@
               <a:defRPr sz="2500"/>
             </a:lvl9pPr>
           </a:lstStyle>
-          <a:p/>
+          <a:p>
+            <a:endParaRPr/>
+          </a:p>
         </p:txBody>
       </p:sp>
       <p:sp>
@@ -7049,7 +7117,9 @@
               <a:defRPr/>
             </a:lvl9pPr>
           </a:lstStyle>
-          <a:p/>
+          <a:p>
+            <a:endParaRPr/>
+          </a:p>
         </p:txBody>
       </p:sp>
       <p:sp>
@@ -7180,7 +7250,9 @@
               <a:defRPr sz="2500"/>
             </a:lvl9pPr>
           </a:lstStyle>
-          <a:p/>
+          <a:p>
+            <a:endParaRPr/>
+          </a:p>
         </p:txBody>
       </p:sp>
       <p:sp>
@@ -7334,7 +7406,9 @@
               <a:defRPr/>
             </a:lvl9pPr>
           </a:lstStyle>
-          <a:p/>
+          <a:p>
+            <a:endParaRPr/>
+          </a:p>
         </p:txBody>
       </p:sp>
       <p:sp>
@@ -7465,7 +7539,9 @@
               <a:defRPr sz="2500"/>
             </a:lvl9pPr>
           </a:lstStyle>
-          <a:p/>
+          <a:p>
+            <a:endParaRPr/>
+          </a:p>
         </p:txBody>
       </p:sp>
       <p:sp>
@@ -7619,7 +7695,9 @@
               <a:defRPr/>
             </a:lvl9pPr>
           </a:lstStyle>
-          <a:p/>
+          <a:p>
+            <a:endParaRPr/>
+          </a:p>
         </p:txBody>
       </p:sp>
       <p:sp>
@@ -7750,7 +7828,9 @@
               <a:defRPr sz="2500"/>
             </a:lvl9pPr>
           </a:lstStyle>
-          <a:p/>
+          <a:p>
+            <a:endParaRPr/>
+          </a:p>
         </p:txBody>
       </p:sp>
       <p:sp>
@@ -7904,7 +7984,9 @@
               <a:defRPr/>
             </a:lvl9pPr>
           </a:lstStyle>
-          <a:p/>
+          <a:p>
+            <a:endParaRPr/>
+          </a:p>
         </p:txBody>
       </p:sp>
       <p:sp>
@@ -8035,7 +8117,9 @@
               <a:defRPr sz="2500"/>
             </a:lvl9pPr>
           </a:lstStyle>
-          <a:p/>
+          <a:p>
+            <a:endParaRPr/>
+          </a:p>
         </p:txBody>
       </p:sp>
       <p:sp>
@@ -8189,7 +8273,9 @@
               <a:defRPr/>
             </a:lvl9pPr>
           </a:lstStyle>
-          <a:p/>
+          <a:p>
+            <a:endParaRPr/>
+          </a:p>
         </p:txBody>
       </p:sp>
       <p:sp>
@@ -8320,7 +8406,9 @@
               <a:defRPr sz="2500"/>
             </a:lvl9pPr>
           </a:lstStyle>
-          <a:p/>
+          <a:p>
+            <a:endParaRPr/>
+          </a:p>
         </p:txBody>
       </p:sp>
       <p:sp>
@@ -8474,7 +8562,9 @@
               <a:defRPr/>
             </a:lvl9pPr>
           </a:lstStyle>
-          <a:p/>
+          <a:p>
+            <a:endParaRPr/>
+          </a:p>
         </p:txBody>
       </p:sp>
       <p:sp>
@@ -8601,7 +8691,9 @@
               <a:defRPr/>
             </a:lvl9pPr>
           </a:lstStyle>
-          <a:p/>
+          <a:p>
+            <a:endParaRPr/>
+          </a:p>
         </p:txBody>
       </p:sp>
       <p:cxnSp>
@@ -8708,6 +8800,7 @@
                 </a:spcAft>
                 <a:buNone/>
               </a:pPr>
+              <a:endParaRPr/>
             </a:p>
           </p:txBody>
         </p:sp>
@@ -8749,6 +8842,7 @@
                 </a:spcAft>
                 <a:buNone/>
               </a:pPr>
+              <a:endParaRPr/>
             </a:p>
           </p:txBody>
         </p:sp>
@@ -9067,7 +9161,9 @@
               </a:defRPr>
             </a:lvl9pPr>
           </a:lstStyle>
-          <a:p/>
+          <a:p>
+            <a:endParaRPr/>
+          </a:p>
         </p:txBody>
       </p:sp>
       <p:sp>
@@ -9333,7 +9429,9 @@
               </a:defRPr>
             </a:lvl9pPr>
           </a:lstStyle>
-          <a:p/>
+          <a:p>
+            <a:endParaRPr/>
+          </a:p>
         </p:txBody>
       </p:sp>
     </p:spTree>
@@ -10112,18 +10210,44 @@
               <a:buNone/>
             </a:pPr>
             <a:r>
-              <a:rPr lang="en-GB" sz="4500" dirty="0" smtClean="0"/>
+              <a:rPr lang="en-GB" sz="4500" dirty="0" smtClean="0">
+                <a:latin typeface="Times New Roman" panose="02020603050405020304" pitchFamily="18" charset="0"/>
+                <a:cs typeface="Times New Roman" panose="02020603050405020304" pitchFamily="18" charset="0"/>
+              </a:rPr>
               <a:t>M</a:t>
             </a:r>
             <a:r>
-              <a:rPr lang="en-US" altLang="en-GB" sz="4500" dirty="0" smtClean="0"/>
+              <a:rPr lang="en-US" altLang="en-GB" sz="4500" dirty="0" err="1" smtClean="0">
+                <a:latin typeface="Times New Roman" panose="02020603050405020304" pitchFamily="18" charset="0"/>
+                <a:cs typeface="Times New Roman" panose="02020603050405020304" pitchFamily="18" charset="0"/>
+              </a:rPr>
               <a:t>inh’s</a:t>
             </a:r>
             <a:r>
-              <a:rPr lang="en-GB" sz="4500" dirty="0" smtClean="0"/>
-              <a:t> OKR</a:t>
-            </a:r>
-            <a:endParaRPr sz="4500" dirty="0"/>
+              <a:rPr lang="en-GB" sz="4500" dirty="0" smtClean="0">
+                <a:latin typeface="Times New Roman" panose="02020603050405020304" pitchFamily="18" charset="0"/>
+                <a:cs typeface="Times New Roman" panose="02020603050405020304" pitchFamily="18" charset="0"/>
+              </a:rPr>
+              <a:t> </a:t>
+            </a:r>
+            <a:r>
+              <a:rPr lang="en-GB" sz="4500" dirty="0">
+                <a:latin typeface="Times New Roman" panose="02020603050405020304" pitchFamily="18" charset="0"/>
+                <a:cs typeface="Times New Roman" panose="02020603050405020304" pitchFamily="18" charset="0"/>
+              </a:rPr>
+              <a:t>O</a:t>
+            </a:r>
+            <a:r>
+              <a:rPr lang="en-GB" sz="4500" dirty="0" smtClean="0">
+                <a:latin typeface="Times New Roman" panose="02020603050405020304" pitchFamily="18" charset="0"/>
+                <a:cs typeface="Times New Roman" panose="02020603050405020304" pitchFamily="18" charset="0"/>
+              </a:rPr>
+              <a:t>KR</a:t>
+            </a:r>
+            <a:endParaRPr sz="4500" dirty="0">
+              <a:latin typeface="Times New Roman" panose="02020603050405020304" pitchFamily="18" charset="0"/>
+              <a:cs typeface="Times New Roman" panose="02020603050405020304" pitchFamily="18" charset="0"/>
+            </a:endParaRPr>
           </a:p>
           <a:p>
             <a:pPr marL="0" lvl="0" indent="0" algn="l" rtl="0">
@@ -10136,10 +10260,16 @@
               <a:buNone/>
             </a:pPr>
             <a:r>
-              <a:rPr lang="en-GB" sz="3800" dirty="0" smtClean="0"/>
+              <a:rPr lang="en-GB" sz="3800" dirty="0" smtClean="0">
+                <a:latin typeface="Times New Roman" panose="02020603050405020304" pitchFamily="18" charset="0"/>
+                <a:cs typeface="Times New Roman" panose="02020603050405020304" pitchFamily="18" charset="0"/>
+              </a:rPr>
               <a:t>REACTJS</a:t>
             </a:r>
-            <a:endParaRPr sz="3800" dirty="0"/>
+            <a:endParaRPr sz="3800" dirty="0">
+              <a:latin typeface="Times New Roman" panose="02020603050405020304" pitchFamily="18" charset="0"/>
+              <a:cs typeface="Times New Roman" panose="02020603050405020304" pitchFamily="18" charset="0"/>
+            </a:endParaRPr>
           </a:p>
         </p:txBody>
       </p:sp>
@@ -10170,42 +10300,78 @@
           <a:p>
             <a:pPr marL="0" lvl="0" indent="0"/>
             <a:r>
-              <a:rPr lang="en-GB" sz="1400" dirty="0" smtClean="0"/>
-              <a:t>Company:	GAPIT </a:t>
-            </a:r>
-            <a:r>
-              <a:rPr lang="en-GB" sz="1400" dirty="0"/>
+              <a:rPr lang="en-GB" sz="1400" dirty="0" smtClean="0">
+                <a:latin typeface="Times New Roman" panose="02020603050405020304" pitchFamily="18" charset="0"/>
+                <a:cs typeface="Times New Roman" panose="02020603050405020304" pitchFamily="18" charset="0"/>
+              </a:rPr>
+              <a:t>C</a:t>
+            </a:r>
+            <a:r>
+              <a:rPr lang="en-GB" sz="1400" dirty="0" smtClean="0">
+                <a:latin typeface="Times New Roman" panose="02020603050405020304" pitchFamily="18" charset="0"/>
+                <a:cs typeface="Times New Roman" panose="02020603050405020304" pitchFamily="18" charset="0"/>
+              </a:rPr>
+              <a:t>ompany</a:t>
+            </a:r>
+            <a:r>
+              <a:rPr lang="en-GB" sz="1400" dirty="0" smtClean="0">
+                <a:latin typeface="Times New Roman" panose="02020603050405020304" pitchFamily="18" charset="0"/>
+                <a:cs typeface="Times New Roman" panose="02020603050405020304" pitchFamily="18" charset="0"/>
+              </a:rPr>
+              <a:t>:	GAPIT </a:t>
+            </a:r>
+            <a:r>
+              <a:rPr lang="en-GB" sz="1400" dirty="0">
+                <a:latin typeface="Times New Roman" panose="02020603050405020304" pitchFamily="18" charset="0"/>
+                <a:cs typeface="Times New Roman" panose="02020603050405020304" pitchFamily="18" charset="0"/>
+              </a:rPr>
               <a:t>COMMUNICATIONS JSC</a:t>
             </a:r>
-            <a:endParaRPr lang="en-GB" sz="1400" dirty="0"/>
           </a:p>
           <a:p>
             <a:pPr marL="0" lvl="0" indent="0"/>
             <a:r>
-              <a:rPr lang="en-GB" sz="1400" dirty="0"/>
+              <a:rPr lang="en-GB" sz="1400" dirty="0">
+                <a:latin typeface="Times New Roman" panose="02020603050405020304" pitchFamily="18" charset="0"/>
+                <a:cs typeface="Times New Roman" panose="02020603050405020304" pitchFamily="18" charset="0"/>
+              </a:rPr>
               <a:t>Create </a:t>
             </a:r>
             <a:r>
-              <a:rPr lang="en-GB" sz="1400" dirty="0" smtClean="0"/>
+              <a:rPr lang="en-GB" sz="1400" dirty="0" smtClean="0">
+                <a:latin typeface="Times New Roman" panose="02020603050405020304" pitchFamily="18" charset="0"/>
+                <a:cs typeface="Times New Roman" panose="02020603050405020304" pitchFamily="18" charset="0"/>
+              </a:rPr>
               <a:t>by:	Bui </a:t>
             </a:r>
             <a:r>
-              <a:rPr lang="en-GB" sz="1400" dirty="0"/>
+              <a:rPr lang="en-GB" sz="1400" dirty="0">
+                <a:latin typeface="Times New Roman" panose="02020603050405020304" pitchFamily="18" charset="0"/>
+                <a:cs typeface="Times New Roman" panose="02020603050405020304" pitchFamily="18" charset="0"/>
+              </a:rPr>
               <a:t>Van Minh</a:t>
             </a:r>
-            <a:endParaRPr lang="en-GB" sz="1400" dirty="0"/>
           </a:p>
           <a:p>
             <a:pPr marL="0" lvl="0" indent="0"/>
             <a:r>
-              <a:rPr lang="en-GB" sz="1400" dirty="0"/>
+              <a:rPr lang="en-GB" sz="1400" dirty="0">
+                <a:latin typeface="Times New Roman" panose="02020603050405020304" pitchFamily="18" charset="0"/>
+                <a:cs typeface="Times New Roman" panose="02020603050405020304" pitchFamily="18" charset="0"/>
+              </a:rPr>
               <a:t>Issue </a:t>
             </a:r>
             <a:r>
-              <a:rPr lang="en-GB" sz="1400" dirty="0" smtClean="0"/>
+              <a:rPr lang="en-GB" sz="1400" dirty="0" smtClean="0">
+                <a:latin typeface="Times New Roman" panose="02020603050405020304" pitchFamily="18" charset="0"/>
+                <a:cs typeface="Times New Roman" panose="02020603050405020304" pitchFamily="18" charset="0"/>
+              </a:rPr>
               <a:t>date:	21/12/2023</a:t>
             </a:r>
-            <a:endParaRPr lang="en-GB" sz="1400" dirty="0"/>
+            <a:endParaRPr lang="en-GB" sz="1400" dirty="0">
+              <a:latin typeface="Times New Roman" panose="02020603050405020304" pitchFamily="18" charset="0"/>
+              <a:cs typeface="Times New Roman" panose="02020603050405020304" pitchFamily="18" charset="0"/>
+            </a:endParaRPr>
           </a:p>
         </p:txBody>
       </p:sp>
@@ -10308,6 +10474,10 @@
                 </a:spcAft>
                 <a:buNone/>
               </a:pPr>
+              <a:endParaRPr>
+                <a:latin typeface="Times New Roman" panose="02020603050405020304" pitchFamily="18" charset="0"/>
+                <a:cs typeface="Times New Roman" panose="02020603050405020304" pitchFamily="18" charset="0"/>
+              </a:endParaRPr>
             </a:p>
           </p:txBody>
         </p:sp>
@@ -10411,6 +10581,10 @@
                 </a:spcAft>
                 <a:buNone/>
               </a:pPr>
+              <a:endParaRPr>
+                <a:latin typeface="Times New Roman" panose="02020603050405020304" pitchFamily="18" charset="0"/>
+                <a:cs typeface="Times New Roman" panose="02020603050405020304" pitchFamily="18" charset="0"/>
+              </a:endParaRPr>
             </a:p>
           </p:txBody>
         </p:sp>
@@ -10505,6 +10679,10 @@
                 </a:spcAft>
                 <a:buNone/>
               </a:pPr>
+              <a:endParaRPr>
+                <a:latin typeface="Times New Roman" panose="02020603050405020304" pitchFamily="18" charset="0"/>
+                <a:cs typeface="Times New Roman" panose="02020603050405020304" pitchFamily="18" charset="0"/>
+              </a:endParaRPr>
             </a:p>
           </p:txBody>
         </p:sp>
@@ -10592,6 +10770,10 @@
                 </a:spcAft>
                 <a:buNone/>
               </a:pPr>
+              <a:endParaRPr>
+                <a:latin typeface="Times New Roman" panose="02020603050405020304" pitchFamily="18" charset="0"/>
+                <a:cs typeface="Times New Roman" panose="02020603050405020304" pitchFamily="18" charset="0"/>
+              </a:endParaRPr>
             </a:p>
           </p:txBody>
         </p:sp>
@@ -10672,6 +10854,10 @@
                 </a:spcAft>
                 <a:buNone/>
               </a:pPr>
+              <a:endParaRPr>
+                <a:latin typeface="Times New Roman" panose="02020603050405020304" pitchFamily="18" charset="0"/>
+                <a:cs typeface="Times New Roman" panose="02020603050405020304" pitchFamily="18" charset="0"/>
+              </a:endParaRPr>
             </a:p>
           </p:txBody>
         </p:sp>
@@ -10752,6 +10938,10 @@
                 </a:spcAft>
                 <a:buNone/>
               </a:pPr>
+              <a:endParaRPr>
+                <a:latin typeface="Times New Roman" panose="02020603050405020304" pitchFamily="18" charset="0"/>
+                <a:cs typeface="Times New Roman" panose="02020603050405020304" pitchFamily="18" charset="0"/>
+              </a:endParaRPr>
             </a:p>
           </p:txBody>
         </p:sp>
@@ -10826,6 +11016,10 @@
                 </a:spcAft>
                 <a:buNone/>
               </a:pPr>
+              <a:endParaRPr>
+                <a:latin typeface="Times New Roman" panose="02020603050405020304" pitchFamily="18" charset="0"/>
+                <a:cs typeface="Times New Roman" panose="02020603050405020304" pitchFamily="18" charset="0"/>
+              </a:endParaRPr>
             </a:p>
           </p:txBody>
         </p:sp>
@@ -10883,6 +11077,10 @@
                 </a:spcAft>
                 <a:buNone/>
               </a:pPr>
+              <a:endParaRPr>
+                <a:latin typeface="Times New Roman" panose="02020603050405020304" pitchFamily="18" charset="0"/>
+                <a:cs typeface="Times New Roman" panose="02020603050405020304" pitchFamily="18" charset="0"/>
+              </a:endParaRPr>
             </a:p>
           </p:txBody>
         </p:sp>
@@ -10942,6 +11140,10 @@
                 </a:spcAft>
                 <a:buNone/>
               </a:pPr>
+              <a:endParaRPr>
+                <a:latin typeface="Times New Roman" panose="02020603050405020304" pitchFamily="18" charset="0"/>
+                <a:cs typeface="Times New Roman" panose="02020603050405020304" pitchFamily="18" charset="0"/>
+              </a:endParaRPr>
             </a:p>
           </p:txBody>
         </p:sp>
@@ -11001,6 +11203,10 @@
                 </a:spcAft>
                 <a:buNone/>
               </a:pPr>
+              <a:endParaRPr>
+                <a:latin typeface="Times New Roman" panose="02020603050405020304" pitchFamily="18" charset="0"/>
+                <a:cs typeface="Times New Roman" panose="02020603050405020304" pitchFamily="18" charset="0"/>
+              </a:endParaRPr>
             </a:p>
           </p:txBody>
         </p:sp>
@@ -11554,6 +11760,10 @@
                   </a:spcAft>
                   <a:buNone/>
                 </a:pPr>
+                <a:endParaRPr>
+                  <a:latin typeface="Times New Roman" panose="02020603050405020304" pitchFamily="18" charset="0"/>
+                  <a:cs typeface="Times New Roman" panose="02020603050405020304" pitchFamily="18" charset="0"/>
+                </a:endParaRPr>
               </a:p>
             </p:txBody>
           </p:sp>
@@ -11665,6 +11875,10 @@
                   </a:spcAft>
                   <a:buNone/>
                 </a:pPr>
+                <a:endParaRPr>
+                  <a:latin typeface="Times New Roman" panose="02020603050405020304" pitchFamily="18" charset="0"/>
+                  <a:cs typeface="Times New Roman" panose="02020603050405020304" pitchFamily="18" charset="0"/>
+                </a:endParaRPr>
               </a:p>
             </p:txBody>
           </p:sp>
@@ -11776,6 +11990,10 @@
                   </a:spcAft>
                   <a:buNone/>
                 </a:pPr>
+                <a:endParaRPr>
+                  <a:latin typeface="Times New Roman" panose="02020603050405020304" pitchFamily="18" charset="0"/>
+                  <a:cs typeface="Times New Roman" panose="02020603050405020304" pitchFamily="18" charset="0"/>
+                </a:endParaRPr>
               </a:p>
             </p:txBody>
           </p:sp>
@@ -12373,6 +12591,10 @@
                   </a:spcAft>
                   <a:buNone/>
                 </a:pPr>
+                <a:endParaRPr>
+                  <a:latin typeface="Times New Roman" panose="02020603050405020304" pitchFamily="18" charset="0"/>
+                  <a:cs typeface="Times New Roman" panose="02020603050405020304" pitchFamily="18" charset="0"/>
+                </a:endParaRPr>
               </a:p>
             </p:txBody>
           </p:sp>
@@ -12489,6 +12711,10 @@
                   </a:spcAft>
                   <a:buNone/>
                 </a:pPr>
+                <a:endParaRPr>
+                  <a:latin typeface="Times New Roman" panose="02020603050405020304" pitchFamily="18" charset="0"/>
+                  <a:cs typeface="Times New Roman" panose="02020603050405020304" pitchFamily="18" charset="0"/>
+                </a:endParaRPr>
               </a:p>
             </p:txBody>
           </p:sp>
@@ -12584,6 +12810,10 @@
                   </a:spcAft>
                   <a:buNone/>
                 </a:pPr>
+                <a:endParaRPr>
+                  <a:latin typeface="Times New Roman" panose="02020603050405020304" pitchFamily="18" charset="0"/>
+                  <a:cs typeface="Times New Roman" panose="02020603050405020304" pitchFamily="18" charset="0"/>
+                </a:endParaRPr>
               </a:p>
             </p:txBody>
           </p:sp>
@@ -12633,6 +12863,10 @@
                 </a:spcAft>
                 <a:buNone/>
               </a:pPr>
+              <a:endParaRPr>
+                <a:latin typeface="Times New Roman" panose="02020603050405020304" pitchFamily="18" charset="0"/>
+                <a:cs typeface="Times New Roman" panose="02020603050405020304" pitchFamily="18" charset="0"/>
+              </a:endParaRPr>
             </a:p>
           </p:txBody>
         </p:sp>
@@ -12763,6 +12997,10 @@
                   </a:spcAft>
                   <a:buNone/>
                 </a:pPr>
+                <a:endParaRPr>
+                  <a:latin typeface="Times New Roman" panose="02020603050405020304" pitchFamily="18" charset="0"/>
+                  <a:cs typeface="Times New Roman" panose="02020603050405020304" pitchFamily="18" charset="0"/>
+                </a:endParaRPr>
               </a:p>
             </p:txBody>
           </p:sp>
@@ -12845,6 +13083,10 @@
                   </a:spcAft>
                   <a:buNone/>
                 </a:pPr>
+                <a:endParaRPr>
+                  <a:latin typeface="Times New Roman" panose="02020603050405020304" pitchFamily="18" charset="0"/>
+                  <a:cs typeface="Times New Roman" panose="02020603050405020304" pitchFamily="18" charset="0"/>
+                </a:endParaRPr>
               </a:p>
             </p:txBody>
           </p:sp>
@@ -12919,6 +13161,10 @@
                   </a:spcAft>
                   <a:buNone/>
                 </a:pPr>
+                <a:endParaRPr>
+                  <a:latin typeface="Times New Roman" panose="02020603050405020304" pitchFamily="18" charset="0"/>
+                  <a:cs typeface="Times New Roman" panose="02020603050405020304" pitchFamily="18" charset="0"/>
+                </a:endParaRPr>
               </a:p>
             </p:txBody>
           </p:sp>
@@ -13249,6 +13495,10 @@
                   </a:spcAft>
                   <a:buNone/>
                 </a:pPr>
+                <a:endParaRPr>
+                  <a:latin typeface="Times New Roman" panose="02020603050405020304" pitchFamily="18" charset="0"/>
+                  <a:cs typeface="Times New Roman" panose="02020603050405020304" pitchFamily="18" charset="0"/>
+                </a:endParaRPr>
               </a:p>
             </p:txBody>
           </p:sp>
@@ -13306,6 +13556,10 @@
                 </a:spcAft>
                 <a:buNone/>
               </a:pPr>
+              <a:endParaRPr>
+                <a:latin typeface="Times New Roman" panose="02020603050405020304" pitchFamily="18" charset="0"/>
+                <a:cs typeface="Times New Roman" panose="02020603050405020304" pitchFamily="18" charset="0"/>
+              </a:endParaRPr>
             </a:p>
           </p:txBody>
         </p:sp>
@@ -13347,6 +13601,10 @@
                 </a:spcAft>
                 <a:buNone/>
               </a:pPr>
+              <a:endParaRPr>
+                <a:latin typeface="Times New Roman" panose="02020603050405020304" pitchFamily="18" charset="0"/>
+                <a:cs typeface="Times New Roman" panose="02020603050405020304" pitchFamily="18" charset="0"/>
+              </a:endParaRPr>
             </a:p>
           </p:txBody>
         </p:sp>
@@ -13388,6 +13646,10 @@
                 </a:spcAft>
                 <a:buNone/>
               </a:pPr>
+              <a:endParaRPr>
+                <a:latin typeface="Times New Roman" panose="02020603050405020304" pitchFamily="18" charset="0"/>
+                <a:cs typeface="Times New Roman" panose="02020603050405020304" pitchFamily="18" charset="0"/>
+              </a:endParaRPr>
             </a:p>
           </p:txBody>
         </p:sp>
@@ -13444,6 +13706,10 @@
                 </a:spcAft>
                 <a:buNone/>
               </a:pPr>
+              <a:endParaRPr>
+                <a:latin typeface="Times New Roman" panose="02020603050405020304" pitchFamily="18" charset="0"/>
+                <a:cs typeface="Times New Roman" panose="02020603050405020304" pitchFamily="18" charset="0"/>
+              </a:endParaRPr>
             </a:p>
           </p:txBody>
         </p:sp>
@@ -13485,6 +13751,10 @@
                 </a:spcAft>
                 <a:buNone/>
               </a:pPr>
+              <a:endParaRPr>
+                <a:latin typeface="Times New Roman" panose="02020603050405020304" pitchFamily="18" charset="0"/>
+                <a:cs typeface="Times New Roman" panose="02020603050405020304" pitchFamily="18" charset="0"/>
+              </a:endParaRPr>
             </a:p>
           </p:txBody>
         </p:sp>
@@ -13496,7 +13766,7 @@
           <p:nvPr/>
         </p:nvPicPr>
         <p:blipFill>
-          <a:blip r:embed="rId1"/>
+          <a:blip r:embed="rId3"/>
           <a:stretch>
             <a:fillRect/>
           </a:stretch>
@@ -13556,7 +13826,7 @@
           <p:nvPr/>
         </p:nvPicPr>
         <p:blipFill>
-          <a:blip r:embed="rId1"/>
+          <a:blip r:embed="rId3"/>
           <a:stretch>
             <a:fillRect/>
           </a:stretch>
@@ -13598,10 +13868,14 @@
           <a:p>
             <a:pPr lvl="0" algn="l"/>
             <a:r>
-              <a:rPr lang="vi-VN" sz="2000" dirty="0"/>
+              <a:rPr lang="vi-VN" sz="2000" dirty="0">
+                <a:latin typeface="+mj-lt"/>
+              </a:rPr>
               <a:t>Phân loại thư mục src</a:t>
             </a:r>
-            <a:endParaRPr lang="en-GB" sz="2000" dirty="0"/>
+            <a:endParaRPr lang="en-GB" sz="2000" dirty="0">
+              <a:latin typeface="+mj-lt"/>
+            </a:endParaRPr>
           </a:p>
         </p:txBody>
       </p:sp>
@@ -13869,6 +14143,9 @@
                 </a:spcAft>
                 <a:buNone/>
               </a:pPr>
+              <a:endParaRPr>
+                <a:latin typeface="+mj-lt"/>
+              </a:endParaRPr>
             </a:p>
           </p:txBody>
         </p:sp>
@@ -14130,6 +14407,9 @@
                 </a:spcAft>
                 <a:buNone/>
               </a:pPr>
+              <a:endParaRPr>
+                <a:latin typeface="+mj-lt"/>
+              </a:endParaRPr>
             </a:p>
           </p:txBody>
         </p:sp>
@@ -14407,13 +14687,13 @@
           <a:p>
             <a:r>
               <a:rPr lang="en-US" altLang="en-GB" sz="2000" dirty="0" smtClean="0">
-                <a:latin typeface="Roboto" panose="02000000000000000000" charset="0"/>
+                <a:latin typeface="+mj-lt"/>
                 <a:ea typeface="Roboto" panose="02000000000000000000" charset="0"/>
               </a:rPr>
               <a:t>3. Project</a:t>
             </a:r>
             <a:endParaRPr lang="en-US" sz="2000" dirty="0">
-              <a:latin typeface="Roboto" panose="02000000000000000000" charset="0"/>
+              <a:latin typeface="+mj-lt"/>
               <a:ea typeface="Roboto" panose="02000000000000000000" charset="0"/>
             </a:endParaRPr>
           </a:p>
@@ -14451,153 +14731,153 @@
             </a:pPr>
             <a:r>
               <a:rPr lang="en-GB" sz="1600" b="1" dirty="0" smtClean="0">
-                <a:latin typeface="Roboto" panose="02000000000000000000" charset="0"/>
+                <a:latin typeface="+mj-lt"/>
                 <a:ea typeface="Roboto" panose="02000000000000000000" charset="0"/>
               </a:rPr>
               <a:t>Forder hooks</a:t>
             </a:r>
             <a:r>
               <a:rPr lang="vi-VN" sz="1600" b="1" dirty="0" smtClean="0">
-                <a:latin typeface="Roboto" panose="02000000000000000000" charset="0"/>
+                <a:latin typeface="+mj-lt"/>
                 <a:ea typeface="Roboto" panose="02000000000000000000" charset="0"/>
               </a:rPr>
               <a:t>: </a:t>
             </a:r>
             <a:r>
               <a:rPr lang="vi-VN" sz="1200" dirty="0">
-                <a:latin typeface="Roboto" panose="02000000000000000000" charset="0"/>
+                <a:latin typeface="+mj-lt"/>
                 <a:ea typeface="Roboto" panose="02000000000000000000" charset="0"/>
               </a:rPr>
               <a:t>Thư mục </a:t>
             </a:r>
             <a:r>
               <a:rPr lang="vi-VN" sz="1200" dirty="0" smtClean="0">
-                <a:latin typeface="Roboto" panose="02000000000000000000" charset="0"/>
+                <a:latin typeface="+mj-lt"/>
                 <a:ea typeface="Roboto" panose="02000000000000000000" charset="0"/>
               </a:rPr>
               <a:t>này</a:t>
             </a:r>
             <a:r>
               <a:rPr lang="en-GB" sz="1200" dirty="0">
-                <a:latin typeface="Roboto" panose="02000000000000000000" charset="0"/>
+                <a:latin typeface="+mj-lt"/>
                 <a:ea typeface="Roboto" panose="02000000000000000000" charset="0"/>
               </a:rPr>
               <a:t> </a:t>
             </a:r>
             <a:r>
               <a:rPr lang="en-GB" sz="1200" dirty="0" err="1" smtClean="0">
-                <a:latin typeface="Roboto" panose="02000000000000000000" charset="0"/>
+                <a:latin typeface="+mj-lt"/>
                 <a:ea typeface="Roboto" panose="02000000000000000000" charset="0"/>
               </a:rPr>
               <a:t>chứa</a:t>
             </a:r>
             <a:r>
               <a:rPr lang="en-GB" sz="1200" dirty="0" smtClean="0">
-                <a:latin typeface="Roboto" panose="02000000000000000000" charset="0"/>
+                <a:latin typeface="+mj-lt"/>
                 <a:ea typeface="Roboto" panose="02000000000000000000" charset="0"/>
               </a:rPr>
               <a:t> </a:t>
             </a:r>
             <a:r>
               <a:rPr lang="en-GB" sz="1200" dirty="0" err="1" smtClean="0">
-                <a:latin typeface="Roboto" panose="02000000000000000000" charset="0"/>
+                <a:latin typeface="+mj-lt"/>
                 <a:ea typeface="Roboto" panose="02000000000000000000" charset="0"/>
               </a:rPr>
               <a:t>các</a:t>
             </a:r>
             <a:r>
               <a:rPr lang="en-GB" sz="1200" dirty="0" smtClean="0">
-                <a:latin typeface="Roboto" panose="02000000000000000000" charset="0"/>
+                <a:latin typeface="+mj-lt"/>
                 <a:ea typeface="Roboto" panose="02000000000000000000" charset="0"/>
               </a:rPr>
               <a:t> hook do </a:t>
             </a:r>
             <a:r>
               <a:rPr lang="en-GB" sz="1200" dirty="0" err="1" smtClean="0">
-                <a:latin typeface="Roboto" panose="02000000000000000000" charset="0"/>
+                <a:latin typeface="+mj-lt"/>
                 <a:ea typeface="Roboto" panose="02000000000000000000" charset="0"/>
               </a:rPr>
               <a:t>lập</a:t>
             </a:r>
             <a:r>
               <a:rPr lang="en-GB" sz="1200" dirty="0" smtClean="0">
-                <a:latin typeface="Roboto" panose="02000000000000000000" charset="0"/>
+                <a:latin typeface="+mj-lt"/>
                 <a:ea typeface="Roboto" panose="02000000000000000000" charset="0"/>
               </a:rPr>
               <a:t> </a:t>
             </a:r>
             <a:r>
               <a:rPr lang="en-GB" sz="1200" dirty="0" err="1" smtClean="0">
-                <a:latin typeface="Roboto" panose="02000000000000000000" charset="0"/>
+                <a:latin typeface="+mj-lt"/>
                 <a:ea typeface="Roboto" panose="02000000000000000000" charset="0"/>
               </a:rPr>
               <a:t>trình</a:t>
             </a:r>
             <a:r>
               <a:rPr lang="en-GB" sz="1200" dirty="0" smtClean="0">
-                <a:latin typeface="Roboto" panose="02000000000000000000" charset="0"/>
+                <a:latin typeface="+mj-lt"/>
                 <a:ea typeface="Roboto" panose="02000000000000000000" charset="0"/>
               </a:rPr>
               <a:t> </a:t>
             </a:r>
             <a:r>
               <a:rPr lang="en-GB" sz="1200" dirty="0" err="1" smtClean="0">
-                <a:latin typeface="Roboto" panose="02000000000000000000" charset="0"/>
+                <a:latin typeface="+mj-lt"/>
                 <a:ea typeface="Roboto" panose="02000000000000000000" charset="0"/>
               </a:rPr>
               <a:t>viên</a:t>
             </a:r>
             <a:r>
               <a:rPr lang="en-GB" sz="1200" dirty="0" smtClean="0">
-                <a:latin typeface="Roboto" panose="02000000000000000000" charset="0"/>
+                <a:latin typeface="+mj-lt"/>
                 <a:ea typeface="Roboto" panose="02000000000000000000" charset="0"/>
               </a:rPr>
               <a:t> </a:t>
             </a:r>
             <a:r>
               <a:rPr lang="en-GB" sz="1200" dirty="0" err="1" smtClean="0">
-                <a:latin typeface="Roboto" panose="02000000000000000000" charset="0"/>
+                <a:latin typeface="+mj-lt"/>
                 <a:ea typeface="Roboto" panose="02000000000000000000" charset="0"/>
               </a:rPr>
               <a:t>tự</a:t>
             </a:r>
             <a:r>
               <a:rPr lang="en-GB" sz="1200" dirty="0" smtClean="0">
-                <a:latin typeface="Roboto" panose="02000000000000000000" charset="0"/>
+                <a:latin typeface="+mj-lt"/>
                 <a:ea typeface="Roboto" panose="02000000000000000000" charset="0"/>
               </a:rPr>
               <a:t> </a:t>
             </a:r>
             <a:r>
               <a:rPr lang="en-GB" sz="1200" dirty="0" err="1" smtClean="0">
-                <a:latin typeface="Roboto" panose="02000000000000000000" charset="0"/>
+                <a:latin typeface="+mj-lt"/>
                 <a:ea typeface="Roboto" panose="02000000000000000000" charset="0"/>
               </a:rPr>
               <a:t>thiết</a:t>
             </a:r>
             <a:r>
               <a:rPr lang="en-GB" sz="1200" dirty="0" smtClean="0">
-                <a:latin typeface="Roboto" panose="02000000000000000000" charset="0"/>
+                <a:latin typeface="+mj-lt"/>
                 <a:ea typeface="Roboto" panose="02000000000000000000" charset="0"/>
               </a:rPr>
               <a:t> </a:t>
             </a:r>
             <a:r>
               <a:rPr lang="en-GB" sz="1200" dirty="0" err="1" smtClean="0">
-                <a:latin typeface="Roboto" panose="02000000000000000000" charset="0"/>
+                <a:latin typeface="+mj-lt"/>
                 <a:ea typeface="Roboto" panose="02000000000000000000" charset="0"/>
               </a:rPr>
               <a:t>kế</a:t>
             </a:r>
             <a:r>
               <a:rPr lang="vi-VN" sz="1200" dirty="0" smtClean="0">
-                <a:latin typeface="Roboto" panose="02000000000000000000" charset="0"/>
+                <a:latin typeface="+mj-lt"/>
                 <a:ea typeface="Roboto" panose="02000000000000000000" charset="0"/>
               </a:rPr>
               <a:t>.</a:t>
             </a:r>
             <a:endParaRPr lang="vi-VN" sz="1200" dirty="0">
-              <a:latin typeface="Roboto" panose="02000000000000000000" charset="0"/>
+              <a:latin typeface="+mj-lt"/>
               <a:ea typeface="Roboto" panose="02000000000000000000" charset="0"/>
             </a:endParaRPr>
           </a:p>
@@ -14635,153 +14915,153 @@
             </a:pPr>
             <a:r>
               <a:rPr lang="en-GB" sz="1600" b="1" dirty="0" smtClean="0">
-                <a:latin typeface="Roboto" panose="02000000000000000000" charset="0"/>
+                <a:latin typeface="+mj-lt"/>
                 <a:ea typeface="Roboto" panose="02000000000000000000" charset="0"/>
               </a:rPr>
               <a:t>Folder </a:t>
             </a:r>
             <a:r>
               <a:rPr lang="en-GB" sz="1600" b="1" dirty="0" err="1" smtClean="0">
-                <a:latin typeface="Roboto" panose="02000000000000000000" charset="0"/>
+                <a:latin typeface="+mj-lt"/>
                 <a:ea typeface="Roboto" panose="02000000000000000000" charset="0"/>
               </a:rPr>
               <a:t>config</a:t>
             </a:r>
             <a:r>
               <a:rPr lang="vi-VN" sz="1600" b="1" dirty="0" smtClean="0">
-                <a:latin typeface="Roboto" panose="02000000000000000000" charset="0"/>
+                <a:latin typeface="+mj-lt"/>
                 <a:ea typeface="Roboto" panose="02000000000000000000" charset="0"/>
               </a:rPr>
               <a:t>: </a:t>
             </a:r>
             <a:r>
               <a:rPr lang="vi-VN" sz="1200" dirty="0">
-                <a:latin typeface="Roboto" panose="02000000000000000000" charset="0"/>
+                <a:latin typeface="+mj-lt"/>
                 <a:ea typeface="Roboto" panose="02000000000000000000" charset="0"/>
               </a:rPr>
               <a:t>Thư mục </a:t>
             </a:r>
             <a:r>
               <a:rPr lang="vi-VN" sz="1200" dirty="0" smtClean="0">
-                <a:latin typeface="Roboto" panose="02000000000000000000" charset="0"/>
+                <a:latin typeface="+mj-lt"/>
                 <a:ea typeface="Roboto" panose="02000000000000000000" charset="0"/>
               </a:rPr>
               <a:t>này</a:t>
             </a:r>
             <a:r>
               <a:rPr lang="en-GB" sz="1200" dirty="0">
-                <a:latin typeface="Roboto" panose="02000000000000000000" charset="0"/>
+                <a:latin typeface="+mj-lt"/>
                 <a:ea typeface="Roboto" panose="02000000000000000000" charset="0"/>
               </a:rPr>
               <a:t> </a:t>
             </a:r>
             <a:r>
               <a:rPr lang="en-GB" sz="1200" dirty="0" err="1" smtClean="0">
-                <a:latin typeface="Roboto" panose="02000000000000000000" charset="0"/>
+                <a:latin typeface="+mj-lt"/>
                 <a:ea typeface="Roboto" panose="02000000000000000000" charset="0"/>
               </a:rPr>
               <a:t>chứa</a:t>
             </a:r>
             <a:r>
               <a:rPr lang="en-GB" sz="1200" dirty="0" smtClean="0">
-                <a:latin typeface="Roboto" panose="02000000000000000000" charset="0"/>
+                <a:latin typeface="+mj-lt"/>
                 <a:ea typeface="Roboto" panose="02000000000000000000" charset="0"/>
               </a:rPr>
               <a:t> </a:t>
             </a:r>
             <a:r>
               <a:rPr lang="en-GB" sz="1200" dirty="0" err="1" smtClean="0">
-                <a:latin typeface="Roboto" panose="02000000000000000000" charset="0"/>
+                <a:latin typeface="+mj-lt"/>
                 <a:ea typeface="Roboto" panose="02000000000000000000" charset="0"/>
               </a:rPr>
               <a:t>dữ</a:t>
             </a:r>
             <a:r>
               <a:rPr lang="en-GB" sz="1200" dirty="0" smtClean="0">
-                <a:latin typeface="Roboto" panose="02000000000000000000" charset="0"/>
+                <a:latin typeface="+mj-lt"/>
                 <a:ea typeface="Roboto" panose="02000000000000000000" charset="0"/>
               </a:rPr>
               <a:t> </a:t>
             </a:r>
             <a:r>
               <a:rPr lang="en-GB" sz="1200" dirty="0" err="1" smtClean="0">
-                <a:latin typeface="Roboto" panose="02000000000000000000" charset="0"/>
+                <a:latin typeface="+mj-lt"/>
                 <a:ea typeface="Roboto" panose="02000000000000000000" charset="0"/>
               </a:rPr>
               <a:t>liệu</a:t>
             </a:r>
             <a:r>
               <a:rPr lang="en-GB" sz="1200" dirty="0" smtClean="0">
-                <a:latin typeface="Roboto" panose="02000000000000000000" charset="0"/>
+                <a:latin typeface="+mj-lt"/>
                 <a:ea typeface="Roboto" panose="02000000000000000000" charset="0"/>
               </a:rPr>
               <a:t> </a:t>
             </a:r>
             <a:r>
               <a:rPr lang="en-GB" sz="1200" dirty="0" err="1" smtClean="0">
-                <a:latin typeface="Roboto" panose="02000000000000000000" charset="0"/>
+                <a:latin typeface="+mj-lt"/>
                 <a:ea typeface="Roboto" panose="02000000000000000000" charset="0"/>
               </a:rPr>
               <a:t>định</a:t>
             </a:r>
             <a:r>
               <a:rPr lang="en-GB" sz="1200" dirty="0" smtClean="0">
-                <a:latin typeface="Roboto" panose="02000000000000000000" charset="0"/>
+                <a:latin typeface="+mj-lt"/>
                 <a:ea typeface="Roboto" panose="02000000000000000000" charset="0"/>
               </a:rPr>
               <a:t> </a:t>
             </a:r>
             <a:r>
               <a:rPr lang="en-GB" sz="1200" dirty="0" err="1" smtClean="0">
-                <a:latin typeface="Roboto" panose="02000000000000000000" charset="0"/>
+                <a:latin typeface="+mj-lt"/>
                 <a:ea typeface="Roboto" panose="02000000000000000000" charset="0"/>
               </a:rPr>
               <a:t>tuyến</a:t>
             </a:r>
             <a:r>
               <a:rPr lang="en-GB" sz="1200" dirty="0" smtClean="0">
-                <a:latin typeface="Roboto" panose="02000000000000000000" charset="0"/>
+                <a:latin typeface="+mj-lt"/>
                 <a:ea typeface="Roboto" panose="02000000000000000000" charset="0"/>
               </a:rPr>
               <a:t> routes </a:t>
             </a:r>
             <a:r>
               <a:rPr lang="en-GB" sz="1200" dirty="0" err="1" smtClean="0">
-                <a:latin typeface="Roboto" panose="02000000000000000000" charset="0"/>
+                <a:latin typeface="+mj-lt"/>
                 <a:ea typeface="Roboto" panose="02000000000000000000" charset="0"/>
               </a:rPr>
               <a:t>cho</a:t>
             </a:r>
             <a:r>
               <a:rPr lang="en-GB" sz="1200" dirty="0" smtClean="0">
-                <a:latin typeface="Roboto" panose="02000000000000000000" charset="0"/>
+                <a:latin typeface="+mj-lt"/>
                 <a:ea typeface="Roboto" panose="02000000000000000000" charset="0"/>
               </a:rPr>
               <a:t> </a:t>
             </a:r>
             <a:r>
               <a:rPr lang="en-GB" sz="1200" dirty="0" err="1" smtClean="0">
-                <a:latin typeface="Roboto" panose="02000000000000000000" charset="0"/>
+                <a:latin typeface="+mj-lt"/>
                 <a:ea typeface="Roboto" panose="02000000000000000000" charset="0"/>
               </a:rPr>
               <a:t>trang</a:t>
             </a:r>
             <a:r>
               <a:rPr lang="en-GB" sz="1200" dirty="0" smtClean="0">
-                <a:latin typeface="Roboto" panose="02000000000000000000" charset="0"/>
+                <a:latin typeface="+mj-lt"/>
                 <a:ea typeface="Roboto" panose="02000000000000000000" charset="0"/>
               </a:rPr>
               <a:t> web</a:t>
             </a:r>
             <a:r>
               <a:rPr lang="vi-VN" sz="1200" dirty="0" smtClean="0">
-                <a:latin typeface="Roboto" panose="02000000000000000000" charset="0"/>
+                <a:latin typeface="+mj-lt"/>
                 <a:ea typeface="Roboto" panose="02000000000000000000" charset="0"/>
               </a:rPr>
               <a:t>.</a:t>
             </a:r>
             <a:endParaRPr lang="vi-VN" sz="1200" dirty="0">
-              <a:latin typeface="Roboto" panose="02000000000000000000" charset="0"/>
+              <a:latin typeface="+mj-lt"/>
               <a:ea typeface="Roboto" panose="02000000000000000000" charset="0"/>
             </a:endParaRPr>
           </a:p>
@@ -14899,7 +15179,9 @@
           <a:lstStyle/>
           <a:p>
             <a:pPr algn="ctr"/>
-            <a:endParaRPr lang="en-US"/>
+            <a:endParaRPr lang="en-US">
+              <a:latin typeface="+mj-lt"/>
+            </a:endParaRPr>
           </a:p>
         </p:txBody>
       </p:sp>
@@ -14937,7 +15219,9 @@
           <a:lstStyle/>
           <a:p>
             <a:pPr algn="ctr"/>
-            <a:endParaRPr lang="en-US"/>
+            <a:endParaRPr lang="en-US">
+              <a:latin typeface="+mj-lt"/>
+            </a:endParaRPr>
           </a:p>
         </p:txBody>
       </p:sp>
@@ -14950,7 +15234,7 @@
           <p:nvPr/>
         </p:nvPicPr>
         <p:blipFill>
-          <a:blip r:embed="rId2"/>
+          <a:blip r:embed="rId4"/>
           <a:stretch>
             <a:fillRect/>
           </a:stretch>
@@ -14974,7 +15258,7 @@
           <p:nvPr/>
         </p:nvPicPr>
         <p:blipFill>
-          <a:blip r:embed="rId3"/>
+          <a:blip r:embed="rId5"/>
           <a:stretch>
             <a:fillRect/>
           </a:stretch>
@@ -15030,7 +15314,7 @@
           <p:nvPr/>
         </p:nvPicPr>
         <p:blipFill>
-          <a:blip r:embed="rId1"/>
+          <a:blip r:embed="rId3"/>
           <a:stretch>
             <a:fillRect/>
           </a:stretch>
@@ -15072,10 +15356,14 @@
           <a:p>
             <a:pPr lvl="0" algn="l"/>
             <a:r>
-              <a:rPr lang="vi-VN" sz="2000" dirty="0"/>
+              <a:rPr lang="vi-VN" sz="2000" dirty="0">
+                <a:latin typeface="+mj-lt"/>
+              </a:rPr>
               <a:t>Phân loại thư mục src</a:t>
             </a:r>
-            <a:endParaRPr lang="en-GB" sz="2000" dirty="0"/>
+            <a:endParaRPr lang="en-GB" sz="2000" dirty="0">
+              <a:latin typeface="+mj-lt"/>
+            </a:endParaRPr>
           </a:p>
         </p:txBody>
       </p:sp>
@@ -15343,6 +15631,9 @@
                 </a:spcAft>
                 <a:buNone/>
               </a:pPr>
+              <a:endParaRPr>
+                <a:latin typeface="+mj-lt"/>
+              </a:endParaRPr>
             </a:p>
           </p:txBody>
         </p:sp>
@@ -15604,6 +15895,9 @@
                 </a:spcAft>
                 <a:buNone/>
               </a:pPr>
+              <a:endParaRPr>
+                <a:latin typeface="+mj-lt"/>
+              </a:endParaRPr>
             </a:p>
           </p:txBody>
         </p:sp>
@@ -15881,13 +16175,13 @@
           <a:p>
             <a:r>
               <a:rPr lang="en-US" altLang="en-GB" sz="2000" dirty="0" smtClean="0">
-                <a:latin typeface="Roboto" panose="02000000000000000000" charset="0"/>
+                <a:latin typeface="+mj-lt"/>
                 <a:ea typeface="Roboto" panose="02000000000000000000" charset="0"/>
               </a:rPr>
               <a:t>3. Project</a:t>
             </a:r>
             <a:endParaRPr lang="en-US" sz="2000" dirty="0">
-              <a:latin typeface="Roboto" panose="02000000000000000000" charset="0"/>
+              <a:latin typeface="+mj-lt"/>
               <a:ea typeface="Roboto" panose="02000000000000000000" charset="0"/>
             </a:endParaRPr>
           </a:p>
@@ -15925,27 +16219,27 @@
             </a:pPr>
             <a:r>
               <a:rPr lang="en-GB" sz="1600" b="1" dirty="0" smtClean="0">
-                <a:latin typeface="Roboto" panose="02000000000000000000" charset="0"/>
+                <a:latin typeface="+mj-lt"/>
                 <a:ea typeface="Roboto" panose="02000000000000000000" charset="0"/>
               </a:rPr>
               <a:t>Forder pages</a:t>
             </a:r>
             <a:r>
               <a:rPr lang="vi-VN" sz="1600" b="1" dirty="0" smtClean="0">
-                <a:latin typeface="Roboto" panose="02000000000000000000" charset="0"/>
+                <a:latin typeface="+mj-lt"/>
                 <a:ea typeface="Roboto" panose="02000000000000000000" charset="0"/>
               </a:rPr>
               <a:t>: </a:t>
             </a:r>
             <a:r>
               <a:rPr lang="vi-VN" sz="1200" dirty="0">
-                <a:latin typeface="Roboto" panose="02000000000000000000" charset="0"/>
+                <a:latin typeface="+mj-lt"/>
                 <a:ea typeface="Roboto" panose="02000000000000000000" charset="0"/>
               </a:rPr>
               <a:t>Thư mục này chứa các trang hoặc giao diện của ứng dụng của bạn</a:t>
             </a:r>
             <a:endParaRPr lang="vi-VN" sz="1100" dirty="0">
-              <a:latin typeface="Roboto" panose="02000000000000000000" charset="0"/>
+              <a:latin typeface="+mj-lt"/>
               <a:ea typeface="Roboto" panose="02000000000000000000" charset="0"/>
             </a:endParaRPr>
           </a:p>
@@ -15983,146 +16277,146 @@
             </a:pPr>
             <a:r>
               <a:rPr lang="en-GB" sz="1600" b="1" dirty="0" smtClean="0">
-                <a:latin typeface="Roboto" panose="02000000000000000000" charset="0"/>
+                <a:latin typeface="+mj-lt"/>
                 <a:ea typeface="Roboto" panose="02000000000000000000" charset="0"/>
               </a:rPr>
               <a:t>Folder layouts</a:t>
             </a:r>
             <a:r>
               <a:rPr lang="vi-VN" sz="1600" b="1" dirty="0" smtClean="0">
-                <a:latin typeface="Roboto" panose="02000000000000000000" charset="0"/>
+                <a:latin typeface="+mj-lt"/>
                 <a:ea typeface="Roboto" panose="02000000000000000000" charset="0"/>
               </a:rPr>
               <a:t>: </a:t>
             </a:r>
             <a:r>
               <a:rPr lang="vi-VN" sz="1200" dirty="0">
-                <a:latin typeface="Roboto" panose="02000000000000000000" charset="0"/>
+                <a:latin typeface="+mj-lt"/>
                 <a:ea typeface="Roboto" panose="02000000000000000000" charset="0"/>
               </a:rPr>
               <a:t>Thư mục </a:t>
             </a:r>
             <a:r>
               <a:rPr lang="vi-VN" sz="1200" dirty="0" smtClean="0">
-                <a:latin typeface="Roboto" panose="02000000000000000000" charset="0"/>
+                <a:latin typeface="+mj-lt"/>
                 <a:ea typeface="Roboto" panose="02000000000000000000" charset="0"/>
               </a:rPr>
               <a:t>này</a:t>
             </a:r>
             <a:r>
               <a:rPr lang="en-GB" sz="1200" dirty="0">
-                <a:latin typeface="Roboto" panose="02000000000000000000" charset="0"/>
+                <a:latin typeface="+mj-lt"/>
                 <a:ea typeface="Roboto" panose="02000000000000000000" charset="0"/>
               </a:rPr>
               <a:t> </a:t>
             </a:r>
             <a:r>
               <a:rPr lang="en-GB" sz="1200" dirty="0" err="1" smtClean="0">
-                <a:latin typeface="Roboto" panose="02000000000000000000" charset="0"/>
+                <a:latin typeface="+mj-lt"/>
                 <a:ea typeface="Roboto" panose="02000000000000000000" charset="0"/>
               </a:rPr>
               <a:t>chứa</a:t>
             </a:r>
             <a:r>
               <a:rPr lang="en-GB" sz="1200" dirty="0" smtClean="0">
-                <a:latin typeface="Roboto" panose="02000000000000000000" charset="0"/>
+                <a:latin typeface="+mj-lt"/>
                 <a:ea typeface="Roboto" panose="02000000000000000000" charset="0"/>
               </a:rPr>
               <a:t> </a:t>
             </a:r>
             <a:r>
               <a:rPr lang="en-GB" sz="1200" dirty="0" err="1" smtClean="0">
-                <a:latin typeface="Roboto" panose="02000000000000000000" charset="0"/>
+                <a:latin typeface="+mj-lt"/>
                 <a:ea typeface="Roboto" panose="02000000000000000000" charset="0"/>
               </a:rPr>
               <a:t>các</a:t>
             </a:r>
             <a:r>
               <a:rPr lang="en-GB" sz="1200" dirty="0" smtClean="0">
-                <a:latin typeface="Roboto" panose="02000000000000000000" charset="0"/>
+                <a:latin typeface="+mj-lt"/>
                 <a:ea typeface="Roboto" panose="02000000000000000000" charset="0"/>
               </a:rPr>
               <a:t> </a:t>
             </a:r>
             <a:r>
               <a:rPr lang="en-GB" sz="1200" dirty="0" err="1" smtClean="0">
-                <a:latin typeface="Roboto" panose="02000000000000000000" charset="0"/>
+                <a:latin typeface="+mj-lt"/>
                 <a:ea typeface="Roboto" panose="02000000000000000000" charset="0"/>
               </a:rPr>
               <a:t>thành</a:t>
             </a:r>
             <a:r>
               <a:rPr lang="en-GB" sz="1200" dirty="0" smtClean="0">
-                <a:latin typeface="Roboto" panose="02000000000000000000" charset="0"/>
+                <a:latin typeface="+mj-lt"/>
                 <a:ea typeface="Roboto" panose="02000000000000000000" charset="0"/>
               </a:rPr>
               <a:t> </a:t>
             </a:r>
             <a:r>
               <a:rPr lang="en-GB" sz="1200" dirty="0" err="1" smtClean="0">
-                <a:latin typeface="Roboto" panose="02000000000000000000" charset="0"/>
+                <a:latin typeface="+mj-lt"/>
                 <a:ea typeface="Roboto" panose="02000000000000000000" charset="0"/>
               </a:rPr>
               <a:t>phần</a:t>
             </a:r>
             <a:r>
               <a:rPr lang="en-GB" sz="1200" dirty="0" smtClean="0">
-                <a:latin typeface="Roboto" panose="02000000000000000000" charset="0"/>
+                <a:latin typeface="+mj-lt"/>
                 <a:ea typeface="Roboto" panose="02000000000000000000" charset="0"/>
               </a:rPr>
               <a:t> </a:t>
             </a:r>
             <a:r>
               <a:rPr lang="en-GB" sz="1200" dirty="0" err="1" smtClean="0">
-                <a:latin typeface="Roboto" panose="02000000000000000000" charset="0"/>
+                <a:latin typeface="+mj-lt"/>
                 <a:ea typeface="Roboto" panose="02000000000000000000" charset="0"/>
               </a:rPr>
               <a:t>chung</a:t>
             </a:r>
             <a:r>
               <a:rPr lang="en-GB" sz="1200" dirty="0" smtClean="0">
-                <a:latin typeface="Roboto" panose="02000000000000000000" charset="0"/>
+                <a:latin typeface="+mj-lt"/>
                 <a:ea typeface="Roboto" panose="02000000000000000000" charset="0"/>
               </a:rPr>
               <a:t> </a:t>
             </a:r>
             <a:r>
               <a:rPr lang="en-GB" sz="1200" dirty="0" err="1" smtClean="0">
-                <a:latin typeface="Roboto" panose="02000000000000000000" charset="0"/>
+                <a:latin typeface="+mj-lt"/>
                 <a:ea typeface="Roboto" panose="02000000000000000000" charset="0"/>
               </a:rPr>
               <a:t>trong</a:t>
             </a:r>
             <a:r>
               <a:rPr lang="en-GB" sz="1200" dirty="0" smtClean="0">
-                <a:latin typeface="Roboto" panose="02000000000000000000" charset="0"/>
+                <a:latin typeface="+mj-lt"/>
                 <a:ea typeface="Roboto" panose="02000000000000000000" charset="0"/>
               </a:rPr>
               <a:t> </a:t>
             </a:r>
             <a:r>
               <a:rPr lang="en-GB" sz="1200" dirty="0" err="1" smtClean="0">
-                <a:latin typeface="Roboto" panose="02000000000000000000" charset="0"/>
+                <a:latin typeface="+mj-lt"/>
                 <a:ea typeface="Roboto" panose="02000000000000000000" charset="0"/>
               </a:rPr>
               <a:t>trang</a:t>
             </a:r>
             <a:r>
               <a:rPr lang="en-GB" sz="1200" dirty="0" smtClean="0">
-                <a:latin typeface="Roboto" panose="02000000000000000000" charset="0"/>
+                <a:latin typeface="+mj-lt"/>
                 <a:ea typeface="Roboto" panose="02000000000000000000" charset="0"/>
               </a:rPr>
               <a:t> web</a:t>
             </a:r>
             <a:r>
               <a:rPr lang="vi-VN" sz="1200" dirty="0" smtClean="0">
-                <a:latin typeface="Roboto" panose="02000000000000000000" charset="0"/>
+                <a:latin typeface="+mj-lt"/>
                 <a:ea typeface="Roboto" panose="02000000000000000000" charset="0"/>
               </a:rPr>
               <a:t>.</a:t>
             </a:r>
             <a:endParaRPr lang="vi-VN" sz="1200" dirty="0">
-              <a:latin typeface="Roboto" panose="02000000000000000000" charset="0"/>
+              <a:latin typeface="+mj-lt"/>
               <a:ea typeface="Roboto" panose="02000000000000000000" charset="0"/>
             </a:endParaRPr>
           </a:p>
@@ -16240,7 +16534,9 @@
           <a:lstStyle/>
           <a:p>
             <a:pPr algn="ctr"/>
-            <a:endParaRPr lang="en-US"/>
+            <a:endParaRPr lang="en-US">
+              <a:latin typeface="+mj-lt"/>
+            </a:endParaRPr>
           </a:p>
         </p:txBody>
       </p:sp>
@@ -16278,7 +16574,9 @@
           <a:lstStyle/>
           <a:p>
             <a:pPr algn="ctr"/>
-            <a:endParaRPr lang="en-US"/>
+            <a:endParaRPr lang="en-US">
+              <a:latin typeface="+mj-lt"/>
+            </a:endParaRPr>
           </a:p>
         </p:txBody>
       </p:sp>
@@ -16291,7 +16589,7 @@
           <p:nvPr/>
         </p:nvPicPr>
         <p:blipFill>
-          <a:blip r:embed="rId2"/>
+          <a:blip r:embed="rId4"/>
           <a:stretch>
             <a:fillRect/>
           </a:stretch>
@@ -16315,7 +16613,7 @@
           <p:nvPr/>
         </p:nvPicPr>
         <p:blipFill>
-          <a:blip r:embed="rId3"/>
+          <a:blip r:embed="rId5"/>
           <a:stretch>
             <a:fillRect/>
           </a:stretch>
@@ -16371,7 +16669,7 @@
           <p:nvPr/>
         </p:nvPicPr>
         <p:blipFill>
-          <a:blip r:embed="rId1"/>
+          <a:blip r:embed="rId3"/>
           <a:stretch>
             <a:fillRect/>
           </a:stretch>
@@ -16413,10 +16711,14 @@
           <a:p>
             <a:pPr lvl="0" algn="l"/>
             <a:r>
-              <a:rPr lang="vi-VN" sz="2000" dirty="0"/>
+              <a:rPr lang="vi-VN" sz="2000" dirty="0">
+                <a:latin typeface="+mj-lt"/>
+              </a:rPr>
               <a:t>Phân loại thư mục src</a:t>
             </a:r>
-            <a:endParaRPr lang="en-GB" sz="2000" dirty="0"/>
+            <a:endParaRPr lang="en-GB" sz="2000" dirty="0">
+              <a:latin typeface="+mj-lt"/>
+            </a:endParaRPr>
           </a:p>
         </p:txBody>
       </p:sp>
@@ -16684,6 +16986,9 @@
                 </a:spcAft>
                 <a:buNone/>
               </a:pPr>
+              <a:endParaRPr>
+                <a:latin typeface="+mj-lt"/>
+              </a:endParaRPr>
             </a:p>
           </p:txBody>
         </p:sp>
@@ -16945,6 +17250,9 @@
                 </a:spcAft>
                 <a:buNone/>
               </a:pPr>
+              <a:endParaRPr>
+                <a:latin typeface="+mj-lt"/>
+              </a:endParaRPr>
             </a:p>
           </p:txBody>
         </p:sp>
@@ -17222,13 +17530,13 @@
           <a:p>
             <a:r>
               <a:rPr lang="en-US" altLang="en-GB" sz="2000" dirty="0" smtClean="0">
-                <a:latin typeface="Roboto" panose="02000000000000000000" charset="0"/>
+                <a:latin typeface="+mj-lt"/>
                 <a:ea typeface="Roboto" panose="02000000000000000000" charset="0"/>
               </a:rPr>
               <a:t>3. Project</a:t>
             </a:r>
             <a:endParaRPr lang="en-US" sz="2000" dirty="0">
-              <a:latin typeface="Roboto" panose="02000000000000000000" charset="0"/>
+              <a:latin typeface="+mj-lt"/>
               <a:ea typeface="Roboto" panose="02000000000000000000" charset="0"/>
             </a:endParaRPr>
           </a:p>
@@ -17266,27 +17574,27 @@
             </a:pPr>
             <a:r>
               <a:rPr lang="en-GB" sz="1600" b="1" dirty="0" smtClean="0">
-                <a:latin typeface="Roboto" panose="02000000000000000000" charset="0"/>
+                <a:latin typeface="+mj-lt"/>
                 <a:ea typeface="Roboto" panose="02000000000000000000" charset="0"/>
               </a:rPr>
               <a:t>Forder </a:t>
             </a:r>
             <a:r>
               <a:rPr lang="vi-VN" sz="1600" b="1" dirty="0">
-                <a:latin typeface="Roboto" panose="02000000000000000000" charset="0"/>
+                <a:latin typeface="+mj-lt"/>
                 <a:ea typeface="Roboto" panose="02000000000000000000" charset="0"/>
               </a:rPr>
               <a:t>services: </a:t>
             </a:r>
             <a:r>
               <a:rPr lang="vi-VN" sz="1200" dirty="0">
-                <a:latin typeface="Roboto" panose="02000000000000000000" charset="0"/>
+                <a:latin typeface="+mj-lt"/>
                 <a:ea typeface="Roboto" panose="02000000000000000000" charset="0"/>
               </a:rPr>
               <a:t>Thư mục này chứa các module hoặc lớp xử lý việc gọi API hoặc xử lý dữ liệu.</a:t>
             </a:r>
             <a:endParaRPr lang="vi-VN" sz="1000" dirty="0">
-              <a:latin typeface="Roboto" panose="02000000000000000000" charset="0"/>
+              <a:latin typeface="+mj-lt"/>
               <a:ea typeface="Roboto" panose="02000000000000000000" charset="0"/>
             </a:endParaRPr>
           </a:p>
@@ -17324,153 +17632,153 @@
             </a:pPr>
             <a:r>
               <a:rPr lang="en-GB" sz="1600" b="1" dirty="0" smtClean="0">
-                <a:latin typeface="Roboto" panose="02000000000000000000" charset="0"/>
+                <a:latin typeface="+mj-lt"/>
                 <a:ea typeface="Roboto" panose="02000000000000000000" charset="0"/>
               </a:rPr>
               <a:t>Folder routes</a:t>
             </a:r>
             <a:r>
               <a:rPr lang="vi-VN" sz="1600" b="1" dirty="0" smtClean="0">
-                <a:latin typeface="Roboto" panose="02000000000000000000" charset="0"/>
+                <a:latin typeface="+mj-lt"/>
                 <a:ea typeface="Roboto" panose="02000000000000000000" charset="0"/>
               </a:rPr>
               <a:t>: </a:t>
             </a:r>
             <a:r>
               <a:rPr lang="vi-VN" sz="1200" dirty="0">
-                <a:latin typeface="Roboto" panose="02000000000000000000" charset="0"/>
+                <a:latin typeface="+mj-lt"/>
                 <a:ea typeface="Roboto" panose="02000000000000000000" charset="0"/>
               </a:rPr>
               <a:t>Thư mục này</a:t>
             </a:r>
             <a:r>
               <a:rPr lang="en-GB" sz="1200" dirty="0">
-                <a:latin typeface="Roboto" panose="02000000000000000000" charset="0"/>
+                <a:latin typeface="+mj-lt"/>
                 <a:ea typeface="Roboto" panose="02000000000000000000" charset="0"/>
               </a:rPr>
               <a:t> </a:t>
             </a:r>
             <a:r>
               <a:rPr lang="en-GB" sz="1200" dirty="0" err="1">
-                <a:latin typeface="Roboto" panose="02000000000000000000" charset="0"/>
+                <a:latin typeface="+mj-lt"/>
                 <a:ea typeface="Roboto" panose="02000000000000000000" charset="0"/>
               </a:rPr>
               <a:t>chứa</a:t>
             </a:r>
             <a:r>
               <a:rPr lang="en-GB" sz="1200" dirty="0">
-                <a:latin typeface="Roboto" panose="02000000000000000000" charset="0"/>
+                <a:latin typeface="+mj-lt"/>
                 <a:ea typeface="Roboto" panose="02000000000000000000" charset="0"/>
               </a:rPr>
               <a:t> </a:t>
             </a:r>
             <a:r>
               <a:rPr lang="en-GB" sz="1200" dirty="0" err="1" smtClean="0">
-                <a:latin typeface="Roboto" panose="02000000000000000000" charset="0"/>
+                <a:latin typeface="+mj-lt"/>
                 <a:ea typeface="Roboto" panose="02000000000000000000" charset="0"/>
               </a:rPr>
               <a:t>cấu</a:t>
             </a:r>
             <a:r>
               <a:rPr lang="en-GB" sz="1200" dirty="0" smtClean="0">
-                <a:latin typeface="Roboto" panose="02000000000000000000" charset="0"/>
+                <a:latin typeface="+mj-lt"/>
                 <a:ea typeface="Roboto" panose="02000000000000000000" charset="0"/>
               </a:rPr>
               <a:t> </a:t>
             </a:r>
             <a:r>
               <a:rPr lang="en-GB" sz="1200" dirty="0" err="1" smtClean="0">
-                <a:latin typeface="Roboto" panose="02000000000000000000" charset="0"/>
+                <a:latin typeface="+mj-lt"/>
                 <a:ea typeface="Roboto" panose="02000000000000000000" charset="0"/>
               </a:rPr>
               <a:t>hình</a:t>
             </a:r>
             <a:r>
               <a:rPr lang="en-GB" sz="1200" dirty="0" smtClean="0">
-                <a:latin typeface="Roboto" panose="02000000000000000000" charset="0"/>
+                <a:latin typeface="+mj-lt"/>
                 <a:ea typeface="Roboto" panose="02000000000000000000" charset="0"/>
               </a:rPr>
               <a:t> </a:t>
             </a:r>
             <a:r>
               <a:rPr lang="en-GB" sz="1200" dirty="0" err="1" smtClean="0">
-                <a:latin typeface="Roboto" panose="02000000000000000000" charset="0"/>
+                <a:latin typeface="+mj-lt"/>
                 <a:ea typeface="Roboto" panose="02000000000000000000" charset="0"/>
               </a:rPr>
               <a:t>bộ</a:t>
             </a:r>
             <a:r>
               <a:rPr lang="en-GB" sz="1200" dirty="0" smtClean="0">
-                <a:latin typeface="Roboto" panose="02000000000000000000" charset="0"/>
+                <a:latin typeface="+mj-lt"/>
                 <a:ea typeface="Roboto" panose="02000000000000000000" charset="0"/>
               </a:rPr>
               <a:t> </a:t>
             </a:r>
             <a:r>
               <a:rPr lang="en-GB" sz="1200" dirty="0" err="1">
-                <a:latin typeface="Roboto" panose="02000000000000000000" charset="0"/>
+                <a:latin typeface="+mj-lt"/>
                 <a:ea typeface="Roboto" panose="02000000000000000000" charset="0"/>
               </a:rPr>
               <a:t>định</a:t>
             </a:r>
             <a:r>
               <a:rPr lang="en-GB" sz="1200" dirty="0">
-                <a:latin typeface="Roboto" panose="02000000000000000000" charset="0"/>
+                <a:latin typeface="+mj-lt"/>
                 <a:ea typeface="Roboto" panose="02000000000000000000" charset="0"/>
               </a:rPr>
               <a:t> </a:t>
             </a:r>
             <a:r>
               <a:rPr lang="en-GB" sz="1200" dirty="0" err="1">
-                <a:latin typeface="Roboto" panose="02000000000000000000" charset="0"/>
+                <a:latin typeface="+mj-lt"/>
                 <a:ea typeface="Roboto" panose="02000000000000000000" charset="0"/>
               </a:rPr>
               <a:t>tuyến</a:t>
             </a:r>
             <a:r>
               <a:rPr lang="en-GB" sz="1200" dirty="0">
-                <a:latin typeface="Roboto" panose="02000000000000000000" charset="0"/>
+                <a:latin typeface="+mj-lt"/>
                 <a:ea typeface="Roboto" panose="02000000000000000000" charset="0"/>
               </a:rPr>
               <a:t> routes </a:t>
             </a:r>
             <a:r>
               <a:rPr lang="en-GB" sz="1200" dirty="0" err="1">
-                <a:latin typeface="Roboto" panose="02000000000000000000" charset="0"/>
+                <a:latin typeface="+mj-lt"/>
                 <a:ea typeface="Roboto" panose="02000000000000000000" charset="0"/>
               </a:rPr>
               <a:t>cho</a:t>
             </a:r>
             <a:r>
               <a:rPr lang="en-GB" sz="1200" dirty="0">
-                <a:latin typeface="Roboto" panose="02000000000000000000" charset="0"/>
+                <a:latin typeface="+mj-lt"/>
                 <a:ea typeface="Roboto" panose="02000000000000000000" charset="0"/>
               </a:rPr>
               <a:t> </a:t>
             </a:r>
             <a:r>
               <a:rPr lang="en-GB" sz="1200" dirty="0" err="1">
-                <a:latin typeface="Roboto" panose="02000000000000000000" charset="0"/>
+                <a:latin typeface="+mj-lt"/>
                 <a:ea typeface="Roboto" panose="02000000000000000000" charset="0"/>
               </a:rPr>
               <a:t>trang</a:t>
             </a:r>
             <a:r>
               <a:rPr lang="en-GB" sz="1200" dirty="0">
-                <a:latin typeface="Roboto" panose="02000000000000000000" charset="0"/>
+                <a:latin typeface="+mj-lt"/>
                 <a:ea typeface="Roboto" panose="02000000000000000000" charset="0"/>
               </a:rPr>
               <a:t> web</a:t>
             </a:r>
             <a:r>
               <a:rPr lang="vi-VN" sz="1200" dirty="0" smtClean="0">
-                <a:latin typeface="Roboto" panose="02000000000000000000" charset="0"/>
+                <a:latin typeface="+mj-lt"/>
                 <a:ea typeface="Roboto" panose="02000000000000000000" charset="0"/>
               </a:rPr>
               <a:t>.</a:t>
             </a:r>
             <a:endParaRPr lang="vi-VN" sz="1200" dirty="0">
-              <a:latin typeface="Roboto" panose="02000000000000000000" charset="0"/>
+              <a:latin typeface="+mj-lt"/>
               <a:ea typeface="Roboto" panose="02000000000000000000" charset="0"/>
             </a:endParaRPr>
           </a:p>
@@ -17590,7 +17898,9 @@
           <a:lstStyle/>
           <a:p>
             <a:pPr algn="ctr"/>
-            <a:endParaRPr lang="en-US"/>
+            <a:endParaRPr lang="en-US">
+              <a:latin typeface="+mj-lt"/>
+            </a:endParaRPr>
           </a:p>
         </p:txBody>
       </p:sp>
@@ -17628,7 +17938,9 @@
           <a:lstStyle/>
           <a:p>
             <a:pPr algn="ctr"/>
-            <a:endParaRPr lang="en-US"/>
+            <a:endParaRPr lang="en-US">
+              <a:latin typeface="+mj-lt"/>
+            </a:endParaRPr>
           </a:p>
         </p:txBody>
       </p:sp>
@@ -17641,7 +17953,7 @@
           <p:nvPr/>
         </p:nvPicPr>
         <p:blipFill>
-          <a:blip r:embed="rId2"/>
+          <a:blip r:embed="rId4"/>
           <a:stretch>
             <a:fillRect/>
           </a:stretch>
@@ -17665,7 +17977,7 @@
           <p:nvPr/>
         </p:nvPicPr>
         <p:blipFill>
-          <a:blip r:embed="rId3"/>
+          <a:blip r:embed="rId5"/>
           <a:stretch>
             <a:fillRect/>
           </a:stretch>
@@ -17721,7 +18033,7 @@
           <p:nvPr/>
         </p:nvPicPr>
         <p:blipFill>
-          <a:blip r:embed="rId1"/>
+          <a:blip r:embed="rId3"/>
           <a:stretch>
             <a:fillRect/>
           </a:stretch>
@@ -17763,10 +18075,14 @@
           <a:p>
             <a:pPr lvl="0" algn="l"/>
             <a:r>
-              <a:rPr lang="vi-VN" sz="2000" dirty="0"/>
+              <a:rPr lang="vi-VN" sz="2000" dirty="0">
+                <a:latin typeface="+mj-lt"/>
+              </a:rPr>
               <a:t>Phân loại thư mục src</a:t>
             </a:r>
-            <a:endParaRPr lang="en-GB" sz="2000" dirty="0"/>
+            <a:endParaRPr lang="en-GB" sz="2000" dirty="0">
+              <a:latin typeface="+mj-lt"/>
+            </a:endParaRPr>
           </a:p>
         </p:txBody>
       </p:sp>
@@ -18034,6 +18350,9 @@
                 </a:spcAft>
                 <a:buNone/>
               </a:pPr>
+              <a:endParaRPr>
+                <a:latin typeface="+mj-lt"/>
+              </a:endParaRPr>
             </a:p>
           </p:txBody>
         </p:sp>
@@ -18295,6 +18614,9 @@
                 </a:spcAft>
                 <a:buNone/>
               </a:pPr>
+              <a:endParaRPr>
+                <a:latin typeface="+mj-lt"/>
+              </a:endParaRPr>
             </a:p>
           </p:txBody>
         </p:sp>
@@ -18572,13 +18894,13 @@
           <a:p>
             <a:r>
               <a:rPr lang="en-US" altLang="en-GB" sz="2000" dirty="0" smtClean="0">
-                <a:latin typeface="Roboto" panose="02000000000000000000" charset="0"/>
+                <a:latin typeface="+mj-lt"/>
                 <a:ea typeface="Roboto" panose="02000000000000000000" charset="0"/>
               </a:rPr>
               <a:t>3. Project</a:t>
             </a:r>
             <a:endParaRPr lang="en-US" sz="2000" dirty="0">
-              <a:latin typeface="Roboto" panose="02000000000000000000" charset="0"/>
+              <a:latin typeface="+mj-lt"/>
               <a:ea typeface="Roboto" panose="02000000000000000000" charset="0"/>
             </a:endParaRPr>
           </a:p>
@@ -18616,41 +18938,41 @@
             </a:pPr>
             <a:r>
               <a:rPr lang="en-GB" sz="1600" b="1" dirty="0" smtClean="0">
-                <a:latin typeface="Roboto" panose="02000000000000000000" charset="0"/>
+                <a:latin typeface="+mj-lt"/>
                 <a:ea typeface="Roboto" panose="02000000000000000000" charset="0"/>
               </a:rPr>
               <a:t>File App.js</a:t>
             </a:r>
             <a:r>
               <a:rPr lang="vi-VN" sz="1600" b="1" dirty="0" smtClean="0">
-                <a:latin typeface="Roboto" panose="02000000000000000000" charset="0"/>
+                <a:latin typeface="+mj-lt"/>
                 <a:ea typeface="Roboto" panose="02000000000000000000" charset="0"/>
               </a:rPr>
               <a:t>: </a:t>
             </a:r>
             <a:r>
               <a:rPr lang="vi-VN" sz="1200" dirty="0">
-                <a:latin typeface="Roboto" panose="02000000000000000000" charset="0"/>
+                <a:latin typeface="+mj-lt"/>
                 <a:ea typeface="Roboto" panose="02000000000000000000" charset="0"/>
               </a:rPr>
               <a:t>Tệp này là điểm vào chính của ứng </a:t>
             </a:r>
             <a:r>
               <a:rPr lang="vi-VN" sz="1200" dirty="0" smtClean="0">
-                <a:latin typeface="Roboto" panose="02000000000000000000" charset="0"/>
+                <a:latin typeface="+mj-lt"/>
                 <a:ea typeface="Roboto" panose="02000000000000000000" charset="0"/>
               </a:rPr>
               <a:t>dụng </a:t>
             </a:r>
             <a:r>
               <a:rPr lang="vi-VN" sz="1200" dirty="0">
-                <a:latin typeface="Roboto" panose="02000000000000000000" charset="0"/>
+                <a:latin typeface="+mj-lt"/>
                 <a:ea typeface="Roboto" panose="02000000000000000000" charset="0"/>
               </a:rPr>
               <a:t>và chứa tất cả các thành phần</a:t>
             </a:r>
             <a:endParaRPr lang="vi-VN" sz="1000" dirty="0">
-              <a:latin typeface="Roboto" panose="02000000000000000000" charset="0"/>
+              <a:latin typeface="+mj-lt"/>
               <a:ea typeface="Roboto" panose="02000000000000000000" charset="0"/>
             </a:endParaRPr>
           </a:p>
@@ -18684,34 +19006,34 @@
           <a:p>
             <a:r>
               <a:rPr lang="en-GB" sz="1600" b="1" dirty="0" smtClean="0">
-                <a:latin typeface="Roboto" panose="02000000000000000000" charset="0"/>
+                <a:latin typeface="+mj-lt"/>
                 <a:ea typeface="Roboto" panose="02000000000000000000" charset="0"/>
               </a:rPr>
               <a:t>Folder </a:t>
             </a:r>
             <a:r>
               <a:rPr lang="vi-VN" sz="1600" b="1" dirty="0">
-                <a:latin typeface="Roboto" panose="02000000000000000000" charset="0"/>
+                <a:latin typeface="+mj-lt"/>
                 <a:ea typeface="Roboto" panose="02000000000000000000" charset="0"/>
               </a:rPr>
               <a:t>utils</a:t>
             </a:r>
             <a:r>
               <a:rPr lang="vi-VN" sz="1200" dirty="0">
-                <a:latin typeface="Roboto" panose="02000000000000000000" charset="0"/>
+                <a:latin typeface="+mj-lt"/>
                 <a:ea typeface="Roboto" panose="02000000000000000000" charset="0"/>
               </a:rPr>
               <a:t>: Thư mục này chứa các hàm tiện ích hoặc lớp trợ giúp được sử dụng trong toàn dự </a:t>
             </a:r>
             <a:r>
               <a:rPr lang="vi-VN" sz="1200" dirty="0" smtClean="0">
-                <a:latin typeface="Roboto" panose="02000000000000000000" charset="0"/>
+                <a:latin typeface="+mj-lt"/>
                 <a:ea typeface="Roboto" panose="02000000000000000000" charset="0"/>
               </a:rPr>
               <a:t>án.</a:t>
             </a:r>
             <a:endParaRPr lang="vi-VN" sz="1200" dirty="0">
-              <a:latin typeface="Roboto" panose="02000000000000000000" charset="0"/>
+              <a:latin typeface="+mj-lt"/>
               <a:ea typeface="Roboto" panose="02000000000000000000" charset="0"/>
             </a:endParaRPr>
           </a:p>
@@ -18831,7 +19153,9 @@
           <a:lstStyle/>
           <a:p>
             <a:pPr algn="ctr"/>
-            <a:endParaRPr lang="en-US"/>
+            <a:endParaRPr lang="en-US">
+              <a:latin typeface="+mj-lt"/>
+            </a:endParaRPr>
           </a:p>
         </p:txBody>
       </p:sp>
@@ -18869,7 +19193,9 @@
           <a:lstStyle/>
           <a:p>
             <a:pPr algn="ctr"/>
-            <a:endParaRPr lang="en-US"/>
+            <a:endParaRPr lang="en-US">
+              <a:latin typeface="+mj-lt"/>
+            </a:endParaRPr>
           </a:p>
         </p:txBody>
       </p:sp>
@@ -18882,7 +19208,7 @@
           <p:nvPr/>
         </p:nvPicPr>
         <p:blipFill>
-          <a:blip r:embed="rId2"/>
+          <a:blip r:embed="rId4"/>
           <a:stretch>
             <a:fillRect/>
           </a:stretch>
@@ -18906,7 +19232,7 @@
           <p:nvPr/>
         </p:nvPicPr>
         <p:blipFill>
-          <a:blip r:embed="rId3"/>
+          <a:blip r:embed="rId5"/>
           <a:stretch>
             <a:fillRect/>
           </a:stretch>
@@ -18988,18 +19314,30 @@
               <a:buNone/>
             </a:pPr>
             <a:r>
-              <a:rPr lang="en-GB" dirty="0" err="1" smtClean="0"/>
+              <a:rPr lang="en-GB" dirty="0" err="1" smtClean="0">
+                <a:latin typeface="Times New Roman" panose="02020603050405020304" pitchFamily="18" charset="0"/>
+                <a:cs typeface="Times New Roman" panose="02020603050405020304" pitchFamily="18" charset="0"/>
+              </a:rPr>
               <a:t>Tổng</a:t>
             </a:r>
             <a:r>
-              <a:rPr lang="en-GB" dirty="0" smtClean="0"/>
+              <a:rPr lang="en-GB" dirty="0" smtClean="0">
+                <a:latin typeface="Times New Roman" panose="02020603050405020304" pitchFamily="18" charset="0"/>
+                <a:cs typeface="Times New Roman" panose="02020603050405020304" pitchFamily="18" charset="0"/>
+              </a:rPr>
               <a:t> </a:t>
             </a:r>
             <a:r>
-              <a:rPr lang="en-GB" dirty="0" err="1" smtClean="0"/>
+              <a:rPr lang="en-GB" dirty="0" err="1" smtClean="0">
+                <a:latin typeface="Times New Roman" panose="02020603050405020304" pitchFamily="18" charset="0"/>
+                <a:cs typeface="Times New Roman" panose="02020603050405020304" pitchFamily="18" charset="0"/>
+              </a:rPr>
               <a:t>kết</a:t>
             </a:r>
-            <a:endParaRPr lang="en-GB" dirty="0"/>
+            <a:endParaRPr lang="en-GB" dirty="0">
+              <a:latin typeface="Times New Roman" panose="02020603050405020304" pitchFamily="18" charset="0"/>
+              <a:cs typeface="Times New Roman" panose="02020603050405020304" pitchFamily="18" charset="0"/>
+            </a:endParaRPr>
           </a:p>
         </p:txBody>
       </p:sp>
@@ -19059,6 +19397,10 @@
               </a:spcAft>
               <a:buNone/>
             </a:pPr>
+            <a:endParaRPr>
+              <a:latin typeface="Times New Roman" panose="02020603050405020304" pitchFamily="18" charset="0"/>
+              <a:cs typeface="Times New Roman" panose="02020603050405020304" pitchFamily="18" charset="0"/>
+            </a:endParaRPr>
           </a:p>
         </p:txBody>
       </p:sp>
@@ -19118,6 +19460,10 @@
               </a:spcAft>
               <a:buNone/>
             </a:pPr>
+            <a:endParaRPr>
+              <a:latin typeface="Times New Roman" panose="02020603050405020304" pitchFamily="18" charset="0"/>
+              <a:cs typeface="Times New Roman" panose="02020603050405020304" pitchFamily="18" charset="0"/>
+            </a:endParaRPr>
           </a:p>
         </p:txBody>
       </p:sp>
@@ -19512,6 +19858,10 @@
                 </a:spcAft>
                 <a:buNone/>
               </a:pPr>
+              <a:endParaRPr>
+                <a:latin typeface="Times New Roman" panose="02020603050405020304" pitchFamily="18" charset="0"/>
+                <a:cs typeface="Times New Roman" panose="02020603050405020304" pitchFamily="18" charset="0"/>
+              </a:endParaRPr>
             </a:p>
           </p:txBody>
         </p:sp>
@@ -20143,6 +20493,10 @@
                 </a:spcAft>
                 <a:buNone/>
               </a:pPr>
+              <a:endParaRPr>
+                <a:latin typeface="Times New Roman" panose="02020603050405020304" pitchFamily="18" charset="0"/>
+                <a:cs typeface="Times New Roman" panose="02020603050405020304" pitchFamily="18" charset="0"/>
+              </a:endParaRPr>
             </a:p>
           </p:txBody>
         </p:sp>
@@ -20523,6 +20877,10 @@
                 </a:spcAft>
                 <a:buNone/>
               </a:pPr>
+              <a:endParaRPr>
+                <a:latin typeface="Times New Roman" panose="02020603050405020304" pitchFamily="18" charset="0"/>
+                <a:cs typeface="Times New Roman" panose="02020603050405020304" pitchFamily="18" charset="0"/>
+              </a:endParaRPr>
             </a:p>
           </p:txBody>
         </p:sp>
@@ -21236,6 +21594,10 @@
                 </a:spcAft>
                 <a:buNone/>
               </a:pPr>
+              <a:endParaRPr>
+                <a:latin typeface="Times New Roman" panose="02020603050405020304" pitchFamily="18" charset="0"/>
+                <a:cs typeface="Times New Roman" panose="02020603050405020304" pitchFamily="18" charset="0"/>
+              </a:endParaRPr>
             </a:p>
           </p:txBody>
         </p:sp>
@@ -21419,6 +21781,10 @@
                 </a:spcAft>
                 <a:buNone/>
               </a:pPr>
+              <a:endParaRPr>
+                <a:latin typeface="Times New Roman" panose="02020603050405020304" pitchFamily="18" charset="0"/>
+                <a:cs typeface="Times New Roman" panose="02020603050405020304" pitchFamily="18" charset="0"/>
+              </a:endParaRPr>
             </a:p>
           </p:txBody>
         </p:sp>
@@ -21533,6 +21899,10 @@
                 </a:spcAft>
                 <a:buNone/>
               </a:pPr>
+              <a:endParaRPr>
+                <a:latin typeface="Times New Roman" panose="02020603050405020304" pitchFamily="18" charset="0"/>
+                <a:cs typeface="Times New Roman" panose="02020603050405020304" pitchFamily="18" charset="0"/>
+              </a:endParaRPr>
             </a:p>
           </p:txBody>
         </p:sp>
@@ -21574,6 +21944,10 @@
                 </a:spcAft>
                 <a:buNone/>
               </a:pPr>
+              <a:endParaRPr>
+                <a:latin typeface="Times New Roman" panose="02020603050405020304" pitchFamily="18" charset="0"/>
+                <a:cs typeface="Times New Roman" panose="02020603050405020304" pitchFamily="18" charset="0"/>
+              </a:endParaRPr>
             </a:p>
           </p:txBody>
         </p:sp>
@@ -21852,128 +22226,220 @@
           </a:lstStyle>
           <a:p>
             <a:r>
-              <a:rPr lang="en-GB" sz="2400" dirty="0" smtClean="0"/>
+              <a:rPr lang="en-GB" sz="2400" dirty="0" smtClean="0">
+                <a:latin typeface="Times New Roman" panose="02020603050405020304" pitchFamily="18" charset="0"/>
+                <a:cs typeface="Times New Roman" panose="02020603050405020304" pitchFamily="18" charset="0"/>
+              </a:rPr>
               <a:t>1.Hoàn </a:t>
             </a:r>
             <a:r>
-              <a:rPr lang="en-GB" sz="2400" dirty="0" err="1" smtClean="0"/>
+              <a:rPr lang="en-GB" sz="2400" dirty="0" err="1" smtClean="0">
+                <a:latin typeface="Times New Roman" panose="02020603050405020304" pitchFamily="18" charset="0"/>
+                <a:cs typeface="Times New Roman" panose="02020603050405020304" pitchFamily="18" charset="0"/>
+              </a:rPr>
               <a:t>thành</a:t>
             </a:r>
             <a:r>
-              <a:rPr lang="en-GB" sz="2400" dirty="0" smtClean="0"/>
+              <a:rPr lang="en-GB" sz="2400" dirty="0" smtClean="0">
+                <a:latin typeface="Times New Roman" panose="02020603050405020304" pitchFamily="18" charset="0"/>
+                <a:cs typeface="Times New Roman" panose="02020603050405020304" pitchFamily="18" charset="0"/>
+              </a:rPr>
               <a:t> OKR </a:t>
             </a:r>
             <a:r>
-              <a:rPr lang="en-GB" sz="2400" dirty="0" err="1" smtClean="0"/>
+              <a:rPr lang="en-GB" sz="2400" dirty="0" err="1" smtClean="0">
+                <a:latin typeface="Times New Roman" panose="02020603050405020304" pitchFamily="18" charset="0"/>
+                <a:cs typeface="Times New Roman" panose="02020603050405020304" pitchFamily="18" charset="0"/>
+              </a:rPr>
               <a:t>cá</a:t>
             </a:r>
             <a:r>
-              <a:rPr lang="en-GB" sz="2400" dirty="0" smtClean="0"/>
+              <a:rPr lang="en-GB" sz="2400" dirty="0" smtClean="0">
+                <a:latin typeface="Times New Roman" panose="02020603050405020304" pitchFamily="18" charset="0"/>
+                <a:cs typeface="Times New Roman" panose="02020603050405020304" pitchFamily="18" charset="0"/>
+              </a:rPr>
               <a:t> </a:t>
             </a:r>
             <a:r>
-              <a:rPr lang="en-GB" sz="2400" dirty="0" err="1" smtClean="0"/>
+              <a:rPr lang="en-GB" sz="2400" dirty="0" err="1" smtClean="0">
+                <a:latin typeface="Times New Roman" panose="02020603050405020304" pitchFamily="18" charset="0"/>
+                <a:cs typeface="Times New Roman" panose="02020603050405020304" pitchFamily="18" charset="0"/>
+              </a:rPr>
               <a:t>nhân</a:t>
             </a:r>
             <a:r>
-              <a:rPr lang="en-GB" sz="2400" dirty="0" smtClean="0"/>
+              <a:rPr lang="en-GB" sz="2400" dirty="0" smtClean="0">
+                <a:latin typeface="Times New Roman" panose="02020603050405020304" pitchFamily="18" charset="0"/>
+                <a:cs typeface="Times New Roman" panose="02020603050405020304" pitchFamily="18" charset="0"/>
+              </a:rPr>
               <a:t> </a:t>
             </a:r>
             <a:r>
-              <a:rPr lang="en-GB" sz="2400" dirty="0" err="1" smtClean="0"/>
+              <a:rPr lang="en-GB" sz="2400" dirty="0" err="1" smtClean="0">
+                <a:latin typeface="Times New Roman" panose="02020603050405020304" pitchFamily="18" charset="0"/>
+                <a:cs typeface="Times New Roman" panose="02020603050405020304" pitchFamily="18" charset="0"/>
+              </a:rPr>
               <a:t>đúng</a:t>
             </a:r>
             <a:r>
-              <a:rPr lang="en-GB" sz="2400" dirty="0" smtClean="0"/>
+              <a:rPr lang="en-GB" sz="2400" dirty="0" smtClean="0">
+                <a:latin typeface="Times New Roman" panose="02020603050405020304" pitchFamily="18" charset="0"/>
+                <a:cs typeface="Times New Roman" panose="02020603050405020304" pitchFamily="18" charset="0"/>
+              </a:rPr>
               <a:t> </a:t>
             </a:r>
             <a:r>
-              <a:rPr lang="en-GB" sz="2400" dirty="0" err="1" smtClean="0"/>
+              <a:rPr lang="en-GB" sz="2400" dirty="0" err="1" smtClean="0">
+                <a:latin typeface="Times New Roman" panose="02020603050405020304" pitchFamily="18" charset="0"/>
+                <a:cs typeface="Times New Roman" panose="02020603050405020304" pitchFamily="18" charset="0"/>
+              </a:rPr>
               <a:t>tiến</a:t>
             </a:r>
             <a:r>
-              <a:rPr lang="en-GB" sz="2400" dirty="0" smtClean="0"/>
+              <a:rPr lang="en-GB" sz="2400" dirty="0" smtClean="0">
+                <a:latin typeface="Times New Roman" panose="02020603050405020304" pitchFamily="18" charset="0"/>
+                <a:cs typeface="Times New Roman" panose="02020603050405020304" pitchFamily="18" charset="0"/>
+              </a:rPr>
               <a:t> </a:t>
             </a:r>
             <a:r>
-              <a:rPr lang="en-GB" sz="2400" dirty="0" err="1" smtClean="0"/>
+              <a:rPr lang="en-GB" sz="2400" dirty="0" err="1" smtClean="0">
+                <a:latin typeface="Times New Roman" panose="02020603050405020304" pitchFamily="18" charset="0"/>
+                <a:cs typeface="Times New Roman" panose="02020603050405020304" pitchFamily="18" charset="0"/>
+              </a:rPr>
               <a:t>độ</a:t>
             </a:r>
             <a:r>
-              <a:rPr lang="en-GB" sz="2400" dirty="0" smtClean="0"/>
+              <a:rPr lang="en-GB" sz="2400" dirty="0" smtClean="0">
+                <a:latin typeface="Times New Roman" panose="02020603050405020304" pitchFamily="18" charset="0"/>
+                <a:cs typeface="Times New Roman" panose="02020603050405020304" pitchFamily="18" charset="0"/>
+              </a:rPr>
               <a:t> </a:t>
             </a:r>
             <a:r>
-              <a:rPr lang="en-GB" sz="2400" dirty="0" err="1" smtClean="0"/>
+              <a:rPr lang="en-GB" sz="2400" dirty="0" err="1" smtClean="0">
+                <a:latin typeface="Times New Roman" panose="02020603050405020304" pitchFamily="18" charset="0"/>
+                <a:cs typeface="Times New Roman" panose="02020603050405020304" pitchFamily="18" charset="0"/>
+              </a:rPr>
               <a:t>đã</a:t>
             </a:r>
             <a:r>
-              <a:rPr lang="en-GB" sz="2400" dirty="0" smtClean="0"/>
+              <a:rPr lang="en-GB" sz="2400" dirty="0" smtClean="0">
+                <a:latin typeface="Times New Roman" panose="02020603050405020304" pitchFamily="18" charset="0"/>
+                <a:cs typeface="Times New Roman" panose="02020603050405020304" pitchFamily="18" charset="0"/>
+              </a:rPr>
               <a:t> cam </a:t>
             </a:r>
             <a:r>
-              <a:rPr lang="en-GB" sz="2400" dirty="0" err="1" smtClean="0"/>
+              <a:rPr lang="en-GB" sz="2400" dirty="0" err="1" smtClean="0">
+                <a:latin typeface="Times New Roman" panose="02020603050405020304" pitchFamily="18" charset="0"/>
+                <a:cs typeface="Times New Roman" panose="02020603050405020304" pitchFamily="18" charset="0"/>
+              </a:rPr>
               <a:t>kết</a:t>
             </a:r>
             <a:r>
-              <a:rPr lang="en-GB" sz="2400" dirty="0" smtClean="0"/>
+              <a:rPr lang="en-GB" sz="2400" dirty="0" smtClean="0">
+                <a:latin typeface="Times New Roman" panose="02020603050405020304" pitchFamily="18" charset="0"/>
+                <a:cs typeface="Times New Roman" panose="02020603050405020304" pitchFamily="18" charset="0"/>
+              </a:rPr>
               <a:t>.</a:t>
             </a:r>
-            <a:endParaRPr lang="en-GB" sz="2400" dirty="0" smtClean="0"/>
           </a:p>
           <a:p>
-            <a:endParaRPr lang="en-GB" sz="2400" dirty="0" smtClean="0"/>
+            <a:endParaRPr lang="en-GB" sz="2400" dirty="0" smtClean="0">
+              <a:latin typeface="Times New Roman" panose="02020603050405020304" pitchFamily="18" charset="0"/>
+              <a:cs typeface="Times New Roman" panose="02020603050405020304" pitchFamily="18" charset="0"/>
+            </a:endParaRPr>
           </a:p>
           <a:p>
             <a:r>
-              <a:rPr lang="en-GB" sz="2400" dirty="0" smtClean="0"/>
+              <a:rPr lang="en-GB" sz="2400" dirty="0" smtClean="0">
+                <a:latin typeface="Times New Roman" panose="02020603050405020304" pitchFamily="18" charset="0"/>
+                <a:cs typeface="Times New Roman" panose="02020603050405020304" pitchFamily="18" charset="0"/>
+              </a:rPr>
               <a:t>2.Áp </a:t>
             </a:r>
             <a:r>
-              <a:rPr lang="en-GB" sz="2400" dirty="0" err="1" smtClean="0"/>
+              <a:rPr lang="en-GB" sz="2400" dirty="0" err="1" smtClean="0">
+                <a:latin typeface="Times New Roman" panose="02020603050405020304" pitchFamily="18" charset="0"/>
+                <a:cs typeface="Times New Roman" panose="02020603050405020304" pitchFamily="18" charset="0"/>
+              </a:rPr>
               <a:t>dụng</a:t>
             </a:r>
             <a:r>
-              <a:rPr lang="en-GB" sz="2400" dirty="0" smtClean="0"/>
+              <a:rPr lang="en-GB" sz="2400" dirty="0" smtClean="0">
+                <a:latin typeface="Times New Roman" panose="02020603050405020304" pitchFamily="18" charset="0"/>
+                <a:cs typeface="Times New Roman" panose="02020603050405020304" pitchFamily="18" charset="0"/>
+              </a:rPr>
               <a:t> </a:t>
             </a:r>
             <a:r>
-              <a:rPr lang="en-GB" sz="2400" dirty="0" err="1" smtClean="0"/>
+              <a:rPr lang="en-GB" sz="2400" dirty="0" err="1" smtClean="0">
+                <a:latin typeface="Times New Roman" panose="02020603050405020304" pitchFamily="18" charset="0"/>
+                <a:cs typeface="Times New Roman" panose="02020603050405020304" pitchFamily="18" charset="0"/>
+              </a:rPr>
               <a:t>ReactJS</a:t>
             </a:r>
             <a:r>
-              <a:rPr lang="en-GB" sz="2400" dirty="0" smtClean="0"/>
+              <a:rPr lang="en-GB" sz="2400" dirty="0" smtClean="0">
+                <a:latin typeface="Times New Roman" panose="02020603050405020304" pitchFamily="18" charset="0"/>
+                <a:cs typeface="Times New Roman" panose="02020603050405020304" pitchFamily="18" charset="0"/>
+              </a:rPr>
               <a:t> </a:t>
             </a:r>
             <a:r>
-              <a:rPr lang="en-GB" sz="2400" dirty="0" err="1" smtClean="0"/>
+              <a:rPr lang="en-GB" sz="2400" dirty="0" err="1" smtClean="0">
+                <a:latin typeface="Times New Roman" panose="02020603050405020304" pitchFamily="18" charset="0"/>
+                <a:cs typeface="Times New Roman" panose="02020603050405020304" pitchFamily="18" charset="0"/>
+              </a:rPr>
               <a:t>để</a:t>
             </a:r>
             <a:r>
-              <a:rPr lang="en-GB" sz="2400" dirty="0" smtClean="0"/>
+              <a:rPr lang="en-GB" sz="2400" dirty="0" smtClean="0">
+                <a:latin typeface="Times New Roman" panose="02020603050405020304" pitchFamily="18" charset="0"/>
+                <a:cs typeface="Times New Roman" panose="02020603050405020304" pitchFamily="18" charset="0"/>
+              </a:rPr>
               <a:t> </a:t>
             </a:r>
             <a:r>
-              <a:rPr lang="en-GB" sz="2400" dirty="0" err="1" smtClean="0"/>
+              <a:rPr lang="en-GB" sz="2400" dirty="0" err="1" smtClean="0">
+                <a:latin typeface="Times New Roman" panose="02020603050405020304" pitchFamily="18" charset="0"/>
+                <a:cs typeface="Times New Roman" panose="02020603050405020304" pitchFamily="18" charset="0"/>
+              </a:rPr>
               <a:t>xây</a:t>
             </a:r>
             <a:r>
-              <a:rPr lang="en-GB" sz="2400" dirty="0" smtClean="0"/>
+              <a:rPr lang="en-GB" sz="2400" dirty="0" smtClean="0">
+                <a:latin typeface="Times New Roman" panose="02020603050405020304" pitchFamily="18" charset="0"/>
+                <a:cs typeface="Times New Roman" panose="02020603050405020304" pitchFamily="18" charset="0"/>
+              </a:rPr>
               <a:t> 1 website </a:t>
             </a:r>
             <a:r>
-              <a:rPr lang="en-GB" sz="2400" dirty="0" err="1" smtClean="0"/>
+              <a:rPr lang="en-GB" sz="2400" dirty="0" err="1" smtClean="0">
+                <a:latin typeface="Times New Roman" panose="02020603050405020304" pitchFamily="18" charset="0"/>
+                <a:cs typeface="Times New Roman" panose="02020603050405020304" pitchFamily="18" charset="0"/>
+              </a:rPr>
               <a:t>đơn</a:t>
             </a:r>
             <a:r>
-              <a:rPr lang="en-GB" sz="2400" dirty="0" smtClean="0"/>
+              <a:rPr lang="en-GB" sz="2400" dirty="0" smtClean="0">
+                <a:latin typeface="Times New Roman" panose="02020603050405020304" pitchFamily="18" charset="0"/>
+                <a:cs typeface="Times New Roman" panose="02020603050405020304" pitchFamily="18" charset="0"/>
+              </a:rPr>
               <a:t> </a:t>
             </a:r>
             <a:r>
-              <a:rPr lang="en-GB" sz="2400" dirty="0" err="1" smtClean="0"/>
+              <a:rPr lang="en-GB" sz="2400" dirty="0" err="1" smtClean="0">
+                <a:latin typeface="Times New Roman" panose="02020603050405020304" pitchFamily="18" charset="0"/>
+                <a:cs typeface="Times New Roman" panose="02020603050405020304" pitchFamily="18" charset="0"/>
+              </a:rPr>
               <a:t>giản</a:t>
             </a:r>
-            <a:endParaRPr lang="en-GB" sz="2400" dirty="0"/>
+            <a:endParaRPr lang="en-GB" sz="2400" dirty="0">
+              <a:latin typeface="Times New Roman" panose="02020603050405020304" pitchFamily="18" charset="0"/>
+              <a:cs typeface="Times New Roman" panose="02020603050405020304" pitchFamily="18" charset="0"/>
+            </a:endParaRPr>
           </a:p>
         </p:txBody>
       </p:sp>
@@ -22039,7 +22505,6 @@
               <a:rPr lang="en-GB" dirty="0"/>
               <a:t>Thank you for listening</a:t>
             </a:r>
-            <a:endParaRPr lang="en-GB" dirty="0"/>
           </a:p>
         </p:txBody>
       </p:sp>
@@ -22099,6 +22564,7 @@
               </a:spcAft>
               <a:buNone/>
             </a:pPr>
+            <a:endParaRPr/>
           </a:p>
         </p:txBody>
       </p:sp>
@@ -22158,6 +22624,7 @@
               </a:spcAft>
               <a:buNone/>
             </a:pPr>
+            <a:endParaRPr/>
           </a:p>
         </p:txBody>
       </p:sp>
@@ -22552,6 +23019,7 @@
                 </a:spcAft>
                 <a:buNone/>
               </a:pPr>
+              <a:endParaRPr/>
             </a:p>
           </p:txBody>
         </p:sp>
@@ -23183,6 +23651,7 @@
                 </a:spcAft>
                 <a:buNone/>
               </a:pPr>
+              <a:endParaRPr/>
             </a:p>
           </p:txBody>
         </p:sp>
@@ -23563,6 +24032,7 @@
                 </a:spcAft>
                 <a:buNone/>
               </a:pPr>
+              <a:endParaRPr/>
             </a:p>
           </p:txBody>
         </p:sp>
@@ -24276,6 +24746,7 @@
                 </a:spcAft>
                 <a:buNone/>
               </a:pPr>
+              <a:endParaRPr/>
             </a:p>
           </p:txBody>
         </p:sp>
@@ -24459,6 +24930,7 @@
                 </a:spcAft>
                 <a:buNone/>
               </a:pPr>
+              <a:endParaRPr/>
             </a:p>
           </p:txBody>
         </p:sp>
@@ -24573,6 +25045,7 @@
                 </a:spcAft>
                 <a:buNone/>
               </a:pPr>
+              <a:endParaRPr/>
             </a:p>
           </p:txBody>
         </p:sp>
@@ -24614,6 +25087,7 @@
                 </a:spcAft>
                 <a:buNone/>
               </a:pPr>
+              <a:endParaRPr/>
             </a:p>
           </p:txBody>
         </p:sp>
@@ -24685,10 +25159,16 @@
               <a:buNone/>
             </a:pPr>
             <a:r>
-              <a:rPr lang="en-GB" dirty="0" smtClean="0"/>
+              <a:rPr lang="en-GB" dirty="0" smtClean="0">
+                <a:latin typeface="Times New Roman" panose="02020603050405020304" pitchFamily="18" charset="0"/>
+                <a:cs typeface="Times New Roman" panose="02020603050405020304" pitchFamily="18" charset="0"/>
+              </a:rPr>
               <a:t>OKR </a:t>
             </a:r>
-            <a:endParaRPr dirty="0"/>
+            <a:endParaRPr dirty="0">
+              <a:latin typeface="Times New Roman" panose="02020603050405020304" pitchFamily="18" charset="0"/>
+              <a:cs typeface="Times New Roman" panose="02020603050405020304" pitchFamily="18" charset="0"/>
+            </a:endParaRPr>
           </a:p>
         </p:txBody>
       </p:sp>
@@ -24727,14 +25207,19 @@
               <a:buFontTx/>
             </a:pPr>
             <a:r>
-              <a:rPr lang="en-US" altLang="en-GB" dirty="0" smtClean="0"/>
+              <a:rPr lang="en-US" altLang="en-GB" dirty="0" smtClean="0">
+                <a:latin typeface="Times New Roman" panose="02020603050405020304" pitchFamily="18" charset="0"/>
+                <a:cs typeface="Times New Roman" panose="02020603050405020304" pitchFamily="18" charset="0"/>
+              </a:rPr>
               <a:t>- </a:t>
             </a:r>
             <a:r>
-              <a:rPr lang="en-GB" dirty="0" smtClean="0"/>
+              <a:rPr lang="en-GB" dirty="0" smtClean="0">
+                <a:latin typeface="Times New Roman" panose="02020603050405020304" pitchFamily="18" charset="0"/>
+                <a:cs typeface="Times New Roman" panose="02020603050405020304" pitchFamily="18" charset="0"/>
+              </a:rPr>
               <a:t>Tiến độ học tập.</a:t>
             </a:r>
-            <a:endParaRPr lang="en-GB" dirty="0" smtClean="0"/>
           </a:p>
           <a:p>
             <a:pPr marL="0" lvl="0" indent="0" algn="l" rtl="0">
@@ -24747,14 +25232,23 @@
               <a:buFontTx/>
             </a:pPr>
             <a:r>
-              <a:rPr lang="en-US" altLang="en-GB" dirty="0" smtClean="0"/>
+              <a:rPr lang="en-US" altLang="en-GB" dirty="0" smtClean="0">
+                <a:latin typeface="Times New Roman" panose="02020603050405020304" pitchFamily="18" charset="0"/>
+                <a:cs typeface="Times New Roman" panose="02020603050405020304" pitchFamily="18" charset="0"/>
+              </a:rPr>
               <a:t>- </a:t>
             </a:r>
             <a:r>
-              <a:rPr lang="en-GB" dirty="0" smtClean="0"/>
+              <a:rPr lang="en-GB" dirty="0" smtClean="0">
+                <a:latin typeface="Times New Roman" panose="02020603050405020304" pitchFamily="18" charset="0"/>
+                <a:cs typeface="Times New Roman" panose="02020603050405020304" pitchFamily="18" charset="0"/>
+              </a:rPr>
               <a:t>Tiến độ dự án demo.</a:t>
             </a:r>
-            <a:endParaRPr dirty="0"/>
+            <a:endParaRPr dirty="0">
+              <a:latin typeface="Times New Roman" panose="02020603050405020304" pitchFamily="18" charset="0"/>
+              <a:cs typeface="Times New Roman" panose="02020603050405020304" pitchFamily="18" charset="0"/>
+            </a:endParaRPr>
           </a:p>
         </p:txBody>
       </p:sp>
@@ -24793,10 +25287,16 @@
               <a:buNone/>
             </a:pPr>
             <a:r>
-              <a:rPr lang="en-GB" dirty="0" err="1" smtClean="0"/>
+              <a:rPr lang="en-GB" dirty="0" err="1" smtClean="0">
+                <a:latin typeface="Times New Roman" panose="02020603050405020304" pitchFamily="18" charset="0"/>
+                <a:cs typeface="Times New Roman" panose="02020603050405020304" pitchFamily="18" charset="0"/>
+              </a:rPr>
               <a:t>ReactJS</a:t>
             </a:r>
-            <a:endParaRPr dirty="0"/>
+            <a:endParaRPr dirty="0">
+              <a:latin typeface="Times New Roman" panose="02020603050405020304" pitchFamily="18" charset="0"/>
+              <a:cs typeface="Times New Roman" panose="02020603050405020304" pitchFamily="18" charset="0"/>
+            </a:endParaRPr>
           </a:p>
         </p:txBody>
       </p:sp>
@@ -24835,14 +25335,19 @@
               <a:buNone/>
             </a:pPr>
             <a:r>
-              <a:rPr lang="en-GB" smtClean="0"/>
+              <a:rPr lang="en-GB" smtClean="0">
+                <a:latin typeface="Times New Roman" panose="02020603050405020304" pitchFamily="18" charset="0"/>
+                <a:cs typeface="Times New Roman" panose="02020603050405020304" pitchFamily="18" charset="0"/>
+              </a:rPr>
               <a:t>- </a:t>
             </a:r>
             <a:r>
-              <a:rPr lang="en-US" altLang="en-GB" smtClean="0"/>
+              <a:rPr lang="en-US" altLang="en-GB" smtClean="0">
+                <a:latin typeface="Times New Roman" panose="02020603050405020304" pitchFamily="18" charset="0"/>
+                <a:cs typeface="Times New Roman" panose="02020603050405020304" pitchFamily="18" charset="0"/>
+              </a:rPr>
               <a:t>Tổng quan. </a:t>
             </a:r>
-            <a:endParaRPr lang="en-US" altLang="en-GB" smtClean="0"/>
           </a:p>
           <a:p>
             <a:pPr marL="0" lvl="0" indent="0" algn="l" rtl="0">
@@ -24854,7 +25359,10 @@
               </a:spcAft>
               <a:buNone/>
             </a:pPr>
-            <a:endParaRPr lang="en-US" altLang="en-GB" dirty="0" smtClean="0"/>
+            <a:endParaRPr lang="en-US" altLang="en-GB" dirty="0" smtClean="0">
+              <a:latin typeface="Times New Roman" panose="02020603050405020304" pitchFamily="18" charset="0"/>
+              <a:cs typeface="Times New Roman" panose="02020603050405020304" pitchFamily="18" charset="0"/>
+            </a:endParaRPr>
           </a:p>
         </p:txBody>
       </p:sp>
@@ -24893,10 +25401,12 @@
               <a:buNone/>
             </a:pPr>
             <a:r>
-              <a:rPr lang="en-GB" dirty="0"/>
+              <a:rPr lang="en-GB" dirty="0">
+                <a:latin typeface="Times New Roman" panose="02020603050405020304" pitchFamily="18" charset="0"/>
+                <a:cs typeface="Times New Roman" panose="02020603050405020304" pitchFamily="18" charset="0"/>
+              </a:rPr>
               <a:t>PROJECT</a:t>
             </a:r>
-            <a:endParaRPr lang="en-GB" dirty="0"/>
           </a:p>
         </p:txBody>
       </p:sp>
@@ -24934,42 +25444,68 @@
               </a:spcAft>
             </a:pPr>
             <a:r>
-              <a:rPr lang="en-US" altLang="en-GB" dirty="0" smtClean="0"/>
+              <a:rPr lang="en-US" altLang="en-GB" dirty="0" smtClean="0">
+                <a:latin typeface="Times New Roman" panose="02020603050405020304" pitchFamily="18" charset="0"/>
+                <a:cs typeface="Times New Roman" panose="02020603050405020304" pitchFamily="18" charset="0"/>
+              </a:rPr>
               <a:t>- </a:t>
             </a:r>
             <a:r>
-              <a:rPr lang="en-US" altLang="en-GB" dirty="0" err="1" smtClean="0"/>
+              <a:rPr lang="en-US" altLang="en-GB" dirty="0" err="1" smtClean="0">
+                <a:latin typeface="Times New Roman" panose="02020603050405020304" pitchFamily="18" charset="0"/>
+                <a:cs typeface="Times New Roman" panose="02020603050405020304" pitchFamily="18" charset="0"/>
+              </a:rPr>
               <a:t>Thành</a:t>
             </a:r>
             <a:r>
-              <a:rPr lang="en-US" altLang="en-GB" dirty="0" smtClean="0"/>
+              <a:rPr lang="en-US" altLang="en-GB" dirty="0" smtClean="0">
+                <a:latin typeface="Times New Roman" panose="02020603050405020304" pitchFamily="18" charset="0"/>
+                <a:cs typeface="Times New Roman" panose="02020603050405020304" pitchFamily="18" charset="0"/>
+              </a:rPr>
               <a:t> </a:t>
             </a:r>
             <a:r>
-              <a:rPr lang="en-US" altLang="en-GB" dirty="0" err="1" smtClean="0"/>
+              <a:rPr lang="en-US" altLang="en-GB" dirty="0" err="1" smtClean="0">
+                <a:latin typeface="Times New Roman" panose="02020603050405020304" pitchFamily="18" charset="0"/>
+                <a:cs typeface="Times New Roman" panose="02020603050405020304" pitchFamily="18" charset="0"/>
+              </a:rPr>
               <a:t>quả</a:t>
             </a:r>
             <a:r>
-              <a:rPr lang="en-US" altLang="en-GB" dirty="0" smtClean="0"/>
+              <a:rPr lang="en-US" altLang="en-GB" dirty="0" smtClean="0">
+                <a:latin typeface="Times New Roman" panose="02020603050405020304" pitchFamily="18" charset="0"/>
+                <a:cs typeface="Times New Roman" panose="02020603050405020304" pitchFamily="18" charset="0"/>
+              </a:rPr>
               <a:t> </a:t>
             </a:r>
             <a:r>
-              <a:rPr lang="en-US" altLang="en-GB" dirty="0" err="1" smtClean="0"/>
+              <a:rPr lang="en-US" altLang="en-GB" dirty="0" err="1" smtClean="0">
+                <a:latin typeface="Times New Roman" panose="02020603050405020304" pitchFamily="18" charset="0"/>
+                <a:cs typeface="Times New Roman" panose="02020603050405020304" pitchFamily="18" charset="0"/>
+              </a:rPr>
               <a:t>đạt</a:t>
             </a:r>
             <a:r>
-              <a:rPr lang="en-US" altLang="en-GB" dirty="0" smtClean="0"/>
+              <a:rPr lang="en-US" altLang="en-GB" dirty="0" smtClean="0">
+                <a:latin typeface="Times New Roman" panose="02020603050405020304" pitchFamily="18" charset="0"/>
+                <a:cs typeface="Times New Roman" panose="02020603050405020304" pitchFamily="18" charset="0"/>
+              </a:rPr>
               <a:t> </a:t>
             </a:r>
             <a:r>
-              <a:rPr lang="en-US" altLang="en-GB" dirty="0" err="1" smtClean="0"/>
+              <a:rPr lang="en-US" altLang="en-GB" dirty="0" err="1" smtClean="0">
+                <a:latin typeface="Times New Roman" panose="02020603050405020304" pitchFamily="18" charset="0"/>
+                <a:cs typeface="Times New Roman" panose="02020603050405020304" pitchFamily="18" charset="0"/>
+              </a:rPr>
               <a:t>được</a:t>
             </a:r>
             <a:r>
-              <a:rPr lang="en-US" altLang="en-GB" dirty="0" smtClean="0"/>
+              <a:rPr lang="en-US" altLang="en-GB" dirty="0" smtClean="0">
+                <a:latin typeface="Times New Roman" panose="02020603050405020304" pitchFamily="18" charset="0"/>
+                <a:cs typeface="Times New Roman" panose="02020603050405020304" pitchFamily="18" charset="0"/>
+              </a:rPr>
               <a:t>.</a:t>
             </a:r>
-            <a:endParaRPr lang="en-US" altLang="en-GB" dirty="0" smtClean="0"/>
           </a:p>
           <a:p>
             <a:pPr marL="0" lvl="0" indent="0" algn="l" rtl="0">
@@ -24981,38 +25517,65 @@
               </a:spcAft>
             </a:pPr>
             <a:r>
-              <a:rPr lang="en-GB" altLang="en-GB" dirty="0" smtClean="0"/>
+              <a:rPr lang="en-GB" altLang="en-GB" dirty="0" smtClean="0">
+                <a:latin typeface="Times New Roman" panose="02020603050405020304" pitchFamily="18" charset="0"/>
+                <a:cs typeface="Times New Roman" panose="02020603050405020304" pitchFamily="18" charset="0"/>
+              </a:rPr>
               <a:t>- </a:t>
             </a:r>
             <a:r>
-              <a:rPr lang="en-GB" altLang="en-GB" dirty="0" err="1" smtClean="0"/>
+              <a:rPr lang="en-GB" altLang="en-GB" dirty="0" err="1" smtClean="0">
+                <a:latin typeface="Times New Roman" panose="02020603050405020304" pitchFamily="18" charset="0"/>
+                <a:cs typeface="Times New Roman" panose="02020603050405020304" pitchFamily="18" charset="0"/>
+              </a:rPr>
               <a:t>Cấu</a:t>
             </a:r>
             <a:r>
-              <a:rPr lang="en-GB" altLang="en-GB" dirty="0" smtClean="0"/>
+              <a:rPr lang="en-GB" altLang="en-GB" dirty="0" smtClean="0">
+                <a:latin typeface="Times New Roman" panose="02020603050405020304" pitchFamily="18" charset="0"/>
+                <a:cs typeface="Times New Roman" panose="02020603050405020304" pitchFamily="18" charset="0"/>
+              </a:rPr>
               <a:t> </a:t>
             </a:r>
             <a:r>
-              <a:rPr lang="en-GB" altLang="en-GB" dirty="0" err="1" smtClean="0"/>
+              <a:rPr lang="en-GB" altLang="en-GB" dirty="0" err="1" smtClean="0">
+                <a:latin typeface="Times New Roman" panose="02020603050405020304" pitchFamily="18" charset="0"/>
+                <a:cs typeface="Times New Roman" panose="02020603050405020304" pitchFamily="18" charset="0"/>
+              </a:rPr>
               <a:t>trúc</a:t>
             </a:r>
             <a:r>
-              <a:rPr lang="en-GB" altLang="en-GB" dirty="0" smtClean="0"/>
+              <a:rPr lang="en-GB" altLang="en-GB" dirty="0" smtClean="0">
+                <a:latin typeface="Times New Roman" panose="02020603050405020304" pitchFamily="18" charset="0"/>
+                <a:cs typeface="Times New Roman" panose="02020603050405020304" pitchFamily="18" charset="0"/>
+              </a:rPr>
               <a:t> </a:t>
             </a:r>
             <a:r>
-              <a:rPr lang="en-GB" altLang="en-GB" dirty="0" err="1" smtClean="0"/>
+              <a:rPr lang="en-GB" altLang="en-GB" dirty="0" err="1" smtClean="0">
+                <a:latin typeface="Times New Roman" panose="02020603050405020304" pitchFamily="18" charset="0"/>
+                <a:cs typeface="Times New Roman" panose="02020603050405020304" pitchFamily="18" charset="0"/>
+              </a:rPr>
               <a:t>dự</a:t>
             </a:r>
             <a:r>
-              <a:rPr lang="en-GB" altLang="en-GB" dirty="0" smtClean="0"/>
+              <a:rPr lang="en-GB" altLang="en-GB" dirty="0" smtClean="0">
+                <a:latin typeface="Times New Roman" panose="02020603050405020304" pitchFamily="18" charset="0"/>
+                <a:cs typeface="Times New Roman" panose="02020603050405020304" pitchFamily="18" charset="0"/>
+              </a:rPr>
               <a:t> </a:t>
             </a:r>
             <a:r>
-              <a:rPr lang="en-GB" altLang="en-GB" dirty="0" err="1" smtClean="0"/>
+              <a:rPr lang="en-GB" altLang="en-GB" dirty="0" err="1" smtClean="0">
+                <a:latin typeface="Times New Roman" panose="02020603050405020304" pitchFamily="18" charset="0"/>
+                <a:cs typeface="Times New Roman" panose="02020603050405020304" pitchFamily="18" charset="0"/>
+              </a:rPr>
               <a:t>án</a:t>
             </a:r>
-            <a:endParaRPr lang="en-US" altLang="en-GB" dirty="0"/>
+            <a:endParaRPr lang="en-US" altLang="en-GB" dirty="0">
+              <a:latin typeface="Times New Roman" panose="02020603050405020304" pitchFamily="18" charset="0"/>
+              <a:cs typeface="Times New Roman" panose="02020603050405020304" pitchFamily="18" charset="0"/>
+            </a:endParaRPr>
           </a:p>
         </p:txBody>
       </p:sp>
@@ -25028,8 +25591,8 @@
         </p:nvSpPr>
         <p:spPr>
           <a:xfrm>
-            <a:off x="714375" y="514354"/>
-            <a:ext cx="2577900" cy="1359900"/>
+            <a:off x="583096" y="514354"/>
+            <a:ext cx="2709179" cy="1359900"/>
           </a:xfrm>
           <a:prstGeom prst="rect">
             <a:avLst/>
@@ -25051,10 +25614,12 @@
               <a:buNone/>
             </a:pPr>
             <a:r>
-              <a:rPr lang="en-GB"/>
+              <a:rPr lang="en-GB" dirty="0">
+                <a:latin typeface="Times New Roman" panose="02020603050405020304" pitchFamily="18" charset="0"/>
+                <a:cs typeface="Times New Roman" panose="02020603050405020304" pitchFamily="18" charset="0"/>
+              </a:rPr>
               <a:t>TABLE OF CONTENTS</a:t>
             </a:r>
-            <a:endParaRPr lang="en-GB"/>
           </a:p>
         </p:txBody>
       </p:sp>
@@ -25093,10 +25658,16 @@
               <a:buNone/>
             </a:pPr>
             <a:r>
-              <a:rPr lang="en-GB" dirty="0"/>
+              <a:rPr lang="en-GB" dirty="0">
+                <a:latin typeface="Times New Roman" panose="02020603050405020304" pitchFamily="18" charset="0"/>
+                <a:cs typeface="Times New Roman" panose="02020603050405020304" pitchFamily="18" charset="0"/>
+              </a:rPr>
               <a:t>01</a:t>
             </a:r>
-            <a:endParaRPr dirty="0"/>
+            <a:endParaRPr dirty="0">
+              <a:latin typeface="Times New Roman" panose="02020603050405020304" pitchFamily="18" charset="0"/>
+              <a:cs typeface="Times New Roman" panose="02020603050405020304" pitchFamily="18" charset="0"/>
+            </a:endParaRPr>
           </a:p>
         </p:txBody>
       </p:sp>
@@ -25135,10 +25706,12 @@
               <a:buNone/>
             </a:pPr>
             <a:r>
-              <a:rPr lang="en-GB"/>
+              <a:rPr lang="en-GB">
+                <a:latin typeface="Times New Roman" panose="02020603050405020304" pitchFamily="18" charset="0"/>
+                <a:cs typeface="Times New Roman" panose="02020603050405020304" pitchFamily="18" charset="0"/>
+              </a:rPr>
               <a:t>02</a:t>
             </a:r>
-            <a:endParaRPr lang="en-GB"/>
           </a:p>
         </p:txBody>
       </p:sp>
@@ -25177,10 +25750,12 @@
               <a:buNone/>
             </a:pPr>
             <a:r>
-              <a:rPr lang="en-GB"/>
+              <a:rPr lang="en-GB">
+                <a:latin typeface="Times New Roman" panose="02020603050405020304" pitchFamily="18" charset="0"/>
+                <a:cs typeface="Times New Roman" panose="02020603050405020304" pitchFamily="18" charset="0"/>
+              </a:rPr>
               <a:t>03</a:t>
             </a:r>
-            <a:endParaRPr lang="en-GB"/>
           </a:p>
         </p:txBody>
       </p:sp>
@@ -25236,6 +25811,10 @@
                 </a:spcAft>
                 <a:buNone/>
               </a:pPr>
+              <a:endParaRPr>
+                <a:latin typeface="Times New Roman" panose="02020603050405020304" pitchFamily="18" charset="0"/>
+                <a:cs typeface="Times New Roman" panose="02020603050405020304" pitchFamily="18" charset="0"/>
+              </a:endParaRPr>
             </a:p>
           </p:txBody>
         </p:sp>
@@ -25277,6 +25856,10 @@
                 </a:spcAft>
                 <a:buNone/>
               </a:pPr>
+              <a:endParaRPr>
+                <a:latin typeface="Times New Roman" panose="02020603050405020304" pitchFamily="18" charset="0"/>
+                <a:cs typeface="Times New Roman" panose="02020603050405020304" pitchFamily="18" charset="0"/>
+              </a:endParaRPr>
             </a:p>
           </p:txBody>
         </p:sp>
@@ -25292,8 +25875,8 @@
         </p:nvCxnSpPr>
         <p:spPr>
           <a:xfrm rot="5400000">
-            <a:off x="1034325" y="2123254"/>
-            <a:ext cx="1218000" cy="720000"/>
+            <a:off x="1001377" y="2156053"/>
+            <a:ext cx="1218109" cy="654511"/>
           </a:xfrm>
           <a:prstGeom prst="bentConnector2">
             <a:avLst/>
@@ -25366,6 +25949,10 @@
               </a:spcAft>
               <a:buNone/>
             </a:pPr>
+            <a:endParaRPr>
+              <a:latin typeface="Times New Roman" panose="02020603050405020304" pitchFamily="18" charset="0"/>
+              <a:cs typeface="Times New Roman" panose="02020603050405020304" pitchFamily="18" charset="0"/>
+            </a:endParaRPr>
           </a:p>
         </p:txBody>
       </p:sp>
@@ -25481,6 +26068,10 @@
                 </a:spcAft>
                 <a:buNone/>
               </a:pPr>
+              <a:endParaRPr>
+                <a:latin typeface="Times New Roman" panose="02020603050405020304" pitchFamily="18" charset="0"/>
+                <a:cs typeface="Times New Roman" panose="02020603050405020304" pitchFamily="18" charset="0"/>
+              </a:endParaRPr>
             </a:p>
           </p:txBody>
         </p:sp>
@@ -25720,6 +26311,10 @@
                 </a:spcAft>
                 <a:buNone/>
               </a:pPr>
+              <a:endParaRPr>
+                <a:latin typeface="Times New Roman" panose="02020603050405020304" pitchFamily="18" charset="0"/>
+                <a:cs typeface="Times New Roman" panose="02020603050405020304" pitchFamily="18" charset="0"/>
+              </a:endParaRPr>
             </a:p>
           </p:txBody>
         </p:sp>
@@ -25829,6 +26424,10 @@
                 </a:spcAft>
                 <a:buNone/>
               </a:pPr>
+              <a:endParaRPr>
+                <a:latin typeface="Times New Roman" panose="02020603050405020304" pitchFamily="18" charset="0"/>
+                <a:cs typeface="Times New Roman" panose="02020603050405020304" pitchFamily="18" charset="0"/>
+              </a:endParaRPr>
             </a:p>
           </p:txBody>
         </p:sp>
@@ -25938,6 +26537,10 @@
                 </a:spcAft>
                 <a:buNone/>
               </a:pPr>
+              <a:endParaRPr>
+                <a:latin typeface="Times New Roman" panose="02020603050405020304" pitchFamily="18" charset="0"/>
+                <a:cs typeface="Times New Roman" panose="02020603050405020304" pitchFamily="18" charset="0"/>
+              </a:endParaRPr>
             </a:p>
           </p:txBody>
         </p:sp>
@@ -26010,21 +26613,24 @@
             </a:pPr>
             <a:r>
               <a:rPr lang="en-US" altLang="en-GB" sz="2000" dirty="0" smtClean="0">
-                <a:latin typeface="Roboto" panose="02000000000000000000" charset="0"/>
+                <a:latin typeface="Times New Roman" panose="02020603050405020304" pitchFamily="18" charset="0"/>
                 <a:ea typeface="Roboto" panose="02000000000000000000" charset="0"/>
+                <a:cs typeface="Times New Roman" panose="02020603050405020304" pitchFamily="18" charset="0"/>
               </a:rPr>
               <a:t>1. </a:t>
             </a:r>
             <a:r>
               <a:rPr lang="en-GB" sz="2000" dirty="0" smtClean="0">
-                <a:latin typeface="Roboto" panose="02000000000000000000" charset="0"/>
+                <a:latin typeface="Times New Roman" panose="02020603050405020304" pitchFamily="18" charset="0"/>
                 <a:ea typeface="Roboto" panose="02000000000000000000" charset="0"/>
+                <a:cs typeface="Times New Roman" panose="02020603050405020304" pitchFamily="18" charset="0"/>
               </a:rPr>
               <a:t>OKR </a:t>
             </a:r>
             <a:endParaRPr sz="2000" dirty="0">
-              <a:latin typeface="Roboto" panose="02000000000000000000" charset="0"/>
+              <a:latin typeface="Times New Roman" panose="02020603050405020304" pitchFamily="18" charset="0"/>
               <a:ea typeface="Roboto" panose="02000000000000000000" charset="0"/>
+              <a:cs typeface="Times New Roman" panose="02020603050405020304" pitchFamily="18" charset="0"/>
             </a:endParaRPr>
           </a:p>
         </p:txBody>
@@ -26087,8 +26693,9 @@
                 <a:buNone/>
               </a:pPr>
               <a:endParaRPr>
-                <a:latin typeface="Roboto" panose="02000000000000000000" charset="0"/>
+                <a:latin typeface="Times New Roman" panose="02020603050405020304" pitchFamily="18" charset="0"/>
                 <a:ea typeface="Roboto" panose="02000000000000000000" charset="0"/>
+                <a:cs typeface="Times New Roman" panose="02020603050405020304" pitchFamily="18" charset="0"/>
               </a:endParaRPr>
             </a:p>
           </p:txBody>
@@ -26136,8 +26743,9 @@
                 <a:buNone/>
               </a:pPr>
               <a:endParaRPr>
-                <a:latin typeface="Roboto" panose="02000000000000000000" charset="0"/>
+                <a:latin typeface="Times New Roman" panose="02020603050405020304" pitchFamily="18" charset="0"/>
                 <a:ea typeface="Roboto" panose="02000000000000000000" charset="0"/>
+                <a:cs typeface="Times New Roman" panose="02020603050405020304" pitchFamily="18" charset="0"/>
               </a:endParaRPr>
             </a:p>
           </p:txBody>
@@ -26193,8 +26801,9 @@
                   <a:buNone/>
                 </a:pPr>
                 <a:endParaRPr>
-                  <a:latin typeface="Roboto" panose="02000000000000000000" charset="0"/>
+                  <a:latin typeface="Times New Roman" panose="02020603050405020304" pitchFamily="18" charset="0"/>
                   <a:ea typeface="Roboto" panose="02000000000000000000" charset="0"/>
+                  <a:cs typeface="Times New Roman" panose="02020603050405020304" pitchFamily="18" charset="0"/>
                 </a:endParaRPr>
               </a:p>
             </p:txBody>
@@ -26239,8 +26848,9 @@
                   <a:buNone/>
                 </a:pPr>
                 <a:endParaRPr>
-                  <a:latin typeface="Roboto" panose="02000000000000000000" charset="0"/>
+                  <a:latin typeface="Times New Roman" panose="02020603050405020304" pitchFamily="18" charset="0"/>
                   <a:ea typeface="Roboto" panose="02000000000000000000" charset="0"/>
+                  <a:cs typeface="Times New Roman" panose="02020603050405020304" pitchFamily="18" charset="0"/>
                 </a:endParaRPr>
               </a:p>
             </p:txBody>
@@ -26297,8 +26907,9 @@
                   <a:buNone/>
                 </a:pPr>
                 <a:endParaRPr>
-                  <a:latin typeface="Roboto" panose="02000000000000000000" charset="0"/>
+                  <a:latin typeface="Times New Roman" panose="02020603050405020304" pitchFamily="18" charset="0"/>
                   <a:ea typeface="Roboto" panose="02000000000000000000" charset="0"/>
+                  <a:cs typeface="Times New Roman" panose="02020603050405020304" pitchFamily="18" charset="0"/>
                 </a:endParaRPr>
               </a:p>
             </p:txBody>
@@ -26343,8 +26954,9 @@
                   <a:buNone/>
                 </a:pPr>
                 <a:endParaRPr>
-                  <a:latin typeface="Roboto" panose="02000000000000000000" charset="0"/>
+                  <a:latin typeface="Times New Roman" panose="02020603050405020304" pitchFamily="18" charset="0"/>
                   <a:ea typeface="Roboto" panose="02000000000000000000" charset="0"/>
+                  <a:cs typeface="Times New Roman" panose="02020603050405020304" pitchFamily="18" charset="0"/>
                 </a:endParaRPr>
               </a:p>
             </p:txBody>
@@ -26391,8 +27003,9 @@
                       <a:lumMod val="10000"/>
                     </a:schemeClr>
                   </a:solidFill>
-                  <a:latin typeface="Roboto" panose="02000000000000000000" charset="0"/>
+                  <a:latin typeface="Times New Roman" panose="02020603050405020304" pitchFamily="18" charset="0"/>
                   <a:ea typeface="Roboto" panose="02000000000000000000" charset="0"/>
+                  <a:cs typeface="Times New Roman" panose="02020603050405020304" pitchFamily="18" charset="0"/>
                 </a:rPr>
                 <a:t>Khóa</a:t>
               </a:r>
@@ -26403,8 +27016,9 @@
                       <a:lumMod val="10000"/>
                     </a:schemeClr>
                   </a:solidFill>
-                  <a:latin typeface="Roboto" panose="02000000000000000000" charset="0"/>
+                  <a:latin typeface="Times New Roman" panose="02020603050405020304" pitchFamily="18" charset="0"/>
                   <a:ea typeface="Roboto" panose="02000000000000000000" charset="0"/>
+                  <a:cs typeface="Times New Roman" panose="02020603050405020304" pitchFamily="18" charset="0"/>
                 </a:rPr>
                 <a:t> </a:t>
               </a:r>
@@ -26415,8 +27029,9 @@
                       <a:lumMod val="10000"/>
                     </a:schemeClr>
                   </a:solidFill>
-                  <a:latin typeface="Roboto" panose="02000000000000000000" charset="0"/>
+                  <a:latin typeface="Times New Roman" panose="02020603050405020304" pitchFamily="18" charset="0"/>
                   <a:ea typeface="Roboto" panose="02000000000000000000" charset="0"/>
+                  <a:cs typeface="Times New Roman" panose="02020603050405020304" pitchFamily="18" charset="0"/>
                 </a:rPr>
                 <a:t>học</a:t>
               </a:r>
@@ -26427,8 +27042,9 @@
                       <a:lumMod val="10000"/>
                     </a:schemeClr>
                   </a:solidFill>
-                  <a:latin typeface="Roboto" panose="02000000000000000000" charset="0"/>
+                  <a:latin typeface="Times New Roman" panose="02020603050405020304" pitchFamily="18" charset="0"/>
                   <a:ea typeface="Roboto" panose="02000000000000000000" charset="0"/>
+                  <a:cs typeface="Times New Roman" panose="02020603050405020304" pitchFamily="18" charset="0"/>
                 </a:rPr>
                 <a:t> </a:t>
               </a:r>
@@ -26439,8 +27055,9 @@
                       <a:lumMod val="10000"/>
                     </a:schemeClr>
                   </a:solidFill>
-                  <a:latin typeface="Roboto" panose="02000000000000000000" charset="0"/>
+                  <a:latin typeface="Times New Roman" panose="02020603050405020304" pitchFamily="18" charset="0"/>
                   <a:ea typeface="Roboto" panose="02000000000000000000" charset="0"/>
+                  <a:cs typeface="Times New Roman" panose="02020603050405020304" pitchFamily="18" charset="0"/>
                 </a:rPr>
                 <a:t>ReactJS</a:t>
               </a:r>
@@ -26450,8 +27067,9 @@
                     <a:lumMod val="10000"/>
                   </a:schemeClr>
                 </a:solidFill>
-                <a:latin typeface="Roboto" panose="02000000000000000000" charset="0"/>
+                <a:latin typeface="Times New Roman" panose="02020603050405020304" pitchFamily="18" charset="0"/>
                 <a:ea typeface="Roboto" panose="02000000000000000000" charset="0"/>
+                <a:cs typeface="Times New Roman" panose="02020603050405020304" pitchFamily="18" charset="0"/>
               </a:endParaRPr>
             </a:p>
           </p:txBody>
@@ -26499,8 +27117,9 @@
                 <a:buNone/>
               </a:pPr>
               <a:endParaRPr>
-                <a:latin typeface="Roboto" panose="02000000000000000000" charset="0"/>
+                <a:latin typeface="Times New Roman" panose="02020603050405020304" pitchFamily="18" charset="0"/>
                 <a:ea typeface="Roboto" panose="02000000000000000000" charset="0"/>
+                <a:cs typeface="Times New Roman" panose="02020603050405020304" pitchFamily="18" charset="0"/>
               </a:endParaRPr>
             </a:p>
           </p:txBody>
@@ -26556,8 +27175,9 @@
                   <a:buNone/>
                 </a:pPr>
                 <a:endParaRPr>
-                  <a:latin typeface="Roboto" panose="02000000000000000000" charset="0"/>
+                  <a:latin typeface="Times New Roman" panose="02020603050405020304" pitchFamily="18" charset="0"/>
                   <a:ea typeface="Roboto" panose="02000000000000000000" charset="0"/>
+                  <a:cs typeface="Times New Roman" panose="02020603050405020304" pitchFamily="18" charset="0"/>
                 </a:endParaRPr>
               </a:p>
             </p:txBody>
@@ -26602,8 +27222,9 @@
                   <a:buNone/>
                 </a:pPr>
                 <a:endParaRPr>
-                  <a:latin typeface="Roboto" panose="02000000000000000000" charset="0"/>
+                  <a:latin typeface="Times New Roman" panose="02020603050405020304" pitchFamily="18" charset="0"/>
                   <a:ea typeface="Roboto" panose="02000000000000000000" charset="0"/>
+                  <a:cs typeface="Times New Roman" panose="02020603050405020304" pitchFamily="18" charset="0"/>
                 </a:endParaRPr>
               </a:p>
             </p:txBody>
@@ -26650,20 +27271,12 @@
                       <a:lumMod val="10000"/>
                     </a:schemeClr>
                   </a:solidFill>
-                  <a:latin typeface="Roboto" panose="02000000000000000000" charset="0"/>
+                  <a:latin typeface="Times New Roman" panose="02020603050405020304" pitchFamily="18" charset="0"/>
                   <a:ea typeface="Roboto" panose="02000000000000000000" charset="0"/>
+                  <a:cs typeface="Times New Roman" panose="02020603050405020304" pitchFamily="18" charset="0"/>
                 </a:rPr>
                 <a:t>Link web F8:</a:t>
               </a:r>
-              <a:endParaRPr lang="en-US" sz="800" dirty="0">
-                <a:solidFill>
-                  <a:schemeClr val="accent6">
-                    <a:lumMod val="10000"/>
-                  </a:schemeClr>
-                </a:solidFill>
-                <a:latin typeface="Roboto" panose="02000000000000000000" charset="0"/>
-                <a:ea typeface="Roboto" panose="02000000000000000000" charset="0"/>
-              </a:endParaRPr>
             </a:p>
             <a:p>
               <a:pPr marL="0" lvl="0" indent="0" algn="l" rtl="0">
@@ -26682,8 +27295,9 @@
                       <a:lumMod val="75000"/>
                     </a:schemeClr>
                   </a:solidFill>
-                  <a:latin typeface="Roboto" panose="02000000000000000000" charset="0"/>
+                  <a:latin typeface="Times New Roman" panose="02020603050405020304" pitchFamily="18" charset="0"/>
                   <a:ea typeface="Roboto" panose="02000000000000000000" charset="0"/>
+                  <a:cs typeface="Times New Roman" panose="02020603050405020304" pitchFamily="18" charset="0"/>
                 </a:rPr>
                 <a:t>https://fullstack.edu.vn</a:t>
               </a:r>
@@ -26694,20 +27308,12 @@
                       <a:lumMod val="75000"/>
                     </a:schemeClr>
                   </a:solidFill>
-                  <a:latin typeface="Roboto" panose="02000000000000000000" charset="0"/>
+                  <a:latin typeface="Times New Roman" panose="02020603050405020304" pitchFamily="18" charset="0"/>
                   <a:ea typeface="Roboto" panose="02000000000000000000" charset="0"/>
+                  <a:cs typeface="Times New Roman" panose="02020603050405020304" pitchFamily="18" charset="0"/>
                 </a:rPr>
                 <a:t>/</a:t>
               </a:r>
-              <a:endParaRPr lang="en-US" sz="800" dirty="0">
-                <a:solidFill>
-                  <a:schemeClr val="bg1">
-                    <a:lumMod val="75000"/>
-                  </a:schemeClr>
-                </a:solidFill>
-                <a:latin typeface="Roboto" panose="02000000000000000000" charset="0"/>
-                <a:ea typeface="Roboto" panose="02000000000000000000" charset="0"/>
-              </a:endParaRPr>
             </a:p>
           </p:txBody>
         </p:sp>
@@ -26754,8 +27360,9 @@
                 <a:buNone/>
               </a:pPr>
               <a:endParaRPr>
-                <a:latin typeface="Roboto" panose="02000000000000000000" charset="0"/>
+                <a:latin typeface="Times New Roman" panose="02020603050405020304" pitchFamily="18" charset="0"/>
                 <a:ea typeface="Roboto" panose="02000000000000000000" charset="0"/>
+                <a:cs typeface="Times New Roman" panose="02020603050405020304" pitchFamily="18" charset="0"/>
               </a:endParaRPr>
             </a:p>
           </p:txBody>
@@ -26811,8 +27418,9 @@
                   <a:buNone/>
                 </a:pPr>
                 <a:endParaRPr>
-                  <a:latin typeface="Roboto" panose="02000000000000000000" charset="0"/>
+                  <a:latin typeface="Times New Roman" panose="02020603050405020304" pitchFamily="18" charset="0"/>
                   <a:ea typeface="Roboto" panose="02000000000000000000" charset="0"/>
+                  <a:cs typeface="Times New Roman" panose="02020603050405020304" pitchFamily="18" charset="0"/>
                 </a:endParaRPr>
               </a:p>
             </p:txBody>
@@ -26857,8 +27465,9 @@
                   <a:buNone/>
                 </a:pPr>
                 <a:endParaRPr>
-                  <a:latin typeface="Roboto" panose="02000000000000000000" charset="0"/>
+                  <a:latin typeface="Times New Roman" panose="02020603050405020304" pitchFamily="18" charset="0"/>
                   <a:ea typeface="Roboto" panose="02000000000000000000" charset="0"/>
+                  <a:cs typeface="Times New Roman" panose="02020603050405020304" pitchFamily="18" charset="0"/>
                 </a:endParaRPr>
               </a:p>
             </p:txBody>
@@ -26905,8 +27514,9 @@
                       <a:lumMod val="10000"/>
                     </a:schemeClr>
                   </a:solidFill>
-                  <a:latin typeface="Roboto" panose="02000000000000000000" charset="0"/>
+                  <a:latin typeface="Times New Roman" panose="02020603050405020304" pitchFamily="18" charset="0"/>
                   <a:ea typeface="Roboto" panose="02000000000000000000" charset="0"/>
+                  <a:cs typeface="Times New Roman" panose="02020603050405020304" pitchFamily="18" charset="0"/>
                   <a:sym typeface="+mn-ea"/>
                 </a:rPr>
                 <a:t>Hoàn</a:t>
@@ -26918,8 +27528,9 @@
                       <a:lumMod val="10000"/>
                     </a:schemeClr>
                   </a:solidFill>
-                  <a:latin typeface="Roboto" panose="02000000000000000000" charset="0"/>
+                  <a:latin typeface="Times New Roman" panose="02020603050405020304" pitchFamily="18" charset="0"/>
                   <a:ea typeface="Roboto" panose="02000000000000000000" charset="0"/>
+                  <a:cs typeface="Times New Roman" panose="02020603050405020304" pitchFamily="18" charset="0"/>
                   <a:sym typeface="+mn-ea"/>
                 </a:rPr>
                 <a:t> </a:t>
@@ -26931,8 +27542,9 @@
                       <a:lumMod val="10000"/>
                     </a:schemeClr>
                   </a:solidFill>
-                  <a:latin typeface="Roboto" panose="02000000000000000000" charset="0"/>
+                  <a:latin typeface="Times New Roman" panose="02020603050405020304" pitchFamily="18" charset="0"/>
                   <a:ea typeface="Roboto" panose="02000000000000000000" charset="0"/>
+                  <a:cs typeface="Times New Roman" panose="02020603050405020304" pitchFamily="18" charset="0"/>
                   <a:sym typeface="+mn-ea"/>
                 </a:rPr>
                 <a:t>thành</a:t>
@@ -26944,8 +27556,9 @@
                       <a:lumMod val="10000"/>
                     </a:schemeClr>
                   </a:solidFill>
-                  <a:latin typeface="Roboto" panose="02000000000000000000" charset="0"/>
+                  <a:latin typeface="Times New Roman" panose="02020603050405020304" pitchFamily="18" charset="0"/>
                   <a:ea typeface="Roboto" panose="02000000000000000000" charset="0"/>
+                  <a:cs typeface="Times New Roman" panose="02020603050405020304" pitchFamily="18" charset="0"/>
                   <a:sym typeface="+mn-ea"/>
                 </a:rPr>
                 <a:t> 108/118 </a:t>
@@ -26957,8 +27570,9 @@
                       <a:lumMod val="10000"/>
                     </a:schemeClr>
                   </a:solidFill>
-                  <a:latin typeface="Roboto" panose="02000000000000000000" charset="0"/>
+                  <a:latin typeface="Times New Roman" panose="02020603050405020304" pitchFamily="18" charset="0"/>
                   <a:ea typeface="Roboto" panose="02000000000000000000" charset="0"/>
+                  <a:cs typeface="Times New Roman" panose="02020603050405020304" pitchFamily="18" charset="0"/>
                   <a:sym typeface="+mn-ea"/>
                 </a:rPr>
                 <a:t>nội</a:t>
@@ -26970,8 +27584,9 @@
                       <a:lumMod val="10000"/>
                     </a:schemeClr>
                   </a:solidFill>
-                  <a:latin typeface="Roboto" panose="02000000000000000000" charset="0"/>
+                  <a:latin typeface="Times New Roman" panose="02020603050405020304" pitchFamily="18" charset="0"/>
                   <a:ea typeface="Roboto" panose="02000000000000000000" charset="0"/>
+                  <a:cs typeface="Times New Roman" panose="02020603050405020304" pitchFamily="18" charset="0"/>
                   <a:sym typeface="+mn-ea"/>
                 </a:rPr>
                 <a:t> dung </a:t>
@@ -26983,8 +27598,9 @@
                       <a:lumMod val="10000"/>
                     </a:schemeClr>
                   </a:solidFill>
-                  <a:latin typeface="Roboto" panose="02000000000000000000" charset="0"/>
+                  <a:latin typeface="Times New Roman" panose="02020603050405020304" pitchFamily="18" charset="0"/>
                   <a:ea typeface="Roboto" panose="02000000000000000000" charset="0"/>
+                  <a:cs typeface="Times New Roman" panose="02020603050405020304" pitchFamily="18" charset="0"/>
                   <a:sym typeface="+mn-ea"/>
                 </a:rPr>
                 <a:t>khóa</a:t>
@@ -26996,8 +27612,9 @@
                       <a:lumMod val="10000"/>
                     </a:schemeClr>
                   </a:solidFill>
-                  <a:latin typeface="Roboto" panose="02000000000000000000" charset="0"/>
+                  <a:latin typeface="Times New Roman" panose="02020603050405020304" pitchFamily="18" charset="0"/>
                   <a:ea typeface="Roboto" panose="02000000000000000000" charset="0"/>
+                  <a:cs typeface="Times New Roman" panose="02020603050405020304" pitchFamily="18" charset="0"/>
                   <a:sym typeface="+mn-ea"/>
                 </a:rPr>
                 <a:t> </a:t>
@@ -27009,8 +27626,9 @@
                       <a:lumMod val="10000"/>
                     </a:schemeClr>
                   </a:solidFill>
-                  <a:latin typeface="Roboto" panose="02000000000000000000" charset="0"/>
+                  <a:latin typeface="Times New Roman" panose="02020603050405020304" pitchFamily="18" charset="0"/>
                   <a:ea typeface="Roboto" panose="02000000000000000000" charset="0"/>
+                  <a:cs typeface="Times New Roman" panose="02020603050405020304" pitchFamily="18" charset="0"/>
                   <a:sym typeface="+mn-ea"/>
                 </a:rPr>
                 <a:t>học</a:t>
@@ -27021,8 +27639,9 @@
                     <a:lumMod val="10000"/>
                   </a:schemeClr>
                 </a:solidFill>
-                <a:latin typeface="Roboto" panose="02000000000000000000" charset="0"/>
+                <a:latin typeface="Times New Roman" panose="02020603050405020304" pitchFamily="18" charset="0"/>
                 <a:ea typeface="Roboto" panose="02000000000000000000" charset="0"/>
+                <a:cs typeface="Times New Roman" panose="02020603050405020304" pitchFamily="18" charset="0"/>
               </a:endParaRPr>
             </a:p>
           </p:txBody>
@@ -27064,8 +27683,9 @@
                 <a:buNone/>
               </a:pPr>
               <a:endParaRPr>
-                <a:latin typeface="Roboto" panose="02000000000000000000" charset="0"/>
+                <a:latin typeface="Times New Roman" panose="02020603050405020304" pitchFamily="18" charset="0"/>
                 <a:ea typeface="Roboto" panose="02000000000000000000" charset="0"/>
+                <a:cs typeface="Times New Roman" panose="02020603050405020304" pitchFamily="18" charset="0"/>
               </a:endParaRPr>
             </a:p>
           </p:txBody>
@@ -27107,8 +27727,9 @@
                 <a:buNone/>
               </a:pPr>
               <a:endParaRPr>
-                <a:latin typeface="Roboto" panose="02000000000000000000" charset="0"/>
+                <a:latin typeface="Times New Roman" panose="02020603050405020304" pitchFamily="18" charset="0"/>
                 <a:ea typeface="Roboto" panose="02000000000000000000" charset="0"/>
+                <a:cs typeface="Times New Roman" panose="02020603050405020304" pitchFamily="18" charset="0"/>
               </a:endParaRPr>
             </a:p>
           </p:txBody>
@@ -27150,8 +27771,9 @@
                 <a:buNone/>
               </a:pPr>
               <a:endParaRPr>
-                <a:latin typeface="Roboto" panose="02000000000000000000" charset="0"/>
+                <a:latin typeface="Times New Roman" panose="02020603050405020304" pitchFamily="18" charset="0"/>
                 <a:ea typeface="Roboto" panose="02000000000000000000" charset="0"/>
+                <a:cs typeface="Times New Roman" panose="02020603050405020304" pitchFamily="18" charset="0"/>
               </a:endParaRPr>
             </a:p>
           </p:txBody>
@@ -27290,8 +27912,9 @@
                       <a:lumMod val="10000"/>
                     </a:schemeClr>
                   </a:solidFill>
-                  <a:latin typeface="Roboto" panose="02000000000000000000" charset="0"/>
+                  <a:latin typeface="Times New Roman" panose="02020603050405020304" pitchFamily="18" charset="0"/>
                   <a:ea typeface="Roboto" panose="02000000000000000000" charset="0"/>
+                  <a:cs typeface="Times New Roman" panose="02020603050405020304" pitchFamily="18" charset="0"/>
                 </a:rPr>
                 <a:t>91</a:t>
               </a:r>
@@ -27302,8 +27925,9 @@
                       <a:lumMod val="10000"/>
                     </a:schemeClr>
                   </a:solidFill>
-                  <a:latin typeface="Roboto" panose="02000000000000000000" charset="0"/>
+                  <a:latin typeface="Times New Roman" panose="02020603050405020304" pitchFamily="18" charset="0"/>
                   <a:ea typeface="Roboto" panose="02000000000000000000" charset="0"/>
+                  <a:cs typeface="Times New Roman" panose="02020603050405020304" pitchFamily="18" charset="0"/>
                 </a:rPr>
                 <a:t>%</a:t>
               </a:r>
@@ -27313,8 +27937,9 @@
                     <a:lumMod val="10000"/>
                   </a:schemeClr>
                 </a:solidFill>
-                <a:latin typeface="Roboto" panose="02000000000000000000" charset="0"/>
+                <a:latin typeface="Times New Roman" panose="02020603050405020304" pitchFamily="18" charset="0"/>
                 <a:ea typeface="Roboto" panose="02000000000000000000" charset="0"/>
+                <a:cs typeface="Times New Roman" panose="02020603050405020304" pitchFamily="18" charset="0"/>
               </a:endParaRPr>
             </a:p>
           </p:txBody>
@@ -27366,6 +27991,8 @@
             <a:pPr algn="ctr"/>
             <a:endParaRPr lang="en-US">
               <a:noFill/>
+              <a:latin typeface="Times New Roman" panose="02020603050405020304" pitchFamily="18" charset="0"/>
+              <a:cs typeface="Times New Roman" panose="02020603050405020304" pitchFamily="18" charset="0"/>
             </a:endParaRPr>
           </a:p>
         </p:txBody>
@@ -27408,34 +28035,58 @@
           <a:p>
             <a:pPr algn="ctr"/>
             <a:r>
-              <a:rPr lang="en-GB" b="1" dirty="0" err="1" smtClean="0"/>
+              <a:rPr lang="en-GB" b="1" dirty="0" err="1" smtClean="0">
+                <a:latin typeface="Times New Roman" panose="02020603050405020304" pitchFamily="18" charset="0"/>
+                <a:cs typeface="Times New Roman" panose="02020603050405020304" pitchFamily="18" charset="0"/>
+              </a:rPr>
               <a:t>Tiến</a:t>
             </a:r>
             <a:r>
-              <a:rPr lang="en-GB" b="1" dirty="0" smtClean="0"/>
+              <a:rPr lang="en-GB" b="1" dirty="0" smtClean="0">
+                <a:latin typeface="Times New Roman" panose="02020603050405020304" pitchFamily="18" charset="0"/>
+                <a:cs typeface="Times New Roman" panose="02020603050405020304" pitchFamily="18" charset="0"/>
+              </a:rPr>
               <a:t> </a:t>
             </a:r>
             <a:r>
-              <a:rPr lang="en-GB" b="1" dirty="0" err="1" smtClean="0"/>
+              <a:rPr lang="en-GB" b="1" dirty="0" err="1" smtClean="0">
+                <a:latin typeface="Times New Roman" panose="02020603050405020304" pitchFamily="18" charset="0"/>
+                <a:cs typeface="Times New Roman" panose="02020603050405020304" pitchFamily="18" charset="0"/>
+              </a:rPr>
               <a:t>độ</a:t>
             </a:r>
             <a:r>
-              <a:rPr lang="en-GB" b="1" dirty="0" smtClean="0"/>
+              <a:rPr lang="en-GB" b="1" dirty="0" smtClean="0">
+                <a:latin typeface="Times New Roman" panose="02020603050405020304" pitchFamily="18" charset="0"/>
+                <a:cs typeface="Times New Roman" panose="02020603050405020304" pitchFamily="18" charset="0"/>
+              </a:rPr>
               <a:t> </a:t>
             </a:r>
             <a:r>
-              <a:rPr lang="en-GB" b="1" dirty="0" err="1" smtClean="0"/>
+              <a:rPr lang="en-GB" b="1" dirty="0" err="1" smtClean="0">
+                <a:latin typeface="Times New Roman" panose="02020603050405020304" pitchFamily="18" charset="0"/>
+                <a:cs typeface="Times New Roman" panose="02020603050405020304" pitchFamily="18" charset="0"/>
+              </a:rPr>
               <a:t>học</a:t>
             </a:r>
             <a:r>
-              <a:rPr lang="en-GB" b="1" dirty="0" smtClean="0"/>
+              <a:rPr lang="en-GB" b="1" dirty="0" smtClean="0">
+                <a:latin typeface="Times New Roman" panose="02020603050405020304" pitchFamily="18" charset="0"/>
+                <a:cs typeface="Times New Roman" panose="02020603050405020304" pitchFamily="18" charset="0"/>
+              </a:rPr>
               <a:t> </a:t>
             </a:r>
             <a:r>
-              <a:rPr lang="en-GB" b="1" dirty="0" err="1" smtClean="0"/>
+              <a:rPr lang="en-GB" b="1" dirty="0" err="1" smtClean="0">
+                <a:latin typeface="Times New Roman" panose="02020603050405020304" pitchFamily="18" charset="0"/>
+                <a:cs typeface="Times New Roman" panose="02020603050405020304" pitchFamily="18" charset="0"/>
+              </a:rPr>
               <a:t>tập</a:t>
             </a:r>
-            <a:endParaRPr lang="en-US" b="1" dirty="0"/>
+            <a:endParaRPr lang="en-US" b="1" dirty="0">
+              <a:latin typeface="Times New Roman" panose="02020603050405020304" pitchFamily="18" charset="0"/>
+              <a:cs typeface="Times New Roman" panose="02020603050405020304" pitchFamily="18" charset="0"/>
+            </a:endParaRPr>
           </a:p>
         </p:txBody>
       </p:sp>
@@ -27478,77 +28129,88 @@
             <a:pPr algn="ctr"/>
             <a:r>
               <a:rPr lang="en-GB" sz="1200" dirty="0" err="1" smtClean="0">
-                <a:latin typeface="Roboto" panose="02000000000000000000" charset="0"/>
+                <a:latin typeface="Times New Roman" panose="02020603050405020304" pitchFamily="18" charset="0"/>
                 <a:ea typeface="Roboto" panose="02000000000000000000" charset="0"/>
+                <a:cs typeface="Times New Roman" panose="02020603050405020304" pitchFamily="18" charset="0"/>
               </a:rPr>
               <a:t>Số</a:t>
             </a:r>
             <a:r>
               <a:rPr lang="en-GB" sz="1200" dirty="0" smtClean="0">
-                <a:latin typeface="Roboto" panose="02000000000000000000" charset="0"/>
+                <a:latin typeface="Times New Roman" panose="02020603050405020304" pitchFamily="18" charset="0"/>
                 <a:ea typeface="Roboto" panose="02000000000000000000" charset="0"/>
+                <a:cs typeface="Times New Roman" panose="02020603050405020304" pitchFamily="18" charset="0"/>
               </a:rPr>
               <a:t> </a:t>
             </a:r>
             <a:r>
               <a:rPr lang="en-GB" sz="1200" dirty="0" err="1" smtClean="0">
-                <a:latin typeface="Roboto" panose="02000000000000000000" charset="0"/>
+                <a:latin typeface="Times New Roman" panose="02020603050405020304" pitchFamily="18" charset="0"/>
                 <a:ea typeface="Roboto" panose="02000000000000000000" charset="0"/>
+                <a:cs typeface="Times New Roman" panose="02020603050405020304" pitchFamily="18" charset="0"/>
               </a:rPr>
               <a:t>liệu</a:t>
             </a:r>
             <a:r>
               <a:rPr lang="en-GB" sz="1200" dirty="0" smtClean="0">
-                <a:latin typeface="Roboto" panose="02000000000000000000" charset="0"/>
+                <a:latin typeface="Times New Roman" panose="02020603050405020304" pitchFamily="18" charset="0"/>
                 <a:ea typeface="Roboto" panose="02000000000000000000" charset="0"/>
+                <a:cs typeface="Times New Roman" panose="02020603050405020304" pitchFamily="18" charset="0"/>
               </a:rPr>
               <a:t> </a:t>
             </a:r>
             <a:r>
               <a:rPr lang="en-GB" sz="1200" dirty="0" err="1" smtClean="0">
-                <a:latin typeface="Roboto" panose="02000000000000000000" charset="0"/>
+                <a:latin typeface="Times New Roman" panose="02020603050405020304" pitchFamily="18" charset="0"/>
                 <a:ea typeface="Roboto" panose="02000000000000000000" charset="0"/>
+                <a:cs typeface="Times New Roman" panose="02020603050405020304" pitchFamily="18" charset="0"/>
               </a:rPr>
               <a:t>tính</a:t>
             </a:r>
             <a:r>
               <a:rPr lang="en-GB" sz="1200" dirty="0" smtClean="0">
-                <a:latin typeface="Roboto" panose="02000000000000000000" charset="0"/>
+                <a:latin typeface="Times New Roman" panose="02020603050405020304" pitchFamily="18" charset="0"/>
                 <a:ea typeface="Roboto" panose="02000000000000000000" charset="0"/>
+                <a:cs typeface="Times New Roman" panose="02020603050405020304" pitchFamily="18" charset="0"/>
               </a:rPr>
               <a:t> </a:t>
             </a:r>
             <a:r>
               <a:rPr lang="en-GB" sz="1200" dirty="0" err="1" smtClean="0">
-                <a:latin typeface="Roboto" panose="02000000000000000000" charset="0"/>
+                <a:latin typeface="Times New Roman" panose="02020603050405020304" pitchFamily="18" charset="0"/>
                 <a:ea typeface="Roboto" panose="02000000000000000000" charset="0"/>
+                <a:cs typeface="Times New Roman" panose="02020603050405020304" pitchFamily="18" charset="0"/>
               </a:rPr>
               <a:t>đến</a:t>
             </a:r>
             <a:r>
               <a:rPr lang="en-GB" sz="1200" dirty="0" smtClean="0">
-                <a:latin typeface="Roboto" panose="02000000000000000000" charset="0"/>
+                <a:latin typeface="Times New Roman" panose="02020603050405020304" pitchFamily="18" charset="0"/>
                 <a:ea typeface="Roboto" panose="02000000000000000000" charset="0"/>
+                <a:cs typeface="Times New Roman" panose="02020603050405020304" pitchFamily="18" charset="0"/>
               </a:rPr>
               <a:t> </a:t>
             </a:r>
             <a:r>
               <a:rPr lang="en-GB" sz="1200" dirty="0" err="1" smtClean="0">
-                <a:latin typeface="Roboto" panose="02000000000000000000" charset="0"/>
+                <a:latin typeface="Times New Roman" panose="02020603050405020304" pitchFamily="18" charset="0"/>
                 <a:ea typeface="Roboto" panose="02000000000000000000" charset="0"/>
+                <a:cs typeface="Times New Roman" panose="02020603050405020304" pitchFamily="18" charset="0"/>
               </a:rPr>
               <a:t>ngày</a:t>
             </a:r>
             <a:r>
               <a:rPr lang="en-GB" sz="1200" dirty="0" smtClean="0">
-                <a:latin typeface="Roboto" panose="02000000000000000000" charset="0"/>
+                <a:latin typeface="Times New Roman" panose="02020603050405020304" pitchFamily="18" charset="0"/>
                 <a:ea typeface="Roboto" panose="02000000000000000000" charset="0"/>
+                <a:cs typeface="Times New Roman" panose="02020603050405020304" pitchFamily="18" charset="0"/>
               </a:rPr>
               <a:t> 21/12/2023</a:t>
             </a:r>
             <a:endParaRPr lang="en-US" sz="1200" dirty="0">
-              <a:latin typeface="Roboto" panose="02000000000000000000" charset="0"/>
+              <a:latin typeface="Times New Roman" panose="02020603050405020304" pitchFamily="18" charset="0"/>
               <a:ea typeface="Roboto" panose="02000000000000000000" charset="0"/>
+              <a:cs typeface="Times New Roman" panose="02020603050405020304" pitchFamily="18" charset="0"/>
             </a:endParaRPr>
           </a:p>
         </p:txBody>
@@ -27603,6 +28265,10 @@
                 </a:spcAft>
                 <a:buNone/>
               </a:pPr>
+              <a:endParaRPr>
+                <a:latin typeface="Times New Roman" panose="02020603050405020304" pitchFamily="18" charset="0"/>
+                <a:cs typeface="Times New Roman" panose="02020603050405020304" pitchFamily="18" charset="0"/>
+              </a:endParaRPr>
             </a:p>
           </p:txBody>
         </p:sp>
@@ -27648,6 +28314,10 @@
                 </a:spcAft>
                 <a:buNone/>
               </a:pPr>
+              <a:endParaRPr>
+                <a:latin typeface="Times New Roman" panose="02020603050405020304" pitchFamily="18" charset="0"/>
+                <a:cs typeface="Times New Roman" panose="02020603050405020304" pitchFamily="18" charset="0"/>
+              </a:endParaRPr>
             </a:p>
           </p:txBody>
         </p:sp>
@@ -27693,6 +28363,10 @@
                 </a:spcAft>
                 <a:buNone/>
               </a:pPr>
+              <a:endParaRPr>
+                <a:latin typeface="Times New Roman" panose="02020603050405020304" pitchFamily="18" charset="0"/>
+                <a:cs typeface="Times New Roman" panose="02020603050405020304" pitchFamily="18" charset="0"/>
+              </a:endParaRPr>
             </a:p>
           </p:txBody>
         </p:sp>
@@ -27762,16 +28436,11 @@
                       <a:lumMod val="10000"/>
                     </a:schemeClr>
                   </a:solidFill>
+                  <a:latin typeface="Times New Roman" panose="02020603050405020304" pitchFamily="18" charset="0"/>
+                  <a:cs typeface="Times New Roman" panose="02020603050405020304" pitchFamily="18" charset="0"/>
                 </a:rPr>
                 <a:t>1. Header</a:t>
               </a:r>
-              <a:endParaRPr lang="en-GB" sz="1000" dirty="0" smtClean="0">
-                <a:solidFill>
-                  <a:schemeClr val="accent6">
-                    <a:lumMod val="10000"/>
-                  </a:schemeClr>
-                </a:solidFill>
-              </a:endParaRPr>
             </a:p>
             <a:p>
               <a:pPr lvl="0" rtl="0">
@@ -27789,6 +28458,8 @@
                       <a:lumMod val="10000"/>
                     </a:schemeClr>
                   </a:solidFill>
+                  <a:latin typeface="Times New Roman" panose="02020603050405020304" pitchFamily="18" charset="0"/>
+                  <a:cs typeface="Times New Roman" panose="02020603050405020304" pitchFamily="18" charset="0"/>
                 </a:rPr>
                 <a:t>2. Sidebar</a:t>
               </a:r>
@@ -27798,6 +28469,8 @@
                     <a:lumMod val="10000"/>
                   </a:schemeClr>
                 </a:solidFill>
+                <a:latin typeface="Times New Roman" panose="02020603050405020304" pitchFamily="18" charset="0"/>
+                <a:cs typeface="Times New Roman" panose="02020603050405020304" pitchFamily="18" charset="0"/>
               </a:endParaRPr>
             </a:p>
           </p:txBody>
@@ -27869,6 +28542,8 @@
                       <a:lumMod val="10000"/>
                     </a:schemeClr>
                   </a:solidFill>
+                  <a:latin typeface="Times New Roman" panose="02020603050405020304" pitchFamily="18" charset="0"/>
+                  <a:cs typeface="Times New Roman" panose="02020603050405020304" pitchFamily="18" charset="0"/>
                 </a:rPr>
                 <a:t>Dự</a:t>
               </a:r>
@@ -27879,6 +28554,8 @@
                       <a:lumMod val="10000"/>
                     </a:schemeClr>
                   </a:solidFill>
+                  <a:latin typeface="Times New Roman" panose="02020603050405020304" pitchFamily="18" charset="0"/>
+                  <a:cs typeface="Times New Roman" panose="02020603050405020304" pitchFamily="18" charset="0"/>
                 </a:rPr>
                 <a:t> </a:t>
               </a:r>
@@ -27889,6 +28566,8 @@
                       <a:lumMod val="10000"/>
                     </a:schemeClr>
                   </a:solidFill>
+                  <a:latin typeface="Times New Roman" panose="02020603050405020304" pitchFamily="18" charset="0"/>
+                  <a:cs typeface="Times New Roman" panose="02020603050405020304" pitchFamily="18" charset="0"/>
                 </a:rPr>
                 <a:t>án</a:t>
               </a:r>
@@ -27899,6 +28578,8 @@
                       <a:lumMod val="10000"/>
                     </a:schemeClr>
                   </a:solidFill>
+                  <a:latin typeface="Times New Roman" panose="02020603050405020304" pitchFamily="18" charset="0"/>
+                  <a:cs typeface="Times New Roman" panose="02020603050405020304" pitchFamily="18" charset="0"/>
                 </a:rPr>
                 <a:t> </a:t>
               </a:r>
@@ -27909,6 +28590,8 @@
                       <a:lumMod val="10000"/>
                     </a:schemeClr>
                   </a:solidFill>
+                  <a:latin typeface="Times New Roman" panose="02020603050405020304" pitchFamily="18" charset="0"/>
+                  <a:cs typeface="Times New Roman" panose="02020603050405020304" pitchFamily="18" charset="0"/>
                 </a:rPr>
                 <a:t>Tiktok</a:t>
               </a:r>
@@ -27918,6 +28601,8 @@
                     <a:lumMod val="10000"/>
                   </a:schemeClr>
                 </a:solidFill>
+                <a:latin typeface="Times New Roman" panose="02020603050405020304" pitchFamily="18" charset="0"/>
+                <a:cs typeface="Times New Roman" panose="02020603050405020304" pitchFamily="18" charset="0"/>
               </a:endParaRPr>
             </a:p>
             <a:p>
@@ -27937,6 +28622,8 @@
                       <a:lumMod val="10000"/>
                     </a:schemeClr>
                   </a:solidFill>
+                  <a:latin typeface="Times New Roman" panose="02020603050405020304" pitchFamily="18" charset="0"/>
+                  <a:cs typeface="Times New Roman" panose="02020603050405020304" pitchFamily="18" charset="0"/>
                 </a:rPr>
                 <a:t>15/21 Video</a:t>
               </a:r>
@@ -27946,6 +28633,8 @@
                     <a:lumMod val="10000"/>
                   </a:schemeClr>
                 </a:solidFill>
+                <a:latin typeface="Times New Roman" panose="02020603050405020304" pitchFamily="18" charset="0"/>
+                <a:cs typeface="Times New Roman" panose="02020603050405020304" pitchFamily="18" charset="0"/>
               </a:endParaRPr>
             </a:p>
           </p:txBody>
@@ -28032,6 +28721,10 @@
                   </a:spcAft>
                   <a:buNone/>
                 </a:pPr>
+                <a:endParaRPr>
+                  <a:latin typeface="Times New Roman" panose="02020603050405020304" pitchFamily="18" charset="0"/>
+                  <a:cs typeface="Times New Roman" panose="02020603050405020304" pitchFamily="18" charset="0"/>
+                </a:endParaRPr>
               </a:p>
             </p:txBody>
           </p:sp>
@@ -28081,6 +28774,10 @@
                   </a:spcAft>
                   <a:buNone/>
                 </a:pPr>
+                <a:endParaRPr>
+                  <a:latin typeface="Times New Roman" panose="02020603050405020304" pitchFamily="18" charset="0"/>
+                  <a:cs typeface="Times New Roman" panose="02020603050405020304" pitchFamily="18" charset="0"/>
+                </a:endParaRPr>
               </a:p>
             </p:txBody>
           </p:sp>
@@ -28154,6 +28851,8 @@
                       <a:lumMod val="10000"/>
                     </a:schemeClr>
                   </a:solidFill>
+                  <a:latin typeface="Times New Roman" panose="02020603050405020304" pitchFamily="18" charset="0"/>
+                  <a:cs typeface="Times New Roman" panose="02020603050405020304" pitchFamily="18" charset="0"/>
                 </a:rPr>
                 <a:t>71%</a:t>
               </a:r>
@@ -28163,6 +28862,8 @@
                     <a:lumMod val="10000"/>
                   </a:schemeClr>
                 </a:solidFill>
+                <a:latin typeface="Times New Roman" panose="02020603050405020304" pitchFamily="18" charset="0"/>
+                <a:cs typeface="Times New Roman" panose="02020603050405020304" pitchFamily="18" charset="0"/>
               </a:endParaRPr>
             </a:p>
           </p:txBody>
@@ -28277,18 +28978,30 @@
               <a:buNone/>
             </a:pPr>
             <a:r>
-              <a:rPr lang="en-GB" dirty="0" err="1" smtClean="0"/>
+              <a:rPr lang="en-GB" dirty="0" err="1" smtClean="0">
+                <a:latin typeface="Times New Roman" panose="02020603050405020304" pitchFamily="18" charset="0"/>
+                <a:cs typeface="Times New Roman" panose="02020603050405020304" pitchFamily="18" charset="0"/>
+              </a:rPr>
               <a:t>Khái</a:t>
             </a:r>
             <a:r>
-              <a:rPr lang="en-GB" dirty="0" smtClean="0"/>
+              <a:rPr lang="en-GB" dirty="0" smtClean="0">
+                <a:latin typeface="Times New Roman" panose="02020603050405020304" pitchFamily="18" charset="0"/>
+                <a:cs typeface="Times New Roman" panose="02020603050405020304" pitchFamily="18" charset="0"/>
+              </a:rPr>
               <a:t> </a:t>
             </a:r>
             <a:r>
-              <a:rPr lang="en-GB" dirty="0" err="1" smtClean="0"/>
+              <a:rPr lang="en-GB" dirty="0" err="1" smtClean="0">
+                <a:latin typeface="Times New Roman" panose="02020603050405020304" pitchFamily="18" charset="0"/>
+                <a:cs typeface="Times New Roman" panose="02020603050405020304" pitchFamily="18" charset="0"/>
+              </a:rPr>
               <a:t>niệm</a:t>
             </a:r>
-            <a:endParaRPr lang="en-GB" dirty="0"/>
+            <a:endParaRPr lang="en-GB" dirty="0">
+              <a:latin typeface="Times New Roman" panose="02020603050405020304" pitchFamily="18" charset="0"/>
+              <a:cs typeface="Times New Roman" panose="02020603050405020304" pitchFamily="18" charset="0"/>
+            </a:endParaRPr>
           </a:p>
         </p:txBody>
       </p:sp>
@@ -28325,6 +29038,8 @@
                     <a:lumMod val="10000"/>
                   </a:schemeClr>
                 </a:solidFill>
+                <a:latin typeface="Times New Roman" panose="02020603050405020304" pitchFamily="18" charset="0"/>
+                <a:cs typeface="Times New Roman" panose="02020603050405020304" pitchFamily="18" charset="0"/>
               </a:rPr>
               <a:t>React.js là một thư viện </a:t>
             </a:r>
@@ -28335,6 +29050,8 @@
                     <a:lumMod val="10000"/>
                   </a:schemeClr>
                 </a:solidFill>
+                <a:latin typeface="Times New Roman" panose="02020603050405020304" pitchFamily="18" charset="0"/>
+                <a:cs typeface="Times New Roman" panose="02020603050405020304" pitchFamily="18" charset="0"/>
               </a:rPr>
               <a:t>JavaScript</a:t>
             </a:r>
@@ -28345,6 +29062,8 @@
                     <a:lumMod val="10000"/>
                   </a:schemeClr>
                 </a:solidFill>
+                <a:latin typeface="Times New Roman" panose="02020603050405020304" pitchFamily="18" charset="0"/>
+                <a:cs typeface="Times New Roman" panose="02020603050405020304" pitchFamily="18" charset="0"/>
               </a:rPr>
               <a:t>.</a:t>
             </a:r>
@@ -28354,6 +29073,8 @@
                   <a:lumMod val="10000"/>
                 </a:schemeClr>
               </a:solidFill>
+              <a:latin typeface="Times New Roman" panose="02020603050405020304" pitchFamily="18" charset="0"/>
+              <a:cs typeface="Times New Roman" panose="02020603050405020304" pitchFamily="18" charset="0"/>
             </a:endParaRPr>
           </a:p>
         </p:txBody>
@@ -28393,26 +29114,44 @@
               <a:buNone/>
             </a:pPr>
             <a:r>
-              <a:rPr lang="en-GB" dirty="0" err="1" smtClean="0"/>
+              <a:rPr lang="en-GB" dirty="0" err="1" smtClean="0">
+                <a:latin typeface="Times New Roman" panose="02020603050405020304" pitchFamily="18" charset="0"/>
+                <a:cs typeface="Times New Roman" panose="02020603050405020304" pitchFamily="18" charset="0"/>
+              </a:rPr>
               <a:t>Sự</a:t>
             </a:r>
             <a:r>
-              <a:rPr lang="en-GB" dirty="0" smtClean="0"/>
+              <a:rPr lang="en-GB" dirty="0" smtClean="0">
+                <a:latin typeface="Times New Roman" panose="02020603050405020304" pitchFamily="18" charset="0"/>
+                <a:cs typeface="Times New Roman" panose="02020603050405020304" pitchFamily="18" charset="0"/>
+              </a:rPr>
               <a:t> </a:t>
             </a:r>
             <a:r>
-              <a:rPr lang="en-GB" dirty="0" err="1" smtClean="0"/>
+              <a:rPr lang="en-GB" dirty="0" err="1" smtClean="0">
+                <a:latin typeface="Times New Roman" panose="02020603050405020304" pitchFamily="18" charset="0"/>
+                <a:cs typeface="Times New Roman" panose="02020603050405020304" pitchFamily="18" charset="0"/>
+              </a:rPr>
               <a:t>phát</a:t>
             </a:r>
             <a:r>
-              <a:rPr lang="en-GB" dirty="0" smtClean="0"/>
+              <a:rPr lang="en-GB" dirty="0" smtClean="0">
+                <a:latin typeface="Times New Roman" panose="02020603050405020304" pitchFamily="18" charset="0"/>
+                <a:cs typeface="Times New Roman" panose="02020603050405020304" pitchFamily="18" charset="0"/>
+              </a:rPr>
               <a:t> </a:t>
             </a:r>
             <a:r>
-              <a:rPr lang="en-GB" dirty="0" err="1" smtClean="0"/>
+              <a:rPr lang="en-GB" dirty="0" err="1" smtClean="0">
+                <a:latin typeface="Times New Roman" panose="02020603050405020304" pitchFamily="18" charset="0"/>
+                <a:cs typeface="Times New Roman" panose="02020603050405020304" pitchFamily="18" charset="0"/>
+              </a:rPr>
               <a:t>triển</a:t>
             </a:r>
-            <a:endParaRPr lang="en-GB" dirty="0"/>
+            <a:endParaRPr lang="en-GB" dirty="0">
+              <a:latin typeface="Times New Roman" panose="02020603050405020304" pitchFamily="18" charset="0"/>
+              <a:cs typeface="Times New Roman" panose="02020603050405020304" pitchFamily="18" charset="0"/>
+            </a:endParaRPr>
           </a:p>
         </p:txBody>
       </p:sp>
@@ -28457,6 +29196,8 @@
                     <a:lumMod val="10000"/>
                   </a:schemeClr>
                 </a:solidFill>
+                <a:latin typeface="Times New Roman" panose="02020603050405020304" pitchFamily="18" charset="0"/>
+                <a:cs typeface="Times New Roman" panose="02020603050405020304" pitchFamily="18" charset="0"/>
               </a:rPr>
               <a:t>Được</a:t>
             </a:r>
@@ -28467,6 +29208,8 @@
                     <a:lumMod val="10000"/>
                   </a:schemeClr>
                 </a:solidFill>
+                <a:latin typeface="Times New Roman" panose="02020603050405020304" pitchFamily="18" charset="0"/>
+                <a:cs typeface="Times New Roman" panose="02020603050405020304" pitchFamily="18" charset="0"/>
               </a:rPr>
               <a:t> </a:t>
             </a:r>
@@ -28477,6 +29220,8 @@
                     <a:lumMod val="10000"/>
                   </a:schemeClr>
                 </a:solidFill>
+                <a:latin typeface="Times New Roman" panose="02020603050405020304" pitchFamily="18" charset="0"/>
+                <a:cs typeface="Times New Roman" panose="02020603050405020304" pitchFamily="18" charset="0"/>
               </a:rPr>
               <a:t>phát</a:t>
             </a:r>
@@ -28487,6 +29232,8 @@
                     <a:lumMod val="10000"/>
                   </a:schemeClr>
                 </a:solidFill>
+                <a:latin typeface="Times New Roman" panose="02020603050405020304" pitchFamily="18" charset="0"/>
+                <a:cs typeface="Times New Roman" panose="02020603050405020304" pitchFamily="18" charset="0"/>
               </a:rPr>
               <a:t> </a:t>
             </a:r>
@@ -28497,6 +29244,8 @@
                     <a:lumMod val="10000"/>
                   </a:schemeClr>
                 </a:solidFill>
+                <a:latin typeface="Times New Roman" panose="02020603050405020304" pitchFamily="18" charset="0"/>
+                <a:cs typeface="Times New Roman" panose="02020603050405020304" pitchFamily="18" charset="0"/>
               </a:rPr>
               <a:t>triển</a:t>
             </a:r>
@@ -28507,6 +29256,8 @@
                     <a:lumMod val="10000"/>
                   </a:schemeClr>
                 </a:solidFill>
+                <a:latin typeface="Times New Roman" panose="02020603050405020304" pitchFamily="18" charset="0"/>
+                <a:cs typeface="Times New Roman" panose="02020603050405020304" pitchFamily="18" charset="0"/>
               </a:rPr>
               <a:t> </a:t>
             </a:r>
@@ -28517,6 +29268,8 @@
                     <a:lumMod val="10000"/>
                   </a:schemeClr>
                 </a:solidFill>
+                <a:latin typeface="Times New Roman" panose="02020603050405020304" pitchFamily="18" charset="0"/>
+                <a:cs typeface="Times New Roman" panose="02020603050405020304" pitchFamily="18" charset="0"/>
               </a:rPr>
               <a:t>bởi</a:t>
             </a:r>
@@ -28527,6 +29280,8 @@
                     <a:lumMod val="10000"/>
                   </a:schemeClr>
                 </a:solidFill>
+                <a:latin typeface="Times New Roman" panose="02020603050405020304" pitchFamily="18" charset="0"/>
+                <a:cs typeface="Times New Roman" panose="02020603050405020304" pitchFamily="18" charset="0"/>
               </a:rPr>
               <a:t> Facebook </a:t>
             </a:r>
@@ -28537,6 +29292,8 @@
                     <a:lumMod val="10000"/>
                   </a:schemeClr>
                 </a:solidFill>
+                <a:latin typeface="Times New Roman" panose="02020603050405020304" pitchFamily="18" charset="0"/>
+                <a:cs typeface="Times New Roman" panose="02020603050405020304" pitchFamily="18" charset="0"/>
               </a:rPr>
               <a:t>từ</a:t>
             </a:r>
@@ -28547,6 +29304,8 @@
                     <a:lumMod val="10000"/>
                   </a:schemeClr>
                 </a:solidFill>
+                <a:latin typeface="Times New Roman" panose="02020603050405020304" pitchFamily="18" charset="0"/>
+                <a:cs typeface="Times New Roman" panose="02020603050405020304" pitchFamily="18" charset="0"/>
               </a:rPr>
               <a:t> </a:t>
             </a:r>
@@ -28557,6 +29316,8 @@
                     <a:lumMod val="10000"/>
                   </a:schemeClr>
                 </a:solidFill>
+                <a:latin typeface="Times New Roman" panose="02020603050405020304" pitchFamily="18" charset="0"/>
+                <a:cs typeface="Times New Roman" panose="02020603050405020304" pitchFamily="18" charset="0"/>
               </a:rPr>
               <a:t>năm</a:t>
             </a:r>
@@ -28567,6 +29328,8 @@
                     <a:lumMod val="10000"/>
                   </a:schemeClr>
                 </a:solidFill>
+                <a:latin typeface="Times New Roman" panose="02020603050405020304" pitchFamily="18" charset="0"/>
+                <a:cs typeface="Times New Roman" panose="02020603050405020304" pitchFamily="18" charset="0"/>
               </a:rPr>
               <a:t> 2013 </a:t>
             </a:r>
@@ -28577,6 +29340,8 @@
                     <a:lumMod val="10000"/>
                   </a:schemeClr>
                 </a:solidFill>
+                <a:latin typeface="Times New Roman" panose="02020603050405020304" pitchFamily="18" charset="0"/>
+                <a:cs typeface="Times New Roman" panose="02020603050405020304" pitchFamily="18" charset="0"/>
               </a:rPr>
               <a:t>và</a:t>
             </a:r>
@@ -28587,6 +29352,8 @@
                     <a:lumMod val="10000"/>
                   </a:schemeClr>
                 </a:solidFill>
+                <a:latin typeface="Times New Roman" panose="02020603050405020304" pitchFamily="18" charset="0"/>
+                <a:cs typeface="Times New Roman" panose="02020603050405020304" pitchFamily="18" charset="0"/>
               </a:rPr>
               <a:t> </a:t>
             </a:r>
@@ -28597,6 +29364,8 @@
                     <a:lumMod val="10000"/>
                   </a:schemeClr>
                 </a:solidFill>
+                <a:latin typeface="Times New Roman" panose="02020603050405020304" pitchFamily="18" charset="0"/>
+                <a:cs typeface="Times New Roman" panose="02020603050405020304" pitchFamily="18" charset="0"/>
               </a:rPr>
               <a:t>liên</a:t>
             </a:r>
@@ -28607,6 +29376,8 @@
                     <a:lumMod val="10000"/>
                   </a:schemeClr>
                 </a:solidFill>
+                <a:latin typeface="Times New Roman" panose="02020603050405020304" pitchFamily="18" charset="0"/>
+                <a:cs typeface="Times New Roman" panose="02020603050405020304" pitchFamily="18" charset="0"/>
               </a:rPr>
               <a:t> </a:t>
             </a:r>
@@ -28617,6 +29388,8 @@
                     <a:lumMod val="10000"/>
                   </a:schemeClr>
                 </a:solidFill>
+                <a:latin typeface="Times New Roman" panose="02020603050405020304" pitchFamily="18" charset="0"/>
+                <a:cs typeface="Times New Roman" panose="02020603050405020304" pitchFamily="18" charset="0"/>
               </a:rPr>
               <a:t>tục</a:t>
             </a:r>
@@ -28627,6 +29400,8 @@
                     <a:lumMod val="10000"/>
                   </a:schemeClr>
                 </a:solidFill>
+                <a:latin typeface="Times New Roman" panose="02020603050405020304" pitchFamily="18" charset="0"/>
+                <a:cs typeface="Times New Roman" panose="02020603050405020304" pitchFamily="18" charset="0"/>
               </a:rPr>
               <a:t> </a:t>
             </a:r>
@@ -28637,6 +29412,8 @@
                     <a:lumMod val="10000"/>
                   </a:schemeClr>
                 </a:solidFill>
+                <a:latin typeface="Times New Roman" panose="02020603050405020304" pitchFamily="18" charset="0"/>
+                <a:cs typeface="Times New Roman" panose="02020603050405020304" pitchFamily="18" charset="0"/>
               </a:rPr>
               <a:t>phát</a:t>
             </a:r>
@@ -28647,6 +29424,8 @@
                     <a:lumMod val="10000"/>
                   </a:schemeClr>
                 </a:solidFill>
+                <a:latin typeface="Times New Roman" panose="02020603050405020304" pitchFamily="18" charset="0"/>
+                <a:cs typeface="Times New Roman" panose="02020603050405020304" pitchFamily="18" charset="0"/>
               </a:rPr>
               <a:t> </a:t>
             </a:r>
@@ -28657,6 +29436,8 @@
                     <a:lumMod val="10000"/>
                   </a:schemeClr>
                 </a:solidFill>
+                <a:latin typeface="Times New Roman" panose="02020603050405020304" pitchFamily="18" charset="0"/>
+                <a:cs typeface="Times New Roman" panose="02020603050405020304" pitchFamily="18" charset="0"/>
               </a:rPr>
               <a:t>triển</a:t>
             </a:r>
@@ -28667,6 +29448,8 @@
                     <a:lumMod val="10000"/>
                   </a:schemeClr>
                 </a:solidFill>
+                <a:latin typeface="Times New Roman" panose="02020603050405020304" pitchFamily="18" charset="0"/>
+                <a:cs typeface="Times New Roman" panose="02020603050405020304" pitchFamily="18" charset="0"/>
               </a:rPr>
               <a:t> </a:t>
             </a:r>
@@ -28677,6 +29460,8 @@
                     <a:lumMod val="10000"/>
                   </a:schemeClr>
                 </a:solidFill>
+                <a:latin typeface="Times New Roman" panose="02020603050405020304" pitchFamily="18" charset="0"/>
+                <a:cs typeface="Times New Roman" panose="02020603050405020304" pitchFamily="18" charset="0"/>
               </a:rPr>
               <a:t>đến</a:t>
             </a:r>
@@ -28687,6 +29472,8 @@
                     <a:lumMod val="10000"/>
                   </a:schemeClr>
                 </a:solidFill>
+                <a:latin typeface="Times New Roman" panose="02020603050405020304" pitchFamily="18" charset="0"/>
+                <a:cs typeface="Times New Roman" panose="02020603050405020304" pitchFamily="18" charset="0"/>
               </a:rPr>
               <a:t> </a:t>
             </a:r>
@@ -28697,6 +29484,8 @@
                     <a:lumMod val="10000"/>
                   </a:schemeClr>
                 </a:solidFill>
+                <a:latin typeface="Times New Roman" panose="02020603050405020304" pitchFamily="18" charset="0"/>
+                <a:cs typeface="Times New Roman" panose="02020603050405020304" pitchFamily="18" charset="0"/>
               </a:rPr>
               <a:t>ngày</a:t>
             </a:r>
@@ -28707,6 +29496,8 @@
                     <a:lumMod val="10000"/>
                   </a:schemeClr>
                 </a:solidFill>
+                <a:latin typeface="Times New Roman" panose="02020603050405020304" pitchFamily="18" charset="0"/>
+                <a:cs typeface="Times New Roman" panose="02020603050405020304" pitchFamily="18" charset="0"/>
               </a:rPr>
               <a:t> </a:t>
             </a:r>
@@ -28717,6 +29508,8 @@
                     <a:lumMod val="10000"/>
                   </a:schemeClr>
                 </a:solidFill>
+                <a:latin typeface="Times New Roman" panose="02020603050405020304" pitchFamily="18" charset="0"/>
+                <a:cs typeface="Times New Roman" panose="02020603050405020304" pitchFamily="18" charset="0"/>
               </a:rPr>
               <a:t>hôm</a:t>
             </a:r>
@@ -28727,6 +29520,8 @@
                     <a:lumMod val="10000"/>
                   </a:schemeClr>
                 </a:solidFill>
+                <a:latin typeface="Times New Roman" panose="02020603050405020304" pitchFamily="18" charset="0"/>
+                <a:cs typeface="Times New Roman" panose="02020603050405020304" pitchFamily="18" charset="0"/>
               </a:rPr>
               <a:t> nay</a:t>
             </a:r>
@@ -28736,6 +29531,8 @@
                   <a:lumMod val="10000"/>
                 </a:schemeClr>
               </a:solidFill>
+              <a:latin typeface="Times New Roman" panose="02020603050405020304" pitchFamily="18" charset="0"/>
+              <a:cs typeface="Times New Roman" panose="02020603050405020304" pitchFamily="18" charset="0"/>
             </a:endParaRPr>
           </a:p>
         </p:txBody>
@@ -28775,10 +29572,16 @@
               <a:buNone/>
             </a:pPr>
             <a:r>
-              <a:rPr lang="en-GB" b="0" dirty="0" smtClean="0"/>
+              <a:rPr lang="en-GB" b="0" dirty="0" smtClean="0">
+                <a:latin typeface="Times New Roman" panose="02020603050405020304" pitchFamily="18" charset="0"/>
+                <a:cs typeface="Times New Roman" panose="02020603050405020304" pitchFamily="18" charset="0"/>
+              </a:rPr>
               <a:t>WHAT IS REACTJS ?</a:t>
             </a:r>
-            <a:endParaRPr lang="en-GB" b="0" dirty="0"/>
+            <a:endParaRPr lang="en-GB" b="0" dirty="0">
+              <a:latin typeface="Times New Roman" panose="02020603050405020304" pitchFamily="18" charset="0"/>
+              <a:cs typeface="Times New Roman" panose="02020603050405020304" pitchFamily="18" charset="0"/>
+            </a:endParaRPr>
           </a:p>
         </p:txBody>
       </p:sp>
@@ -28823,6 +29626,8 @@
                     <a:lumMod val="10000"/>
                   </a:schemeClr>
                 </a:solidFill>
+                <a:latin typeface="Times New Roman" panose="02020603050405020304" pitchFamily="18" charset="0"/>
+                <a:cs typeface="Times New Roman" panose="02020603050405020304" pitchFamily="18" charset="0"/>
               </a:rPr>
               <a:t>Tập</a:t>
             </a:r>
@@ -28833,6 +29638,8 @@
                     <a:lumMod val="10000"/>
                   </a:schemeClr>
                 </a:solidFill>
+                <a:latin typeface="Times New Roman" panose="02020603050405020304" pitchFamily="18" charset="0"/>
+                <a:cs typeface="Times New Roman" panose="02020603050405020304" pitchFamily="18" charset="0"/>
               </a:rPr>
               <a:t> </a:t>
             </a:r>
@@ -28843,6 +29650,8 @@
                     <a:lumMod val="10000"/>
                   </a:schemeClr>
                 </a:solidFill>
+                <a:latin typeface="Times New Roman" panose="02020603050405020304" pitchFamily="18" charset="0"/>
+                <a:cs typeface="Times New Roman" panose="02020603050405020304" pitchFamily="18" charset="0"/>
               </a:rPr>
               <a:t>chung</a:t>
             </a:r>
@@ -28853,6 +29662,8 @@
                     <a:lumMod val="10000"/>
                   </a:schemeClr>
                 </a:solidFill>
+                <a:latin typeface="Times New Roman" panose="02020603050405020304" pitchFamily="18" charset="0"/>
+                <a:cs typeface="Times New Roman" panose="02020603050405020304" pitchFamily="18" charset="0"/>
               </a:rPr>
               <a:t> </a:t>
             </a:r>
@@ -28863,6 +29674,8 @@
                     <a:lumMod val="10000"/>
                   </a:schemeClr>
                 </a:solidFill>
+                <a:latin typeface="Times New Roman" panose="02020603050405020304" pitchFamily="18" charset="0"/>
+                <a:cs typeface="Times New Roman" panose="02020603050405020304" pitchFamily="18" charset="0"/>
               </a:rPr>
               <a:t>xây</a:t>
             </a:r>
@@ -28873,6 +29686,8 @@
                     <a:lumMod val="10000"/>
                   </a:schemeClr>
                 </a:solidFill>
+                <a:latin typeface="Times New Roman" panose="02020603050405020304" pitchFamily="18" charset="0"/>
+                <a:cs typeface="Times New Roman" panose="02020603050405020304" pitchFamily="18" charset="0"/>
               </a:rPr>
               <a:t> </a:t>
             </a:r>
@@ -28883,6 +29698,8 @@
                     <a:lumMod val="10000"/>
                   </a:schemeClr>
                 </a:solidFill>
+                <a:latin typeface="Times New Roman" panose="02020603050405020304" pitchFamily="18" charset="0"/>
+                <a:cs typeface="Times New Roman" panose="02020603050405020304" pitchFamily="18" charset="0"/>
               </a:rPr>
               <a:t>dụng</a:t>
             </a:r>
@@ -28893,6 +29710,8 @@
                     <a:lumMod val="10000"/>
                   </a:schemeClr>
                 </a:solidFill>
+                <a:latin typeface="Times New Roman" panose="02020603050405020304" pitchFamily="18" charset="0"/>
+                <a:cs typeface="Times New Roman" panose="02020603050405020304" pitchFamily="18" charset="0"/>
               </a:rPr>
               <a:t> UI </a:t>
             </a:r>
@@ -28903,6 +29722,8 @@
                     <a:lumMod val="10000"/>
                   </a:schemeClr>
                 </a:solidFill>
+                <a:latin typeface="Times New Roman" panose="02020603050405020304" pitchFamily="18" charset="0"/>
+                <a:cs typeface="Times New Roman" panose="02020603050405020304" pitchFamily="18" charset="0"/>
               </a:rPr>
               <a:t>và</a:t>
             </a:r>
@@ -28913,6 +29734,8 @@
                     <a:lumMod val="10000"/>
                   </a:schemeClr>
                 </a:solidFill>
+                <a:latin typeface="Times New Roman" panose="02020603050405020304" pitchFamily="18" charset="0"/>
+                <a:cs typeface="Times New Roman" panose="02020603050405020304" pitchFamily="18" charset="0"/>
               </a:rPr>
               <a:t> </a:t>
             </a:r>
@@ -28923,6 +29746,8 @@
                     <a:lumMod val="10000"/>
                   </a:schemeClr>
                 </a:solidFill>
+                <a:latin typeface="Times New Roman" panose="02020603050405020304" pitchFamily="18" charset="0"/>
+                <a:cs typeface="Times New Roman" panose="02020603050405020304" pitchFamily="18" charset="0"/>
               </a:rPr>
               <a:t>tạo</a:t>
             </a:r>
@@ -28933,6 +29758,8 @@
                     <a:lumMod val="10000"/>
                   </a:schemeClr>
                 </a:solidFill>
+                <a:latin typeface="Times New Roman" panose="02020603050405020304" pitchFamily="18" charset="0"/>
+                <a:cs typeface="Times New Roman" panose="02020603050405020304" pitchFamily="18" charset="0"/>
               </a:rPr>
               <a:t> </a:t>
             </a:r>
@@ -28943,6 +29770,8 @@
                     <a:lumMod val="10000"/>
                   </a:schemeClr>
                 </a:solidFill>
+                <a:latin typeface="Times New Roman" panose="02020603050405020304" pitchFamily="18" charset="0"/>
+                <a:cs typeface="Times New Roman" panose="02020603050405020304" pitchFamily="18" charset="0"/>
               </a:rPr>
               <a:t>ra</a:t>
             </a:r>
@@ -28953,6 +29782,8 @@
                     <a:lumMod val="10000"/>
                   </a:schemeClr>
                 </a:solidFill>
+                <a:latin typeface="Times New Roman" panose="02020603050405020304" pitchFamily="18" charset="0"/>
+                <a:cs typeface="Times New Roman" panose="02020603050405020304" pitchFamily="18" charset="0"/>
               </a:rPr>
               <a:t> </a:t>
             </a:r>
@@ -28963,6 +29794,8 @@
                     <a:lumMod val="10000"/>
                   </a:schemeClr>
                 </a:solidFill>
+                <a:latin typeface="Times New Roman" panose="02020603050405020304" pitchFamily="18" charset="0"/>
+                <a:cs typeface="Times New Roman" panose="02020603050405020304" pitchFamily="18" charset="0"/>
               </a:rPr>
               <a:t>các</a:t>
             </a:r>
@@ -28973,6 +29806,8 @@
                     <a:lumMod val="10000"/>
                   </a:schemeClr>
                 </a:solidFill>
+                <a:latin typeface="Times New Roman" panose="02020603050405020304" pitchFamily="18" charset="0"/>
+                <a:cs typeface="Times New Roman" panose="02020603050405020304" pitchFamily="18" charset="0"/>
               </a:rPr>
               <a:t> </a:t>
             </a:r>
@@ -28983,6 +29818,8 @@
                     <a:lumMod val="10000"/>
                   </a:schemeClr>
                 </a:solidFill>
+                <a:latin typeface="Times New Roman" panose="02020603050405020304" pitchFamily="18" charset="0"/>
+                <a:cs typeface="Times New Roman" panose="02020603050405020304" pitchFamily="18" charset="0"/>
               </a:rPr>
               <a:t>thành</a:t>
             </a:r>
@@ -28993,6 +29830,8 @@
                     <a:lumMod val="10000"/>
                   </a:schemeClr>
                 </a:solidFill>
+                <a:latin typeface="Times New Roman" panose="02020603050405020304" pitchFamily="18" charset="0"/>
+                <a:cs typeface="Times New Roman" panose="02020603050405020304" pitchFamily="18" charset="0"/>
               </a:rPr>
               <a:t> </a:t>
             </a:r>
@@ -29003,6 +29842,8 @@
                     <a:lumMod val="10000"/>
                   </a:schemeClr>
                 </a:solidFill>
+                <a:latin typeface="Times New Roman" panose="02020603050405020304" pitchFamily="18" charset="0"/>
+                <a:cs typeface="Times New Roman" panose="02020603050405020304" pitchFamily="18" charset="0"/>
               </a:rPr>
               <a:t>phần</a:t>
             </a:r>
@@ -29013,6 +29854,8 @@
                     <a:lumMod val="10000"/>
                   </a:schemeClr>
                 </a:solidFill>
+                <a:latin typeface="Times New Roman" panose="02020603050405020304" pitchFamily="18" charset="0"/>
+                <a:cs typeface="Times New Roman" panose="02020603050405020304" pitchFamily="18" charset="0"/>
               </a:rPr>
               <a:t> </a:t>
             </a:r>
@@ -29023,6 +29866,8 @@
                     <a:lumMod val="10000"/>
                   </a:schemeClr>
                 </a:solidFill>
+                <a:latin typeface="Times New Roman" panose="02020603050405020304" pitchFamily="18" charset="0"/>
+                <a:cs typeface="Times New Roman" panose="02020603050405020304" pitchFamily="18" charset="0"/>
               </a:rPr>
               <a:t>có</a:t>
             </a:r>
@@ -29033,6 +29878,8 @@
                     <a:lumMod val="10000"/>
                   </a:schemeClr>
                 </a:solidFill>
+                <a:latin typeface="Times New Roman" panose="02020603050405020304" pitchFamily="18" charset="0"/>
+                <a:cs typeface="Times New Roman" panose="02020603050405020304" pitchFamily="18" charset="0"/>
               </a:rPr>
               <a:t> </a:t>
             </a:r>
@@ -29043,6 +29890,8 @@
                     <a:lumMod val="10000"/>
                   </a:schemeClr>
                 </a:solidFill>
+                <a:latin typeface="Times New Roman" panose="02020603050405020304" pitchFamily="18" charset="0"/>
+                <a:cs typeface="Times New Roman" panose="02020603050405020304" pitchFamily="18" charset="0"/>
               </a:rPr>
               <a:t>thể</a:t>
             </a:r>
@@ -29053,6 +29902,8 @@
                     <a:lumMod val="10000"/>
                   </a:schemeClr>
                 </a:solidFill>
+                <a:latin typeface="Times New Roman" panose="02020603050405020304" pitchFamily="18" charset="0"/>
+                <a:cs typeface="Times New Roman" panose="02020603050405020304" pitchFamily="18" charset="0"/>
               </a:rPr>
               <a:t> </a:t>
             </a:r>
@@ -29063,6 +29914,8 @@
                     <a:lumMod val="10000"/>
                   </a:schemeClr>
                 </a:solidFill>
+                <a:latin typeface="Times New Roman" panose="02020603050405020304" pitchFamily="18" charset="0"/>
+                <a:cs typeface="Times New Roman" panose="02020603050405020304" pitchFamily="18" charset="0"/>
               </a:rPr>
               <a:t>tái</a:t>
             </a:r>
@@ -29073,6 +29926,8 @@
                     <a:lumMod val="10000"/>
                   </a:schemeClr>
                 </a:solidFill>
+                <a:latin typeface="Times New Roman" panose="02020603050405020304" pitchFamily="18" charset="0"/>
+                <a:cs typeface="Times New Roman" panose="02020603050405020304" pitchFamily="18" charset="0"/>
               </a:rPr>
               <a:t> </a:t>
             </a:r>
@@ -29083,6 +29938,8 @@
                     <a:lumMod val="10000"/>
                   </a:schemeClr>
                 </a:solidFill>
+                <a:latin typeface="Times New Roman" panose="02020603050405020304" pitchFamily="18" charset="0"/>
+                <a:cs typeface="Times New Roman" panose="02020603050405020304" pitchFamily="18" charset="0"/>
               </a:rPr>
               <a:t>sử</a:t>
             </a:r>
@@ -29093,6 +29950,8 @@
                     <a:lumMod val="10000"/>
                   </a:schemeClr>
                 </a:solidFill>
+                <a:latin typeface="Times New Roman" panose="02020603050405020304" pitchFamily="18" charset="0"/>
+                <a:cs typeface="Times New Roman" panose="02020603050405020304" pitchFamily="18" charset="0"/>
               </a:rPr>
               <a:t> </a:t>
             </a:r>
@@ -29103,6 +29962,8 @@
                     <a:lumMod val="10000"/>
                   </a:schemeClr>
                 </a:solidFill>
+                <a:latin typeface="Times New Roman" panose="02020603050405020304" pitchFamily="18" charset="0"/>
+                <a:cs typeface="Times New Roman" panose="02020603050405020304" pitchFamily="18" charset="0"/>
               </a:rPr>
               <a:t>dụng</a:t>
             </a:r>
@@ -29113,6 +29974,8 @@
                     <a:lumMod val="10000"/>
                   </a:schemeClr>
                 </a:solidFill>
+                <a:latin typeface="Times New Roman" panose="02020603050405020304" pitchFamily="18" charset="0"/>
+                <a:cs typeface="Times New Roman" panose="02020603050405020304" pitchFamily="18" charset="0"/>
               </a:rPr>
               <a:t>.</a:t>
             </a:r>
@@ -29122,6 +29985,8 @@
                   <a:lumMod val="10000"/>
                 </a:schemeClr>
               </a:solidFill>
+              <a:latin typeface="Times New Roman" panose="02020603050405020304" pitchFamily="18" charset="0"/>
+              <a:cs typeface="Times New Roman" panose="02020603050405020304" pitchFamily="18" charset="0"/>
             </a:endParaRPr>
           </a:p>
         </p:txBody>
@@ -29161,18 +30026,30 @@
               <a:buNone/>
             </a:pPr>
             <a:r>
-              <a:rPr lang="en-GB" dirty="0" err="1" smtClean="0"/>
+              <a:rPr lang="en-GB" dirty="0" err="1" smtClean="0">
+                <a:latin typeface="Times New Roman" panose="02020603050405020304" pitchFamily="18" charset="0"/>
+                <a:cs typeface="Times New Roman" panose="02020603050405020304" pitchFamily="18" charset="0"/>
+              </a:rPr>
               <a:t>Đánh</a:t>
             </a:r>
             <a:r>
-              <a:rPr lang="en-GB" dirty="0" smtClean="0"/>
+              <a:rPr lang="en-GB" dirty="0" smtClean="0">
+                <a:latin typeface="Times New Roman" panose="02020603050405020304" pitchFamily="18" charset="0"/>
+                <a:cs typeface="Times New Roman" panose="02020603050405020304" pitchFamily="18" charset="0"/>
+              </a:rPr>
               <a:t> </a:t>
             </a:r>
             <a:r>
-              <a:rPr lang="en-GB" dirty="0" err="1" smtClean="0"/>
+              <a:rPr lang="en-GB" dirty="0" err="1" smtClean="0">
+                <a:latin typeface="Times New Roman" panose="02020603050405020304" pitchFamily="18" charset="0"/>
+                <a:cs typeface="Times New Roman" panose="02020603050405020304" pitchFamily="18" charset="0"/>
+              </a:rPr>
               <a:t>giá</a:t>
             </a:r>
-            <a:endParaRPr lang="en-GB" dirty="0"/>
+            <a:endParaRPr lang="en-GB" dirty="0">
+              <a:latin typeface="Times New Roman" panose="02020603050405020304" pitchFamily="18" charset="0"/>
+              <a:cs typeface="Times New Roman" panose="02020603050405020304" pitchFamily="18" charset="0"/>
+            </a:endParaRPr>
           </a:p>
         </p:txBody>
       </p:sp>
@@ -29217,6 +30094,8 @@
                     <a:lumMod val="10000"/>
                   </a:schemeClr>
                 </a:solidFill>
+                <a:latin typeface="Times New Roman" panose="02020603050405020304" pitchFamily="18" charset="0"/>
+                <a:cs typeface="Times New Roman" panose="02020603050405020304" pitchFamily="18" charset="0"/>
               </a:rPr>
               <a:t>Star </a:t>
             </a:r>
@@ -29227,6 +30106,8 @@
                     <a:lumMod val="10000"/>
                   </a:schemeClr>
                 </a:solidFill>
+                <a:latin typeface="Times New Roman" panose="02020603050405020304" pitchFamily="18" charset="0"/>
+                <a:cs typeface="Times New Roman" panose="02020603050405020304" pitchFamily="18" charset="0"/>
               </a:rPr>
               <a:t>trên</a:t>
             </a:r>
@@ -29237,6 +30118,8 @@
                     <a:lumMod val="10000"/>
                   </a:schemeClr>
                 </a:solidFill>
+                <a:latin typeface="Times New Roman" panose="02020603050405020304" pitchFamily="18" charset="0"/>
+                <a:cs typeface="Times New Roman" panose="02020603050405020304" pitchFamily="18" charset="0"/>
               </a:rPr>
               <a:t> </a:t>
             </a:r>
@@ -29247,6 +30130,8 @@
                     <a:lumMod val="10000"/>
                   </a:schemeClr>
                 </a:solidFill>
+                <a:latin typeface="Times New Roman" panose="02020603050405020304" pitchFamily="18" charset="0"/>
+                <a:cs typeface="Times New Roman" panose="02020603050405020304" pitchFamily="18" charset="0"/>
               </a:rPr>
               <a:t>Github</a:t>
             </a:r>
@@ -29257,6 +30142,8 @@
                     <a:lumMod val="10000"/>
                   </a:schemeClr>
                 </a:solidFill>
+                <a:latin typeface="Times New Roman" panose="02020603050405020304" pitchFamily="18" charset="0"/>
+                <a:cs typeface="Times New Roman" panose="02020603050405020304" pitchFamily="18" charset="0"/>
               </a:rPr>
               <a:t> : 216k </a:t>
             </a:r>
@@ -29266,6 +30153,8 @@
                   <a:lumMod val="10000"/>
                 </a:schemeClr>
               </a:solidFill>
+              <a:latin typeface="Times New Roman" panose="02020603050405020304" pitchFamily="18" charset="0"/>
+              <a:cs typeface="Times New Roman" panose="02020603050405020304" pitchFamily="18" charset="0"/>
             </a:endParaRPr>
           </a:p>
         </p:txBody>
@@ -29305,18 +30194,30 @@
               <a:buNone/>
             </a:pPr>
             <a:r>
-              <a:rPr lang="en-GB" dirty="0" err="1" smtClean="0"/>
+              <a:rPr lang="en-GB" dirty="0" err="1" smtClean="0">
+                <a:latin typeface="Times New Roman" panose="02020603050405020304" pitchFamily="18" charset="0"/>
+                <a:cs typeface="Times New Roman" panose="02020603050405020304" pitchFamily="18" charset="0"/>
+              </a:rPr>
               <a:t>Công</a:t>
             </a:r>
             <a:r>
-              <a:rPr lang="en-GB" dirty="0" smtClean="0"/>
+              <a:rPr lang="en-GB" dirty="0" smtClean="0">
+                <a:latin typeface="Times New Roman" panose="02020603050405020304" pitchFamily="18" charset="0"/>
+                <a:cs typeface="Times New Roman" panose="02020603050405020304" pitchFamily="18" charset="0"/>
+              </a:rPr>
               <a:t> </a:t>
             </a:r>
             <a:r>
-              <a:rPr lang="en-GB" dirty="0" err="1" smtClean="0"/>
+              <a:rPr lang="en-GB" dirty="0" err="1" smtClean="0">
+                <a:latin typeface="Times New Roman" panose="02020603050405020304" pitchFamily="18" charset="0"/>
+                <a:cs typeface="Times New Roman" panose="02020603050405020304" pitchFamily="18" charset="0"/>
+              </a:rPr>
               <a:t>dụng</a:t>
             </a:r>
-            <a:endParaRPr lang="en-GB" dirty="0"/>
+            <a:endParaRPr lang="en-GB" dirty="0">
+              <a:latin typeface="Times New Roman" panose="02020603050405020304" pitchFamily="18" charset="0"/>
+              <a:cs typeface="Times New Roman" panose="02020603050405020304" pitchFamily="18" charset="0"/>
+            </a:endParaRPr>
           </a:p>
         </p:txBody>
       </p:sp>
@@ -29376,6 +30277,10 @@
               </a:spcAft>
               <a:buNone/>
             </a:pPr>
+            <a:endParaRPr>
+              <a:latin typeface="Times New Roman" panose="02020603050405020304" pitchFamily="18" charset="0"/>
+              <a:cs typeface="Times New Roman" panose="02020603050405020304" pitchFamily="18" charset="0"/>
+            </a:endParaRPr>
           </a:p>
         </p:txBody>
       </p:sp>
@@ -29421,6 +30326,10 @@
               </a:spcAft>
               <a:buNone/>
             </a:pPr>
+            <a:endParaRPr>
+              <a:latin typeface="Times New Roman" panose="02020603050405020304" pitchFamily="18" charset="0"/>
+              <a:cs typeface="Times New Roman" panose="02020603050405020304" pitchFamily="18" charset="0"/>
+            </a:endParaRPr>
           </a:p>
         </p:txBody>
       </p:sp>
@@ -29480,6 +30389,10 @@
               </a:spcAft>
               <a:buNone/>
             </a:pPr>
+            <a:endParaRPr>
+              <a:latin typeface="Times New Roman" panose="02020603050405020304" pitchFamily="18" charset="0"/>
+              <a:cs typeface="Times New Roman" panose="02020603050405020304" pitchFamily="18" charset="0"/>
+            </a:endParaRPr>
           </a:p>
         </p:txBody>
       </p:sp>
@@ -29525,6 +30438,10 @@
               </a:spcAft>
               <a:buNone/>
             </a:pPr>
+            <a:endParaRPr>
+              <a:latin typeface="Times New Roman" panose="02020603050405020304" pitchFamily="18" charset="0"/>
+              <a:cs typeface="Times New Roman" panose="02020603050405020304" pitchFamily="18" charset="0"/>
+            </a:endParaRPr>
           </a:p>
         </p:txBody>
       </p:sp>
@@ -29584,6 +30501,10 @@
               </a:spcAft>
               <a:buNone/>
             </a:pPr>
+            <a:endParaRPr>
+              <a:latin typeface="Times New Roman" panose="02020603050405020304" pitchFamily="18" charset="0"/>
+              <a:cs typeface="Times New Roman" panose="02020603050405020304" pitchFamily="18" charset="0"/>
+            </a:endParaRPr>
           </a:p>
         </p:txBody>
       </p:sp>
@@ -29629,6 +30550,10 @@
               </a:spcAft>
               <a:buNone/>
             </a:pPr>
+            <a:endParaRPr>
+              <a:latin typeface="Times New Roman" panose="02020603050405020304" pitchFamily="18" charset="0"/>
+              <a:cs typeface="Times New Roman" panose="02020603050405020304" pitchFamily="18" charset="0"/>
+            </a:endParaRPr>
           </a:p>
         </p:txBody>
       </p:sp>
@@ -29688,6 +30613,10 @@
               </a:spcAft>
               <a:buNone/>
             </a:pPr>
+            <a:endParaRPr>
+              <a:latin typeface="Times New Roman" panose="02020603050405020304" pitchFamily="18" charset="0"/>
+              <a:cs typeface="Times New Roman" panose="02020603050405020304" pitchFamily="18" charset="0"/>
+            </a:endParaRPr>
           </a:p>
         </p:txBody>
       </p:sp>
@@ -29733,6 +30662,10 @@
               </a:spcAft>
               <a:buNone/>
             </a:pPr>
+            <a:endParaRPr>
+              <a:latin typeface="Times New Roman" panose="02020603050405020304" pitchFamily="18" charset="0"/>
+              <a:cs typeface="Times New Roman" panose="02020603050405020304" pitchFamily="18" charset="0"/>
+            </a:endParaRPr>
           </a:p>
         </p:txBody>
       </p:sp>
@@ -30028,6 +30961,10 @@
               </a:spcAft>
               <a:buNone/>
             </a:pPr>
+            <a:endParaRPr>
+              <a:latin typeface="Times New Roman" panose="02020603050405020304" pitchFamily="18" charset="0"/>
+              <a:cs typeface="Times New Roman" panose="02020603050405020304" pitchFamily="18" charset="0"/>
+            </a:endParaRPr>
           </a:p>
         </p:txBody>
       </p:sp>
@@ -30349,6 +31286,10 @@
                 </a:spcAft>
                 <a:buNone/>
               </a:pPr>
+              <a:endParaRPr>
+                <a:latin typeface="Times New Roman" panose="02020603050405020304" pitchFamily="18" charset="0"/>
+                <a:cs typeface="Times New Roman" panose="02020603050405020304" pitchFamily="18" charset="0"/>
+              </a:endParaRPr>
             </a:p>
           </p:txBody>
         </p:sp>
@@ -30453,6 +31394,10 @@
                 </a:spcAft>
                 <a:buNone/>
               </a:pPr>
+              <a:endParaRPr>
+                <a:latin typeface="Times New Roman" panose="02020603050405020304" pitchFamily="18" charset="0"/>
+                <a:cs typeface="Times New Roman" panose="02020603050405020304" pitchFamily="18" charset="0"/>
+              </a:endParaRPr>
             </a:p>
           </p:txBody>
         </p:sp>
@@ -30524,6 +31469,10 @@
                 </a:spcAft>
                 <a:buNone/>
               </a:pPr>
+              <a:endParaRPr>
+                <a:latin typeface="Times New Roman" panose="02020603050405020304" pitchFamily="18" charset="0"/>
+                <a:cs typeface="Times New Roman" panose="02020603050405020304" pitchFamily="18" charset="0"/>
+              </a:endParaRPr>
             </a:p>
           </p:txBody>
         </p:sp>
@@ -30616,6 +31565,10 @@
                 </a:spcAft>
                 <a:buNone/>
               </a:pPr>
+              <a:endParaRPr>
+                <a:latin typeface="Times New Roman" panose="02020603050405020304" pitchFamily="18" charset="0"/>
+                <a:cs typeface="Times New Roman" panose="02020603050405020304" pitchFamily="18" charset="0"/>
+              </a:endParaRPr>
             </a:p>
           </p:txBody>
         </p:sp>
@@ -30693,6 +31646,10 @@
                 </a:spcAft>
                 <a:buNone/>
               </a:pPr>
+              <a:endParaRPr>
+                <a:latin typeface="Times New Roman" panose="02020603050405020304" pitchFamily="18" charset="0"/>
+                <a:cs typeface="Times New Roman" panose="02020603050405020304" pitchFamily="18" charset="0"/>
+              </a:endParaRPr>
             </a:p>
           </p:txBody>
         </p:sp>
@@ -30779,6 +31736,10 @@
                 </a:spcAft>
                 <a:buNone/>
               </a:pPr>
+              <a:endParaRPr>
+                <a:latin typeface="Times New Roman" panose="02020603050405020304" pitchFamily="18" charset="0"/>
+                <a:cs typeface="Times New Roman" panose="02020603050405020304" pitchFamily="18" charset="0"/>
+              </a:endParaRPr>
             </a:p>
           </p:txBody>
         </p:sp>
@@ -30856,6 +31817,10 @@
                 </a:spcAft>
                 <a:buNone/>
               </a:pPr>
+              <a:endParaRPr>
+                <a:latin typeface="Times New Roman" panose="02020603050405020304" pitchFamily="18" charset="0"/>
+                <a:cs typeface="Times New Roman" panose="02020603050405020304" pitchFamily="18" charset="0"/>
+              </a:endParaRPr>
             </a:p>
           </p:txBody>
         </p:sp>
@@ -31772,6 +32737,10 @@
                 </a:spcAft>
                 <a:buNone/>
               </a:pPr>
+              <a:endParaRPr>
+                <a:latin typeface="Times New Roman" panose="02020603050405020304" pitchFamily="18" charset="0"/>
+                <a:cs typeface="Times New Roman" panose="02020603050405020304" pitchFamily="18" charset="0"/>
+              </a:endParaRPr>
             </a:p>
           </p:txBody>
         </p:sp>
@@ -31849,6 +32818,10 @@
                 </a:spcAft>
                 <a:buNone/>
               </a:pPr>
+              <a:endParaRPr>
+                <a:latin typeface="Times New Roman" panose="02020603050405020304" pitchFamily="18" charset="0"/>
+                <a:cs typeface="Times New Roman" panose="02020603050405020304" pitchFamily="18" charset="0"/>
+              </a:endParaRPr>
             </a:p>
           </p:txBody>
         </p:sp>
@@ -32062,6 +33035,10 @@
                 </a:spcAft>
                 <a:buNone/>
               </a:pPr>
+              <a:endParaRPr>
+                <a:latin typeface="Times New Roman" panose="02020603050405020304" pitchFamily="18" charset="0"/>
+                <a:cs typeface="Times New Roman" panose="02020603050405020304" pitchFamily="18" charset="0"/>
+              </a:endParaRPr>
             </a:p>
           </p:txBody>
         </p:sp>
@@ -32139,6 +33116,10 @@
                 </a:spcAft>
                 <a:buNone/>
               </a:pPr>
+              <a:endParaRPr>
+                <a:latin typeface="Times New Roman" panose="02020603050405020304" pitchFamily="18" charset="0"/>
+                <a:cs typeface="Times New Roman" panose="02020603050405020304" pitchFamily="18" charset="0"/>
+              </a:endParaRPr>
             </a:p>
           </p:txBody>
         </p:sp>
@@ -32213,6 +33194,10 @@
                 </a:spcAft>
                 <a:buNone/>
               </a:pPr>
+              <a:endParaRPr>
+                <a:latin typeface="Times New Roman" panose="02020603050405020304" pitchFamily="18" charset="0"/>
+                <a:cs typeface="Times New Roman" panose="02020603050405020304" pitchFamily="18" charset="0"/>
+              </a:endParaRPr>
             </a:p>
           </p:txBody>
         </p:sp>
@@ -32287,6 +33272,10 @@
                 </a:spcAft>
                 <a:buNone/>
               </a:pPr>
+              <a:endParaRPr>
+                <a:latin typeface="Times New Roman" panose="02020603050405020304" pitchFamily="18" charset="0"/>
+                <a:cs typeface="Times New Roman" panose="02020603050405020304" pitchFamily="18" charset="0"/>
+              </a:endParaRPr>
             </a:p>
           </p:txBody>
         </p:sp>
@@ -32380,6 +33369,10 @@
                 </a:spcAft>
                 <a:buNone/>
               </a:pPr>
+              <a:endParaRPr>
+                <a:latin typeface="Times New Roman" panose="02020603050405020304" pitchFamily="18" charset="0"/>
+                <a:cs typeface="Times New Roman" panose="02020603050405020304" pitchFamily="18" charset="0"/>
+              </a:endParaRPr>
             </a:p>
           </p:txBody>
         </p:sp>
@@ -32454,6 +33447,10 @@
                 </a:spcAft>
                 <a:buNone/>
               </a:pPr>
+              <a:endParaRPr>
+                <a:latin typeface="Times New Roman" panose="02020603050405020304" pitchFamily="18" charset="0"/>
+                <a:cs typeface="Times New Roman" panose="02020603050405020304" pitchFamily="18" charset="0"/>
+              </a:endParaRPr>
             </a:p>
           </p:txBody>
         </p:sp>
@@ -32528,6 +33525,10 @@
                 </a:spcAft>
                 <a:buNone/>
               </a:pPr>
+              <a:endParaRPr>
+                <a:latin typeface="Times New Roman" panose="02020603050405020304" pitchFamily="18" charset="0"/>
+                <a:cs typeface="Times New Roman" panose="02020603050405020304" pitchFamily="18" charset="0"/>
+              </a:endParaRPr>
             </a:p>
           </p:txBody>
         </p:sp>
@@ -32621,6 +33622,10 @@
                 </a:spcAft>
                 <a:buNone/>
               </a:pPr>
+              <a:endParaRPr>
+                <a:latin typeface="Times New Roman" panose="02020603050405020304" pitchFamily="18" charset="0"/>
+                <a:cs typeface="Times New Roman" panose="02020603050405020304" pitchFamily="18" charset="0"/>
+              </a:endParaRPr>
             </a:p>
           </p:txBody>
         </p:sp>
@@ -32714,6 +33719,10 @@
                 </a:spcAft>
                 <a:buNone/>
               </a:pPr>
+              <a:endParaRPr>
+                <a:latin typeface="Times New Roman" panose="02020603050405020304" pitchFamily="18" charset="0"/>
+                <a:cs typeface="Times New Roman" panose="02020603050405020304" pitchFamily="18" charset="0"/>
+              </a:endParaRPr>
             </a:p>
           </p:txBody>
         </p:sp>
@@ -32979,6 +33988,10 @@
                 </a:spcAft>
                 <a:buNone/>
               </a:pPr>
+              <a:endParaRPr>
+                <a:latin typeface="Times New Roman" panose="02020603050405020304" pitchFamily="18" charset="0"/>
+                <a:cs typeface="Times New Roman" panose="02020603050405020304" pitchFamily="18" charset="0"/>
+              </a:endParaRPr>
             </a:p>
           </p:txBody>
         </p:sp>
@@ -33035,6 +34048,10 @@
                 </a:spcAft>
                 <a:buNone/>
               </a:pPr>
+              <a:endParaRPr>
+                <a:latin typeface="Times New Roman" panose="02020603050405020304" pitchFamily="18" charset="0"/>
+                <a:cs typeface="Times New Roman" panose="02020603050405020304" pitchFamily="18" charset="0"/>
+              </a:endParaRPr>
             </a:p>
           </p:txBody>
         </p:sp>
@@ -33076,6 +34093,10 @@
                 </a:spcAft>
                 <a:buNone/>
               </a:pPr>
+              <a:endParaRPr>
+                <a:latin typeface="Times New Roman" panose="02020603050405020304" pitchFamily="18" charset="0"/>
+                <a:cs typeface="Times New Roman" panose="02020603050405020304" pitchFamily="18" charset="0"/>
+              </a:endParaRPr>
             </a:p>
           </p:txBody>
         </p:sp>
@@ -33353,28 +34374,32 @@
           <a:p>
             <a:r>
               <a:rPr lang="en-US" altLang="en-GB" sz="2000" dirty="0" smtClean="0">
-                <a:latin typeface="Roboto" panose="02000000000000000000" charset="0"/>
+                <a:latin typeface="Times New Roman" panose="02020603050405020304" pitchFamily="18" charset="0"/>
                 <a:ea typeface="Roboto" panose="02000000000000000000" charset="0"/>
+                <a:cs typeface="Times New Roman" panose="02020603050405020304" pitchFamily="18" charset="0"/>
               </a:rPr>
               <a:t>2. </a:t>
             </a:r>
             <a:r>
               <a:rPr lang="en-US" altLang="en-GB" sz="2000" dirty="0" err="1" smtClean="0">
-                <a:latin typeface="Roboto" panose="02000000000000000000" charset="0"/>
+                <a:latin typeface="Times New Roman" panose="02020603050405020304" pitchFamily="18" charset="0"/>
                 <a:ea typeface="Roboto" panose="02000000000000000000" charset="0"/>
+                <a:cs typeface="Times New Roman" panose="02020603050405020304" pitchFamily="18" charset="0"/>
               </a:rPr>
               <a:t>ReactJS</a:t>
             </a:r>
             <a:r>
               <a:rPr lang="en-US" sz="2000" dirty="0" smtClean="0">
-                <a:latin typeface="Roboto" panose="02000000000000000000" charset="0"/>
+                <a:latin typeface="Times New Roman" panose="02020603050405020304" pitchFamily="18" charset="0"/>
                 <a:ea typeface="Roboto" panose="02000000000000000000" charset="0"/>
+                <a:cs typeface="Times New Roman" panose="02020603050405020304" pitchFamily="18" charset="0"/>
               </a:rPr>
               <a:t> </a:t>
             </a:r>
             <a:endParaRPr lang="en-US" sz="2000" dirty="0">
-              <a:latin typeface="Roboto" panose="02000000000000000000" charset="0"/>
+              <a:latin typeface="Times New Roman" panose="02020603050405020304" pitchFamily="18" charset="0"/>
               <a:ea typeface="Roboto" panose="02000000000000000000" charset="0"/>
+              <a:cs typeface="Times New Roman" panose="02020603050405020304" pitchFamily="18" charset="0"/>
             </a:endParaRPr>
           </a:p>
         </p:txBody>
@@ -33438,46 +34463,79 @@
           <a:p>
             <a:pPr lvl="0"/>
             <a:r>
-              <a:rPr lang="en-GB" b="0" dirty="0" err="1"/>
+              <a:rPr lang="en-GB" b="0" dirty="0" err="1">
+                <a:latin typeface="Times New Roman" panose="02020603050405020304" pitchFamily="18" charset="0"/>
+                <a:cs typeface="Times New Roman" panose="02020603050405020304" pitchFamily="18" charset="0"/>
+              </a:rPr>
               <a:t>Các</a:t>
             </a:r>
             <a:r>
-              <a:rPr lang="en-GB" b="0" dirty="0"/>
+              <a:rPr lang="en-GB" b="0" dirty="0">
+                <a:latin typeface="Times New Roman" panose="02020603050405020304" pitchFamily="18" charset="0"/>
+                <a:cs typeface="Times New Roman" panose="02020603050405020304" pitchFamily="18" charset="0"/>
+              </a:rPr>
               <a:t> </a:t>
             </a:r>
             <a:r>
-              <a:rPr lang="en-GB" b="0" dirty="0" err="1"/>
+              <a:rPr lang="en-GB" b="0" dirty="0" err="1">
+                <a:latin typeface="Times New Roman" panose="02020603050405020304" pitchFamily="18" charset="0"/>
+                <a:cs typeface="Times New Roman" panose="02020603050405020304" pitchFamily="18" charset="0"/>
+              </a:rPr>
               <a:t>đ</a:t>
             </a:r>
             <a:r>
-              <a:rPr lang="en-GB" b="0" dirty="0" err="1" smtClean="0"/>
+              <a:rPr lang="en-GB" b="0" dirty="0" err="1" smtClean="0">
+                <a:latin typeface="Times New Roman" panose="02020603050405020304" pitchFamily="18" charset="0"/>
+                <a:cs typeface="Times New Roman" panose="02020603050405020304" pitchFamily="18" charset="0"/>
+              </a:rPr>
               <a:t>ặc</a:t>
             </a:r>
             <a:r>
-              <a:rPr lang="en-GB" b="0" dirty="0" smtClean="0"/>
+              <a:rPr lang="en-GB" b="0" dirty="0" smtClean="0">
+                <a:latin typeface="Times New Roman" panose="02020603050405020304" pitchFamily="18" charset="0"/>
+                <a:cs typeface="Times New Roman" panose="02020603050405020304" pitchFamily="18" charset="0"/>
+              </a:rPr>
               <a:t> </a:t>
             </a:r>
             <a:r>
-              <a:rPr lang="en-GB" b="0" dirty="0" err="1"/>
+              <a:rPr lang="en-GB" b="0" dirty="0" err="1">
+                <a:latin typeface="Times New Roman" panose="02020603050405020304" pitchFamily="18" charset="0"/>
+                <a:cs typeface="Times New Roman" panose="02020603050405020304" pitchFamily="18" charset="0"/>
+              </a:rPr>
               <a:t>điểm</a:t>
             </a:r>
             <a:r>
-              <a:rPr lang="en-GB" b="0" dirty="0"/>
+              <a:rPr lang="en-GB" b="0" dirty="0">
+                <a:latin typeface="Times New Roman" panose="02020603050405020304" pitchFamily="18" charset="0"/>
+                <a:cs typeface="Times New Roman" panose="02020603050405020304" pitchFamily="18" charset="0"/>
+              </a:rPr>
               <a:t> </a:t>
             </a:r>
             <a:r>
-              <a:rPr lang="en-GB" b="0" dirty="0" err="1"/>
+              <a:rPr lang="en-GB" b="0" dirty="0" err="1">
+                <a:latin typeface="Times New Roman" panose="02020603050405020304" pitchFamily="18" charset="0"/>
+                <a:cs typeface="Times New Roman" panose="02020603050405020304" pitchFamily="18" charset="0"/>
+              </a:rPr>
               <a:t>Quan</a:t>
             </a:r>
             <a:r>
-              <a:rPr lang="en-GB" b="0" dirty="0"/>
+              <a:rPr lang="en-GB" b="0" dirty="0">
+                <a:latin typeface="Times New Roman" panose="02020603050405020304" pitchFamily="18" charset="0"/>
+                <a:cs typeface="Times New Roman" panose="02020603050405020304" pitchFamily="18" charset="0"/>
+              </a:rPr>
               <a:t> </a:t>
             </a:r>
             <a:r>
-              <a:rPr lang="en-GB" b="0" dirty="0" err="1"/>
+              <a:rPr lang="en-GB" b="0" dirty="0" err="1">
+                <a:latin typeface="Times New Roman" panose="02020603050405020304" pitchFamily="18" charset="0"/>
+                <a:cs typeface="Times New Roman" panose="02020603050405020304" pitchFamily="18" charset="0"/>
+              </a:rPr>
               <a:t>trọng</a:t>
             </a:r>
-            <a:endParaRPr lang="en-GB" b="0" dirty="0"/>
+            <a:endParaRPr lang="en-GB" b="0" dirty="0">
+              <a:latin typeface="Times New Roman" panose="02020603050405020304" pitchFamily="18" charset="0"/>
+              <a:cs typeface="Times New Roman" panose="02020603050405020304" pitchFamily="18" charset="0"/>
+            </a:endParaRPr>
           </a:p>
         </p:txBody>
       </p:sp>
@@ -33754,28 +34812,32 @@
           <a:p>
             <a:r>
               <a:rPr lang="en-US" altLang="en-GB" sz="2000" dirty="0" smtClean="0">
-                <a:latin typeface="Roboto" panose="02000000000000000000" charset="0"/>
+                <a:latin typeface="Times New Roman" panose="02020603050405020304" pitchFamily="18" charset="0"/>
                 <a:ea typeface="Roboto" panose="02000000000000000000" charset="0"/>
+                <a:cs typeface="Times New Roman" panose="02020603050405020304" pitchFamily="18" charset="0"/>
               </a:rPr>
               <a:t>2. </a:t>
             </a:r>
             <a:r>
               <a:rPr lang="en-US" altLang="en-GB" sz="2000" dirty="0" err="1" smtClean="0">
-                <a:latin typeface="Roboto" panose="02000000000000000000" charset="0"/>
+                <a:latin typeface="Times New Roman" panose="02020603050405020304" pitchFamily="18" charset="0"/>
                 <a:ea typeface="Roboto" panose="02000000000000000000" charset="0"/>
+                <a:cs typeface="Times New Roman" panose="02020603050405020304" pitchFamily="18" charset="0"/>
               </a:rPr>
               <a:t>ReactJS</a:t>
             </a:r>
             <a:r>
               <a:rPr lang="en-US" sz="2000" dirty="0" smtClean="0">
-                <a:latin typeface="Roboto" panose="02000000000000000000" charset="0"/>
+                <a:latin typeface="Times New Roman" panose="02020603050405020304" pitchFamily="18" charset="0"/>
                 <a:ea typeface="Roboto" panose="02000000000000000000" charset="0"/>
+                <a:cs typeface="Times New Roman" panose="02020603050405020304" pitchFamily="18" charset="0"/>
               </a:rPr>
               <a:t> </a:t>
             </a:r>
             <a:endParaRPr lang="en-US" sz="2000" dirty="0">
-              <a:latin typeface="Roboto" panose="02000000000000000000" charset="0"/>
+              <a:latin typeface="Times New Roman" panose="02020603050405020304" pitchFamily="18" charset="0"/>
               <a:ea typeface="Roboto" panose="02000000000000000000" charset="0"/>
+              <a:cs typeface="Times New Roman" panose="02020603050405020304" pitchFamily="18" charset="0"/>
             </a:endParaRPr>
           </a:p>
         </p:txBody>
@@ -33807,14 +34869,19 @@
           <a:p>
             <a:pPr lvl="0"/>
             <a:r>
-              <a:rPr lang="en-GB" sz="1600" dirty="0" smtClean="0"/>
+              <a:rPr lang="en-GB" sz="1600" dirty="0" smtClean="0">
+                <a:latin typeface="Times New Roman" panose="02020603050405020304" pitchFamily="18" charset="0"/>
+                <a:cs typeface="Times New Roman" panose="02020603050405020304" pitchFamily="18" charset="0"/>
+              </a:rPr>
               <a:t>1. Virtual </a:t>
             </a:r>
             <a:r>
-              <a:rPr lang="en-GB" sz="1600" dirty="0"/>
+              <a:rPr lang="en-GB" sz="1600" dirty="0">
+                <a:latin typeface="Times New Roman" panose="02020603050405020304" pitchFamily="18" charset="0"/>
+                <a:cs typeface="Times New Roman" panose="02020603050405020304" pitchFamily="18" charset="0"/>
+              </a:rPr>
               <a:t>DOM</a:t>
             </a:r>
-            <a:endParaRPr lang="en-GB" sz="1600" dirty="0"/>
           </a:p>
         </p:txBody>
       </p:sp>
@@ -33851,6 +34918,8 @@
                     <a:lumMod val="10000"/>
                   </a:schemeClr>
                 </a:solidFill>
+                <a:latin typeface="Times New Roman" panose="02020603050405020304" pitchFamily="18" charset="0"/>
+                <a:cs typeface="Times New Roman" panose="02020603050405020304" pitchFamily="18" charset="0"/>
               </a:rPr>
               <a:t>React.js sử dụng một phiên bản ảo của DOM, làm cho việc cập nhật giao diện người dùng nhanh hơn và hiệu quả hơn.</a:t>
             </a:r>
@@ -33860,6 +34929,8 @@
                   <a:lumMod val="10000"/>
                 </a:schemeClr>
               </a:solidFill>
+              <a:latin typeface="Times New Roman" panose="02020603050405020304" pitchFamily="18" charset="0"/>
+              <a:cs typeface="Times New Roman" panose="02020603050405020304" pitchFamily="18" charset="0"/>
             </a:endParaRPr>
           </a:p>
         </p:txBody>
@@ -33911,6 +34982,8 @@
                 </a:solidFill>
                 <a:prstDash val="sysDot"/>
               </a:ln>
+              <a:latin typeface="Times New Roman" panose="02020603050405020304" pitchFamily="18" charset="0"/>
+              <a:cs typeface="Times New Roman" panose="02020603050405020304" pitchFamily="18" charset="0"/>
             </a:endParaRPr>
           </a:p>
         </p:txBody>
@@ -33942,54 +35015,93 @@
           <a:p>
             <a:pPr lvl="0"/>
             <a:r>
-              <a:rPr lang="en-GB" sz="1600" dirty="0" smtClean="0"/>
+              <a:rPr lang="en-GB" sz="1600" dirty="0" smtClean="0">
+                <a:latin typeface="Times New Roman" panose="02020603050405020304" pitchFamily="18" charset="0"/>
+                <a:cs typeface="Times New Roman" panose="02020603050405020304" pitchFamily="18" charset="0"/>
+              </a:rPr>
               <a:t>2. </a:t>
             </a:r>
             <a:r>
-              <a:rPr lang="en-US" sz="1600" b="0" dirty="0" err="1"/>
+              <a:rPr lang="en-US" sz="1600" b="0" dirty="0" err="1">
+                <a:latin typeface="Times New Roman" panose="02020603050405020304" pitchFamily="18" charset="0"/>
+                <a:cs typeface="Times New Roman" panose="02020603050405020304" pitchFamily="18" charset="0"/>
+              </a:rPr>
               <a:t>Kiến</a:t>
             </a:r>
             <a:r>
-              <a:rPr lang="en-US" sz="1600" b="0" dirty="0"/>
+              <a:rPr lang="en-US" sz="1600" b="0" dirty="0">
+                <a:latin typeface="Times New Roman" panose="02020603050405020304" pitchFamily="18" charset="0"/>
+                <a:cs typeface="Times New Roman" panose="02020603050405020304" pitchFamily="18" charset="0"/>
+              </a:rPr>
               <a:t> </a:t>
             </a:r>
             <a:r>
-              <a:rPr lang="en-US" sz="1600" b="0" dirty="0" err="1"/>
+              <a:rPr lang="en-US" sz="1600" b="0" dirty="0" err="1">
+                <a:latin typeface="Times New Roman" panose="02020603050405020304" pitchFamily="18" charset="0"/>
+                <a:cs typeface="Times New Roman" panose="02020603050405020304" pitchFamily="18" charset="0"/>
+              </a:rPr>
               <a:t>trúc</a:t>
             </a:r>
             <a:r>
-              <a:rPr lang="en-US" sz="1600" b="0" dirty="0"/>
+              <a:rPr lang="en-US" sz="1600" b="0" dirty="0">
+                <a:latin typeface="Times New Roman" panose="02020603050405020304" pitchFamily="18" charset="0"/>
+                <a:cs typeface="Times New Roman" panose="02020603050405020304" pitchFamily="18" charset="0"/>
+              </a:rPr>
               <a:t> </a:t>
             </a:r>
             <a:r>
-              <a:rPr lang="en-US" sz="1600" b="0" dirty="0" err="1"/>
+              <a:rPr lang="en-US" sz="1600" b="0" dirty="0" err="1">
+                <a:latin typeface="Times New Roman" panose="02020603050405020304" pitchFamily="18" charset="0"/>
+                <a:cs typeface="Times New Roman" panose="02020603050405020304" pitchFamily="18" charset="0"/>
+              </a:rPr>
               <a:t>dựa</a:t>
             </a:r>
             <a:r>
-              <a:rPr lang="en-US" sz="1600" b="0" dirty="0"/>
+              <a:rPr lang="en-US" sz="1600" b="0" dirty="0">
+                <a:latin typeface="Times New Roman" panose="02020603050405020304" pitchFamily="18" charset="0"/>
+                <a:cs typeface="Times New Roman" panose="02020603050405020304" pitchFamily="18" charset="0"/>
+              </a:rPr>
               <a:t> </a:t>
             </a:r>
             <a:r>
-              <a:rPr lang="en-US" sz="1600" b="0" dirty="0" err="1"/>
+              <a:rPr lang="en-US" sz="1600" b="0" dirty="0" err="1">
+                <a:latin typeface="Times New Roman" panose="02020603050405020304" pitchFamily="18" charset="0"/>
+                <a:cs typeface="Times New Roman" panose="02020603050405020304" pitchFamily="18" charset="0"/>
+              </a:rPr>
               <a:t>trên</a:t>
             </a:r>
             <a:r>
-              <a:rPr lang="en-US" sz="1600" b="0" dirty="0"/>
+              <a:rPr lang="en-US" sz="1600" b="0" dirty="0">
+                <a:latin typeface="Times New Roman" panose="02020603050405020304" pitchFamily="18" charset="0"/>
+                <a:cs typeface="Times New Roman" panose="02020603050405020304" pitchFamily="18" charset="0"/>
+              </a:rPr>
               <a:t> </a:t>
             </a:r>
             <a:r>
-              <a:rPr lang="en-US" sz="1600" b="0" dirty="0" err="1"/>
+              <a:rPr lang="en-US" sz="1600" b="0" dirty="0" err="1">
+                <a:latin typeface="Times New Roman" panose="02020603050405020304" pitchFamily="18" charset="0"/>
+                <a:cs typeface="Times New Roman" panose="02020603050405020304" pitchFamily="18" charset="0"/>
+              </a:rPr>
               <a:t>thành</a:t>
             </a:r>
             <a:r>
-              <a:rPr lang="en-US" sz="1600" b="0" dirty="0"/>
+              <a:rPr lang="en-US" sz="1600" b="0" dirty="0">
+                <a:latin typeface="Times New Roman" panose="02020603050405020304" pitchFamily="18" charset="0"/>
+                <a:cs typeface="Times New Roman" panose="02020603050405020304" pitchFamily="18" charset="0"/>
+              </a:rPr>
               <a:t> </a:t>
             </a:r>
             <a:r>
-              <a:rPr lang="en-US" sz="1600" b="0" dirty="0" err="1"/>
+              <a:rPr lang="en-US" sz="1600" b="0" dirty="0" err="1">
+                <a:latin typeface="Times New Roman" panose="02020603050405020304" pitchFamily="18" charset="0"/>
+                <a:cs typeface="Times New Roman" panose="02020603050405020304" pitchFamily="18" charset="0"/>
+              </a:rPr>
               <a:t>phần</a:t>
             </a:r>
-            <a:endParaRPr lang="en-GB" sz="1600" dirty="0"/>
+            <a:endParaRPr lang="en-GB" sz="1600" dirty="0">
+              <a:latin typeface="Times New Roman" panose="02020603050405020304" pitchFamily="18" charset="0"/>
+              <a:cs typeface="Times New Roman" panose="02020603050405020304" pitchFamily="18" charset="0"/>
+            </a:endParaRPr>
           </a:p>
         </p:txBody>
       </p:sp>
@@ -34026,6 +35138,8 @@
                     <a:lumMod val="10000"/>
                   </a:schemeClr>
                 </a:solidFill>
+                <a:latin typeface="Times New Roman" panose="02020603050405020304" pitchFamily="18" charset="0"/>
+                <a:cs typeface="Times New Roman" panose="02020603050405020304" pitchFamily="18" charset="0"/>
               </a:rPr>
               <a:t>React.js khuyến khích việc xây dựng các thành phần giao diện người dùng có thể tái sử dụng, dẫn đến mã modul và dễ bảo trì.</a:t>
             </a:r>
@@ -34035,6 +35149,8 @@
                   <a:lumMod val="10000"/>
                 </a:schemeClr>
               </a:solidFill>
+              <a:latin typeface="Times New Roman" panose="02020603050405020304" pitchFamily="18" charset="0"/>
+              <a:cs typeface="Times New Roman" panose="02020603050405020304" pitchFamily="18" charset="0"/>
             </a:endParaRPr>
           </a:p>
         </p:txBody>
@@ -34086,6 +35202,8 @@
                 </a:solidFill>
                 <a:prstDash val="sysDot"/>
               </a:ln>
+              <a:latin typeface="Times New Roman" panose="02020603050405020304" pitchFamily="18" charset="0"/>
+              <a:cs typeface="Times New Roman" panose="02020603050405020304" pitchFamily="18" charset="0"/>
             </a:endParaRPr>
           </a:p>
         </p:txBody>
@@ -34117,14 +35235,23 @@
           <a:p>
             <a:pPr lvl="0"/>
             <a:r>
-              <a:rPr lang="en-GB" sz="1600" dirty="0" smtClean="0"/>
+              <a:rPr lang="en-GB" sz="1600" dirty="0" smtClean="0">
+                <a:latin typeface="Times New Roman" panose="02020603050405020304" pitchFamily="18" charset="0"/>
+                <a:cs typeface="Times New Roman" panose="02020603050405020304" pitchFamily="18" charset="0"/>
+              </a:rPr>
               <a:t>3.</a:t>
             </a:r>
             <a:r>
-              <a:rPr lang="en-US" sz="1600" b="0" dirty="0"/>
+              <a:rPr lang="en-US" sz="1600" b="0" dirty="0">
+                <a:latin typeface="Times New Roman" panose="02020603050405020304" pitchFamily="18" charset="0"/>
+                <a:cs typeface="Times New Roman" panose="02020603050405020304" pitchFamily="18" charset="0"/>
+              </a:rPr>
               <a:t> JSX</a:t>
             </a:r>
-            <a:endParaRPr lang="en-GB" sz="1600" dirty="0"/>
+            <a:endParaRPr lang="en-GB" sz="1600" dirty="0">
+              <a:latin typeface="Times New Roman" panose="02020603050405020304" pitchFamily="18" charset="0"/>
+              <a:cs typeface="Times New Roman" panose="02020603050405020304" pitchFamily="18" charset="0"/>
+            </a:endParaRPr>
           </a:p>
         </p:txBody>
       </p:sp>
@@ -34161,6 +35288,8 @@
                     <a:lumMod val="10000"/>
                   </a:schemeClr>
                 </a:solidFill>
+                <a:latin typeface="Times New Roman" panose="02020603050405020304" pitchFamily="18" charset="0"/>
+                <a:cs typeface="Times New Roman" panose="02020603050405020304" pitchFamily="18" charset="0"/>
               </a:rPr>
               <a:t>React.js sử dụng JSX, một phần mở rộng cú pháp cho phép nhà phát triển viết mã giống HTML trong JavaScript, giúp mô tả các thành phần giao diện người dùng dễ dàng hơn.</a:t>
             </a:r>
@@ -34170,6 +35299,8 @@
                   <a:lumMod val="10000"/>
                 </a:schemeClr>
               </a:solidFill>
+              <a:latin typeface="Times New Roman" panose="02020603050405020304" pitchFamily="18" charset="0"/>
+              <a:cs typeface="Times New Roman" panose="02020603050405020304" pitchFamily="18" charset="0"/>
             </a:endParaRPr>
           </a:p>
         </p:txBody>
@@ -34221,6 +35352,8 @@
                 </a:solidFill>
                 <a:prstDash val="sysDot"/>
               </a:ln>
+              <a:latin typeface="Times New Roman" panose="02020603050405020304" pitchFamily="18" charset="0"/>
+              <a:cs typeface="Times New Roman" panose="02020603050405020304" pitchFamily="18" charset="0"/>
             </a:endParaRPr>
           </a:p>
         </p:txBody>
@@ -34252,50 +35385,86 @@
           <a:p>
             <a:pPr lvl="0"/>
             <a:r>
-              <a:rPr lang="en-US" sz="1600" b="0" dirty="0" smtClean="0"/>
+              <a:rPr lang="en-US" sz="1600" b="0" dirty="0" smtClean="0">
+                <a:latin typeface="Times New Roman" panose="02020603050405020304" pitchFamily="18" charset="0"/>
+                <a:cs typeface="Times New Roman" panose="02020603050405020304" pitchFamily="18" charset="0"/>
+              </a:rPr>
               <a:t>4. </a:t>
             </a:r>
             <a:r>
-              <a:rPr lang="en-US" sz="1600" b="0" dirty="0" err="1" smtClean="0"/>
+              <a:rPr lang="en-US" sz="1600" b="0" dirty="0" err="1" smtClean="0">
+                <a:latin typeface="Times New Roman" panose="02020603050405020304" pitchFamily="18" charset="0"/>
+                <a:cs typeface="Times New Roman" panose="02020603050405020304" pitchFamily="18" charset="0"/>
+              </a:rPr>
               <a:t>Luồng</a:t>
             </a:r>
             <a:r>
-              <a:rPr lang="en-US" sz="1600" b="0" dirty="0" smtClean="0"/>
+              <a:rPr lang="en-US" sz="1600" b="0" dirty="0" smtClean="0">
+                <a:latin typeface="Times New Roman" panose="02020603050405020304" pitchFamily="18" charset="0"/>
+                <a:cs typeface="Times New Roman" panose="02020603050405020304" pitchFamily="18" charset="0"/>
+              </a:rPr>
               <a:t> </a:t>
             </a:r>
             <a:r>
-              <a:rPr lang="en-US" sz="1600" b="0" dirty="0" err="1"/>
+              <a:rPr lang="en-US" sz="1600" b="0" dirty="0" err="1">
+                <a:latin typeface="Times New Roman" panose="02020603050405020304" pitchFamily="18" charset="0"/>
+                <a:cs typeface="Times New Roman" panose="02020603050405020304" pitchFamily="18" charset="0"/>
+              </a:rPr>
               <a:t>dữ</a:t>
             </a:r>
             <a:r>
-              <a:rPr lang="en-US" sz="1600" b="0" dirty="0"/>
+              <a:rPr lang="en-US" sz="1600" b="0" dirty="0">
+                <a:latin typeface="Times New Roman" panose="02020603050405020304" pitchFamily="18" charset="0"/>
+                <a:cs typeface="Times New Roman" panose="02020603050405020304" pitchFamily="18" charset="0"/>
+              </a:rPr>
               <a:t> </a:t>
             </a:r>
             <a:r>
-              <a:rPr lang="en-US" sz="1600" b="0" dirty="0" err="1"/>
+              <a:rPr lang="en-US" sz="1600" b="0" dirty="0" err="1">
+                <a:latin typeface="Times New Roman" panose="02020603050405020304" pitchFamily="18" charset="0"/>
+                <a:cs typeface="Times New Roman" panose="02020603050405020304" pitchFamily="18" charset="0"/>
+              </a:rPr>
               <a:t>liệu</a:t>
             </a:r>
             <a:r>
-              <a:rPr lang="en-US" sz="1600" b="0" dirty="0"/>
+              <a:rPr lang="en-US" sz="1600" b="0" dirty="0">
+                <a:latin typeface="Times New Roman" panose="02020603050405020304" pitchFamily="18" charset="0"/>
+                <a:cs typeface="Times New Roman" panose="02020603050405020304" pitchFamily="18" charset="0"/>
+              </a:rPr>
               <a:t> </a:t>
             </a:r>
             <a:r>
-              <a:rPr lang="en-US" sz="1600" b="0" dirty="0" err="1"/>
+              <a:rPr lang="en-US" sz="1600" b="0" dirty="0" err="1">
+                <a:latin typeface="Times New Roman" panose="02020603050405020304" pitchFamily="18" charset="0"/>
+                <a:cs typeface="Times New Roman" panose="02020603050405020304" pitchFamily="18" charset="0"/>
+              </a:rPr>
               <a:t>một</a:t>
             </a:r>
             <a:r>
-              <a:rPr lang="en-US" sz="1600" b="0" dirty="0"/>
+              <a:rPr lang="en-US" sz="1600" b="0" dirty="0">
+                <a:latin typeface="Times New Roman" panose="02020603050405020304" pitchFamily="18" charset="0"/>
+                <a:cs typeface="Times New Roman" panose="02020603050405020304" pitchFamily="18" charset="0"/>
+              </a:rPr>
               <a:t> </a:t>
             </a:r>
             <a:r>
-              <a:rPr lang="en-US" sz="1600" b="0" dirty="0" err="1"/>
+              <a:rPr lang="en-US" sz="1600" b="0" dirty="0" err="1">
+                <a:latin typeface="Times New Roman" panose="02020603050405020304" pitchFamily="18" charset="0"/>
+                <a:cs typeface="Times New Roman" panose="02020603050405020304" pitchFamily="18" charset="0"/>
+              </a:rPr>
               <a:t>chiều</a:t>
             </a:r>
             <a:r>
-              <a:rPr lang="en-US" sz="1600" b="0" dirty="0"/>
+              <a:rPr lang="en-US" sz="1600" b="0" dirty="0">
+                <a:latin typeface="Times New Roman" panose="02020603050405020304" pitchFamily="18" charset="0"/>
+                <a:cs typeface="Times New Roman" panose="02020603050405020304" pitchFamily="18" charset="0"/>
+              </a:rPr>
               <a:t>:</a:t>
             </a:r>
-            <a:endParaRPr lang="en-GB" sz="1600" dirty="0"/>
+            <a:endParaRPr lang="en-GB" sz="1600" dirty="0">
+              <a:latin typeface="Times New Roman" panose="02020603050405020304" pitchFamily="18" charset="0"/>
+              <a:cs typeface="Times New Roman" panose="02020603050405020304" pitchFamily="18" charset="0"/>
+            </a:endParaRPr>
           </a:p>
         </p:txBody>
       </p:sp>
@@ -34332,6 +35501,8 @@
                     <a:lumMod val="10000"/>
                   </a:schemeClr>
                 </a:solidFill>
+                <a:latin typeface="Times New Roman" panose="02020603050405020304" pitchFamily="18" charset="0"/>
+                <a:cs typeface="Times New Roman" panose="02020603050405020304" pitchFamily="18" charset="0"/>
               </a:rPr>
               <a:t>React.js tuân theo luồng dữ liệu một chiều, làm cho việc theo dõi và quản lý thay đổi dữ liệu dễ dàng hơn.</a:t>
             </a:r>
@@ -34341,6 +35512,8 @@
                   <a:lumMod val="10000"/>
                 </a:schemeClr>
               </a:solidFill>
+              <a:latin typeface="Times New Roman" panose="02020603050405020304" pitchFamily="18" charset="0"/>
+              <a:cs typeface="Times New Roman" panose="02020603050405020304" pitchFamily="18" charset="0"/>
             </a:endParaRPr>
           </a:p>
         </p:txBody>
@@ -34392,6 +35565,8 @@
                 </a:solidFill>
                 <a:prstDash val="sysDot"/>
               </a:ln>
+              <a:latin typeface="Times New Roman" panose="02020603050405020304" pitchFamily="18" charset="0"/>
+              <a:cs typeface="Times New Roman" panose="02020603050405020304" pitchFamily="18" charset="0"/>
             </a:endParaRPr>
           </a:p>
         </p:txBody>
@@ -34701,14 +35876,16 @@
           <a:p>
             <a:r>
               <a:rPr lang="en-US" altLang="en-GB" sz="2000" dirty="0" smtClean="0">
-                <a:latin typeface="Roboto" panose="02000000000000000000" charset="0"/>
+                <a:latin typeface="Times New Roman" panose="02020603050405020304" pitchFamily="18" charset="0"/>
                 <a:ea typeface="Roboto" panose="02000000000000000000" charset="0"/>
+                <a:cs typeface="Times New Roman" panose="02020603050405020304" pitchFamily="18" charset="0"/>
               </a:rPr>
               <a:t>3. Project</a:t>
             </a:r>
             <a:endParaRPr lang="en-US" sz="2000" dirty="0">
-              <a:latin typeface="Roboto" panose="02000000000000000000" charset="0"/>
+              <a:latin typeface="Times New Roman" panose="02020603050405020304" pitchFamily="18" charset="0"/>
               <a:ea typeface="Roboto" panose="02000000000000000000" charset="0"/>
+              <a:cs typeface="Times New Roman" panose="02020603050405020304" pitchFamily="18" charset="0"/>
             </a:endParaRPr>
           </a:p>
         </p:txBody>
@@ -34722,7 +35899,7 @@
           <p:nvPr/>
         </p:nvPicPr>
         <p:blipFill>
-          <a:blip r:embed="rId1"/>
+          <a:blip r:embed="rId2"/>
           <a:stretch>
             <a:fillRect/>
           </a:stretch>
@@ -35016,56 +36193,64 @@
             <a:pPr algn="ctr"/>
             <a:r>
               <a:rPr lang="en-GB" sz="1800" b="0" dirty="0" err="1" smtClean="0">
-                <a:latin typeface="Roboto" panose="02000000000000000000" charset="0"/>
+                <a:latin typeface="Times New Roman" panose="02020603050405020304" pitchFamily="18" charset="0"/>
                 <a:ea typeface="Roboto" panose="02000000000000000000" charset="0"/>
+                <a:cs typeface="Times New Roman" panose="02020603050405020304" pitchFamily="18" charset="0"/>
               </a:rPr>
               <a:t>Hình</a:t>
             </a:r>
             <a:r>
               <a:rPr lang="en-GB" sz="1800" b="0" dirty="0" smtClean="0">
-                <a:latin typeface="Roboto" panose="02000000000000000000" charset="0"/>
+                <a:latin typeface="Times New Roman" panose="02020603050405020304" pitchFamily="18" charset="0"/>
                 <a:ea typeface="Roboto" panose="02000000000000000000" charset="0"/>
+                <a:cs typeface="Times New Roman" panose="02020603050405020304" pitchFamily="18" charset="0"/>
               </a:rPr>
               <a:t> </a:t>
             </a:r>
             <a:r>
               <a:rPr lang="en-GB" sz="1800" b="0" dirty="0" err="1" smtClean="0">
-                <a:latin typeface="Roboto" panose="02000000000000000000" charset="0"/>
+                <a:latin typeface="Times New Roman" panose="02020603050405020304" pitchFamily="18" charset="0"/>
                 <a:ea typeface="Roboto" panose="02000000000000000000" charset="0"/>
+                <a:cs typeface="Times New Roman" panose="02020603050405020304" pitchFamily="18" charset="0"/>
               </a:rPr>
               <a:t>ảnh</a:t>
             </a:r>
             <a:r>
               <a:rPr lang="en-GB" sz="1800" b="0" dirty="0" smtClean="0">
-                <a:latin typeface="Roboto" panose="02000000000000000000" charset="0"/>
+                <a:latin typeface="Times New Roman" panose="02020603050405020304" pitchFamily="18" charset="0"/>
                 <a:ea typeface="Roboto" panose="02000000000000000000" charset="0"/>
+                <a:cs typeface="Times New Roman" panose="02020603050405020304" pitchFamily="18" charset="0"/>
               </a:rPr>
               <a:t> </a:t>
             </a:r>
             <a:r>
               <a:rPr lang="en-GB" sz="1800" b="0" dirty="0" err="1" smtClean="0">
-                <a:latin typeface="Roboto" panose="02000000000000000000" charset="0"/>
+                <a:latin typeface="Times New Roman" panose="02020603050405020304" pitchFamily="18" charset="0"/>
                 <a:ea typeface="Roboto" panose="02000000000000000000" charset="0"/>
+                <a:cs typeface="Times New Roman" panose="02020603050405020304" pitchFamily="18" charset="0"/>
               </a:rPr>
               <a:t>dự</a:t>
             </a:r>
             <a:r>
               <a:rPr lang="en-GB" sz="1800" b="0" dirty="0" smtClean="0">
-                <a:latin typeface="Roboto" panose="02000000000000000000" charset="0"/>
+                <a:latin typeface="Times New Roman" panose="02020603050405020304" pitchFamily="18" charset="0"/>
                 <a:ea typeface="Roboto" panose="02000000000000000000" charset="0"/>
+                <a:cs typeface="Times New Roman" panose="02020603050405020304" pitchFamily="18" charset="0"/>
               </a:rPr>
               <a:t> </a:t>
             </a:r>
             <a:r>
               <a:rPr lang="en-GB" sz="1800" b="0" dirty="0" err="1" smtClean="0">
-                <a:latin typeface="Roboto" panose="02000000000000000000" charset="0"/>
+                <a:latin typeface="Times New Roman" panose="02020603050405020304" pitchFamily="18" charset="0"/>
                 <a:ea typeface="Roboto" panose="02000000000000000000" charset="0"/>
+                <a:cs typeface="Times New Roman" panose="02020603050405020304" pitchFamily="18" charset="0"/>
               </a:rPr>
               <a:t>án</a:t>
             </a:r>
             <a:endParaRPr lang="en-US" sz="1800" b="0" dirty="0">
-              <a:latin typeface="Roboto" panose="02000000000000000000" charset="0"/>
+              <a:latin typeface="Times New Roman" panose="02020603050405020304" pitchFamily="18" charset="0"/>
               <a:ea typeface="Roboto" panose="02000000000000000000" charset="0"/>
+              <a:cs typeface="Times New Roman" panose="02020603050405020304" pitchFamily="18" charset="0"/>
             </a:endParaRPr>
           </a:p>
         </p:txBody>
@@ -35137,10 +36322,16 @@
               <a:buNone/>
             </a:pPr>
             <a:r>
-              <a:rPr lang="en-GB" dirty="0" smtClean="0"/>
+              <a:rPr lang="en-GB" dirty="0" smtClean="0">
+                <a:latin typeface="Times New Roman" panose="02020603050405020304" pitchFamily="18" charset="0"/>
+                <a:cs typeface="Times New Roman" panose="02020603050405020304" pitchFamily="18" charset="0"/>
+              </a:rPr>
               <a:t>Hook</a:t>
             </a:r>
-            <a:endParaRPr lang="en-GB" dirty="0"/>
+            <a:endParaRPr lang="en-GB" dirty="0">
+              <a:latin typeface="Times New Roman" panose="02020603050405020304" pitchFamily="18" charset="0"/>
+              <a:cs typeface="Times New Roman" panose="02020603050405020304" pitchFamily="18" charset="0"/>
+            </a:endParaRPr>
           </a:p>
         </p:txBody>
       </p:sp>
@@ -35177,6 +36368,8 @@
                     <a:lumMod val="10000"/>
                   </a:schemeClr>
                 </a:solidFill>
+                <a:latin typeface="Times New Roman" panose="02020603050405020304" pitchFamily="18" charset="0"/>
+                <a:cs typeface="Times New Roman" panose="02020603050405020304" pitchFamily="18" charset="0"/>
               </a:rPr>
               <a:t>Sử</a:t>
             </a:r>
@@ -35187,6 +36380,8 @@
                     <a:lumMod val="10000"/>
                   </a:schemeClr>
                 </a:solidFill>
+                <a:latin typeface="Times New Roman" panose="02020603050405020304" pitchFamily="18" charset="0"/>
+                <a:cs typeface="Times New Roman" panose="02020603050405020304" pitchFamily="18" charset="0"/>
               </a:rPr>
               <a:t> </a:t>
             </a:r>
@@ -35197,6 +36392,8 @@
                     <a:lumMod val="10000"/>
                   </a:schemeClr>
                 </a:solidFill>
+                <a:latin typeface="Times New Roman" panose="02020603050405020304" pitchFamily="18" charset="0"/>
+                <a:cs typeface="Times New Roman" panose="02020603050405020304" pitchFamily="18" charset="0"/>
               </a:rPr>
               <a:t>dụng</a:t>
             </a:r>
@@ -35207,6 +36404,8 @@
                     <a:lumMod val="10000"/>
                   </a:schemeClr>
                 </a:solidFill>
+                <a:latin typeface="Times New Roman" panose="02020603050405020304" pitchFamily="18" charset="0"/>
+                <a:cs typeface="Times New Roman" panose="02020603050405020304" pitchFamily="18" charset="0"/>
               </a:rPr>
               <a:t> </a:t>
             </a:r>
@@ -35217,6 +36416,8 @@
                     <a:lumMod val="10000"/>
                   </a:schemeClr>
                 </a:solidFill>
+                <a:latin typeface="Times New Roman" panose="02020603050405020304" pitchFamily="18" charset="0"/>
+                <a:cs typeface="Times New Roman" panose="02020603050405020304" pitchFamily="18" charset="0"/>
               </a:rPr>
               <a:t>các</a:t>
             </a:r>
@@ -35227,6 +36428,8 @@
                     <a:lumMod val="10000"/>
                   </a:schemeClr>
                 </a:solidFill>
+                <a:latin typeface="Times New Roman" panose="02020603050405020304" pitchFamily="18" charset="0"/>
+                <a:cs typeface="Times New Roman" panose="02020603050405020304" pitchFamily="18" charset="0"/>
               </a:rPr>
               <a:t> hook </a:t>
             </a:r>
@@ -35237,6 +36440,8 @@
                     <a:lumMod val="10000"/>
                   </a:schemeClr>
                 </a:solidFill>
+                <a:latin typeface="Times New Roman" panose="02020603050405020304" pitchFamily="18" charset="0"/>
+                <a:cs typeface="Times New Roman" panose="02020603050405020304" pitchFamily="18" charset="0"/>
               </a:rPr>
               <a:t>trong</a:t>
             </a:r>
@@ -35247,6 +36452,8 @@
                     <a:lumMod val="10000"/>
                   </a:schemeClr>
                 </a:solidFill>
+                <a:latin typeface="Times New Roman" panose="02020603050405020304" pitchFamily="18" charset="0"/>
+                <a:cs typeface="Times New Roman" panose="02020603050405020304" pitchFamily="18" charset="0"/>
               </a:rPr>
               <a:t> </a:t>
             </a:r>
@@ -35257,6 +36464,8 @@
                     <a:lumMod val="10000"/>
                   </a:schemeClr>
                 </a:solidFill>
+                <a:latin typeface="Times New Roman" panose="02020603050405020304" pitchFamily="18" charset="0"/>
+                <a:cs typeface="Times New Roman" panose="02020603050405020304" pitchFamily="18" charset="0"/>
               </a:rPr>
               <a:t>ReactJS</a:t>
             </a:r>
@@ -35267,6 +36476,8 @@
                     <a:lumMod val="10000"/>
                   </a:schemeClr>
                 </a:solidFill>
+                <a:latin typeface="Times New Roman" panose="02020603050405020304" pitchFamily="18" charset="0"/>
+                <a:cs typeface="Times New Roman" panose="02020603050405020304" pitchFamily="18" charset="0"/>
               </a:rPr>
               <a:t> </a:t>
             </a:r>
@@ -35277,6 +36488,8 @@
                     <a:lumMod val="10000"/>
                   </a:schemeClr>
                 </a:solidFill>
+                <a:latin typeface="Times New Roman" panose="02020603050405020304" pitchFamily="18" charset="0"/>
+                <a:cs typeface="Times New Roman" panose="02020603050405020304" pitchFamily="18" charset="0"/>
               </a:rPr>
               <a:t>như</a:t>
             </a:r>
@@ -35287,6 +36500,8 @@
                     <a:lumMod val="10000"/>
                   </a:schemeClr>
                 </a:solidFill>
+                <a:latin typeface="Times New Roman" panose="02020603050405020304" pitchFamily="18" charset="0"/>
+                <a:cs typeface="Times New Roman" panose="02020603050405020304" pitchFamily="18" charset="0"/>
               </a:rPr>
               <a:t>: </a:t>
             </a:r>
@@ -35297,6 +36512,8 @@
                     <a:lumMod val="10000"/>
                   </a:schemeClr>
                 </a:solidFill>
+                <a:latin typeface="Times New Roman" panose="02020603050405020304" pitchFamily="18" charset="0"/>
+                <a:cs typeface="Times New Roman" panose="02020603050405020304" pitchFamily="18" charset="0"/>
               </a:rPr>
               <a:t>useState</a:t>
             </a:r>
@@ -35307,6 +36524,8 @@
                     <a:lumMod val="10000"/>
                   </a:schemeClr>
                 </a:solidFill>
+                <a:latin typeface="Times New Roman" panose="02020603050405020304" pitchFamily="18" charset="0"/>
+                <a:cs typeface="Times New Roman" panose="02020603050405020304" pitchFamily="18" charset="0"/>
               </a:rPr>
               <a:t>, </a:t>
             </a:r>
@@ -35317,6 +36536,8 @@
                     <a:lumMod val="10000"/>
                   </a:schemeClr>
                 </a:solidFill>
+                <a:latin typeface="Times New Roman" panose="02020603050405020304" pitchFamily="18" charset="0"/>
+                <a:cs typeface="Times New Roman" panose="02020603050405020304" pitchFamily="18" charset="0"/>
               </a:rPr>
               <a:t>useRef</a:t>
             </a:r>
@@ -35327,6 +36548,8 @@
                     <a:lumMod val="10000"/>
                   </a:schemeClr>
                 </a:solidFill>
+                <a:latin typeface="Times New Roman" panose="02020603050405020304" pitchFamily="18" charset="0"/>
+                <a:cs typeface="Times New Roman" panose="02020603050405020304" pitchFamily="18" charset="0"/>
               </a:rPr>
               <a:t>, </a:t>
             </a:r>
@@ -35337,6 +36560,8 @@
                     <a:lumMod val="10000"/>
                   </a:schemeClr>
                 </a:solidFill>
+                <a:latin typeface="Times New Roman" panose="02020603050405020304" pitchFamily="18" charset="0"/>
+                <a:cs typeface="Times New Roman" panose="02020603050405020304" pitchFamily="18" charset="0"/>
               </a:rPr>
               <a:t>useEffect</a:t>
             </a:r>
@@ -35347,6 +36572,8 @@
                     <a:lumMod val="10000"/>
                   </a:schemeClr>
                 </a:solidFill>
+                <a:latin typeface="Times New Roman" panose="02020603050405020304" pitchFamily="18" charset="0"/>
+                <a:cs typeface="Times New Roman" panose="02020603050405020304" pitchFamily="18" charset="0"/>
               </a:rPr>
               <a:t>, …</a:t>
             </a:r>
@@ -35356,6 +36583,8 @@
                   <a:lumMod val="10000"/>
                 </a:schemeClr>
               </a:solidFill>
+              <a:latin typeface="Times New Roman" panose="02020603050405020304" pitchFamily="18" charset="0"/>
+              <a:cs typeface="Times New Roman" panose="02020603050405020304" pitchFamily="18" charset="0"/>
             </a:endParaRPr>
           </a:p>
         </p:txBody>
@@ -35395,10 +36624,16 @@
               <a:buNone/>
             </a:pPr>
             <a:r>
-              <a:rPr lang="en-GB" dirty="0" smtClean="0"/>
+              <a:rPr lang="en-GB" dirty="0" smtClean="0">
+                <a:latin typeface="Times New Roman" panose="02020603050405020304" pitchFamily="18" charset="0"/>
+                <a:cs typeface="Times New Roman" panose="02020603050405020304" pitchFamily="18" charset="0"/>
+              </a:rPr>
               <a:t>API</a:t>
             </a:r>
-            <a:endParaRPr lang="en-GB" dirty="0"/>
+            <a:endParaRPr lang="en-GB" dirty="0">
+              <a:latin typeface="Times New Roman" panose="02020603050405020304" pitchFamily="18" charset="0"/>
+              <a:cs typeface="Times New Roman" panose="02020603050405020304" pitchFamily="18" charset="0"/>
+            </a:endParaRPr>
           </a:p>
         </p:txBody>
       </p:sp>
@@ -35435,6 +36670,8 @@
                     <a:lumMod val="10000"/>
                   </a:schemeClr>
                 </a:solidFill>
+                <a:latin typeface="Times New Roman" panose="02020603050405020304" pitchFamily="18" charset="0"/>
+                <a:cs typeface="Times New Roman" panose="02020603050405020304" pitchFamily="18" charset="0"/>
               </a:rPr>
               <a:t>Sử</a:t>
             </a:r>
@@ -35445,6 +36682,8 @@
                     <a:lumMod val="10000"/>
                   </a:schemeClr>
                 </a:solidFill>
+                <a:latin typeface="Times New Roman" panose="02020603050405020304" pitchFamily="18" charset="0"/>
+                <a:cs typeface="Times New Roman" panose="02020603050405020304" pitchFamily="18" charset="0"/>
               </a:rPr>
               <a:t> </a:t>
             </a:r>
@@ -35455,6 +36694,8 @@
                     <a:lumMod val="10000"/>
                   </a:schemeClr>
                 </a:solidFill>
+                <a:latin typeface="Times New Roman" panose="02020603050405020304" pitchFamily="18" charset="0"/>
+                <a:cs typeface="Times New Roman" panose="02020603050405020304" pitchFamily="18" charset="0"/>
               </a:rPr>
               <a:t>dụng</a:t>
             </a:r>
@@ -35465,6 +36706,8 @@
                     <a:lumMod val="10000"/>
                   </a:schemeClr>
                 </a:solidFill>
+                <a:latin typeface="Times New Roman" panose="02020603050405020304" pitchFamily="18" charset="0"/>
+                <a:cs typeface="Times New Roman" panose="02020603050405020304" pitchFamily="18" charset="0"/>
               </a:rPr>
               <a:t> </a:t>
             </a:r>
@@ -35475,6 +36718,8 @@
                     <a:lumMod val="10000"/>
                   </a:schemeClr>
                 </a:solidFill>
+                <a:latin typeface="Times New Roman" panose="02020603050405020304" pitchFamily="18" charset="0"/>
+                <a:cs typeface="Times New Roman" panose="02020603050405020304" pitchFamily="18" charset="0"/>
               </a:rPr>
               <a:t>thư</a:t>
             </a:r>
@@ -35485,6 +36730,8 @@
                     <a:lumMod val="10000"/>
                   </a:schemeClr>
                 </a:solidFill>
+                <a:latin typeface="Times New Roman" panose="02020603050405020304" pitchFamily="18" charset="0"/>
+                <a:cs typeface="Times New Roman" panose="02020603050405020304" pitchFamily="18" charset="0"/>
               </a:rPr>
               <a:t> </a:t>
             </a:r>
@@ -35495,6 +36742,8 @@
                     <a:lumMod val="10000"/>
                   </a:schemeClr>
                 </a:solidFill>
+                <a:latin typeface="Times New Roman" panose="02020603050405020304" pitchFamily="18" charset="0"/>
+                <a:cs typeface="Times New Roman" panose="02020603050405020304" pitchFamily="18" charset="0"/>
               </a:rPr>
               <a:t>viện</a:t>
             </a:r>
@@ -35505,6 +36754,8 @@
                     <a:lumMod val="10000"/>
                   </a:schemeClr>
                 </a:solidFill>
+                <a:latin typeface="Times New Roman" panose="02020603050405020304" pitchFamily="18" charset="0"/>
+                <a:cs typeface="Times New Roman" panose="02020603050405020304" pitchFamily="18" charset="0"/>
               </a:rPr>
               <a:t> </a:t>
             </a:r>
@@ -35515,6 +36766,8 @@
                     <a:lumMod val="10000"/>
                   </a:schemeClr>
                 </a:solidFill>
+                <a:latin typeface="Times New Roman" panose="02020603050405020304" pitchFamily="18" charset="0"/>
+                <a:cs typeface="Times New Roman" panose="02020603050405020304" pitchFamily="18" charset="0"/>
               </a:rPr>
               <a:t>axios</a:t>
             </a:r>
@@ -35524,6 +36777,8 @@
                   <a:lumMod val="10000"/>
                 </a:schemeClr>
               </a:solidFill>
+              <a:latin typeface="Times New Roman" panose="02020603050405020304" pitchFamily="18" charset="0"/>
+              <a:cs typeface="Times New Roman" panose="02020603050405020304" pitchFamily="18" charset="0"/>
             </a:endParaRPr>
           </a:p>
         </p:txBody>
@@ -35563,10 +36818,16 @@
               <a:buNone/>
             </a:pPr>
             <a:r>
-              <a:rPr lang="en-GB" dirty="0" smtClean="0"/>
+              <a:rPr lang="en-GB" dirty="0" smtClean="0">
+                <a:latin typeface="Times New Roman" panose="02020603050405020304" pitchFamily="18" charset="0"/>
+                <a:cs typeface="Times New Roman" panose="02020603050405020304" pitchFamily="18" charset="0"/>
+              </a:rPr>
               <a:t>Component</a:t>
             </a:r>
-            <a:endParaRPr lang="en-GB" dirty="0"/>
+            <a:endParaRPr lang="en-GB" dirty="0">
+              <a:latin typeface="Times New Roman" panose="02020603050405020304" pitchFamily="18" charset="0"/>
+              <a:cs typeface="Times New Roman" panose="02020603050405020304" pitchFamily="18" charset="0"/>
+            </a:endParaRPr>
           </a:p>
         </p:txBody>
       </p:sp>
@@ -35611,6 +36872,8 @@
                     <a:lumMod val="10000"/>
                   </a:schemeClr>
                 </a:solidFill>
+                <a:latin typeface="Times New Roman" panose="02020603050405020304" pitchFamily="18" charset="0"/>
+                <a:cs typeface="Times New Roman" panose="02020603050405020304" pitchFamily="18" charset="0"/>
               </a:rPr>
               <a:t>Chia </a:t>
             </a:r>
@@ -35621,6 +36884,8 @@
                     <a:lumMod val="10000"/>
                   </a:schemeClr>
                 </a:solidFill>
+                <a:latin typeface="Times New Roman" panose="02020603050405020304" pitchFamily="18" charset="0"/>
+                <a:cs typeface="Times New Roman" panose="02020603050405020304" pitchFamily="18" charset="0"/>
               </a:rPr>
               <a:t>nhỏ</a:t>
             </a:r>
@@ -35631,6 +36896,8 @@
                     <a:lumMod val="10000"/>
                   </a:schemeClr>
                 </a:solidFill>
+                <a:latin typeface="Times New Roman" panose="02020603050405020304" pitchFamily="18" charset="0"/>
+                <a:cs typeface="Times New Roman" panose="02020603050405020304" pitchFamily="18" charset="0"/>
               </a:rPr>
               <a:t> </a:t>
             </a:r>
@@ -35641,6 +36908,8 @@
                     <a:lumMod val="10000"/>
                   </a:schemeClr>
                 </a:solidFill>
+                <a:latin typeface="Times New Roman" panose="02020603050405020304" pitchFamily="18" charset="0"/>
+                <a:cs typeface="Times New Roman" panose="02020603050405020304" pitchFamily="18" charset="0"/>
               </a:rPr>
               <a:t>các</a:t>
             </a:r>
@@ -35651,6 +36920,8 @@
                     <a:lumMod val="10000"/>
                   </a:schemeClr>
                 </a:solidFill>
+                <a:latin typeface="Times New Roman" panose="02020603050405020304" pitchFamily="18" charset="0"/>
+                <a:cs typeface="Times New Roman" panose="02020603050405020304" pitchFamily="18" charset="0"/>
               </a:rPr>
               <a:t> </a:t>
             </a:r>
@@ -35661,6 +36932,8 @@
                     <a:lumMod val="10000"/>
                   </a:schemeClr>
                 </a:solidFill>
+                <a:latin typeface="Times New Roman" panose="02020603050405020304" pitchFamily="18" charset="0"/>
+                <a:cs typeface="Times New Roman" panose="02020603050405020304" pitchFamily="18" charset="0"/>
               </a:rPr>
               <a:t>thành</a:t>
             </a:r>
@@ -35671,6 +36944,8 @@
                     <a:lumMod val="10000"/>
                   </a:schemeClr>
                 </a:solidFill>
+                <a:latin typeface="Times New Roman" panose="02020603050405020304" pitchFamily="18" charset="0"/>
+                <a:cs typeface="Times New Roman" panose="02020603050405020304" pitchFamily="18" charset="0"/>
               </a:rPr>
               <a:t> </a:t>
             </a:r>
@@ -35681,6 +36956,8 @@
                     <a:lumMod val="10000"/>
                   </a:schemeClr>
                 </a:solidFill>
+                <a:latin typeface="Times New Roman" panose="02020603050405020304" pitchFamily="18" charset="0"/>
+                <a:cs typeface="Times New Roman" panose="02020603050405020304" pitchFamily="18" charset="0"/>
               </a:rPr>
               <a:t>phần</a:t>
             </a:r>
@@ -35691,6 +36968,8 @@
                     <a:lumMod val="10000"/>
                   </a:schemeClr>
                 </a:solidFill>
+                <a:latin typeface="Times New Roman" panose="02020603050405020304" pitchFamily="18" charset="0"/>
+                <a:cs typeface="Times New Roman" panose="02020603050405020304" pitchFamily="18" charset="0"/>
               </a:rPr>
               <a:t> </a:t>
             </a:r>
@@ -35701,6 +36980,8 @@
                     <a:lumMod val="10000"/>
                   </a:schemeClr>
                 </a:solidFill>
+                <a:latin typeface="Times New Roman" panose="02020603050405020304" pitchFamily="18" charset="0"/>
+                <a:cs typeface="Times New Roman" panose="02020603050405020304" pitchFamily="18" charset="0"/>
               </a:rPr>
               <a:t>để</a:t>
             </a:r>
@@ -35711,6 +36992,8 @@
                     <a:lumMod val="10000"/>
                   </a:schemeClr>
                 </a:solidFill>
+                <a:latin typeface="Times New Roman" panose="02020603050405020304" pitchFamily="18" charset="0"/>
+                <a:cs typeface="Times New Roman" panose="02020603050405020304" pitchFamily="18" charset="0"/>
               </a:rPr>
               <a:t> </a:t>
             </a:r>
@@ -35721,6 +37004,8 @@
                     <a:lumMod val="10000"/>
                   </a:schemeClr>
                 </a:solidFill>
+                <a:latin typeface="Times New Roman" panose="02020603050405020304" pitchFamily="18" charset="0"/>
+                <a:cs typeface="Times New Roman" panose="02020603050405020304" pitchFamily="18" charset="0"/>
               </a:rPr>
               <a:t>tái</a:t>
             </a:r>
@@ -35731,6 +37016,8 @@
                     <a:lumMod val="10000"/>
                   </a:schemeClr>
                 </a:solidFill>
+                <a:latin typeface="Times New Roman" panose="02020603050405020304" pitchFamily="18" charset="0"/>
+                <a:cs typeface="Times New Roman" panose="02020603050405020304" pitchFamily="18" charset="0"/>
               </a:rPr>
               <a:t> </a:t>
             </a:r>
@@ -35741,6 +37028,8 @@
                     <a:lumMod val="10000"/>
                   </a:schemeClr>
                 </a:solidFill>
+                <a:latin typeface="Times New Roman" panose="02020603050405020304" pitchFamily="18" charset="0"/>
+                <a:cs typeface="Times New Roman" panose="02020603050405020304" pitchFamily="18" charset="0"/>
               </a:rPr>
               <a:t>sử</a:t>
             </a:r>
@@ -35751,6 +37040,8 @@
                     <a:lumMod val="10000"/>
                   </a:schemeClr>
                 </a:solidFill>
+                <a:latin typeface="Times New Roman" panose="02020603050405020304" pitchFamily="18" charset="0"/>
+                <a:cs typeface="Times New Roman" panose="02020603050405020304" pitchFamily="18" charset="0"/>
               </a:rPr>
               <a:t> </a:t>
             </a:r>
@@ -35761,6 +37052,8 @@
                     <a:lumMod val="10000"/>
                   </a:schemeClr>
                 </a:solidFill>
+                <a:latin typeface="Times New Roman" panose="02020603050405020304" pitchFamily="18" charset="0"/>
+                <a:cs typeface="Times New Roman" panose="02020603050405020304" pitchFamily="18" charset="0"/>
               </a:rPr>
               <a:t>dụng</a:t>
             </a:r>
@@ -35771,6 +37064,8 @@
                     <a:lumMod val="10000"/>
                   </a:schemeClr>
                 </a:solidFill>
+                <a:latin typeface="Times New Roman" panose="02020603050405020304" pitchFamily="18" charset="0"/>
+                <a:cs typeface="Times New Roman" panose="02020603050405020304" pitchFamily="18" charset="0"/>
               </a:rPr>
               <a:t>.</a:t>
             </a:r>
@@ -35780,6 +37075,8 @@
                   <a:lumMod val="10000"/>
                 </a:schemeClr>
               </a:solidFill>
+              <a:latin typeface="Times New Roman" panose="02020603050405020304" pitchFamily="18" charset="0"/>
+              <a:cs typeface="Times New Roman" panose="02020603050405020304" pitchFamily="18" charset="0"/>
             </a:endParaRPr>
           </a:p>
           <a:p>
@@ -35798,6 +37095,8 @@
                   <a:lumMod val="10000"/>
                 </a:schemeClr>
               </a:solidFill>
+              <a:latin typeface="Times New Roman" panose="02020603050405020304" pitchFamily="18" charset="0"/>
+              <a:cs typeface="Times New Roman" panose="02020603050405020304" pitchFamily="18" charset="0"/>
             </a:endParaRPr>
           </a:p>
         </p:txBody>
@@ -35837,18 +37136,30 @@
               <a:buNone/>
             </a:pPr>
             <a:r>
-              <a:rPr lang="en-GB" dirty="0" err="1" smtClean="0"/>
+              <a:rPr lang="en-GB" dirty="0" err="1" smtClean="0">
+                <a:latin typeface="Times New Roman" panose="02020603050405020304" pitchFamily="18" charset="0"/>
+                <a:cs typeface="Times New Roman" panose="02020603050405020304" pitchFamily="18" charset="0"/>
+              </a:rPr>
               <a:t>Môi</a:t>
             </a:r>
             <a:r>
-              <a:rPr lang="en-GB" dirty="0" smtClean="0"/>
+              <a:rPr lang="en-GB" dirty="0" smtClean="0">
+                <a:latin typeface="Times New Roman" panose="02020603050405020304" pitchFamily="18" charset="0"/>
+                <a:cs typeface="Times New Roman" panose="02020603050405020304" pitchFamily="18" charset="0"/>
+              </a:rPr>
               <a:t> </a:t>
             </a:r>
             <a:r>
-              <a:rPr lang="en-GB" dirty="0" err="1" smtClean="0"/>
+              <a:rPr lang="en-GB" dirty="0" err="1" smtClean="0">
+                <a:latin typeface="Times New Roman" panose="02020603050405020304" pitchFamily="18" charset="0"/>
+                <a:cs typeface="Times New Roman" panose="02020603050405020304" pitchFamily="18" charset="0"/>
+              </a:rPr>
               <a:t>trường</a:t>
             </a:r>
-            <a:endParaRPr lang="en-GB" dirty="0"/>
+            <a:endParaRPr lang="en-GB" dirty="0">
+              <a:latin typeface="Times New Roman" panose="02020603050405020304" pitchFamily="18" charset="0"/>
+              <a:cs typeface="Times New Roman" panose="02020603050405020304" pitchFamily="18" charset="0"/>
+            </a:endParaRPr>
           </a:p>
         </p:txBody>
       </p:sp>
@@ -35893,6 +37204,8 @@
                     <a:lumMod val="10000"/>
                   </a:schemeClr>
                 </a:solidFill>
+                <a:latin typeface="Times New Roman" panose="02020603050405020304" pitchFamily="18" charset="0"/>
+                <a:cs typeface="Times New Roman" panose="02020603050405020304" pitchFamily="18" charset="0"/>
               </a:rPr>
               <a:t>Cấu</a:t>
             </a:r>
@@ -35903,6 +37216,8 @@
                     <a:lumMod val="10000"/>
                   </a:schemeClr>
                 </a:solidFill>
+                <a:latin typeface="Times New Roman" panose="02020603050405020304" pitchFamily="18" charset="0"/>
+                <a:cs typeface="Times New Roman" panose="02020603050405020304" pitchFamily="18" charset="0"/>
               </a:rPr>
               <a:t> </a:t>
             </a:r>
@@ -35913,6 +37228,8 @@
                     <a:lumMod val="10000"/>
                   </a:schemeClr>
                 </a:solidFill>
+                <a:latin typeface="Times New Roman" panose="02020603050405020304" pitchFamily="18" charset="0"/>
+                <a:cs typeface="Times New Roman" panose="02020603050405020304" pitchFamily="18" charset="0"/>
               </a:rPr>
               <a:t>hình</a:t>
             </a:r>
@@ -35923,6 +37240,8 @@
                     <a:lumMod val="10000"/>
                   </a:schemeClr>
                 </a:solidFill>
+                <a:latin typeface="Times New Roman" panose="02020603050405020304" pitchFamily="18" charset="0"/>
+                <a:cs typeface="Times New Roman" panose="02020603050405020304" pitchFamily="18" charset="0"/>
               </a:rPr>
               <a:t> </a:t>
             </a:r>
@@ -35933,6 +37252,8 @@
                     <a:lumMod val="10000"/>
                   </a:schemeClr>
                 </a:solidFill>
+                <a:latin typeface="Times New Roman" panose="02020603050405020304" pitchFamily="18" charset="0"/>
+                <a:cs typeface="Times New Roman" panose="02020603050405020304" pitchFamily="18" charset="0"/>
               </a:rPr>
               <a:t>các</a:t>
             </a:r>
@@ -35943,6 +37264,8 @@
                     <a:lumMod val="10000"/>
                   </a:schemeClr>
                 </a:solidFill>
+                <a:latin typeface="Times New Roman" panose="02020603050405020304" pitchFamily="18" charset="0"/>
+                <a:cs typeface="Times New Roman" panose="02020603050405020304" pitchFamily="18" charset="0"/>
               </a:rPr>
               <a:t> </a:t>
             </a:r>
@@ -35953,6 +37276,8 @@
                     <a:lumMod val="10000"/>
                   </a:schemeClr>
                 </a:solidFill>
+                <a:latin typeface="Times New Roman" panose="02020603050405020304" pitchFamily="18" charset="0"/>
+                <a:cs typeface="Times New Roman" panose="02020603050405020304" pitchFamily="18" charset="0"/>
               </a:rPr>
               <a:t>thành</a:t>
             </a:r>
@@ -35963,6 +37288,8 @@
                     <a:lumMod val="10000"/>
                   </a:schemeClr>
                 </a:solidFill>
+                <a:latin typeface="Times New Roman" panose="02020603050405020304" pitchFamily="18" charset="0"/>
+                <a:cs typeface="Times New Roman" panose="02020603050405020304" pitchFamily="18" charset="0"/>
               </a:rPr>
               <a:t> </a:t>
             </a:r>
@@ -35973,6 +37300,8 @@
                     <a:lumMod val="10000"/>
                   </a:schemeClr>
                 </a:solidFill>
+                <a:latin typeface="Times New Roman" panose="02020603050405020304" pitchFamily="18" charset="0"/>
+                <a:cs typeface="Times New Roman" panose="02020603050405020304" pitchFamily="18" charset="0"/>
               </a:rPr>
               <a:t>phần</a:t>
             </a:r>
@@ -35983,6 +37312,8 @@
                     <a:lumMod val="10000"/>
                   </a:schemeClr>
                 </a:solidFill>
+                <a:latin typeface="Times New Roman" panose="02020603050405020304" pitchFamily="18" charset="0"/>
+                <a:cs typeface="Times New Roman" panose="02020603050405020304" pitchFamily="18" charset="0"/>
               </a:rPr>
               <a:t> </a:t>
             </a:r>
@@ -35993,6 +37324,8 @@
                     <a:lumMod val="10000"/>
                   </a:schemeClr>
                 </a:solidFill>
+                <a:latin typeface="Times New Roman" panose="02020603050405020304" pitchFamily="18" charset="0"/>
+                <a:cs typeface="Times New Roman" panose="02020603050405020304" pitchFamily="18" charset="0"/>
               </a:rPr>
               <a:t>cho</a:t>
             </a:r>
@@ -36003,6 +37336,8 @@
                     <a:lumMod val="10000"/>
                   </a:schemeClr>
                 </a:solidFill>
+                <a:latin typeface="Times New Roman" panose="02020603050405020304" pitchFamily="18" charset="0"/>
+                <a:cs typeface="Times New Roman" panose="02020603050405020304" pitchFamily="18" charset="0"/>
               </a:rPr>
               <a:t> </a:t>
             </a:r>
@@ -36013,6 +37348,8 @@
                     <a:lumMod val="10000"/>
                   </a:schemeClr>
                 </a:solidFill>
+                <a:latin typeface="Times New Roman" panose="02020603050405020304" pitchFamily="18" charset="0"/>
+                <a:cs typeface="Times New Roman" panose="02020603050405020304" pitchFamily="18" charset="0"/>
               </a:rPr>
               <a:t>môi</a:t>
             </a:r>
@@ -36023,6 +37360,8 @@
                     <a:lumMod val="10000"/>
                   </a:schemeClr>
                 </a:solidFill>
+                <a:latin typeface="Times New Roman" panose="02020603050405020304" pitchFamily="18" charset="0"/>
+                <a:cs typeface="Times New Roman" panose="02020603050405020304" pitchFamily="18" charset="0"/>
               </a:rPr>
               <a:t> </a:t>
             </a:r>
@@ -36033,6 +37372,8 @@
                     <a:lumMod val="10000"/>
                   </a:schemeClr>
                 </a:solidFill>
+                <a:latin typeface="Times New Roman" panose="02020603050405020304" pitchFamily="18" charset="0"/>
+                <a:cs typeface="Times New Roman" panose="02020603050405020304" pitchFamily="18" charset="0"/>
               </a:rPr>
               <a:t>trường</a:t>
             </a:r>
@@ -36043,6 +37384,8 @@
                     <a:lumMod val="10000"/>
                   </a:schemeClr>
                 </a:solidFill>
+                <a:latin typeface="Times New Roman" panose="02020603050405020304" pitchFamily="18" charset="0"/>
+                <a:cs typeface="Times New Roman" panose="02020603050405020304" pitchFamily="18" charset="0"/>
               </a:rPr>
               <a:t> dev </a:t>
             </a:r>
@@ -36053,6 +37396,8 @@
                     <a:lumMod val="10000"/>
                   </a:schemeClr>
                 </a:solidFill>
+                <a:latin typeface="Times New Roman" panose="02020603050405020304" pitchFamily="18" charset="0"/>
+                <a:cs typeface="Times New Roman" panose="02020603050405020304" pitchFamily="18" charset="0"/>
               </a:rPr>
               <a:t>và</a:t>
             </a:r>
@@ -36063,6 +37408,8 @@
                     <a:lumMod val="10000"/>
                   </a:schemeClr>
                 </a:solidFill>
+                <a:latin typeface="Times New Roman" panose="02020603050405020304" pitchFamily="18" charset="0"/>
+                <a:cs typeface="Times New Roman" panose="02020603050405020304" pitchFamily="18" charset="0"/>
               </a:rPr>
               <a:t> </a:t>
             </a:r>
@@ -36073,6 +37420,8 @@
                     <a:lumMod val="10000"/>
                   </a:schemeClr>
                 </a:solidFill>
+                <a:latin typeface="Times New Roman" panose="02020603050405020304" pitchFamily="18" charset="0"/>
+                <a:cs typeface="Times New Roman" panose="02020603050405020304" pitchFamily="18" charset="0"/>
               </a:rPr>
               <a:t>prodution</a:t>
             </a:r>
@@ -36082,6 +37431,8 @@
                   <a:lumMod val="10000"/>
                 </a:schemeClr>
               </a:solidFill>
+              <a:latin typeface="Times New Roman" panose="02020603050405020304" pitchFamily="18" charset="0"/>
+              <a:cs typeface="Times New Roman" panose="02020603050405020304" pitchFamily="18" charset="0"/>
             </a:endParaRPr>
           </a:p>
         </p:txBody>
@@ -36121,10 +37472,16 @@
               <a:buNone/>
             </a:pPr>
             <a:r>
-              <a:rPr lang="en-GB" dirty="0" smtClean="0"/>
+              <a:rPr lang="en-GB" dirty="0" smtClean="0">
+                <a:latin typeface="Times New Roman" panose="02020603050405020304" pitchFamily="18" charset="0"/>
+                <a:cs typeface="Times New Roman" panose="02020603050405020304" pitchFamily="18" charset="0"/>
+              </a:rPr>
               <a:t>Routes</a:t>
             </a:r>
-            <a:endParaRPr lang="en-GB" dirty="0"/>
+            <a:endParaRPr lang="en-GB" dirty="0">
+              <a:latin typeface="Times New Roman" panose="02020603050405020304" pitchFamily="18" charset="0"/>
+              <a:cs typeface="Times New Roman" panose="02020603050405020304" pitchFamily="18" charset="0"/>
+            </a:endParaRPr>
           </a:p>
         </p:txBody>
       </p:sp>
@@ -36169,6 +37526,8 @@
                     <a:lumMod val="10000"/>
                   </a:schemeClr>
                 </a:solidFill>
+                <a:latin typeface="Times New Roman" panose="02020603050405020304" pitchFamily="18" charset="0"/>
+                <a:cs typeface="Times New Roman" panose="02020603050405020304" pitchFamily="18" charset="0"/>
               </a:rPr>
               <a:t>Cấu</a:t>
             </a:r>
@@ -36179,6 +37538,8 @@
                     <a:lumMod val="10000"/>
                   </a:schemeClr>
                 </a:solidFill>
+                <a:latin typeface="Times New Roman" panose="02020603050405020304" pitchFamily="18" charset="0"/>
+                <a:cs typeface="Times New Roman" panose="02020603050405020304" pitchFamily="18" charset="0"/>
               </a:rPr>
               <a:t> </a:t>
             </a:r>
@@ -36189,6 +37550,8 @@
                     <a:lumMod val="10000"/>
                   </a:schemeClr>
                 </a:solidFill>
+                <a:latin typeface="Times New Roman" panose="02020603050405020304" pitchFamily="18" charset="0"/>
+                <a:cs typeface="Times New Roman" panose="02020603050405020304" pitchFamily="18" charset="0"/>
               </a:rPr>
               <a:t>hình</a:t>
             </a:r>
@@ -36199,6 +37562,8 @@
                     <a:lumMod val="10000"/>
                   </a:schemeClr>
                 </a:solidFill>
+                <a:latin typeface="Times New Roman" panose="02020603050405020304" pitchFamily="18" charset="0"/>
+                <a:cs typeface="Times New Roman" panose="02020603050405020304" pitchFamily="18" charset="0"/>
               </a:rPr>
               <a:t> </a:t>
             </a:r>
@@ -36209,6 +37574,8 @@
                     <a:lumMod val="10000"/>
                   </a:schemeClr>
                 </a:solidFill>
+                <a:latin typeface="Times New Roman" panose="02020603050405020304" pitchFamily="18" charset="0"/>
+                <a:cs typeface="Times New Roman" panose="02020603050405020304" pitchFamily="18" charset="0"/>
               </a:rPr>
               <a:t>định</a:t>
             </a:r>
@@ -36219,6 +37586,8 @@
                     <a:lumMod val="10000"/>
                   </a:schemeClr>
                 </a:solidFill>
+                <a:latin typeface="Times New Roman" panose="02020603050405020304" pitchFamily="18" charset="0"/>
+                <a:cs typeface="Times New Roman" panose="02020603050405020304" pitchFamily="18" charset="0"/>
               </a:rPr>
               <a:t> </a:t>
             </a:r>
@@ -36229,6 +37598,8 @@
                     <a:lumMod val="10000"/>
                   </a:schemeClr>
                 </a:solidFill>
+                <a:latin typeface="Times New Roman" panose="02020603050405020304" pitchFamily="18" charset="0"/>
+                <a:cs typeface="Times New Roman" panose="02020603050405020304" pitchFamily="18" charset="0"/>
               </a:rPr>
               <a:t>tuyến</a:t>
             </a:r>
@@ -36239,6 +37610,8 @@
                     <a:lumMod val="10000"/>
                   </a:schemeClr>
                 </a:solidFill>
+                <a:latin typeface="Times New Roman" panose="02020603050405020304" pitchFamily="18" charset="0"/>
+                <a:cs typeface="Times New Roman" panose="02020603050405020304" pitchFamily="18" charset="0"/>
               </a:rPr>
               <a:t> </a:t>
             </a:r>
@@ -36249,6 +37622,8 @@
                     <a:lumMod val="10000"/>
                   </a:schemeClr>
                 </a:solidFill>
+                <a:latin typeface="Times New Roman" panose="02020603050405020304" pitchFamily="18" charset="0"/>
+                <a:cs typeface="Times New Roman" panose="02020603050405020304" pitchFamily="18" charset="0"/>
               </a:rPr>
               <a:t>trong</a:t>
             </a:r>
@@ -36259,6 +37634,8 @@
                     <a:lumMod val="10000"/>
                   </a:schemeClr>
                 </a:solidFill>
+                <a:latin typeface="Times New Roman" panose="02020603050405020304" pitchFamily="18" charset="0"/>
+                <a:cs typeface="Times New Roman" panose="02020603050405020304" pitchFamily="18" charset="0"/>
               </a:rPr>
               <a:t> website</a:t>
             </a:r>
@@ -36268,6 +37645,8 @@
                   <a:lumMod val="10000"/>
                 </a:schemeClr>
               </a:solidFill>
+              <a:latin typeface="Times New Roman" panose="02020603050405020304" pitchFamily="18" charset="0"/>
+              <a:cs typeface="Times New Roman" panose="02020603050405020304" pitchFamily="18" charset="0"/>
             </a:endParaRPr>
           </a:p>
         </p:txBody>
@@ -36307,10 +37686,16 @@
               <a:buNone/>
             </a:pPr>
             <a:r>
-              <a:rPr lang="en-GB" dirty="0" smtClean="0"/>
+              <a:rPr lang="en-GB" dirty="0" smtClean="0">
+                <a:latin typeface="Times New Roman" panose="02020603050405020304" pitchFamily="18" charset="0"/>
+                <a:cs typeface="Times New Roman" panose="02020603050405020304" pitchFamily="18" charset="0"/>
+              </a:rPr>
               <a:t>JSX, Props</a:t>
             </a:r>
-            <a:endParaRPr lang="en-GB" dirty="0"/>
+            <a:endParaRPr lang="en-GB" dirty="0">
+              <a:latin typeface="Times New Roman" panose="02020603050405020304" pitchFamily="18" charset="0"/>
+              <a:cs typeface="Times New Roman" panose="02020603050405020304" pitchFamily="18" charset="0"/>
+            </a:endParaRPr>
           </a:p>
         </p:txBody>
       </p:sp>
@@ -36355,6 +37740,8 @@
                     <a:lumMod val="10000"/>
                   </a:schemeClr>
                 </a:solidFill>
+                <a:latin typeface="Times New Roman" panose="02020603050405020304" pitchFamily="18" charset="0"/>
+                <a:cs typeface="Times New Roman" panose="02020603050405020304" pitchFamily="18" charset="0"/>
               </a:rPr>
               <a:t>Xây</a:t>
             </a:r>
@@ -36365,6 +37752,8 @@
                     <a:lumMod val="10000"/>
                   </a:schemeClr>
                 </a:solidFill>
+                <a:latin typeface="Times New Roman" panose="02020603050405020304" pitchFamily="18" charset="0"/>
+                <a:cs typeface="Times New Roman" panose="02020603050405020304" pitchFamily="18" charset="0"/>
               </a:rPr>
               <a:t> </a:t>
             </a:r>
@@ -36375,6 +37764,8 @@
                     <a:lumMod val="10000"/>
                   </a:schemeClr>
                 </a:solidFill>
+                <a:latin typeface="Times New Roman" panose="02020603050405020304" pitchFamily="18" charset="0"/>
+                <a:cs typeface="Times New Roman" panose="02020603050405020304" pitchFamily="18" charset="0"/>
               </a:rPr>
               <a:t>dựng</a:t>
             </a:r>
@@ -36385,6 +37776,8 @@
                     <a:lumMod val="10000"/>
                   </a:schemeClr>
                 </a:solidFill>
+                <a:latin typeface="Times New Roman" panose="02020603050405020304" pitchFamily="18" charset="0"/>
+                <a:cs typeface="Times New Roman" panose="02020603050405020304" pitchFamily="18" charset="0"/>
               </a:rPr>
               <a:t> </a:t>
             </a:r>
@@ -36395,6 +37788,8 @@
                     <a:lumMod val="10000"/>
                   </a:schemeClr>
                 </a:solidFill>
+                <a:latin typeface="Times New Roman" panose="02020603050405020304" pitchFamily="18" charset="0"/>
+                <a:cs typeface="Times New Roman" panose="02020603050405020304" pitchFamily="18" charset="0"/>
               </a:rPr>
               <a:t>các</a:t>
             </a:r>
@@ -36405,6 +37800,8 @@
                     <a:lumMod val="10000"/>
                   </a:schemeClr>
                 </a:solidFill>
+                <a:latin typeface="Times New Roman" panose="02020603050405020304" pitchFamily="18" charset="0"/>
+                <a:cs typeface="Times New Roman" panose="02020603050405020304" pitchFamily="18" charset="0"/>
               </a:rPr>
               <a:t> function </a:t>
             </a:r>
@@ -36415,6 +37812,8 @@
                     <a:lumMod val="10000"/>
                   </a:schemeClr>
                 </a:solidFill>
+                <a:latin typeface="Times New Roman" panose="02020603050405020304" pitchFamily="18" charset="0"/>
+                <a:cs typeface="Times New Roman" panose="02020603050405020304" pitchFamily="18" charset="0"/>
               </a:rPr>
               <a:t>từ</a:t>
             </a:r>
@@ -36425,6 +37824,8 @@
                     <a:lumMod val="10000"/>
                   </a:schemeClr>
                 </a:solidFill>
+                <a:latin typeface="Times New Roman" panose="02020603050405020304" pitchFamily="18" charset="0"/>
+                <a:cs typeface="Times New Roman" panose="02020603050405020304" pitchFamily="18" charset="0"/>
               </a:rPr>
               <a:t> JSX </a:t>
             </a:r>
@@ -36435,6 +37836,8 @@
                     <a:lumMod val="10000"/>
                   </a:schemeClr>
                 </a:solidFill>
+                <a:latin typeface="Times New Roman" panose="02020603050405020304" pitchFamily="18" charset="0"/>
+                <a:cs typeface="Times New Roman" panose="02020603050405020304" pitchFamily="18" charset="0"/>
               </a:rPr>
               <a:t>và</a:t>
             </a:r>
@@ -36445,6 +37848,8 @@
                     <a:lumMod val="10000"/>
                   </a:schemeClr>
                 </a:solidFill>
+                <a:latin typeface="Times New Roman" panose="02020603050405020304" pitchFamily="18" charset="0"/>
+                <a:cs typeface="Times New Roman" panose="02020603050405020304" pitchFamily="18" charset="0"/>
               </a:rPr>
               <a:t> Props</a:t>
             </a:r>
@@ -36454,6 +37859,8 @@
                   <a:lumMod val="10000"/>
                 </a:schemeClr>
               </a:solidFill>
+              <a:latin typeface="Times New Roman" panose="02020603050405020304" pitchFamily="18" charset="0"/>
+              <a:cs typeface="Times New Roman" panose="02020603050405020304" pitchFamily="18" charset="0"/>
             </a:endParaRPr>
           </a:p>
         </p:txBody>
@@ -36493,50 +37900,86 @@
               <a:buNone/>
             </a:pPr>
             <a:r>
-              <a:rPr lang="en-GB" dirty="0" err="1" smtClean="0"/>
+              <a:rPr lang="en-GB" dirty="0" err="1" smtClean="0">
+                <a:latin typeface="Times New Roman" panose="02020603050405020304" pitchFamily="18" charset="0"/>
+                <a:cs typeface="Times New Roman" panose="02020603050405020304" pitchFamily="18" charset="0"/>
+              </a:rPr>
               <a:t>Thành</a:t>
             </a:r>
             <a:r>
-              <a:rPr lang="en-GB" dirty="0" smtClean="0"/>
+              <a:rPr lang="en-GB" dirty="0" smtClean="0">
+                <a:latin typeface="Times New Roman" panose="02020603050405020304" pitchFamily="18" charset="0"/>
+                <a:cs typeface="Times New Roman" panose="02020603050405020304" pitchFamily="18" charset="0"/>
+              </a:rPr>
               <a:t> </a:t>
             </a:r>
             <a:r>
-              <a:rPr lang="en-GB" dirty="0" err="1" smtClean="0"/>
+              <a:rPr lang="en-GB" dirty="0" err="1" smtClean="0">
+                <a:latin typeface="Times New Roman" panose="02020603050405020304" pitchFamily="18" charset="0"/>
+                <a:cs typeface="Times New Roman" panose="02020603050405020304" pitchFamily="18" charset="0"/>
+              </a:rPr>
               <a:t>quả</a:t>
             </a:r>
             <a:r>
-              <a:rPr lang="en-GB" dirty="0" smtClean="0"/>
+              <a:rPr lang="en-GB" dirty="0" smtClean="0">
+                <a:latin typeface="Times New Roman" panose="02020603050405020304" pitchFamily="18" charset="0"/>
+                <a:cs typeface="Times New Roman" panose="02020603050405020304" pitchFamily="18" charset="0"/>
+              </a:rPr>
               <a:t> </a:t>
             </a:r>
             <a:r>
-              <a:rPr lang="en-GB" dirty="0" err="1" smtClean="0"/>
+              <a:rPr lang="en-GB" dirty="0" err="1" smtClean="0">
+                <a:latin typeface="Times New Roman" panose="02020603050405020304" pitchFamily="18" charset="0"/>
+                <a:cs typeface="Times New Roman" panose="02020603050405020304" pitchFamily="18" charset="0"/>
+              </a:rPr>
               <a:t>đạt</a:t>
             </a:r>
             <a:r>
-              <a:rPr lang="en-GB" dirty="0" smtClean="0"/>
+              <a:rPr lang="en-GB" dirty="0" smtClean="0">
+                <a:latin typeface="Times New Roman" panose="02020603050405020304" pitchFamily="18" charset="0"/>
+                <a:cs typeface="Times New Roman" panose="02020603050405020304" pitchFamily="18" charset="0"/>
+              </a:rPr>
               <a:t> </a:t>
             </a:r>
             <a:r>
-              <a:rPr lang="en-GB" dirty="0" err="1" smtClean="0"/>
+              <a:rPr lang="en-GB" dirty="0" err="1" smtClean="0">
+                <a:latin typeface="Times New Roman" panose="02020603050405020304" pitchFamily="18" charset="0"/>
+                <a:cs typeface="Times New Roman" panose="02020603050405020304" pitchFamily="18" charset="0"/>
+              </a:rPr>
               <a:t>được</a:t>
             </a:r>
             <a:r>
-              <a:rPr lang="en-GB" dirty="0" smtClean="0"/>
+              <a:rPr lang="en-GB" dirty="0" smtClean="0">
+                <a:latin typeface="Times New Roman" panose="02020603050405020304" pitchFamily="18" charset="0"/>
+                <a:cs typeface="Times New Roman" panose="02020603050405020304" pitchFamily="18" charset="0"/>
+              </a:rPr>
               <a:t> </a:t>
             </a:r>
             <a:r>
-              <a:rPr lang="en-GB" dirty="0" err="1" smtClean="0"/>
+              <a:rPr lang="en-GB" dirty="0" err="1" smtClean="0">
+                <a:latin typeface="Times New Roman" panose="02020603050405020304" pitchFamily="18" charset="0"/>
+                <a:cs typeface="Times New Roman" panose="02020603050405020304" pitchFamily="18" charset="0"/>
+              </a:rPr>
               <a:t>từ</a:t>
             </a:r>
             <a:r>
-              <a:rPr lang="en-GB" dirty="0" smtClean="0"/>
+              <a:rPr lang="en-GB" dirty="0" smtClean="0">
+                <a:latin typeface="Times New Roman" panose="02020603050405020304" pitchFamily="18" charset="0"/>
+                <a:cs typeface="Times New Roman" panose="02020603050405020304" pitchFamily="18" charset="0"/>
+              </a:rPr>
               <a:t> project </a:t>
             </a:r>
             <a:r>
-              <a:rPr lang="en-GB" dirty="0" err="1" smtClean="0"/>
+              <a:rPr lang="en-GB" dirty="0" err="1" smtClean="0">
+                <a:latin typeface="Times New Roman" panose="02020603050405020304" pitchFamily="18" charset="0"/>
+                <a:cs typeface="Times New Roman" panose="02020603050405020304" pitchFamily="18" charset="0"/>
+              </a:rPr>
               <a:t>Tiktok</a:t>
             </a:r>
-            <a:endParaRPr lang="en-GB" dirty="0"/>
+            <a:endParaRPr lang="en-GB" dirty="0">
+              <a:latin typeface="Times New Roman" panose="02020603050405020304" pitchFamily="18" charset="0"/>
+              <a:cs typeface="Times New Roman" panose="02020603050405020304" pitchFamily="18" charset="0"/>
+            </a:endParaRPr>
           </a:p>
         </p:txBody>
       </p:sp>
@@ -36804,6 +38247,10 @@
                 </a:spcAft>
                 <a:buNone/>
               </a:pPr>
+              <a:endParaRPr>
+                <a:latin typeface="Times New Roman" panose="02020603050405020304" pitchFamily="18" charset="0"/>
+                <a:cs typeface="Times New Roman" panose="02020603050405020304" pitchFamily="18" charset="0"/>
+              </a:endParaRPr>
             </a:p>
           </p:txBody>
         </p:sp>
@@ -37065,6 +38512,10 @@
                 </a:spcAft>
                 <a:buNone/>
               </a:pPr>
+              <a:endParaRPr>
+                <a:latin typeface="Times New Roman" panose="02020603050405020304" pitchFamily="18" charset="0"/>
+                <a:cs typeface="Times New Roman" panose="02020603050405020304" pitchFamily="18" charset="0"/>
+              </a:endParaRPr>
             </a:p>
           </p:txBody>
         </p:sp>
@@ -37342,14 +38793,16 @@
           <a:p>
             <a:r>
               <a:rPr lang="en-US" altLang="en-GB" sz="2000" dirty="0" smtClean="0">
-                <a:latin typeface="Roboto" panose="02000000000000000000" charset="0"/>
+                <a:latin typeface="Times New Roman" panose="02020603050405020304" pitchFamily="18" charset="0"/>
                 <a:ea typeface="Roboto" panose="02000000000000000000" charset="0"/>
+                <a:cs typeface="Times New Roman" panose="02020603050405020304" pitchFamily="18" charset="0"/>
               </a:rPr>
               <a:t>3. Project</a:t>
             </a:r>
             <a:endParaRPr lang="en-US" sz="2000" dirty="0">
-              <a:latin typeface="Roboto" panose="02000000000000000000" charset="0"/>
+              <a:latin typeface="Times New Roman" panose="02020603050405020304" pitchFamily="18" charset="0"/>
               <a:ea typeface="Roboto" panose="02000000000000000000" charset="0"/>
+              <a:cs typeface="Times New Roman" panose="02020603050405020304" pitchFamily="18" charset="0"/>
             </a:endParaRPr>
           </a:p>
         </p:txBody>
@@ -37413,34 +38866,58 @@
           <a:p>
             <a:pPr lvl="0" algn="l"/>
             <a:r>
-              <a:rPr lang="en-GB" sz="2400" dirty="0" err="1"/>
+              <a:rPr lang="en-GB" sz="2400" dirty="0" err="1">
+                <a:latin typeface="Times New Roman" panose="02020603050405020304" pitchFamily="18" charset="0"/>
+                <a:cs typeface="Times New Roman" panose="02020603050405020304" pitchFamily="18" charset="0"/>
+              </a:rPr>
               <a:t>Cấu</a:t>
             </a:r>
             <a:r>
-              <a:rPr lang="en-GB" sz="2400" dirty="0"/>
+              <a:rPr lang="en-GB" sz="2400" dirty="0">
+                <a:latin typeface="Times New Roman" panose="02020603050405020304" pitchFamily="18" charset="0"/>
+                <a:cs typeface="Times New Roman" panose="02020603050405020304" pitchFamily="18" charset="0"/>
+              </a:rPr>
               <a:t> </a:t>
             </a:r>
             <a:r>
-              <a:rPr lang="en-GB" sz="2400" dirty="0" err="1"/>
+              <a:rPr lang="en-GB" sz="2400" dirty="0" err="1">
+                <a:latin typeface="Times New Roman" panose="02020603050405020304" pitchFamily="18" charset="0"/>
+                <a:cs typeface="Times New Roman" panose="02020603050405020304" pitchFamily="18" charset="0"/>
+              </a:rPr>
               <a:t>trúc</a:t>
             </a:r>
             <a:r>
-              <a:rPr lang="en-GB" sz="2400" dirty="0"/>
+              <a:rPr lang="en-GB" sz="2400" dirty="0">
+                <a:latin typeface="Times New Roman" panose="02020603050405020304" pitchFamily="18" charset="0"/>
+                <a:cs typeface="Times New Roman" panose="02020603050405020304" pitchFamily="18" charset="0"/>
+              </a:rPr>
               <a:t> </a:t>
             </a:r>
             <a:r>
-              <a:rPr lang="en-GB" sz="2400" dirty="0" err="1"/>
+              <a:rPr lang="en-GB" sz="2400" dirty="0" err="1">
+                <a:latin typeface="Times New Roman" panose="02020603050405020304" pitchFamily="18" charset="0"/>
+                <a:cs typeface="Times New Roman" panose="02020603050405020304" pitchFamily="18" charset="0"/>
+              </a:rPr>
               <a:t>dự</a:t>
             </a:r>
             <a:r>
-              <a:rPr lang="en-GB" sz="2400" dirty="0"/>
+              <a:rPr lang="en-GB" sz="2400" dirty="0">
+                <a:latin typeface="Times New Roman" panose="02020603050405020304" pitchFamily="18" charset="0"/>
+                <a:cs typeface="Times New Roman" panose="02020603050405020304" pitchFamily="18" charset="0"/>
+              </a:rPr>
               <a:t> </a:t>
             </a:r>
             <a:r>
-              <a:rPr lang="en-GB" sz="2400" dirty="0" err="1"/>
+              <a:rPr lang="en-GB" sz="2400" dirty="0" err="1">
+                <a:latin typeface="Times New Roman" panose="02020603050405020304" pitchFamily="18" charset="0"/>
+                <a:cs typeface="Times New Roman" panose="02020603050405020304" pitchFamily="18" charset="0"/>
+              </a:rPr>
               <a:t>án</a:t>
             </a:r>
-            <a:endParaRPr lang="en-GB" sz="2400" dirty="0"/>
+            <a:endParaRPr lang="en-GB" sz="2400" dirty="0">
+              <a:latin typeface="Times New Roman" panose="02020603050405020304" pitchFamily="18" charset="0"/>
+              <a:cs typeface="Times New Roman" panose="02020603050405020304" pitchFamily="18" charset="0"/>
+            </a:endParaRPr>
           </a:p>
         </p:txBody>
       </p:sp>
@@ -37708,6 +39185,10 @@
                 </a:spcAft>
                 <a:buNone/>
               </a:pPr>
+              <a:endParaRPr>
+                <a:latin typeface="Times New Roman" panose="02020603050405020304" pitchFamily="18" charset="0"/>
+                <a:cs typeface="Times New Roman" panose="02020603050405020304" pitchFamily="18" charset="0"/>
+              </a:endParaRPr>
             </a:p>
           </p:txBody>
         </p:sp>
@@ -37969,6 +39450,10 @@
                 </a:spcAft>
                 <a:buNone/>
               </a:pPr>
+              <a:endParaRPr>
+                <a:latin typeface="Times New Roman" panose="02020603050405020304" pitchFamily="18" charset="0"/>
+                <a:cs typeface="Times New Roman" panose="02020603050405020304" pitchFamily="18" charset="0"/>
+              </a:endParaRPr>
             </a:p>
           </p:txBody>
         </p:sp>
@@ -38246,14 +39731,16 @@
           <a:p>
             <a:r>
               <a:rPr lang="en-US" altLang="en-GB" sz="2000" dirty="0" smtClean="0">
-                <a:latin typeface="Roboto" panose="02000000000000000000" charset="0"/>
+                <a:latin typeface="Times New Roman" panose="02020603050405020304" pitchFamily="18" charset="0"/>
                 <a:ea typeface="Roboto" panose="02000000000000000000" charset="0"/>
+                <a:cs typeface="Times New Roman" panose="02020603050405020304" pitchFamily="18" charset="0"/>
               </a:rPr>
               <a:t>3. Project</a:t>
             </a:r>
             <a:endParaRPr lang="en-US" sz="2000" dirty="0">
-              <a:latin typeface="Roboto" panose="02000000000000000000" charset="0"/>
+              <a:latin typeface="Times New Roman" panose="02020603050405020304" pitchFamily="18" charset="0"/>
               <a:ea typeface="Roboto" panose="02000000000000000000" charset="0"/>
+              <a:cs typeface="Times New Roman" panose="02020603050405020304" pitchFamily="18" charset="0"/>
             </a:endParaRPr>
           </a:p>
         </p:txBody>
@@ -38267,7 +39754,7 @@
           <p:nvPr/>
         </p:nvPicPr>
         <p:blipFill>
-          <a:blip r:embed="rId1"/>
+          <a:blip r:embed="rId3"/>
           <a:stretch>
             <a:fillRect/>
           </a:stretch>
@@ -38314,29 +39801,28 @@
             </a:pPr>
             <a:r>
               <a:rPr lang="en-GB" sz="1600" b="1" dirty="0" smtClean="0">
-                <a:latin typeface="Roboto" panose="02000000000000000000" charset="0"/>
+                <a:latin typeface="Times New Roman" panose="02020603050405020304" pitchFamily="18" charset="0"/>
                 <a:ea typeface="Roboto" panose="02000000000000000000" charset="0"/>
+                <a:cs typeface="Times New Roman" panose="02020603050405020304" pitchFamily="18" charset="0"/>
               </a:rPr>
               <a:t>Forder </a:t>
             </a:r>
             <a:r>
               <a:rPr lang="vi-VN" sz="1600" b="1" dirty="0" smtClean="0">
-                <a:latin typeface="Roboto" panose="02000000000000000000" charset="0"/>
+                <a:latin typeface="Times New Roman" panose="02020603050405020304" pitchFamily="18" charset="0"/>
                 <a:ea typeface="Roboto" panose="02000000000000000000" charset="0"/>
+                <a:cs typeface="Times New Roman" panose="02020603050405020304" pitchFamily="18" charset="0"/>
               </a:rPr>
               <a:t>src</a:t>
             </a:r>
             <a:r>
               <a:rPr lang="vi-VN" sz="1200" dirty="0">
-                <a:latin typeface="Roboto" panose="02000000000000000000" charset="0"/>
+                <a:latin typeface="Times New Roman" panose="02020603050405020304" pitchFamily="18" charset="0"/>
                 <a:ea typeface="Roboto" panose="02000000000000000000" charset="0"/>
+                <a:cs typeface="Times New Roman" panose="02020603050405020304" pitchFamily="18" charset="0"/>
               </a:rPr>
               <a:t>: Thư mục này chứa mã nguồn chính của ứng dụng của bạn, bao gồm các thành phần React, các tệp stylesheet và các hàm tiện ích.</a:t>
             </a:r>
-            <a:endParaRPr lang="vi-VN" sz="1200" dirty="0">
-              <a:latin typeface="Roboto" panose="02000000000000000000" charset="0"/>
-              <a:ea typeface="Roboto" panose="02000000000000000000" charset="0"/>
-            </a:endParaRPr>
           </a:p>
         </p:txBody>
       </p:sp>
@@ -38349,7 +39835,7 @@
         <p:spPr>
           <a:xfrm>
             <a:off x="3405809" y="1222978"/>
-            <a:ext cx="5419725" cy="523220"/>
+            <a:ext cx="5419725" cy="338554"/>
           </a:xfrm>
           <a:prstGeom prst="rect">
             <a:avLst/>
@@ -38372,49 +39858,56 @@
             </a:pPr>
             <a:r>
               <a:rPr lang="en-GB" sz="1600" b="1" dirty="0" smtClean="0">
-                <a:latin typeface="Roboto" panose="02000000000000000000" charset="0"/>
+                <a:latin typeface="Times New Roman" panose="02020603050405020304" pitchFamily="18" charset="0"/>
                 <a:ea typeface="Roboto" panose="02000000000000000000" charset="0"/>
+                <a:cs typeface="Times New Roman" panose="02020603050405020304" pitchFamily="18" charset="0"/>
               </a:rPr>
               <a:t>Folder </a:t>
             </a:r>
             <a:r>
               <a:rPr lang="vi-VN" sz="1600" b="1" dirty="0" smtClean="0">
-                <a:latin typeface="Roboto" panose="02000000000000000000" charset="0"/>
+                <a:latin typeface="Times New Roman" panose="02020603050405020304" pitchFamily="18" charset="0"/>
                 <a:ea typeface="Roboto" panose="02000000000000000000" charset="0"/>
+                <a:cs typeface="Times New Roman" panose="02020603050405020304" pitchFamily="18" charset="0"/>
               </a:rPr>
               <a:t>public</a:t>
             </a:r>
             <a:r>
               <a:rPr lang="vi-VN" sz="1200" dirty="0">
-                <a:latin typeface="Roboto" panose="02000000000000000000" charset="0"/>
+                <a:latin typeface="Times New Roman" panose="02020603050405020304" pitchFamily="18" charset="0"/>
                 <a:ea typeface="Roboto" panose="02000000000000000000" charset="0"/>
+                <a:cs typeface="Times New Roman" panose="02020603050405020304" pitchFamily="18" charset="0"/>
               </a:rPr>
               <a:t>: Thư mục này chứa các tệp HTML làm điểm vào cho ứng </a:t>
             </a:r>
             <a:r>
               <a:rPr lang="vi-VN" sz="1200" dirty="0" smtClean="0">
-                <a:latin typeface="Roboto" panose="02000000000000000000" charset="0"/>
+                <a:latin typeface="Times New Roman" panose="02020603050405020304" pitchFamily="18" charset="0"/>
                 <a:ea typeface="Roboto" panose="02000000000000000000" charset="0"/>
+                <a:cs typeface="Times New Roman" panose="02020603050405020304" pitchFamily="18" charset="0"/>
               </a:rPr>
               <a:t>dụ</a:t>
             </a:r>
             <a:r>
               <a:rPr lang="en-GB" sz="1200" dirty="0" smtClean="0">
-                <a:latin typeface="Roboto" panose="02000000000000000000" charset="0"/>
+                <a:latin typeface="Times New Roman" panose="02020603050405020304" pitchFamily="18" charset="0"/>
                 <a:ea typeface="Roboto" panose="02000000000000000000" charset="0"/>
+                <a:cs typeface="Times New Roman" panose="02020603050405020304" pitchFamily="18" charset="0"/>
               </a:rPr>
               <a:t>ng</a:t>
             </a:r>
             <a:r>
               <a:rPr lang="vi-VN" sz="1200" dirty="0" smtClean="0">
-                <a:latin typeface="Roboto" panose="02000000000000000000" charset="0"/>
+                <a:latin typeface="Times New Roman" panose="02020603050405020304" pitchFamily="18" charset="0"/>
                 <a:ea typeface="Roboto" panose="02000000000000000000" charset="0"/>
+                <a:cs typeface="Times New Roman" panose="02020603050405020304" pitchFamily="18" charset="0"/>
               </a:rPr>
               <a:t>.</a:t>
             </a:r>
             <a:endParaRPr lang="vi-VN" sz="1200" dirty="0">
-              <a:latin typeface="Roboto" panose="02000000000000000000" charset="0"/>
+              <a:latin typeface="Times New Roman" panose="02020603050405020304" pitchFamily="18" charset="0"/>
               <a:ea typeface="Roboto" panose="02000000000000000000" charset="0"/>
+              <a:cs typeface="Times New Roman" panose="02020603050405020304" pitchFamily="18" charset="0"/>
             </a:endParaRPr>
           </a:p>
         </p:txBody>
@@ -38429,8 +39922,8 @@
         </p:nvCxnSpPr>
         <p:spPr>
           <a:xfrm flipV="1">
-            <a:off x="1095375" y="1484588"/>
-            <a:ext cx="2310434" cy="496613"/>
+            <a:off x="1095375" y="1392255"/>
+            <a:ext cx="2310434" cy="588947"/>
           </a:xfrm>
           <a:prstGeom prst="bentConnector3">
             <a:avLst>
@@ -38540,7 +40033,7 @@
           <p:nvPr/>
         </p:nvPicPr>
         <p:blipFill>
-          <a:blip r:embed="rId1"/>
+          <a:blip r:embed="rId3"/>
           <a:stretch>
             <a:fillRect/>
           </a:stretch>
@@ -38582,10 +40075,14 @@
           <a:p>
             <a:pPr lvl="0" algn="l"/>
             <a:r>
-              <a:rPr lang="vi-VN" sz="2000" dirty="0"/>
+              <a:rPr lang="vi-VN" sz="2000" dirty="0">
+                <a:latin typeface="+mj-lt"/>
+              </a:rPr>
               <a:t>Phân loại thư mục src</a:t>
             </a:r>
-            <a:endParaRPr lang="en-GB" sz="2000" dirty="0"/>
+            <a:endParaRPr lang="en-GB" sz="2000" dirty="0">
+              <a:latin typeface="+mj-lt"/>
+            </a:endParaRPr>
           </a:p>
         </p:txBody>
       </p:sp>
@@ -38853,6 +40350,9 @@
                 </a:spcAft>
                 <a:buNone/>
               </a:pPr>
+              <a:endParaRPr>
+                <a:latin typeface="+mj-lt"/>
+              </a:endParaRPr>
             </a:p>
           </p:txBody>
         </p:sp>
@@ -39114,6 +40614,9 @@
                 </a:spcAft>
                 <a:buNone/>
               </a:pPr>
+              <a:endParaRPr>
+                <a:latin typeface="+mj-lt"/>
+              </a:endParaRPr>
             </a:p>
           </p:txBody>
         </p:sp>
@@ -39391,13 +40894,13 @@
           <a:p>
             <a:r>
               <a:rPr lang="en-US" altLang="en-GB" sz="2000" dirty="0" smtClean="0">
-                <a:latin typeface="Roboto" panose="02000000000000000000" charset="0"/>
+                <a:latin typeface="+mj-lt"/>
                 <a:ea typeface="Roboto" panose="02000000000000000000" charset="0"/>
               </a:rPr>
               <a:t>3. Project</a:t>
             </a:r>
             <a:endParaRPr lang="en-US" sz="2000" dirty="0">
-              <a:latin typeface="Roboto" panose="02000000000000000000" charset="0"/>
+              <a:latin typeface="+mj-lt"/>
               <a:ea typeface="Roboto" panose="02000000000000000000" charset="0"/>
             </a:endParaRPr>
           </a:p>
@@ -39435,29 +40938,25 @@
             </a:pPr>
             <a:r>
               <a:rPr lang="en-GB" sz="1600" b="1" dirty="0" smtClean="0">
-                <a:latin typeface="Roboto" panose="02000000000000000000" charset="0"/>
+                <a:latin typeface="+mj-lt"/>
                 <a:ea typeface="Roboto" panose="02000000000000000000" charset="0"/>
               </a:rPr>
               <a:t>Forder </a:t>
             </a:r>
             <a:r>
               <a:rPr lang="vi-VN" sz="1600" b="1" dirty="0">
-                <a:latin typeface="Roboto" panose="02000000000000000000" charset="0"/>
+                <a:latin typeface="+mj-lt"/>
                 <a:ea typeface="Roboto" panose="02000000000000000000" charset="0"/>
               </a:rPr>
               <a:t>components: </a:t>
             </a:r>
             <a:r>
               <a:rPr lang="vi-VN" sz="1200" dirty="0">
-                <a:latin typeface="Roboto" panose="02000000000000000000" charset="0"/>
+                <a:latin typeface="+mj-lt"/>
                 <a:ea typeface="Roboto" panose="02000000000000000000" charset="0"/>
               </a:rPr>
               <a:t>Thư mục này chứa các thành phần giao diện người dùng có thể tái sử dụng trong các trang khác nhau.</a:t>
             </a:r>
-            <a:endParaRPr lang="vi-VN" sz="1200" dirty="0">
-              <a:latin typeface="Roboto" panose="02000000000000000000" charset="0"/>
-              <a:ea typeface="Roboto" panose="02000000000000000000" charset="0"/>
-            </a:endParaRPr>
           </a:p>
         </p:txBody>
       </p:sp>
@@ -39493,29 +40992,25 @@
             </a:pPr>
             <a:r>
               <a:rPr lang="en-GB" sz="1600" b="1" dirty="0" smtClean="0">
-                <a:latin typeface="Roboto" panose="02000000000000000000" charset="0"/>
+                <a:latin typeface="+mj-lt"/>
                 <a:ea typeface="Roboto" panose="02000000000000000000" charset="0"/>
               </a:rPr>
               <a:t>Folder </a:t>
             </a:r>
             <a:r>
               <a:rPr lang="vi-VN" sz="1600" b="1" dirty="0">
-                <a:latin typeface="Roboto" panose="02000000000000000000" charset="0"/>
+                <a:latin typeface="+mj-lt"/>
                 <a:ea typeface="Roboto" panose="02000000000000000000" charset="0"/>
               </a:rPr>
               <a:t>assets: </a:t>
             </a:r>
             <a:r>
               <a:rPr lang="vi-VN" sz="1200" dirty="0">
-                <a:latin typeface="Roboto" panose="02000000000000000000" charset="0"/>
+                <a:latin typeface="+mj-lt"/>
                 <a:ea typeface="Roboto" panose="02000000000000000000" charset="0"/>
               </a:rPr>
               <a:t>Thư mục này lưu trữ các tài nguyên tĩnh như hình ảnh, font chữ hoặc biểu tượng.</a:t>
             </a:r>
-            <a:endParaRPr lang="vi-VN" sz="1200" dirty="0">
-              <a:latin typeface="Roboto" panose="02000000000000000000" charset="0"/>
-              <a:ea typeface="Roboto" panose="02000000000000000000" charset="0"/>
-            </a:endParaRPr>
           </a:p>
         </p:txBody>
       </p:sp>
@@ -39606,7 +41101,7 @@
           <p:nvPr/>
         </p:nvPicPr>
         <p:blipFill>
-          <a:blip r:embed="rId2"/>
+          <a:blip r:embed="rId4"/>
           <a:stretch>
             <a:fillRect/>
           </a:stretch>
@@ -39630,7 +41125,7 @@
           <p:nvPr/>
         </p:nvPicPr>
         <p:blipFill>
-          <a:blip r:embed="rId3"/>
+          <a:blip r:embed="rId5"/>
           <a:stretch>
             <a:fillRect/>
           </a:stretch>
@@ -39679,7 +41174,9 @@
           <a:lstStyle/>
           <a:p>
             <a:pPr algn="ctr"/>
-            <a:endParaRPr lang="en-US"/>
+            <a:endParaRPr lang="en-US">
+              <a:latin typeface="+mj-lt"/>
+            </a:endParaRPr>
           </a:p>
         </p:txBody>
       </p:sp>
@@ -39717,7 +41214,9 @@
           <a:lstStyle/>
           <a:p>
             <a:pPr algn="ctr"/>
-            <a:endParaRPr lang="en-US"/>
+            <a:endParaRPr lang="en-US">
+              <a:latin typeface="+mj-lt"/>
+            </a:endParaRPr>
           </a:p>
         </p:txBody>
       </p:sp>
@@ -40012,6 +41511,8 @@
       </a:bgFillStyleLst>
     </a:fmtScheme>
   </a:themeElements>
+  <a:objectDefaults/>
+  <a:extraClrSchemeLst/>
   <a:extLst>
     <a:ext uri="{05A4C25C-085E-4340-85A3-A5531E510DB2}">
       <thm15:themeFamily xmlns:thm15="http://schemas.microsoft.com/office/thememl/2012/main" name="Office Theme" id="{62F939B6-93AF-4DB8-9C6B-D6C7DFDC589F}" vid="{4A3C46E8-61CC-4603-A589-7422A47A8E4A}"/>
@@ -40296,6 +41797,8 @@
       </a:bgFillStyleLst>
     </a:fmtScheme>
   </a:themeElements>
+  <a:objectDefaults/>
+  <a:extraClrSchemeLst/>
   <a:extLst>
     <a:ext uri="{05A4C25C-085E-4340-85A3-A5531E510DB2}">
       <thm15:themeFamily xmlns:thm15="http://schemas.microsoft.com/office/thememl/2012/main" name="Office Theme" id="{62F939B6-93AF-4DB8-9C6B-D6C7DFDC589F}" vid="{4A3C46E8-61CC-4603-A589-7422A47A8E4A}"/>
